--- a/docs/sso.pptx
+++ b/docs/sso.pptx
@@ -9,12 +9,16 @@
     <p:sldId id="257" r:id="rId3"/>
     <p:sldId id="258" r:id="rId4"/>
     <p:sldId id="265" r:id="rId5"/>
-    <p:sldId id="259" r:id="rId6"/>
-    <p:sldId id="260" r:id="rId7"/>
-    <p:sldId id="261" r:id="rId8"/>
-    <p:sldId id="262" r:id="rId9"/>
-    <p:sldId id="263" r:id="rId10"/>
-    <p:sldId id="264" r:id="rId11"/>
+    <p:sldId id="266" r:id="rId6"/>
+    <p:sldId id="267" r:id="rId7"/>
+    <p:sldId id="268" r:id="rId8"/>
+    <p:sldId id="269" r:id="rId9"/>
+    <p:sldId id="259" r:id="rId10"/>
+    <p:sldId id="260" r:id="rId11"/>
+    <p:sldId id="261" r:id="rId12"/>
+    <p:sldId id="262" r:id="rId13"/>
+    <p:sldId id="263" r:id="rId14"/>
+    <p:sldId id="264" r:id="rId15"/>
   </p:sldIdLst>
   <p:sldSz cx="12192000" cy="6858000"/>
   <p:notesSz cx="6858000" cy="9144000"/>
@@ -113,6 +117,11 @@
       </a:defRPr>
     </a:lvl9pPr>
   </p:defaultTextStyle>
+  <p:extLst>
+    <p:ext uri="{EFAFB233-063F-42B5-8137-9DF3F51BA10A}">
+      <p15:sldGuideLst xmlns:p15="http://schemas.microsoft.com/office/powerpoint/2012/main"/>
+    </p:ext>
+  </p:extLst>
 </p:presentation>
 </file>
 
@@ -265,7 +274,7 @@
           <a:p>
             <a:fld id="{1597238E-43D8-4BC5-BC4F-29CFD1FF9E23}" type="datetimeFigureOut">
               <a:rPr lang="en-ID" smtClean="0"/>
-              <a:t>11/02/2025</a:t>
+              <a:t>13/02/2025</a:t>
             </a:fld>
             <a:endParaRPr lang="en-ID"/>
           </a:p>
@@ -465,7 +474,7 @@
           <a:p>
             <a:fld id="{1597238E-43D8-4BC5-BC4F-29CFD1FF9E23}" type="datetimeFigureOut">
               <a:rPr lang="en-ID" smtClean="0"/>
-              <a:t>11/02/2025</a:t>
+              <a:t>13/02/2025</a:t>
             </a:fld>
             <a:endParaRPr lang="en-ID"/>
           </a:p>
@@ -675,7 +684,7 @@
           <a:p>
             <a:fld id="{1597238E-43D8-4BC5-BC4F-29CFD1FF9E23}" type="datetimeFigureOut">
               <a:rPr lang="en-ID" smtClean="0"/>
-              <a:t>11/02/2025</a:t>
+              <a:t>13/02/2025</a:t>
             </a:fld>
             <a:endParaRPr lang="en-ID"/>
           </a:p>
@@ -875,7 +884,7 @@
           <a:p>
             <a:fld id="{1597238E-43D8-4BC5-BC4F-29CFD1FF9E23}" type="datetimeFigureOut">
               <a:rPr lang="en-ID" smtClean="0"/>
-              <a:t>11/02/2025</a:t>
+              <a:t>13/02/2025</a:t>
             </a:fld>
             <a:endParaRPr lang="en-ID"/>
           </a:p>
@@ -1151,7 +1160,7 @@
           <a:p>
             <a:fld id="{1597238E-43D8-4BC5-BC4F-29CFD1FF9E23}" type="datetimeFigureOut">
               <a:rPr lang="en-ID" smtClean="0"/>
-              <a:t>11/02/2025</a:t>
+              <a:t>13/02/2025</a:t>
             </a:fld>
             <a:endParaRPr lang="en-ID"/>
           </a:p>
@@ -1419,7 +1428,7 @@
           <a:p>
             <a:fld id="{1597238E-43D8-4BC5-BC4F-29CFD1FF9E23}" type="datetimeFigureOut">
               <a:rPr lang="en-ID" smtClean="0"/>
-              <a:t>11/02/2025</a:t>
+              <a:t>13/02/2025</a:t>
             </a:fld>
             <a:endParaRPr lang="en-ID"/>
           </a:p>
@@ -1834,7 +1843,7 @@
           <a:p>
             <a:fld id="{1597238E-43D8-4BC5-BC4F-29CFD1FF9E23}" type="datetimeFigureOut">
               <a:rPr lang="en-ID" smtClean="0"/>
-              <a:t>11/02/2025</a:t>
+              <a:t>13/02/2025</a:t>
             </a:fld>
             <a:endParaRPr lang="en-ID"/>
           </a:p>
@@ -1976,7 +1985,7 @@
           <a:p>
             <a:fld id="{1597238E-43D8-4BC5-BC4F-29CFD1FF9E23}" type="datetimeFigureOut">
               <a:rPr lang="en-ID" smtClean="0"/>
-              <a:t>11/02/2025</a:t>
+              <a:t>13/02/2025</a:t>
             </a:fld>
             <a:endParaRPr lang="en-ID"/>
           </a:p>
@@ -2089,7 +2098,7 @@
           <a:p>
             <a:fld id="{1597238E-43D8-4BC5-BC4F-29CFD1FF9E23}" type="datetimeFigureOut">
               <a:rPr lang="en-ID" smtClean="0"/>
-              <a:t>11/02/2025</a:t>
+              <a:t>13/02/2025</a:t>
             </a:fld>
             <a:endParaRPr lang="en-ID"/>
           </a:p>
@@ -2402,7 +2411,7 @@
           <a:p>
             <a:fld id="{1597238E-43D8-4BC5-BC4F-29CFD1FF9E23}" type="datetimeFigureOut">
               <a:rPr lang="en-ID" smtClean="0"/>
-              <a:t>11/02/2025</a:t>
+              <a:t>13/02/2025</a:t>
             </a:fld>
             <a:endParaRPr lang="en-ID"/>
           </a:p>
@@ -2691,7 +2700,7 @@
           <a:p>
             <a:fld id="{1597238E-43D8-4BC5-BC4F-29CFD1FF9E23}" type="datetimeFigureOut">
               <a:rPr lang="en-ID" smtClean="0"/>
-              <a:t>11/02/2025</a:t>
+              <a:t>13/02/2025</a:t>
             </a:fld>
             <a:endParaRPr lang="en-ID"/>
           </a:p>
@@ -2934,7 +2943,7 @@
           <a:p>
             <a:fld id="{1597238E-43D8-4BC5-BC4F-29CFD1FF9E23}" type="datetimeFigureOut">
               <a:rPr lang="en-ID" smtClean="0"/>
-              <a:t>11/02/2025</a:t>
+              <a:t>13/02/2025</a:t>
             </a:fld>
             <a:endParaRPr lang="en-ID"/>
           </a:p>
@@ -3440,6 +3449,418 @@
           <p:cNvPr id="2" name="Title 1">
             <a:extLst>
               <a:ext uri="{FF2B5EF4-FFF2-40B4-BE49-F238E27FC236}">
+                <a16:creationId xmlns:a16="http://schemas.microsoft.com/office/drawing/2014/main" id="{89B9A402-7DBE-2B2C-B9AB-F9C5269E1F83}"/>
+              </a:ext>
+            </a:extLst>
+          </p:cNvPr>
+          <p:cNvSpPr>
+            <a:spLocks noGrp="1"/>
+          </p:cNvSpPr>
+          <p:nvPr>
+            <p:ph type="title"/>
+          </p:nvPr>
+        </p:nvSpPr>
+        <p:spPr/>
+        <p:txBody>
+          <a:bodyPr/>
+          <a:lstStyle/>
+          <a:p>
+            <a:r>
+              <a:rPr lang="en-US" dirty="0"/>
+              <a:t>2. </a:t>
+            </a:r>
+            <a:r>
+              <a:rPr lang="en-US" dirty="0" err="1"/>
+              <a:t>Memastikan</a:t>
+            </a:r>
+            <a:r>
+              <a:rPr lang="en-US" dirty="0"/>
+              <a:t> user lama </a:t>
+            </a:r>
+            <a:r>
+              <a:rPr lang="en-US" dirty="0" err="1"/>
+              <a:t>bisa</a:t>
+            </a:r>
+            <a:r>
+              <a:rPr lang="en-US" dirty="0"/>
+              <a:t> login</a:t>
+            </a:r>
+            <a:endParaRPr lang="en-ID" dirty="0"/>
+          </a:p>
+        </p:txBody>
+      </p:sp>
+      <p:sp>
+        <p:nvSpPr>
+          <p:cNvPr id="3" name="Content Placeholder 2">
+            <a:extLst>
+              <a:ext uri="{FF2B5EF4-FFF2-40B4-BE49-F238E27FC236}">
+                <a16:creationId xmlns:a16="http://schemas.microsoft.com/office/drawing/2014/main" id="{ADCA0D0F-C07D-B7C8-436B-8BAE40D110D6}"/>
+              </a:ext>
+            </a:extLst>
+          </p:cNvPr>
+          <p:cNvSpPr>
+            <a:spLocks noGrp="1"/>
+          </p:cNvSpPr>
+          <p:nvPr>
+            <p:ph idx="1"/>
+          </p:nvPr>
+        </p:nvSpPr>
+        <p:spPr/>
+        <p:txBody>
+          <a:bodyPr/>
+          <a:lstStyle/>
+          <a:p>
+            <a:endParaRPr lang="en-ID"/>
+          </a:p>
+        </p:txBody>
+      </p:sp>
+    </p:spTree>
+    <p:extLst>
+      <p:ext uri="{BB962C8B-B14F-4D97-AF65-F5344CB8AC3E}">
+        <p14:creationId xmlns:p14="http://schemas.microsoft.com/office/powerpoint/2010/main" val="2289416928"/>
+      </p:ext>
+    </p:extLst>
+  </p:cSld>
+  <p:clrMapOvr>
+    <a:masterClrMapping/>
+  </p:clrMapOvr>
+</p:sld>
+</file>
+
+<file path=ppt/slides/slide11.xml><?xml version="1.0" encoding="utf-8"?>
+<p:sld xmlns:a="http://schemas.openxmlformats.org/drawingml/2006/main" xmlns:r="http://schemas.openxmlformats.org/officeDocument/2006/relationships" xmlns:p="http://schemas.openxmlformats.org/presentationml/2006/main">
+  <p:cSld>
+    <p:spTree>
+      <p:nvGrpSpPr>
+        <p:cNvPr id="1" name=""/>
+        <p:cNvGrpSpPr/>
+        <p:nvPr/>
+      </p:nvGrpSpPr>
+      <p:grpSpPr>
+        <a:xfrm>
+          <a:off x="0" y="0"/>
+          <a:ext cx="0" cy="0"/>
+          <a:chOff x="0" y="0"/>
+          <a:chExt cx="0" cy="0"/>
+        </a:xfrm>
+      </p:grpSpPr>
+      <p:sp>
+        <p:nvSpPr>
+          <p:cNvPr id="2" name="Title 1">
+            <a:extLst>
+              <a:ext uri="{FF2B5EF4-FFF2-40B4-BE49-F238E27FC236}">
+                <a16:creationId xmlns:a16="http://schemas.microsoft.com/office/drawing/2014/main" id="{FD650BE3-6926-0C94-8244-9BC079398590}"/>
+              </a:ext>
+            </a:extLst>
+          </p:cNvPr>
+          <p:cNvSpPr>
+            <a:spLocks noGrp="1"/>
+          </p:cNvSpPr>
+          <p:nvPr>
+            <p:ph type="title"/>
+          </p:nvPr>
+        </p:nvSpPr>
+        <p:spPr/>
+        <p:txBody>
+          <a:bodyPr/>
+          <a:lstStyle/>
+          <a:p>
+            <a:r>
+              <a:rPr lang="en-US" dirty="0"/>
+              <a:t>3. </a:t>
+            </a:r>
+            <a:r>
+              <a:rPr lang="en-US" dirty="0" err="1"/>
+              <a:t>Memastikan</a:t>
+            </a:r>
+            <a:r>
+              <a:rPr lang="en-US" dirty="0"/>
+              <a:t> client </a:t>
+            </a:r>
+            <a:r>
+              <a:rPr lang="en-US" dirty="0" err="1"/>
+              <a:t>bisa</a:t>
+            </a:r>
+            <a:r>
+              <a:rPr lang="en-US" dirty="0"/>
+              <a:t> grant authorized code</a:t>
+            </a:r>
+            <a:endParaRPr lang="en-ID" dirty="0"/>
+          </a:p>
+        </p:txBody>
+      </p:sp>
+      <p:sp>
+        <p:nvSpPr>
+          <p:cNvPr id="3" name="Content Placeholder 2">
+            <a:extLst>
+              <a:ext uri="{FF2B5EF4-FFF2-40B4-BE49-F238E27FC236}">
+                <a16:creationId xmlns:a16="http://schemas.microsoft.com/office/drawing/2014/main" id="{64ACC185-4151-A741-C0BF-DC054E0D791E}"/>
+              </a:ext>
+            </a:extLst>
+          </p:cNvPr>
+          <p:cNvSpPr>
+            <a:spLocks noGrp="1"/>
+          </p:cNvSpPr>
+          <p:nvPr>
+            <p:ph idx="1"/>
+          </p:nvPr>
+        </p:nvSpPr>
+        <p:spPr/>
+        <p:txBody>
+          <a:bodyPr/>
+          <a:lstStyle/>
+          <a:p>
+            <a:endParaRPr lang="en-ID"/>
+          </a:p>
+        </p:txBody>
+      </p:sp>
+    </p:spTree>
+    <p:extLst>
+      <p:ext uri="{BB962C8B-B14F-4D97-AF65-F5344CB8AC3E}">
+        <p14:creationId xmlns:p14="http://schemas.microsoft.com/office/powerpoint/2010/main" val="3704743256"/>
+      </p:ext>
+    </p:extLst>
+  </p:cSld>
+  <p:clrMapOvr>
+    <a:masterClrMapping/>
+  </p:clrMapOvr>
+</p:sld>
+</file>
+
+<file path=ppt/slides/slide12.xml><?xml version="1.0" encoding="utf-8"?>
+<p:sld xmlns:a="http://schemas.openxmlformats.org/drawingml/2006/main" xmlns:r="http://schemas.openxmlformats.org/officeDocument/2006/relationships" xmlns:p="http://schemas.openxmlformats.org/presentationml/2006/main">
+  <p:cSld>
+    <p:spTree>
+      <p:nvGrpSpPr>
+        <p:cNvPr id="1" name=""/>
+        <p:cNvGrpSpPr/>
+        <p:nvPr/>
+      </p:nvGrpSpPr>
+      <p:grpSpPr>
+        <a:xfrm>
+          <a:off x="0" y="0"/>
+          <a:ext cx="0" cy="0"/>
+          <a:chOff x="0" y="0"/>
+          <a:chExt cx="0" cy="0"/>
+        </a:xfrm>
+      </p:grpSpPr>
+      <p:sp>
+        <p:nvSpPr>
+          <p:cNvPr id="2" name="Title 1">
+            <a:extLst>
+              <a:ext uri="{FF2B5EF4-FFF2-40B4-BE49-F238E27FC236}">
+                <a16:creationId xmlns:a16="http://schemas.microsoft.com/office/drawing/2014/main" id="{BEE59281-AD18-2C89-6C7A-EA99EBEC81FC}"/>
+              </a:ext>
+            </a:extLst>
+          </p:cNvPr>
+          <p:cNvSpPr>
+            <a:spLocks noGrp="1"/>
+          </p:cNvSpPr>
+          <p:nvPr>
+            <p:ph type="title"/>
+          </p:nvPr>
+        </p:nvSpPr>
+        <p:spPr/>
+        <p:txBody>
+          <a:bodyPr/>
+          <a:lstStyle/>
+          <a:p>
+            <a:r>
+              <a:rPr lang="en-US" dirty="0"/>
+              <a:t>4. </a:t>
+            </a:r>
+            <a:r>
+              <a:rPr lang="en-US" dirty="0" err="1"/>
+              <a:t>Memastikan</a:t>
+            </a:r>
+            <a:r>
+              <a:rPr lang="en-US" dirty="0"/>
+              <a:t> client </a:t>
+            </a:r>
+            <a:r>
+              <a:rPr lang="en-US" dirty="0" err="1"/>
+              <a:t>bisa</a:t>
+            </a:r>
+            <a:r>
+              <a:rPr lang="en-US" dirty="0"/>
+              <a:t> grant password</a:t>
+            </a:r>
+            <a:endParaRPr lang="en-ID" dirty="0"/>
+          </a:p>
+        </p:txBody>
+      </p:sp>
+      <p:sp>
+        <p:nvSpPr>
+          <p:cNvPr id="3" name="Content Placeholder 2">
+            <a:extLst>
+              <a:ext uri="{FF2B5EF4-FFF2-40B4-BE49-F238E27FC236}">
+                <a16:creationId xmlns:a16="http://schemas.microsoft.com/office/drawing/2014/main" id="{863AABB6-87B8-AB7F-2B53-51F9B076FCCA}"/>
+              </a:ext>
+            </a:extLst>
+          </p:cNvPr>
+          <p:cNvSpPr>
+            <a:spLocks noGrp="1"/>
+          </p:cNvSpPr>
+          <p:nvPr>
+            <p:ph idx="1"/>
+          </p:nvPr>
+        </p:nvSpPr>
+        <p:spPr/>
+        <p:txBody>
+          <a:bodyPr/>
+          <a:lstStyle/>
+          <a:p>
+            <a:endParaRPr lang="en-ID"/>
+          </a:p>
+        </p:txBody>
+      </p:sp>
+    </p:spTree>
+    <p:extLst>
+      <p:ext uri="{BB962C8B-B14F-4D97-AF65-F5344CB8AC3E}">
+        <p14:creationId xmlns:p14="http://schemas.microsoft.com/office/powerpoint/2010/main" val="2140299502"/>
+      </p:ext>
+    </p:extLst>
+  </p:cSld>
+  <p:clrMapOvr>
+    <a:masterClrMapping/>
+  </p:clrMapOvr>
+</p:sld>
+</file>
+
+<file path=ppt/slides/slide13.xml><?xml version="1.0" encoding="utf-8"?>
+<p:sld xmlns:a="http://schemas.openxmlformats.org/drawingml/2006/main" xmlns:r="http://schemas.openxmlformats.org/officeDocument/2006/relationships" xmlns:p="http://schemas.openxmlformats.org/presentationml/2006/main">
+  <p:cSld>
+    <p:spTree>
+      <p:nvGrpSpPr>
+        <p:cNvPr id="1" name=""/>
+        <p:cNvGrpSpPr/>
+        <p:nvPr/>
+      </p:nvGrpSpPr>
+      <p:grpSpPr>
+        <a:xfrm>
+          <a:off x="0" y="0"/>
+          <a:ext cx="0" cy="0"/>
+          <a:chOff x="0" y="0"/>
+          <a:chExt cx="0" cy="0"/>
+        </a:xfrm>
+      </p:grpSpPr>
+      <p:sp>
+        <p:nvSpPr>
+          <p:cNvPr id="2" name="Title 1">
+            <a:extLst>
+              <a:ext uri="{FF2B5EF4-FFF2-40B4-BE49-F238E27FC236}">
+                <a16:creationId xmlns:a16="http://schemas.microsoft.com/office/drawing/2014/main" id="{83FD51DA-908C-5A25-4F7D-2355D4B85C32}"/>
+              </a:ext>
+            </a:extLst>
+          </p:cNvPr>
+          <p:cNvSpPr>
+            <a:spLocks noGrp="1"/>
+          </p:cNvSpPr>
+          <p:nvPr>
+            <p:ph type="title"/>
+          </p:nvPr>
+        </p:nvSpPr>
+        <p:spPr/>
+        <p:txBody>
+          <a:bodyPr/>
+          <a:lstStyle/>
+          <a:p>
+            <a:r>
+              <a:rPr lang="en-US" dirty="0"/>
+              <a:t>5. </a:t>
+            </a:r>
+            <a:r>
+              <a:rPr lang="en-US" dirty="0" err="1"/>
+              <a:t>Memastikan</a:t>
+            </a:r>
+            <a:r>
+              <a:rPr lang="en-US" dirty="0"/>
+              <a:t> </a:t>
+            </a:r>
+            <a:r>
+              <a:rPr lang="en-US" dirty="0" err="1"/>
+              <a:t>internet.brin</a:t>
+            </a:r>
+            <a:r>
+              <a:rPr lang="en-US" dirty="0"/>
+              <a:t> </a:t>
+            </a:r>
+            <a:r>
+              <a:rPr lang="en-US" dirty="0" err="1"/>
+              <a:t>bisa</a:t>
+            </a:r>
+            <a:r>
+              <a:rPr lang="en-US" dirty="0"/>
+              <a:t> </a:t>
+            </a:r>
+            <a:r>
+              <a:rPr lang="en-US" dirty="0" err="1"/>
+              <a:t>jalan</a:t>
+            </a:r>
+            <a:endParaRPr lang="en-ID" dirty="0"/>
+          </a:p>
+        </p:txBody>
+      </p:sp>
+      <p:sp>
+        <p:nvSpPr>
+          <p:cNvPr id="3" name="Content Placeholder 2">
+            <a:extLst>
+              <a:ext uri="{FF2B5EF4-FFF2-40B4-BE49-F238E27FC236}">
+                <a16:creationId xmlns:a16="http://schemas.microsoft.com/office/drawing/2014/main" id="{003EF440-054E-1A48-040C-AB382D70952A}"/>
+              </a:ext>
+            </a:extLst>
+          </p:cNvPr>
+          <p:cNvSpPr>
+            <a:spLocks noGrp="1"/>
+          </p:cNvSpPr>
+          <p:nvPr>
+            <p:ph idx="1"/>
+          </p:nvPr>
+        </p:nvSpPr>
+        <p:spPr/>
+        <p:txBody>
+          <a:bodyPr/>
+          <a:lstStyle/>
+          <a:p>
+            <a:endParaRPr lang="en-ID"/>
+          </a:p>
+        </p:txBody>
+      </p:sp>
+    </p:spTree>
+    <p:extLst>
+      <p:ext uri="{BB962C8B-B14F-4D97-AF65-F5344CB8AC3E}">
+        <p14:creationId xmlns:p14="http://schemas.microsoft.com/office/powerpoint/2010/main" val="464171024"/>
+      </p:ext>
+    </p:extLst>
+  </p:cSld>
+  <p:clrMapOvr>
+    <a:masterClrMapping/>
+  </p:clrMapOvr>
+</p:sld>
+</file>
+
+<file path=ppt/slides/slide14.xml><?xml version="1.0" encoding="utf-8"?>
+<p:sld xmlns:a="http://schemas.openxmlformats.org/drawingml/2006/main" xmlns:r="http://schemas.openxmlformats.org/officeDocument/2006/relationships" xmlns:p="http://schemas.openxmlformats.org/presentationml/2006/main">
+  <p:cSld>
+    <p:spTree>
+      <p:nvGrpSpPr>
+        <p:cNvPr id="1" name=""/>
+        <p:cNvGrpSpPr/>
+        <p:nvPr/>
+      </p:nvGrpSpPr>
+      <p:grpSpPr>
+        <a:xfrm>
+          <a:off x="0" y="0"/>
+          <a:ext cx="0" cy="0"/>
+          <a:chOff x="0" y="0"/>
+          <a:chExt cx="0" cy="0"/>
+        </a:xfrm>
+      </p:grpSpPr>
+      <p:sp>
+        <p:nvSpPr>
+          <p:cNvPr id="2" name="Title 1">
+            <a:extLst>
+              <a:ext uri="{FF2B5EF4-FFF2-40B4-BE49-F238E27FC236}">
                 <a16:creationId xmlns:a16="http://schemas.microsoft.com/office/drawing/2014/main" id="{DC46D0D0-00AF-5729-1D71-617DF951A9C6}"/>
               </a:ext>
             </a:extLst>
@@ -4042,7 +4463,7 @@
           <p:cNvPr id="2" name="Title 1">
             <a:extLst>
               <a:ext uri="{FF2B5EF4-FFF2-40B4-BE49-F238E27FC236}">
-                <a16:creationId xmlns:a16="http://schemas.microsoft.com/office/drawing/2014/main" id="{D2454750-3D14-C809-4334-8FD4402DF117}"/>
+                <a16:creationId xmlns:a16="http://schemas.microsoft.com/office/drawing/2014/main" id="{DCE32F46-EA22-D962-8081-2422A92C8FC0}"/>
               </a:ext>
             </a:extLst>
           </p:cNvPr>
@@ -4059,20 +4480,20 @@
           <a:lstStyle/>
           <a:p>
             <a:r>
+              <a:rPr lang="en-US" dirty="0" err="1"/>
+              <a:t>Instalasi</a:t>
+            </a:r>
+            <a:r>
               <a:rPr lang="en-US" dirty="0"/>
-              <a:t>1. </a:t>
+              <a:t> </a:t>
             </a:r>
             <a:r>
               <a:rPr lang="en-US" dirty="0" err="1"/>
-              <a:t>Aplikasi</a:t>
+              <a:t>Keycloak</a:t>
             </a:r>
             <a:r>
               <a:rPr lang="en-US" dirty="0"/>
-              <a:t> SSO </a:t>
-            </a:r>
-            <a:r>
-              <a:rPr lang="en-US" dirty="0" err="1"/>
-              <a:t>Berjalan</a:t>
+              <a:t> di Client (Laravel)</a:t>
             </a:r>
             <a:endParaRPr lang="en-ID" dirty="0"/>
           </a:p>
@@ -4083,7 +4504,7 @@
           <p:cNvPr id="3" name="Content Placeholder 2">
             <a:extLst>
               <a:ext uri="{FF2B5EF4-FFF2-40B4-BE49-F238E27FC236}">
-                <a16:creationId xmlns:a16="http://schemas.microsoft.com/office/drawing/2014/main" id="{808E94DA-096C-50BB-91AE-B140BFEC419E}"/>
+                <a16:creationId xmlns:a16="http://schemas.microsoft.com/office/drawing/2014/main" id="{6207AEA2-A1BF-89F0-D17B-DF713EC5BBE3}"/>
               </a:ext>
             </a:extLst>
           </p:cNvPr>
@@ -4099,14 +4520,63 @@
           <a:bodyPr/>
           <a:lstStyle/>
           <a:p>
-            <a:endParaRPr lang="en-ID"/>
+            <a:r>
+              <a:rPr lang="en-ID" b="0" i="0" dirty="0">
+                <a:solidFill>
+                  <a:srgbClr val="242424"/>
+                </a:solidFill>
+                <a:effectLst/>
+                <a:latin typeface="source-code-pro"/>
+              </a:rPr>
+              <a:t>Masuk </a:t>
+            </a:r>
+            <a:r>
+              <a:rPr lang="en-ID" b="0" i="0" dirty="0" err="1">
+                <a:solidFill>
+                  <a:srgbClr val="242424"/>
+                </a:solidFill>
+                <a:effectLst/>
+                <a:latin typeface="source-code-pro"/>
+              </a:rPr>
+              <a:t>ke</a:t>
+            </a:r>
+            <a:r>
+              <a:rPr lang="en-ID" b="0" i="0" dirty="0">
+                <a:solidFill>
+                  <a:srgbClr val="242424"/>
+                </a:solidFill>
+                <a:effectLst/>
+                <a:latin typeface="source-code-pro"/>
+              </a:rPr>
+              <a:t> container</a:t>
+            </a:r>
+          </a:p>
+          <a:p>
+            <a:pPr lvl="1"/>
+            <a:r>
+              <a:rPr lang="en-US" b="0" i="0" dirty="0">
+                <a:solidFill>
+                  <a:srgbClr val="242424"/>
+                </a:solidFill>
+                <a:effectLst/>
+                <a:latin typeface="source-code-pro"/>
+              </a:rPr>
+              <a:t>docker exec -it sso-brin-compose-keycloak_client_laravel-1 /bin/bash</a:t>
+            </a:r>
+            <a:endParaRPr lang="en-ID" b="0" i="0" dirty="0">
+              <a:solidFill>
+                <a:srgbClr val="242424"/>
+              </a:solidFill>
+              <a:effectLst/>
+              <a:latin typeface="source-code-pro"/>
+            </a:endParaRPr>
           </a:p>
         </p:txBody>
       </p:sp>
     </p:spTree>
     <p:extLst>
       <p:ext uri="{BB962C8B-B14F-4D97-AF65-F5344CB8AC3E}">
-        <p14:creationId xmlns:p14="http://schemas.microsoft.com/office/powerpoint/2010/main" val="861739525"/>
+        <p14:creationId xmlns:p14="http://schemas.microsoft.com/office/powerpoint/2010/main" val="2517557887"/>
       </p:ext>
     </p:extLst>
   </p:cSld>
@@ -4121,7 +4591,13 @@
   <p:cSld>
     <p:spTree>
       <p:nvGrpSpPr>
-        <p:cNvPr id="1" name=""/>
+        <p:cNvPr id="1" name="">
+          <a:extLst>
+            <a:ext uri="{FF2B5EF4-FFF2-40B4-BE49-F238E27FC236}">
+              <a16:creationId xmlns:a16="http://schemas.microsoft.com/office/drawing/2014/main" id="{F875FCAB-F088-9F96-9565-F3D50AA582D1}"/>
+            </a:ext>
+          </a:extLst>
+        </p:cNvPr>
         <p:cNvGrpSpPr/>
         <p:nvPr/>
       </p:nvGrpSpPr>
@@ -4138,7 +4614,7 @@
           <p:cNvPr id="2" name="Title 1">
             <a:extLst>
               <a:ext uri="{FF2B5EF4-FFF2-40B4-BE49-F238E27FC236}">
-                <a16:creationId xmlns:a16="http://schemas.microsoft.com/office/drawing/2014/main" id="{89B9A402-7DBE-2B2C-B9AB-F9C5269E1F83}"/>
+                <a16:creationId xmlns:a16="http://schemas.microsoft.com/office/drawing/2014/main" id="{9BC35544-89D1-3971-822F-0E08D3BE1CF7}"/>
               </a:ext>
             </a:extLst>
           </p:cNvPr>
@@ -4155,24 +4631,20 @@
           <a:lstStyle/>
           <a:p>
             <a:r>
+              <a:rPr lang="en-US" dirty="0" err="1"/>
+              <a:t>Instalasi</a:t>
+            </a:r>
+            <a:r>
               <a:rPr lang="en-US" dirty="0"/>
-              <a:t>2. </a:t>
+              <a:t> </a:t>
             </a:r>
             <a:r>
               <a:rPr lang="en-US" dirty="0" err="1"/>
-              <a:t>Memastikan</a:t>
+              <a:t>Keycloak</a:t>
             </a:r>
             <a:r>
               <a:rPr lang="en-US" dirty="0"/>
-              <a:t> user lama </a:t>
-            </a:r>
-            <a:r>
-              <a:rPr lang="en-US" dirty="0" err="1"/>
-              <a:t>bisa</a:t>
-            </a:r>
-            <a:r>
-              <a:rPr lang="en-US" dirty="0"/>
-              <a:t> login</a:t>
+              <a:t> di Client (Laravel) : 2</a:t>
             </a:r>
             <a:endParaRPr lang="en-ID" dirty="0"/>
           </a:p>
@@ -4183,7 +4655,7 @@
           <p:cNvPr id="3" name="Content Placeholder 2">
             <a:extLst>
               <a:ext uri="{FF2B5EF4-FFF2-40B4-BE49-F238E27FC236}">
-                <a16:creationId xmlns:a16="http://schemas.microsoft.com/office/drawing/2014/main" id="{ADCA0D0F-C07D-B7C8-436B-8BAE40D110D6}"/>
+                <a16:creationId xmlns:a16="http://schemas.microsoft.com/office/drawing/2014/main" id="{417003AF-B67A-ABB4-8941-BC32224822E7}"/>
               </a:ext>
             </a:extLst>
           </p:cNvPr>
@@ -4199,14 +4671,153 @@
           <a:bodyPr/>
           <a:lstStyle/>
           <a:p>
-            <a:endParaRPr lang="en-ID"/>
+            <a:r>
+              <a:rPr lang="en-ID" b="0" i="0" dirty="0">
+                <a:solidFill>
+                  <a:srgbClr val="242424"/>
+                </a:solidFill>
+                <a:effectLst/>
+                <a:latin typeface="source-code-pro"/>
+              </a:rPr>
+              <a:t>composer require </a:t>
+            </a:r>
+            <a:r>
+              <a:rPr lang="en-ID" b="0" i="0" dirty="0" err="1">
+                <a:solidFill>
+                  <a:srgbClr val="242424"/>
+                </a:solidFill>
+                <a:effectLst/>
+                <a:latin typeface="source-code-pro"/>
+              </a:rPr>
+              <a:t>laravel</a:t>
+            </a:r>
+            <a:r>
+              <a:rPr lang="en-ID" b="0" i="0" dirty="0">
+                <a:solidFill>
+                  <a:srgbClr val="242424"/>
+                </a:solidFill>
+                <a:effectLst/>
+                <a:latin typeface="source-code-pro"/>
+              </a:rPr>
+              <a:t>/socialite </a:t>
+            </a:r>
+          </a:p>
+          <a:p>
+            <a:r>
+              <a:rPr lang="en-ID" b="0" i="0" dirty="0">
+                <a:solidFill>
+                  <a:srgbClr val="242424"/>
+                </a:solidFill>
+                <a:effectLst/>
+                <a:latin typeface="source-code-pro"/>
+              </a:rPr>
+              <a:t>composer require </a:t>
+            </a:r>
+            <a:r>
+              <a:rPr lang="en-ID" b="0" i="0" dirty="0" err="1">
+                <a:solidFill>
+                  <a:srgbClr val="242424"/>
+                </a:solidFill>
+                <a:effectLst/>
+                <a:latin typeface="source-code-pro"/>
+              </a:rPr>
+              <a:t>socialiteproviders</a:t>
+            </a:r>
+            <a:r>
+              <a:rPr lang="en-ID" b="0" i="0" dirty="0">
+                <a:solidFill>
+                  <a:srgbClr val="242424"/>
+                </a:solidFill>
+                <a:effectLst/>
+                <a:latin typeface="source-code-pro"/>
+              </a:rPr>
+              <a:t>/manager</a:t>
+            </a:r>
+          </a:p>
+          <a:p>
+            <a:r>
+              <a:rPr lang="en-ID" b="0" i="0" dirty="0">
+                <a:solidFill>
+                  <a:srgbClr val="242424"/>
+                </a:solidFill>
+                <a:effectLst/>
+                <a:latin typeface="source-code-pro"/>
+              </a:rPr>
+              <a:t>composer require </a:t>
+            </a:r>
+            <a:r>
+              <a:rPr lang="en-ID" b="0" i="0" dirty="0" err="1">
+                <a:solidFill>
+                  <a:srgbClr val="242424"/>
+                </a:solidFill>
+                <a:effectLst/>
+                <a:latin typeface="source-code-pro"/>
+              </a:rPr>
+              <a:t>socialiteproviders</a:t>
+            </a:r>
+            <a:r>
+              <a:rPr lang="en-ID" b="0" i="0" dirty="0">
+                <a:solidFill>
+                  <a:srgbClr val="242424"/>
+                </a:solidFill>
+                <a:effectLst/>
+                <a:latin typeface="source-code-pro"/>
+              </a:rPr>
+              <a:t>/</a:t>
+            </a:r>
+            <a:r>
+              <a:rPr lang="en-ID" b="0" i="0" dirty="0" err="1">
+                <a:solidFill>
+                  <a:srgbClr val="242424"/>
+                </a:solidFill>
+                <a:effectLst/>
+                <a:latin typeface="source-code-pro"/>
+              </a:rPr>
+              <a:t>keycloak</a:t>
+            </a:r>
+            <a:endParaRPr lang="en-ID" dirty="0"/>
+          </a:p>
+        </p:txBody>
+      </p:sp>
+      <p:sp>
+        <p:nvSpPr>
+          <p:cNvPr id="5" name="TextBox 4">
+            <a:extLst>
+              <a:ext uri="{FF2B5EF4-FFF2-40B4-BE49-F238E27FC236}">
+                <a16:creationId xmlns:a16="http://schemas.microsoft.com/office/drawing/2014/main" id="{0DEA30F7-C9BA-93DF-A2A2-F82E1BEB0263}"/>
+              </a:ext>
+            </a:extLst>
+          </p:cNvPr>
+          <p:cNvSpPr txBox="1"/>
+          <p:nvPr/>
+        </p:nvSpPr>
+        <p:spPr>
+          <a:xfrm>
+            <a:off x="395720" y="6308209"/>
+            <a:ext cx="10881880" cy="369332"/>
+          </a:xfrm>
+          <a:prstGeom prst="rect">
+            <a:avLst/>
+          </a:prstGeom>
+          <a:noFill/>
+        </p:spPr>
+        <p:txBody>
+          <a:bodyPr wrap="square">
+            <a:spAutoFit/>
+          </a:bodyPr>
+          <a:lstStyle/>
+          <a:p>
+            <a:r>
+              <a:rPr lang="en-ID" dirty="0"/>
+              <a:t>https://medium.com/@possibleolayode5344/laravel-socialite-keycloak-integration-98d512a63460</a:t>
+            </a:r>
           </a:p>
         </p:txBody>
       </p:sp>
     </p:spTree>
     <p:extLst>
       <p:ext uri="{BB962C8B-B14F-4D97-AF65-F5344CB8AC3E}">
-        <p14:creationId xmlns:p14="http://schemas.microsoft.com/office/powerpoint/2010/main" val="2289416928"/>
+        <p14:creationId xmlns:p14="http://schemas.microsoft.com/office/powerpoint/2010/main" val="646416563"/>
       </p:ext>
     </p:extLst>
   </p:cSld>
@@ -4221,7 +4832,13 @@
   <p:cSld>
     <p:spTree>
       <p:nvGrpSpPr>
-        <p:cNvPr id="1" name=""/>
+        <p:cNvPr id="1" name="">
+          <a:extLst>
+            <a:ext uri="{FF2B5EF4-FFF2-40B4-BE49-F238E27FC236}">
+              <a16:creationId xmlns:a16="http://schemas.microsoft.com/office/drawing/2014/main" id="{B60D401B-9E8F-4F03-EA49-E69F9AA5A73D}"/>
+            </a:ext>
+          </a:extLst>
+        </p:cNvPr>
         <p:cNvGrpSpPr/>
         <p:nvPr/>
       </p:nvGrpSpPr>
@@ -4238,7 +4855,7 @@
           <p:cNvPr id="2" name="Title 1">
             <a:extLst>
               <a:ext uri="{FF2B5EF4-FFF2-40B4-BE49-F238E27FC236}">
-                <a16:creationId xmlns:a16="http://schemas.microsoft.com/office/drawing/2014/main" id="{FD650BE3-6926-0C94-8244-9BC079398590}"/>
+                <a16:creationId xmlns:a16="http://schemas.microsoft.com/office/drawing/2014/main" id="{B1D9101F-75C5-9BD5-0CE9-52A99DD83E38}"/>
               </a:ext>
             </a:extLst>
           </p:cNvPr>
@@ -4255,24 +4872,20 @@
           <a:lstStyle/>
           <a:p>
             <a:r>
+              <a:rPr lang="en-US" dirty="0" err="1"/>
+              <a:t>Instalasi</a:t>
+            </a:r>
+            <a:r>
               <a:rPr lang="en-US" dirty="0"/>
-              <a:t>3. </a:t>
+              <a:t> </a:t>
             </a:r>
             <a:r>
               <a:rPr lang="en-US" dirty="0" err="1"/>
-              <a:t>Memastikan</a:t>
+              <a:t>Keycloak</a:t>
             </a:r>
             <a:r>
               <a:rPr lang="en-US" dirty="0"/>
-              <a:t> client </a:t>
-            </a:r>
-            <a:r>
-              <a:rPr lang="en-US" dirty="0" err="1"/>
-              <a:t>bisa</a:t>
-            </a:r>
-            <a:r>
-              <a:rPr lang="en-US" dirty="0"/>
-              <a:t> grant authorized code</a:t>
+              <a:t> di Client (Laravel) : 3</a:t>
             </a:r>
             <a:endParaRPr lang="en-ID" dirty="0"/>
           </a:p>
@@ -4280,33 +4893,795 @@
       </p:sp>
       <p:sp>
         <p:nvSpPr>
-          <p:cNvPr id="3" name="Content Placeholder 2">
-            <a:extLst>
-              <a:ext uri="{FF2B5EF4-FFF2-40B4-BE49-F238E27FC236}">
-                <a16:creationId xmlns:a16="http://schemas.microsoft.com/office/drawing/2014/main" id="{64ACC185-4151-A741-C0BF-DC054E0D791E}"/>
-              </a:ext>
-            </a:extLst>
-          </p:cNvPr>
-          <p:cNvSpPr>
-            <a:spLocks noGrp="1"/>
-          </p:cNvSpPr>
-          <p:nvPr>
-            <p:ph idx="1"/>
-          </p:nvPr>
-        </p:nvSpPr>
-        <p:spPr/>
-        <p:txBody>
-          <a:bodyPr/>
-          <a:lstStyle/>
-          <a:p>
-            <a:endParaRPr lang="en-ID"/>
+          <p:cNvPr id="5" name="TextBox 4">
+            <a:extLst>
+              <a:ext uri="{FF2B5EF4-FFF2-40B4-BE49-F238E27FC236}">
+                <a16:creationId xmlns:a16="http://schemas.microsoft.com/office/drawing/2014/main" id="{77312746-6D90-9F1C-6ADD-DB4DC96FB6C6}"/>
+              </a:ext>
+            </a:extLst>
+          </p:cNvPr>
+          <p:cNvSpPr txBox="1"/>
+          <p:nvPr/>
+        </p:nvSpPr>
+        <p:spPr>
+          <a:xfrm>
+            <a:off x="395720" y="6308209"/>
+            <a:ext cx="10881880" cy="369332"/>
+          </a:xfrm>
+          <a:prstGeom prst="rect">
+            <a:avLst/>
+          </a:prstGeom>
+          <a:noFill/>
+        </p:spPr>
+        <p:txBody>
+          <a:bodyPr wrap="square">
+            <a:spAutoFit/>
+          </a:bodyPr>
+          <a:lstStyle/>
+          <a:p>
+            <a:r>
+              <a:rPr lang="en-ID" dirty="0"/>
+              <a:t>https://medium.com/@possibleolayode5344/laravel-socialite-keycloak-integration-98d512a63460</a:t>
+            </a:r>
+          </a:p>
+        </p:txBody>
+      </p:sp>
+      <p:sp>
+        <p:nvSpPr>
+          <p:cNvPr id="6" name="TextBox 5">
+            <a:extLst>
+              <a:ext uri="{FF2B5EF4-FFF2-40B4-BE49-F238E27FC236}">
+                <a16:creationId xmlns:a16="http://schemas.microsoft.com/office/drawing/2014/main" id="{8C20B658-0205-5D33-15AF-6CBDEB8BB967}"/>
+              </a:ext>
+            </a:extLst>
+          </p:cNvPr>
+          <p:cNvSpPr txBox="1"/>
+          <p:nvPr/>
+        </p:nvSpPr>
+        <p:spPr>
+          <a:xfrm>
+            <a:off x="1047750" y="2910575"/>
+            <a:ext cx="7905750" cy="2540824"/>
+          </a:xfrm>
+          <a:prstGeom prst="rect">
+            <a:avLst/>
+          </a:prstGeom>
+          <a:noFill/>
+        </p:spPr>
+        <p:txBody>
+          <a:bodyPr wrap="square">
+            <a:spAutoFit/>
+          </a:bodyPr>
+          <a:lstStyle/>
+          <a:p>
+            <a:pPr>
+              <a:lnSpc>
+                <a:spcPct val="150000"/>
+              </a:lnSpc>
+            </a:pPr>
+            <a:r>
+              <a:rPr lang="en-US" b="0" dirty="0">
+                <a:solidFill>
+                  <a:srgbClr val="CE9178"/>
+                </a:solidFill>
+                <a:effectLst/>
+                <a:latin typeface="Consolas" panose="020B0609020204030204" pitchFamily="49" charset="0"/>
+              </a:rPr>
+              <a:t>'</a:t>
+            </a:r>
+            <a:r>
+              <a:rPr lang="en-US" b="0" dirty="0" err="1">
+                <a:solidFill>
+                  <a:srgbClr val="CE9178"/>
+                </a:solidFill>
+                <a:effectLst/>
+                <a:latin typeface="Consolas" panose="020B0609020204030204" pitchFamily="49" charset="0"/>
+              </a:rPr>
+              <a:t>keycloak</a:t>
+            </a:r>
+            <a:r>
+              <a:rPr lang="en-US" b="0" dirty="0">
+                <a:solidFill>
+                  <a:srgbClr val="CE9178"/>
+                </a:solidFill>
+                <a:effectLst/>
+                <a:latin typeface="Consolas" panose="020B0609020204030204" pitchFamily="49" charset="0"/>
+              </a:rPr>
+              <a:t>'</a:t>
+            </a:r>
+            <a:r>
+              <a:rPr lang="en-US" b="0" dirty="0">
+                <a:solidFill>
+                  <a:srgbClr val="D4D4D4"/>
+                </a:solidFill>
+                <a:effectLst/>
+                <a:latin typeface="Consolas" panose="020B0609020204030204" pitchFamily="49" charset="0"/>
+              </a:rPr>
+              <a:t> =&gt; [</a:t>
+            </a:r>
+            <a:endParaRPr lang="en-US" b="0" dirty="0">
+              <a:solidFill>
+                <a:srgbClr val="CCCCCC"/>
+              </a:solidFill>
+              <a:effectLst/>
+              <a:latin typeface="Consolas" panose="020B0609020204030204" pitchFamily="49" charset="0"/>
+            </a:endParaRPr>
+          </a:p>
+          <a:p>
+            <a:pPr>
+              <a:lnSpc>
+                <a:spcPct val="150000"/>
+              </a:lnSpc>
+            </a:pPr>
+            <a:r>
+              <a:rPr lang="en-US" b="0" dirty="0">
+                <a:solidFill>
+                  <a:srgbClr val="D4D4D4"/>
+                </a:solidFill>
+                <a:effectLst/>
+                <a:latin typeface="Consolas" panose="020B0609020204030204" pitchFamily="49" charset="0"/>
+              </a:rPr>
+              <a:t>        </a:t>
+            </a:r>
+            <a:r>
+              <a:rPr lang="en-US" b="0" dirty="0">
+                <a:solidFill>
+                  <a:srgbClr val="CE9178"/>
+                </a:solidFill>
+                <a:effectLst/>
+                <a:latin typeface="Consolas" panose="020B0609020204030204" pitchFamily="49" charset="0"/>
+              </a:rPr>
+              <a:t>'</a:t>
+            </a:r>
+            <a:r>
+              <a:rPr lang="en-US" b="0" dirty="0" err="1">
+                <a:solidFill>
+                  <a:srgbClr val="CE9178"/>
+                </a:solidFill>
+                <a:effectLst/>
+                <a:latin typeface="Consolas" panose="020B0609020204030204" pitchFamily="49" charset="0"/>
+              </a:rPr>
+              <a:t>client_id</a:t>
+            </a:r>
+            <a:r>
+              <a:rPr lang="en-US" b="0" dirty="0">
+                <a:solidFill>
+                  <a:srgbClr val="CE9178"/>
+                </a:solidFill>
+                <a:effectLst/>
+                <a:latin typeface="Consolas" panose="020B0609020204030204" pitchFamily="49" charset="0"/>
+              </a:rPr>
+              <a:t>'</a:t>
+            </a:r>
+            <a:r>
+              <a:rPr lang="en-US" b="0" dirty="0">
+                <a:solidFill>
+                  <a:srgbClr val="D4D4D4"/>
+                </a:solidFill>
+                <a:effectLst/>
+                <a:latin typeface="Consolas" panose="020B0609020204030204" pitchFamily="49" charset="0"/>
+              </a:rPr>
+              <a:t> =&gt; </a:t>
+            </a:r>
+            <a:r>
+              <a:rPr lang="en-US" b="0" dirty="0">
+                <a:solidFill>
+                  <a:srgbClr val="DCDCAA"/>
+                </a:solidFill>
+                <a:effectLst/>
+                <a:latin typeface="Consolas" panose="020B0609020204030204" pitchFamily="49" charset="0"/>
+              </a:rPr>
+              <a:t>env</a:t>
+            </a:r>
+            <a:r>
+              <a:rPr lang="en-US" b="0" dirty="0">
+                <a:solidFill>
+                  <a:srgbClr val="D4D4D4"/>
+                </a:solidFill>
+                <a:effectLst/>
+                <a:latin typeface="Consolas" panose="020B0609020204030204" pitchFamily="49" charset="0"/>
+              </a:rPr>
+              <a:t>(</a:t>
+            </a:r>
+            <a:r>
+              <a:rPr lang="en-US" b="0" dirty="0">
+                <a:solidFill>
+                  <a:srgbClr val="CE9178"/>
+                </a:solidFill>
+                <a:effectLst/>
+                <a:latin typeface="Consolas" panose="020B0609020204030204" pitchFamily="49" charset="0"/>
+              </a:rPr>
+              <a:t>'KEYCLOAK_CLIENT_ID'</a:t>
+            </a:r>
+            <a:r>
+              <a:rPr lang="en-US" b="0" dirty="0">
+                <a:solidFill>
+                  <a:srgbClr val="D4D4D4"/>
+                </a:solidFill>
+                <a:effectLst/>
+                <a:latin typeface="Consolas" panose="020B0609020204030204" pitchFamily="49" charset="0"/>
+              </a:rPr>
+              <a:t>),</a:t>
+            </a:r>
+            <a:endParaRPr lang="en-US" b="0" dirty="0">
+              <a:solidFill>
+                <a:srgbClr val="CCCCCC"/>
+              </a:solidFill>
+              <a:effectLst/>
+              <a:latin typeface="Consolas" panose="020B0609020204030204" pitchFamily="49" charset="0"/>
+            </a:endParaRPr>
+          </a:p>
+          <a:p>
+            <a:pPr>
+              <a:lnSpc>
+                <a:spcPct val="150000"/>
+              </a:lnSpc>
+            </a:pPr>
+            <a:r>
+              <a:rPr lang="en-US" b="0" dirty="0">
+                <a:solidFill>
+                  <a:srgbClr val="D4D4D4"/>
+                </a:solidFill>
+                <a:effectLst/>
+                <a:latin typeface="Consolas" panose="020B0609020204030204" pitchFamily="49" charset="0"/>
+              </a:rPr>
+              <a:t>        </a:t>
+            </a:r>
+            <a:r>
+              <a:rPr lang="en-US" b="0" dirty="0">
+                <a:solidFill>
+                  <a:srgbClr val="CE9178"/>
+                </a:solidFill>
+                <a:effectLst/>
+                <a:latin typeface="Consolas" panose="020B0609020204030204" pitchFamily="49" charset="0"/>
+              </a:rPr>
+              <a:t>'</a:t>
+            </a:r>
+            <a:r>
+              <a:rPr lang="en-US" b="0" dirty="0" err="1">
+                <a:solidFill>
+                  <a:srgbClr val="CE9178"/>
+                </a:solidFill>
+                <a:effectLst/>
+                <a:latin typeface="Consolas" panose="020B0609020204030204" pitchFamily="49" charset="0"/>
+              </a:rPr>
+              <a:t>client_secret</a:t>
+            </a:r>
+            <a:r>
+              <a:rPr lang="en-US" b="0" dirty="0">
+                <a:solidFill>
+                  <a:srgbClr val="CE9178"/>
+                </a:solidFill>
+                <a:effectLst/>
+                <a:latin typeface="Consolas" panose="020B0609020204030204" pitchFamily="49" charset="0"/>
+              </a:rPr>
+              <a:t>'</a:t>
+            </a:r>
+            <a:r>
+              <a:rPr lang="en-US" b="0" dirty="0">
+                <a:solidFill>
+                  <a:srgbClr val="D4D4D4"/>
+                </a:solidFill>
+                <a:effectLst/>
+                <a:latin typeface="Consolas" panose="020B0609020204030204" pitchFamily="49" charset="0"/>
+              </a:rPr>
+              <a:t> =&gt; </a:t>
+            </a:r>
+            <a:r>
+              <a:rPr lang="en-US" b="0" dirty="0">
+                <a:solidFill>
+                  <a:srgbClr val="DCDCAA"/>
+                </a:solidFill>
+                <a:effectLst/>
+                <a:latin typeface="Consolas" panose="020B0609020204030204" pitchFamily="49" charset="0"/>
+              </a:rPr>
+              <a:t>env</a:t>
+            </a:r>
+            <a:r>
+              <a:rPr lang="en-US" b="0" dirty="0">
+                <a:solidFill>
+                  <a:srgbClr val="D4D4D4"/>
+                </a:solidFill>
+                <a:effectLst/>
+                <a:latin typeface="Consolas" panose="020B0609020204030204" pitchFamily="49" charset="0"/>
+              </a:rPr>
+              <a:t>(</a:t>
+            </a:r>
+            <a:r>
+              <a:rPr lang="en-US" b="0" dirty="0">
+                <a:solidFill>
+                  <a:srgbClr val="CE9178"/>
+                </a:solidFill>
+                <a:effectLst/>
+                <a:latin typeface="Consolas" panose="020B0609020204030204" pitchFamily="49" charset="0"/>
+              </a:rPr>
+              <a:t>'KEYCLOAK_CLIENT_SECRET'</a:t>
+            </a:r>
+            <a:r>
+              <a:rPr lang="en-US" b="0" dirty="0">
+                <a:solidFill>
+                  <a:srgbClr val="D4D4D4"/>
+                </a:solidFill>
+                <a:effectLst/>
+                <a:latin typeface="Consolas" panose="020B0609020204030204" pitchFamily="49" charset="0"/>
+              </a:rPr>
+              <a:t>),</a:t>
+            </a:r>
+            <a:endParaRPr lang="en-US" b="0" dirty="0">
+              <a:solidFill>
+                <a:srgbClr val="CCCCCC"/>
+              </a:solidFill>
+              <a:effectLst/>
+              <a:latin typeface="Consolas" panose="020B0609020204030204" pitchFamily="49" charset="0"/>
+            </a:endParaRPr>
+          </a:p>
+          <a:p>
+            <a:pPr>
+              <a:lnSpc>
+                <a:spcPct val="150000"/>
+              </a:lnSpc>
+            </a:pPr>
+            <a:r>
+              <a:rPr lang="en-US" b="0" dirty="0">
+                <a:solidFill>
+                  <a:srgbClr val="D4D4D4"/>
+                </a:solidFill>
+                <a:effectLst/>
+                <a:latin typeface="Consolas" panose="020B0609020204030204" pitchFamily="49" charset="0"/>
+              </a:rPr>
+              <a:t>        </a:t>
+            </a:r>
+            <a:r>
+              <a:rPr lang="en-US" b="0" dirty="0">
+                <a:solidFill>
+                  <a:srgbClr val="CE9178"/>
+                </a:solidFill>
+                <a:effectLst/>
+                <a:latin typeface="Consolas" panose="020B0609020204030204" pitchFamily="49" charset="0"/>
+              </a:rPr>
+              <a:t>'redirect'</a:t>
+            </a:r>
+            <a:r>
+              <a:rPr lang="en-US" b="0" dirty="0">
+                <a:solidFill>
+                  <a:srgbClr val="D4D4D4"/>
+                </a:solidFill>
+                <a:effectLst/>
+                <a:latin typeface="Consolas" panose="020B0609020204030204" pitchFamily="49" charset="0"/>
+              </a:rPr>
+              <a:t> =&gt; </a:t>
+            </a:r>
+            <a:r>
+              <a:rPr lang="en-US" b="0" dirty="0">
+                <a:solidFill>
+                  <a:srgbClr val="DCDCAA"/>
+                </a:solidFill>
+                <a:effectLst/>
+                <a:latin typeface="Consolas" panose="020B0609020204030204" pitchFamily="49" charset="0"/>
+              </a:rPr>
+              <a:t>env</a:t>
+            </a:r>
+            <a:r>
+              <a:rPr lang="en-US" b="0" dirty="0">
+                <a:solidFill>
+                  <a:srgbClr val="D4D4D4"/>
+                </a:solidFill>
+                <a:effectLst/>
+                <a:latin typeface="Consolas" panose="020B0609020204030204" pitchFamily="49" charset="0"/>
+              </a:rPr>
+              <a:t>(</a:t>
+            </a:r>
+            <a:r>
+              <a:rPr lang="en-US" b="0" dirty="0">
+                <a:solidFill>
+                  <a:srgbClr val="CE9178"/>
+                </a:solidFill>
+                <a:effectLst/>
+                <a:latin typeface="Consolas" panose="020B0609020204030204" pitchFamily="49" charset="0"/>
+              </a:rPr>
+              <a:t>'KEYCLOAK_REDIRECT_URI'</a:t>
+            </a:r>
+            <a:r>
+              <a:rPr lang="en-US" b="0" dirty="0">
+                <a:solidFill>
+                  <a:srgbClr val="D4D4D4"/>
+                </a:solidFill>
+                <a:effectLst/>
+                <a:latin typeface="Consolas" panose="020B0609020204030204" pitchFamily="49" charset="0"/>
+              </a:rPr>
+              <a:t>),</a:t>
+            </a:r>
+            <a:endParaRPr lang="en-US" b="0" dirty="0">
+              <a:solidFill>
+                <a:srgbClr val="CCCCCC"/>
+              </a:solidFill>
+              <a:effectLst/>
+              <a:latin typeface="Consolas" panose="020B0609020204030204" pitchFamily="49" charset="0"/>
+            </a:endParaRPr>
+          </a:p>
+          <a:p>
+            <a:pPr>
+              <a:lnSpc>
+                <a:spcPct val="150000"/>
+              </a:lnSpc>
+            </a:pPr>
+            <a:r>
+              <a:rPr lang="en-US" b="0" dirty="0">
+                <a:solidFill>
+                  <a:srgbClr val="D4D4D4"/>
+                </a:solidFill>
+                <a:effectLst/>
+                <a:latin typeface="Consolas" panose="020B0609020204030204" pitchFamily="49" charset="0"/>
+              </a:rPr>
+              <a:t>        </a:t>
+            </a:r>
+            <a:r>
+              <a:rPr lang="en-US" b="0" dirty="0">
+                <a:solidFill>
+                  <a:srgbClr val="CE9178"/>
+                </a:solidFill>
+                <a:effectLst/>
+                <a:latin typeface="Consolas" panose="020B0609020204030204" pitchFamily="49" charset="0"/>
+              </a:rPr>
+              <a:t>'</a:t>
+            </a:r>
+            <a:r>
+              <a:rPr lang="en-US" b="0" dirty="0" err="1">
+                <a:solidFill>
+                  <a:srgbClr val="CE9178"/>
+                </a:solidFill>
+                <a:effectLst/>
+                <a:latin typeface="Consolas" panose="020B0609020204030204" pitchFamily="49" charset="0"/>
+              </a:rPr>
+              <a:t>base_url</a:t>
+            </a:r>
+            <a:r>
+              <a:rPr lang="en-US" b="0" dirty="0">
+                <a:solidFill>
+                  <a:srgbClr val="CE9178"/>
+                </a:solidFill>
+                <a:effectLst/>
+                <a:latin typeface="Consolas" panose="020B0609020204030204" pitchFamily="49" charset="0"/>
+              </a:rPr>
+              <a:t>'</a:t>
+            </a:r>
+            <a:r>
+              <a:rPr lang="en-US" b="0" dirty="0">
+                <a:solidFill>
+                  <a:srgbClr val="D4D4D4"/>
+                </a:solidFill>
+                <a:effectLst/>
+                <a:latin typeface="Consolas" panose="020B0609020204030204" pitchFamily="49" charset="0"/>
+              </a:rPr>
+              <a:t> =&gt; </a:t>
+            </a:r>
+            <a:r>
+              <a:rPr lang="en-US" b="0" dirty="0">
+                <a:solidFill>
+                  <a:srgbClr val="DCDCAA"/>
+                </a:solidFill>
+                <a:effectLst/>
+                <a:latin typeface="Consolas" panose="020B0609020204030204" pitchFamily="49" charset="0"/>
+              </a:rPr>
+              <a:t>env</a:t>
+            </a:r>
+            <a:r>
+              <a:rPr lang="en-US" b="0" dirty="0">
+                <a:solidFill>
+                  <a:srgbClr val="D4D4D4"/>
+                </a:solidFill>
+                <a:effectLst/>
+                <a:latin typeface="Consolas" panose="020B0609020204030204" pitchFamily="49" charset="0"/>
+              </a:rPr>
+              <a:t>(</a:t>
+            </a:r>
+            <a:r>
+              <a:rPr lang="en-US" b="0" dirty="0">
+                <a:solidFill>
+                  <a:srgbClr val="CE9178"/>
+                </a:solidFill>
+                <a:effectLst/>
+                <a:latin typeface="Consolas" panose="020B0609020204030204" pitchFamily="49" charset="0"/>
+              </a:rPr>
+              <a:t>'KEYCLOAK_BASE_URL'</a:t>
+            </a:r>
+            <a:r>
+              <a:rPr lang="en-US" b="0" dirty="0">
+                <a:solidFill>
+                  <a:srgbClr val="D4D4D4"/>
+                </a:solidFill>
+                <a:effectLst/>
+                <a:latin typeface="Consolas" panose="020B0609020204030204" pitchFamily="49" charset="0"/>
+              </a:rPr>
+              <a:t>),</a:t>
+            </a:r>
+            <a:endParaRPr lang="en-US" b="0" dirty="0">
+              <a:solidFill>
+                <a:srgbClr val="CCCCCC"/>
+              </a:solidFill>
+              <a:effectLst/>
+              <a:latin typeface="Consolas" panose="020B0609020204030204" pitchFamily="49" charset="0"/>
+            </a:endParaRPr>
+          </a:p>
+          <a:p>
+            <a:pPr>
+              <a:lnSpc>
+                <a:spcPct val="150000"/>
+              </a:lnSpc>
+            </a:pPr>
+            <a:r>
+              <a:rPr lang="en-US" b="0" dirty="0">
+                <a:solidFill>
+                  <a:srgbClr val="D4D4D4"/>
+                </a:solidFill>
+                <a:effectLst/>
+                <a:latin typeface="Consolas" panose="020B0609020204030204" pitchFamily="49" charset="0"/>
+              </a:rPr>
+              <a:t>    ]</a:t>
+            </a:r>
+            <a:endParaRPr lang="en-US" b="0" dirty="0">
+              <a:solidFill>
+                <a:srgbClr val="CCCCCC"/>
+              </a:solidFill>
+              <a:effectLst/>
+              <a:latin typeface="Consolas" panose="020B0609020204030204" pitchFamily="49" charset="0"/>
+            </a:endParaRPr>
+          </a:p>
+        </p:txBody>
+      </p:sp>
+      <p:sp>
+        <p:nvSpPr>
+          <p:cNvPr id="10" name="Rectangle 2">
+            <a:extLst>
+              <a:ext uri="{FF2B5EF4-FFF2-40B4-BE49-F238E27FC236}">
+                <a16:creationId xmlns:a16="http://schemas.microsoft.com/office/drawing/2014/main" id="{BF26024A-AEE8-4062-DF08-9A2AC2277650}"/>
+              </a:ext>
+            </a:extLst>
+          </p:cNvPr>
+          <p:cNvSpPr>
+            <a:spLocks noChangeArrowheads="1"/>
+          </p:cNvSpPr>
+          <p:nvPr/>
+        </p:nvSpPr>
+        <p:spPr bwMode="auto">
+          <a:xfrm>
+            <a:off x="1152525" y="1710281"/>
+            <a:ext cx="8562975" cy="784830"/>
+          </a:xfrm>
+          <a:prstGeom prst="rect">
+            <a:avLst/>
+          </a:prstGeom>
+          <a:solidFill>
+            <a:srgbClr val="F2F2F2"/>
+          </a:solidFill>
+          <a:ln>
+            <a:noFill/>
+          </a:ln>
+          <a:effectLst/>
+          <a:extLst>
+            <a:ext uri="{91240B29-F687-4F45-9708-019B960494DF}">
+              <a14:hiddenLine xmlns:a14="http://schemas.microsoft.com/office/drawing/2010/main" w="9525">
+                <a:solidFill>
+                  <a:schemeClr val="tx1"/>
+                </a:solidFill>
+                <a:miter lim="800000"/>
+                <a:headEnd/>
+                <a:tailEnd/>
+              </a14:hiddenLine>
+            </a:ext>
+            <a:ext uri="{AF507438-7753-43E0-B8FC-AC1667EBCBE1}">
+              <a14:hiddenEffects xmlns:a14="http://schemas.microsoft.com/office/drawing/2010/main">
+                <a:effectLst>
+                  <a:outerShdw dist="35921" dir="2700000" algn="ctr" rotWithShape="0">
+                    <a:schemeClr val="bg2"/>
+                  </a:outerShdw>
+                </a:effectLst>
+              </a14:hiddenEffects>
+            </a:ext>
+          </a:extLst>
+        </p:spPr>
+        <p:txBody>
+          <a:bodyPr vert="horz" wrap="square" lIns="0" tIns="0" rIns="0" bIns="0" numCol="1" anchor="ctr" anchorCtr="0" compatLnSpc="1">
+            <a:prstTxWarp prst="textNoShape">
+              <a:avLst/>
+            </a:prstTxWarp>
+            <a:spAutoFit/>
+          </a:bodyPr>
+          <a:lstStyle/>
+          <a:p>
+            <a:pPr marL="0" marR="0" lvl="0" indent="0" algn="l" defTabSz="914400" rtl="0" eaLnBrk="0" fontAlgn="base" latinLnBrk="0" hangingPunct="0">
+              <a:lnSpc>
+                <a:spcPct val="100000"/>
+              </a:lnSpc>
+              <a:spcBef>
+                <a:spcPct val="0"/>
+              </a:spcBef>
+              <a:spcAft>
+                <a:spcPct val="0"/>
+              </a:spcAft>
+              <a:buClrTx/>
+              <a:buSzTx/>
+              <a:buFontTx/>
+              <a:buNone/>
+              <a:tabLst/>
+            </a:pPr>
+            <a:endParaRPr kumimoji="0" lang="en-US" altLang="en-US" sz="1800" b="0" i="0" u="none" strike="noStrike" cap="none" normalizeH="0" baseline="0" dirty="0">
+              <a:ln>
+                <a:noFill/>
+              </a:ln>
+              <a:solidFill>
+                <a:schemeClr val="tx1"/>
+              </a:solidFill>
+              <a:effectLst/>
+              <a:latin typeface="Arial" panose="020B0604020202020204" pitchFamily="34" charset="0"/>
+            </a:endParaRPr>
+          </a:p>
+          <a:p>
+            <a:pPr marL="0" marR="0" lvl="0" indent="0" algn="l" defTabSz="914400" rtl="0" eaLnBrk="0" fontAlgn="base" latinLnBrk="0" hangingPunct="0">
+              <a:lnSpc>
+                <a:spcPct val="100000"/>
+              </a:lnSpc>
+              <a:spcBef>
+                <a:spcPct val="0"/>
+              </a:spcBef>
+              <a:spcAft>
+                <a:spcPct val="0"/>
+              </a:spcAft>
+              <a:buClrTx/>
+              <a:buSzTx/>
+              <a:buFontTx/>
+              <a:buAutoNum type="arabicPeriod"/>
+              <a:tabLst/>
+            </a:pPr>
+            <a:r>
+              <a:rPr kumimoji="0" lang="en-US" altLang="en-US" sz="1500" b="0" i="0" u="none" strike="noStrike" cap="none" normalizeH="0" baseline="0" dirty="0">
+                <a:ln>
+                  <a:noFill/>
+                </a:ln>
+                <a:solidFill>
+                  <a:srgbClr val="242424"/>
+                </a:solidFill>
+                <a:effectLst/>
+                <a:latin typeface="source-serif-pro"/>
+              </a:rPr>
+              <a:t>Configure </a:t>
+            </a:r>
+            <a:r>
+              <a:rPr kumimoji="0" lang="en-US" altLang="en-US" sz="1500" b="0" i="0" u="none" strike="noStrike" cap="none" normalizeH="0" baseline="0" dirty="0" err="1">
+                <a:ln>
+                  <a:noFill/>
+                </a:ln>
+                <a:solidFill>
+                  <a:srgbClr val="242424"/>
+                </a:solidFill>
+                <a:effectLst/>
+                <a:latin typeface="source-serif-pro"/>
+              </a:rPr>
+              <a:t>Keycloak</a:t>
+            </a:r>
+            <a:r>
+              <a:rPr kumimoji="0" lang="en-US" altLang="en-US" sz="1500" b="0" i="0" u="none" strike="noStrike" cap="none" normalizeH="0" baseline="0" dirty="0">
+                <a:ln>
+                  <a:noFill/>
+                </a:ln>
+                <a:solidFill>
+                  <a:srgbClr val="242424"/>
+                </a:solidFill>
+                <a:effectLst/>
+                <a:latin typeface="source-serif-pro"/>
+              </a:rPr>
+              <a:t> Provider: Open the </a:t>
+            </a:r>
+            <a:r>
+              <a:rPr kumimoji="0" lang="en-US" altLang="en-US" sz="1100" b="0" i="0" u="none" strike="noStrike" cap="none" normalizeH="0" baseline="0" dirty="0">
+                <a:ln>
+                  <a:noFill/>
+                </a:ln>
+                <a:solidFill>
+                  <a:srgbClr val="242424"/>
+                </a:solidFill>
+                <a:effectLst/>
+                <a:latin typeface="source-code-pro"/>
+              </a:rPr>
+              <a:t>config/</a:t>
+            </a:r>
+            <a:r>
+              <a:rPr kumimoji="0" lang="en-US" altLang="en-US" sz="1100" b="0" i="0" u="none" strike="noStrike" cap="none" normalizeH="0" baseline="0" dirty="0" err="1">
+                <a:ln>
+                  <a:noFill/>
+                </a:ln>
+                <a:solidFill>
+                  <a:srgbClr val="242424"/>
+                </a:solidFill>
+                <a:effectLst/>
+                <a:latin typeface="source-code-pro"/>
+              </a:rPr>
+              <a:t>services.php</a:t>
+            </a:r>
+            <a:r>
+              <a:rPr kumimoji="0" lang="en-US" altLang="en-US" sz="1500" b="0" i="0" u="none" strike="noStrike" cap="none" normalizeH="0" baseline="0" dirty="0">
+                <a:ln>
+                  <a:noFill/>
+                </a:ln>
+                <a:solidFill>
+                  <a:srgbClr val="242424"/>
+                </a:solidFill>
+                <a:effectLst/>
+                <a:latin typeface="source-serif-pro"/>
+              </a:rPr>
+              <a:t> file and add the following configuration for </a:t>
+            </a:r>
+            <a:r>
+              <a:rPr kumimoji="0" lang="en-US" altLang="en-US" sz="1500" b="0" i="0" u="none" strike="noStrike" cap="none" normalizeH="0" baseline="0" dirty="0" err="1">
+                <a:ln>
+                  <a:noFill/>
+                </a:ln>
+                <a:solidFill>
+                  <a:srgbClr val="242424"/>
+                </a:solidFill>
+                <a:effectLst/>
+                <a:latin typeface="source-serif-pro"/>
+              </a:rPr>
+              <a:t>Keycloak</a:t>
+            </a:r>
+            <a:r>
+              <a:rPr kumimoji="0" lang="en-US" altLang="en-US" sz="1500" b="0" i="0" u="none" strike="noStrike" cap="none" normalizeH="0" baseline="0" dirty="0">
+                <a:ln>
+                  <a:noFill/>
+                </a:ln>
+                <a:solidFill>
+                  <a:srgbClr val="242424"/>
+                </a:solidFill>
+                <a:effectLst/>
+                <a:latin typeface="source-serif-pro"/>
+              </a:rPr>
+              <a:t>:</a:t>
+            </a:r>
+            <a:endParaRPr kumimoji="0" lang="en-US" altLang="en-US" sz="800" b="0" i="0" u="none" strike="noStrike" cap="none" normalizeH="0" baseline="0" dirty="0">
+              <a:ln>
+                <a:noFill/>
+              </a:ln>
+              <a:solidFill>
+                <a:schemeClr val="tx1"/>
+              </a:solidFill>
+              <a:effectLst/>
+              <a:latin typeface="medium-content-sans-serif-font"/>
+            </a:endParaRPr>
+          </a:p>
+          <a:p>
+            <a:pPr marL="0" marR="0" lvl="0" indent="0" algn="l" defTabSz="914400" rtl="0" eaLnBrk="0" fontAlgn="base" latinLnBrk="0" hangingPunct="0">
+              <a:lnSpc>
+                <a:spcPct val="100000"/>
+              </a:lnSpc>
+              <a:spcBef>
+                <a:spcPct val="0"/>
+              </a:spcBef>
+              <a:spcAft>
+                <a:spcPct val="0"/>
+              </a:spcAft>
+              <a:buClrTx/>
+              <a:buSzTx/>
+              <a:buFontTx/>
+              <a:buNone/>
+              <a:tabLst/>
+            </a:pPr>
+            <a:endParaRPr kumimoji="0" lang="en-US" altLang="en-US" sz="1800" b="0" i="0" u="none" strike="noStrike" cap="none" normalizeH="0" baseline="0" dirty="0">
+              <a:ln>
+                <a:noFill/>
+              </a:ln>
+              <a:solidFill>
+                <a:schemeClr val="tx1"/>
+              </a:solidFill>
+              <a:effectLst/>
+              <a:latin typeface="Arial" panose="020B0604020202020204" pitchFamily="34" charset="0"/>
+            </a:endParaRPr>
           </a:p>
         </p:txBody>
       </p:sp>
     </p:spTree>
     <p:extLst>
       <p:ext uri="{BB962C8B-B14F-4D97-AF65-F5344CB8AC3E}">
-        <p14:creationId xmlns:p14="http://schemas.microsoft.com/office/powerpoint/2010/main" val="3704743256"/>
+        <p14:creationId xmlns:p14="http://schemas.microsoft.com/office/powerpoint/2010/main" val="4037509789"/>
       </p:ext>
     </p:extLst>
   </p:cSld>
@@ -4321,7 +5696,13 @@
   <p:cSld>
     <p:spTree>
       <p:nvGrpSpPr>
-        <p:cNvPr id="1" name=""/>
+        <p:cNvPr id="1" name="">
+          <a:extLst>
+            <a:ext uri="{FF2B5EF4-FFF2-40B4-BE49-F238E27FC236}">
+              <a16:creationId xmlns:a16="http://schemas.microsoft.com/office/drawing/2014/main" id="{173E4432-7EEB-8904-982F-6FAF609DD607}"/>
+            </a:ext>
+          </a:extLst>
+        </p:cNvPr>
         <p:cNvGrpSpPr/>
         <p:nvPr/>
       </p:nvGrpSpPr>
@@ -4338,7 +5719,7 @@
           <p:cNvPr id="2" name="Title 1">
             <a:extLst>
               <a:ext uri="{FF2B5EF4-FFF2-40B4-BE49-F238E27FC236}">
-                <a16:creationId xmlns:a16="http://schemas.microsoft.com/office/drawing/2014/main" id="{BEE59281-AD18-2C89-6C7A-EA99EBEC81FC}"/>
+                <a16:creationId xmlns:a16="http://schemas.microsoft.com/office/drawing/2014/main" id="{0B63CF34-2BA8-D728-13F4-59E18976604E}"/>
               </a:ext>
             </a:extLst>
           </p:cNvPr>
@@ -4355,24 +5736,24 @@
           <a:lstStyle/>
           <a:p>
             <a:r>
+              <a:rPr lang="en-US" dirty="0" err="1"/>
+              <a:t>Instalasi</a:t>
+            </a:r>
+            <a:r>
               <a:rPr lang="en-US" dirty="0"/>
-              <a:t>4. </a:t>
+              <a:t> </a:t>
             </a:r>
             <a:r>
               <a:rPr lang="en-US" dirty="0" err="1"/>
-              <a:t>Memastikan</a:t>
+              <a:t>Keycloak</a:t>
             </a:r>
             <a:r>
               <a:rPr lang="en-US" dirty="0"/>
-              <a:t> client </a:t>
-            </a:r>
-            <a:r>
-              <a:rPr lang="en-US" dirty="0" err="1"/>
-              <a:t>bisa</a:t>
-            </a:r>
-            <a:r>
-              <a:rPr lang="en-US" dirty="0"/>
-              <a:t> grant password</a:t>
+              <a:t> di Client (Laravel) </a:t>
+            </a:r>
+            <a:r>
+              <a:rPr lang="en-US"/>
+              <a:t>: 4</a:t>
             </a:r>
             <a:endParaRPr lang="en-ID" dirty="0"/>
           </a:p>
@@ -4380,33 +5761,795 @@
       </p:sp>
       <p:sp>
         <p:nvSpPr>
-          <p:cNvPr id="3" name="Content Placeholder 2">
-            <a:extLst>
-              <a:ext uri="{FF2B5EF4-FFF2-40B4-BE49-F238E27FC236}">
-                <a16:creationId xmlns:a16="http://schemas.microsoft.com/office/drawing/2014/main" id="{863AABB6-87B8-AB7F-2B53-51F9B076FCCA}"/>
-              </a:ext>
-            </a:extLst>
-          </p:cNvPr>
-          <p:cNvSpPr>
-            <a:spLocks noGrp="1"/>
-          </p:cNvSpPr>
-          <p:nvPr>
-            <p:ph idx="1"/>
-          </p:nvPr>
-        </p:nvSpPr>
-        <p:spPr/>
-        <p:txBody>
-          <a:bodyPr/>
-          <a:lstStyle/>
-          <a:p>
-            <a:endParaRPr lang="en-ID"/>
+          <p:cNvPr id="5" name="TextBox 4">
+            <a:extLst>
+              <a:ext uri="{FF2B5EF4-FFF2-40B4-BE49-F238E27FC236}">
+                <a16:creationId xmlns:a16="http://schemas.microsoft.com/office/drawing/2014/main" id="{8B94D7B7-1EAD-5AD3-5F0B-D805235154FB}"/>
+              </a:ext>
+            </a:extLst>
+          </p:cNvPr>
+          <p:cNvSpPr txBox="1"/>
+          <p:nvPr/>
+        </p:nvSpPr>
+        <p:spPr>
+          <a:xfrm>
+            <a:off x="395720" y="6308209"/>
+            <a:ext cx="10881880" cy="369332"/>
+          </a:xfrm>
+          <a:prstGeom prst="rect">
+            <a:avLst/>
+          </a:prstGeom>
+          <a:noFill/>
+        </p:spPr>
+        <p:txBody>
+          <a:bodyPr wrap="square">
+            <a:spAutoFit/>
+          </a:bodyPr>
+          <a:lstStyle/>
+          <a:p>
+            <a:r>
+              <a:rPr lang="en-ID" dirty="0"/>
+              <a:t>https://medium.com/@possibleolayode5344/laravel-socialite-keycloak-integration-98d512a63460</a:t>
+            </a:r>
+          </a:p>
+        </p:txBody>
+      </p:sp>
+      <p:sp>
+        <p:nvSpPr>
+          <p:cNvPr id="6" name="TextBox 5">
+            <a:extLst>
+              <a:ext uri="{FF2B5EF4-FFF2-40B4-BE49-F238E27FC236}">
+                <a16:creationId xmlns:a16="http://schemas.microsoft.com/office/drawing/2014/main" id="{25035163-E977-4EC9-4B0A-121C965841DA}"/>
+              </a:ext>
+            </a:extLst>
+          </p:cNvPr>
+          <p:cNvSpPr txBox="1"/>
+          <p:nvPr/>
+        </p:nvSpPr>
+        <p:spPr>
+          <a:xfrm>
+            <a:off x="1047750" y="2910575"/>
+            <a:ext cx="7905750" cy="2540824"/>
+          </a:xfrm>
+          <a:prstGeom prst="rect">
+            <a:avLst/>
+          </a:prstGeom>
+          <a:noFill/>
+        </p:spPr>
+        <p:txBody>
+          <a:bodyPr wrap="square">
+            <a:spAutoFit/>
+          </a:bodyPr>
+          <a:lstStyle/>
+          <a:p>
+            <a:pPr>
+              <a:lnSpc>
+                <a:spcPct val="150000"/>
+              </a:lnSpc>
+            </a:pPr>
+            <a:r>
+              <a:rPr lang="en-US" b="0" dirty="0">
+                <a:solidFill>
+                  <a:srgbClr val="CE9178"/>
+                </a:solidFill>
+                <a:effectLst/>
+                <a:latin typeface="Consolas" panose="020B0609020204030204" pitchFamily="49" charset="0"/>
+              </a:rPr>
+              <a:t>'</a:t>
+            </a:r>
+            <a:r>
+              <a:rPr lang="en-US" b="0" dirty="0" err="1">
+                <a:solidFill>
+                  <a:srgbClr val="CE9178"/>
+                </a:solidFill>
+                <a:effectLst/>
+                <a:latin typeface="Consolas" panose="020B0609020204030204" pitchFamily="49" charset="0"/>
+              </a:rPr>
+              <a:t>keycloak</a:t>
+            </a:r>
+            <a:r>
+              <a:rPr lang="en-US" b="0" dirty="0">
+                <a:solidFill>
+                  <a:srgbClr val="CE9178"/>
+                </a:solidFill>
+                <a:effectLst/>
+                <a:latin typeface="Consolas" panose="020B0609020204030204" pitchFamily="49" charset="0"/>
+              </a:rPr>
+              <a:t>'</a:t>
+            </a:r>
+            <a:r>
+              <a:rPr lang="en-US" b="0" dirty="0">
+                <a:solidFill>
+                  <a:srgbClr val="D4D4D4"/>
+                </a:solidFill>
+                <a:effectLst/>
+                <a:latin typeface="Consolas" panose="020B0609020204030204" pitchFamily="49" charset="0"/>
+              </a:rPr>
+              <a:t> =&gt; [</a:t>
+            </a:r>
+            <a:endParaRPr lang="en-US" b="0" dirty="0">
+              <a:solidFill>
+                <a:srgbClr val="CCCCCC"/>
+              </a:solidFill>
+              <a:effectLst/>
+              <a:latin typeface="Consolas" panose="020B0609020204030204" pitchFamily="49" charset="0"/>
+            </a:endParaRPr>
+          </a:p>
+          <a:p>
+            <a:pPr>
+              <a:lnSpc>
+                <a:spcPct val="150000"/>
+              </a:lnSpc>
+            </a:pPr>
+            <a:r>
+              <a:rPr lang="en-US" b="0" dirty="0">
+                <a:solidFill>
+                  <a:srgbClr val="D4D4D4"/>
+                </a:solidFill>
+                <a:effectLst/>
+                <a:latin typeface="Consolas" panose="020B0609020204030204" pitchFamily="49" charset="0"/>
+              </a:rPr>
+              <a:t>        </a:t>
+            </a:r>
+            <a:r>
+              <a:rPr lang="en-US" b="0" dirty="0">
+                <a:solidFill>
+                  <a:srgbClr val="CE9178"/>
+                </a:solidFill>
+                <a:effectLst/>
+                <a:latin typeface="Consolas" panose="020B0609020204030204" pitchFamily="49" charset="0"/>
+              </a:rPr>
+              <a:t>'</a:t>
+            </a:r>
+            <a:r>
+              <a:rPr lang="en-US" b="0" dirty="0" err="1">
+                <a:solidFill>
+                  <a:srgbClr val="CE9178"/>
+                </a:solidFill>
+                <a:effectLst/>
+                <a:latin typeface="Consolas" panose="020B0609020204030204" pitchFamily="49" charset="0"/>
+              </a:rPr>
+              <a:t>client_id</a:t>
+            </a:r>
+            <a:r>
+              <a:rPr lang="en-US" b="0" dirty="0">
+                <a:solidFill>
+                  <a:srgbClr val="CE9178"/>
+                </a:solidFill>
+                <a:effectLst/>
+                <a:latin typeface="Consolas" panose="020B0609020204030204" pitchFamily="49" charset="0"/>
+              </a:rPr>
+              <a:t>'</a:t>
+            </a:r>
+            <a:r>
+              <a:rPr lang="en-US" b="0" dirty="0">
+                <a:solidFill>
+                  <a:srgbClr val="D4D4D4"/>
+                </a:solidFill>
+                <a:effectLst/>
+                <a:latin typeface="Consolas" panose="020B0609020204030204" pitchFamily="49" charset="0"/>
+              </a:rPr>
+              <a:t> =&gt; </a:t>
+            </a:r>
+            <a:r>
+              <a:rPr lang="en-US" b="0" dirty="0">
+                <a:solidFill>
+                  <a:srgbClr val="DCDCAA"/>
+                </a:solidFill>
+                <a:effectLst/>
+                <a:latin typeface="Consolas" panose="020B0609020204030204" pitchFamily="49" charset="0"/>
+              </a:rPr>
+              <a:t>env</a:t>
+            </a:r>
+            <a:r>
+              <a:rPr lang="en-US" b="0" dirty="0">
+                <a:solidFill>
+                  <a:srgbClr val="D4D4D4"/>
+                </a:solidFill>
+                <a:effectLst/>
+                <a:latin typeface="Consolas" panose="020B0609020204030204" pitchFamily="49" charset="0"/>
+              </a:rPr>
+              <a:t>(</a:t>
+            </a:r>
+            <a:r>
+              <a:rPr lang="en-US" b="0" dirty="0">
+                <a:solidFill>
+                  <a:srgbClr val="CE9178"/>
+                </a:solidFill>
+                <a:effectLst/>
+                <a:latin typeface="Consolas" panose="020B0609020204030204" pitchFamily="49" charset="0"/>
+              </a:rPr>
+              <a:t>'KEYCLOAK_CLIENT_ID'</a:t>
+            </a:r>
+            <a:r>
+              <a:rPr lang="en-US" b="0" dirty="0">
+                <a:solidFill>
+                  <a:srgbClr val="D4D4D4"/>
+                </a:solidFill>
+                <a:effectLst/>
+                <a:latin typeface="Consolas" panose="020B0609020204030204" pitchFamily="49" charset="0"/>
+              </a:rPr>
+              <a:t>),</a:t>
+            </a:r>
+            <a:endParaRPr lang="en-US" b="0" dirty="0">
+              <a:solidFill>
+                <a:srgbClr val="CCCCCC"/>
+              </a:solidFill>
+              <a:effectLst/>
+              <a:latin typeface="Consolas" panose="020B0609020204030204" pitchFamily="49" charset="0"/>
+            </a:endParaRPr>
+          </a:p>
+          <a:p>
+            <a:pPr>
+              <a:lnSpc>
+                <a:spcPct val="150000"/>
+              </a:lnSpc>
+            </a:pPr>
+            <a:r>
+              <a:rPr lang="en-US" b="0" dirty="0">
+                <a:solidFill>
+                  <a:srgbClr val="D4D4D4"/>
+                </a:solidFill>
+                <a:effectLst/>
+                <a:latin typeface="Consolas" panose="020B0609020204030204" pitchFamily="49" charset="0"/>
+              </a:rPr>
+              <a:t>        </a:t>
+            </a:r>
+            <a:r>
+              <a:rPr lang="en-US" b="0" dirty="0">
+                <a:solidFill>
+                  <a:srgbClr val="CE9178"/>
+                </a:solidFill>
+                <a:effectLst/>
+                <a:latin typeface="Consolas" panose="020B0609020204030204" pitchFamily="49" charset="0"/>
+              </a:rPr>
+              <a:t>'</a:t>
+            </a:r>
+            <a:r>
+              <a:rPr lang="en-US" b="0" dirty="0" err="1">
+                <a:solidFill>
+                  <a:srgbClr val="CE9178"/>
+                </a:solidFill>
+                <a:effectLst/>
+                <a:latin typeface="Consolas" panose="020B0609020204030204" pitchFamily="49" charset="0"/>
+              </a:rPr>
+              <a:t>client_secret</a:t>
+            </a:r>
+            <a:r>
+              <a:rPr lang="en-US" b="0" dirty="0">
+                <a:solidFill>
+                  <a:srgbClr val="CE9178"/>
+                </a:solidFill>
+                <a:effectLst/>
+                <a:latin typeface="Consolas" panose="020B0609020204030204" pitchFamily="49" charset="0"/>
+              </a:rPr>
+              <a:t>'</a:t>
+            </a:r>
+            <a:r>
+              <a:rPr lang="en-US" b="0" dirty="0">
+                <a:solidFill>
+                  <a:srgbClr val="D4D4D4"/>
+                </a:solidFill>
+                <a:effectLst/>
+                <a:latin typeface="Consolas" panose="020B0609020204030204" pitchFamily="49" charset="0"/>
+              </a:rPr>
+              <a:t> =&gt; </a:t>
+            </a:r>
+            <a:r>
+              <a:rPr lang="en-US" b="0" dirty="0">
+                <a:solidFill>
+                  <a:srgbClr val="DCDCAA"/>
+                </a:solidFill>
+                <a:effectLst/>
+                <a:latin typeface="Consolas" panose="020B0609020204030204" pitchFamily="49" charset="0"/>
+              </a:rPr>
+              <a:t>env</a:t>
+            </a:r>
+            <a:r>
+              <a:rPr lang="en-US" b="0" dirty="0">
+                <a:solidFill>
+                  <a:srgbClr val="D4D4D4"/>
+                </a:solidFill>
+                <a:effectLst/>
+                <a:latin typeface="Consolas" panose="020B0609020204030204" pitchFamily="49" charset="0"/>
+              </a:rPr>
+              <a:t>(</a:t>
+            </a:r>
+            <a:r>
+              <a:rPr lang="en-US" b="0" dirty="0">
+                <a:solidFill>
+                  <a:srgbClr val="CE9178"/>
+                </a:solidFill>
+                <a:effectLst/>
+                <a:latin typeface="Consolas" panose="020B0609020204030204" pitchFamily="49" charset="0"/>
+              </a:rPr>
+              <a:t>'KEYCLOAK_CLIENT_SECRET'</a:t>
+            </a:r>
+            <a:r>
+              <a:rPr lang="en-US" b="0" dirty="0">
+                <a:solidFill>
+                  <a:srgbClr val="D4D4D4"/>
+                </a:solidFill>
+                <a:effectLst/>
+                <a:latin typeface="Consolas" panose="020B0609020204030204" pitchFamily="49" charset="0"/>
+              </a:rPr>
+              <a:t>),</a:t>
+            </a:r>
+            <a:endParaRPr lang="en-US" b="0" dirty="0">
+              <a:solidFill>
+                <a:srgbClr val="CCCCCC"/>
+              </a:solidFill>
+              <a:effectLst/>
+              <a:latin typeface="Consolas" panose="020B0609020204030204" pitchFamily="49" charset="0"/>
+            </a:endParaRPr>
+          </a:p>
+          <a:p>
+            <a:pPr>
+              <a:lnSpc>
+                <a:spcPct val="150000"/>
+              </a:lnSpc>
+            </a:pPr>
+            <a:r>
+              <a:rPr lang="en-US" b="0" dirty="0">
+                <a:solidFill>
+                  <a:srgbClr val="D4D4D4"/>
+                </a:solidFill>
+                <a:effectLst/>
+                <a:latin typeface="Consolas" panose="020B0609020204030204" pitchFamily="49" charset="0"/>
+              </a:rPr>
+              <a:t>        </a:t>
+            </a:r>
+            <a:r>
+              <a:rPr lang="en-US" b="0" dirty="0">
+                <a:solidFill>
+                  <a:srgbClr val="CE9178"/>
+                </a:solidFill>
+                <a:effectLst/>
+                <a:latin typeface="Consolas" panose="020B0609020204030204" pitchFamily="49" charset="0"/>
+              </a:rPr>
+              <a:t>'redirect'</a:t>
+            </a:r>
+            <a:r>
+              <a:rPr lang="en-US" b="0" dirty="0">
+                <a:solidFill>
+                  <a:srgbClr val="D4D4D4"/>
+                </a:solidFill>
+                <a:effectLst/>
+                <a:latin typeface="Consolas" panose="020B0609020204030204" pitchFamily="49" charset="0"/>
+              </a:rPr>
+              <a:t> =&gt; </a:t>
+            </a:r>
+            <a:r>
+              <a:rPr lang="en-US" b="0" dirty="0">
+                <a:solidFill>
+                  <a:srgbClr val="DCDCAA"/>
+                </a:solidFill>
+                <a:effectLst/>
+                <a:latin typeface="Consolas" panose="020B0609020204030204" pitchFamily="49" charset="0"/>
+              </a:rPr>
+              <a:t>env</a:t>
+            </a:r>
+            <a:r>
+              <a:rPr lang="en-US" b="0" dirty="0">
+                <a:solidFill>
+                  <a:srgbClr val="D4D4D4"/>
+                </a:solidFill>
+                <a:effectLst/>
+                <a:latin typeface="Consolas" panose="020B0609020204030204" pitchFamily="49" charset="0"/>
+              </a:rPr>
+              <a:t>(</a:t>
+            </a:r>
+            <a:r>
+              <a:rPr lang="en-US" b="0" dirty="0">
+                <a:solidFill>
+                  <a:srgbClr val="CE9178"/>
+                </a:solidFill>
+                <a:effectLst/>
+                <a:latin typeface="Consolas" panose="020B0609020204030204" pitchFamily="49" charset="0"/>
+              </a:rPr>
+              <a:t>'KEYCLOAK_REDIRECT_URI'</a:t>
+            </a:r>
+            <a:r>
+              <a:rPr lang="en-US" b="0" dirty="0">
+                <a:solidFill>
+                  <a:srgbClr val="D4D4D4"/>
+                </a:solidFill>
+                <a:effectLst/>
+                <a:latin typeface="Consolas" panose="020B0609020204030204" pitchFamily="49" charset="0"/>
+              </a:rPr>
+              <a:t>),</a:t>
+            </a:r>
+            <a:endParaRPr lang="en-US" b="0" dirty="0">
+              <a:solidFill>
+                <a:srgbClr val="CCCCCC"/>
+              </a:solidFill>
+              <a:effectLst/>
+              <a:latin typeface="Consolas" panose="020B0609020204030204" pitchFamily="49" charset="0"/>
+            </a:endParaRPr>
+          </a:p>
+          <a:p>
+            <a:pPr>
+              <a:lnSpc>
+                <a:spcPct val="150000"/>
+              </a:lnSpc>
+            </a:pPr>
+            <a:r>
+              <a:rPr lang="en-US" b="0" dirty="0">
+                <a:solidFill>
+                  <a:srgbClr val="D4D4D4"/>
+                </a:solidFill>
+                <a:effectLst/>
+                <a:latin typeface="Consolas" panose="020B0609020204030204" pitchFamily="49" charset="0"/>
+              </a:rPr>
+              <a:t>        </a:t>
+            </a:r>
+            <a:r>
+              <a:rPr lang="en-US" b="0" dirty="0">
+                <a:solidFill>
+                  <a:srgbClr val="CE9178"/>
+                </a:solidFill>
+                <a:effectLst/>
+                <a:latin typeface="Consolas" panose="020B0609020204030204" pitchFamily="49" charset="0"/>
+              </a:rPr>
+              <a:t>'</a:t>
+            </a:r>
+            <a:r>
+              <a:rPr lang="en-US" b="0" dirty="0" err="1">
+                <a:solidFill>
+                  <a:srgbClr val="CE9178"/>
+                </a:solidFill>
+                <a:effectLst/>
+                <a:latin typeface="Consolas" panose="020B0609020204030204" pitchFamily="49" charset="0"/>
+              </a:rPr>
+              <a:t>base_url</a:t>
+            </a:r>
+            <a:r>
+              <a:rPr lang="en-US" b="0" dirty="0">
+                <a:solidFill>
+                  <a:srgbClr val="CE9178"/>
+                </a:solidFill>
+                <a:effectLst/>
+                <a:latin typeface="Consolas" panose="020B0609020204030204" pitchFamily="49" charset="0"/>
+              </a:rPr>
+              <a:t>'</a:t>
+            </a:r>
+            <a:r>
+              <a:rPr lang="en-US" b="0" dirty="0">
+                <a:solidFill>
+                  <a:srgbClr val="D4D4D4"/>
+                </a:solidFill>
+                <a:effectLst/>
+                <a:latin typeface="Consolas" panose="020B0609020204030204" pitchFamily="49" charset="0"/>
+              </a:rPr>
+              <a:t> =&gt; </a:t>
+            </a:r>
+            <a:r>
+              <a:rPr lang="en-US" b="0" dirty="0">
+                <a:solidFill>
+                  <a:srgbClr val="DCDCAA"/>
+                </a:solidFill>
+                <a:effectLst/>
+                <a:latin typeface="Consolas" panose="020B0609020204030204" pitchFamily="49" charset="0"/>
+              </a:rPr>
+              <a:t>env</a:t>
+            </a:r>
+            <a:r>
+              <a:rPr lang="en-US" b="0" dirty="0">
+                <a:solidFill>
+                  <a:srgbClr val="D4D4D4"/>
+                </a:solidFill>
+                <a:effectLst/>
+                <a:latin typeface="Consolas" panose="020B0609020204030204" pitchFamily="49" charset="0"/>
+              </a:rPr>
+              <a:t>(</a:t>
+            </a:r>
+            <a:r>
+              <a:rPr lang="en-US" b="0" dirty="0">
+                <a:solidFill>
+                  <a:srgbClr val="CE9178"/>
+                </a:solidFill>
+                <a:effectLst/>
+                <a:latin typeface="Consolas" panose="020B0609020204030204" pitchFamily="49" charset="0"/>
+              </a:rPr>
+              <a:t>'KEYCLOAK_BASE_URL'</a:t>
+            </a:r>
+            <a:r>
+              <a:rPr lang="en-US" b="0" dirty="0">
+                <a:solidFill>
+                  <a:srgbClr val="D4D4D4"/>
+                </a:solidFill>
+                <a:effectLst/>
+                <a:latin typeface="Consolas" panose="020B0609020204030204" pitchFamily="49" charset="0"/>
+              </a:rPr>
+              <a:t>),</a:t>
+            </a:r>
+            <a:endParaRPr lang="en-US" b="0" dirty="0">
+              <a:solidFill>
+                <a:srgbClr val="CCCCCC"/>
+              </a:solidFill>
+              <a:effectLst/>
+              <a:latin typeface="Consolas" panose="020B0609020204030204" pitchFamily="49" charset="0"/>
+            </a:endParaRPr>
+          </a:p>
+          <a:p>
+            <a:pPr>
+              <a:lnSpc>
+                <a:spcPct val="150000"/>
+              </a:lnSpc>
+            </a:pPr>
+            <a:r>
+              <a:rPr lang="en-US" b="0" dirty="0">
+                <a:solidFill>
+                  <a:srgbClr val="D4D4D4"/>
+                </a:solidFill>
+                <a:effectLst/>
+                <a:latin typeface="Consolas" panose="020B0609020204030204" pitchFamily="49" charset="0"/>
+              </a:rPr>
+              <a:t>    ]</a:t>
+            </a:r>
+            <a:endParaRPr lang="en-US" b="0" dirty="0">
+              <a:solidFill>
+                <a:srgbClr val="CCCCCC"/>
+              </a:solidFill>
+              <a:effectLst/>
+              <a:latin typeface="Consolas" panose="020B0609020204030204" pitchFamily="49" charset="0"/>
+            </a:endParaRPr>
+          </a:p>
+        </p:txBody>
+      </p:sp>
+      <p:sp>
+        <p:nvSpPr>
+          <p:cNvPr id="10" name="Rectangle 2">
+            <a:extLst>
+              <a:ext uri="{FF2B5EF4-FFF2-40B4-BE49-F238E27FC236}">
+                <a16:creationId xmlns:a16="http://schemas.microsoft.com/office/drawing/2014/main" id="{ADB96C05-BD06-A97A-9B49-5BAEC23C2743}"/>
+              </a:ext>
+            </a:extLst>
+          </p:cNvPr>
+          <p:cNvSpPr>
+            <a:spLocks noChangeArrowheads="1"/>
+          </p:cNvSpPr>
+          <p:nvPr/>
+        </p:nvSpPr>
+        <p:spPr bwMode="auto">
+          <a:xfrm>
+            <a:off x="1152525" y="1710281"/>
+            <a:ext cx="8562975" cy="784830"/>
+          </a:xfrm>
+          <a:prstGeom prst="rect">
+            <a:avLst/>
+          </a:prstGeom>
+          <a:solidFill>
+            <a:srgbClr val="F2F2F2"/>
+          </a:solidFill>
+          <a:ln>
+            <a:noFill/>
+          </a:ln>
+          <a:effectLst/>
+          <a:extLst>
+            <a:ext uri="{91240B29-F687-4F45-9708-019B960494DF}">
+              <a14:hiddenLine xmlns:a14="http://schemas.microsoft.com/office/drawing/2010/main" w="9525">
+                <a:solidFill>
+                  <a:schemeClr val="tx1"/>
+                </a:solidFill>
+                <a:miter lim="800000"/>
+                <a:headEnd/>
+                <a:tailEnd/>
+              </a14:hiddenLine>
+            </a:ext>
+            <a:ext uri="{AF507438-7753-43E0-B8FC-AC1667EBCBE1}">
+              <a14:hiddenEffects xmlns:a14="http://schemas.microsoft.com/office/drawing/2010/main">
+                <a:effectLst>
+                  <a:outerShdw dist="35921" dir="2700000" algn="ctr" rotWithShape="0">
+                    <a:schemeClr val="bg2"/>
+                  </a:outerShdw>
+                </a:effectLst>
+              </a14:hiddenEffects>
+            </a:ext>
+          </a:extLst>
+        </p:spPr>
+        <p:txBody>
+          <a:bodyPr vert="horz" wrap="square" lIns="0" tIns="0" rIns="0" bIns="0" numCol="1" anchor="ctr" anchorCtr="0" compatLnSpc="1">
+            <a:prstTxWarp prst="textNoShape">
+              <a:avLst/>
+            </a:prstTxWarp>
+            <a:spAutoFit/>
+          </a:bodyPr>
+          <a:lstStyle/>
+          <a:p>
+            <a:pPr marL="0" marR="0" lvl="0" indent="0" algn="l" defTabSz="914400" rtl="0" eaLnBrk="0" fontAlgn="base" latinLnBrk="0" hangingPunct="0">
+              <a:lnSpc>
+                <a:spcPct val="100000"/>
+              </a:lnSpc>
+              <a:spcBef>
+                <a:spcPct val="0"/>
+              </a:spcBef>
+              <a:spcAft>
+                <a:spcPct val="0"/>
+              </a:spcAft>
+              <a:buClrTx/>
+              <a:buSzTx/>
+              <a:buFontTx/>
+              <a:buNone/>
+              <a:tabLst/>
+            </a:pPr>
+            <a:endParaRPr kumimoji="0" lang="en-US" altLang="en-US" sz="1800" b="0" i="0" u="none" strike="noStrike" cap="none" normalizeH="0" baseline="0" dirty="0">
+              <a:ln>
+                <a:noFill/>
+              </a:ln>
+              <a:solidFill>
+                <a:schemeClr val="tx1"/>
+              </a:solidFill>
+              <a:effectLst/>
+              <a:latin typeface="Arial" panose="020B0604020202020204" pitchFamily="34" charset="0"/>
+            </a:endParaRPr>
+          </a:p>
+          <a:p>
+            <a:pPr marL="0" marR="0" lvl="0" indent="0" algn="l" defTabSz="914400" rtl="0" eaLnBrk="0" fontAlgn="base" latinLnBrk="0" hangingPunct="0">
+              <a:lnSpc>
+                <a:spcPct val="100000"/>
+              </a:lnSpc>
+              <a:spcBef>
+                <a:spcPct val="0"/>
+              </a:spcBef>
+              <a:spcAft>
+                <a:spcPct val="0"/>
+              </a:spcAft>
+              <a:buClrTx/>
+              <a:buSzTx/>
+              <a:buFontTx/>
+              <a:buAutoNum type="arabicPeriod"/>
+              <a:tabLst/>
+            </a:pPr>
+            <a:r>
+              <a:rPr kumimoji="0" lang="en-US" altLang="en-US" sz="1500" b="0" i="0" u="none" strike="noStrike" cap="none" normalizeH="0" baseline="0" dirty="0">
+                <a:ln>
+                  <a:noFill/>
+                </a:ln>
+                <a:solidFill>
+                  <a:srgbClr val="242424"/>
+                </a:solidFill>
+                <a:effectLst/>
+                <a:latin typeface="source-serif-pro"/>
+              </a:rPr>
+              <a:t>Configure </a:t>
+            </a:r>
+            <a:r>
+              <a:rPr kumimoji="0" lang="en-US" altLang="en-US" sz="1500" b="0" i="0" u="none" strike="noStrike" cap="none" normalizeH="0" baseline="0" dirty="0" err="1">
+                <a:ln>
+                  <a:noFill/>
+                </a:ln>
+                <a:solidFill>
+                  <a:srgbClr val="242424"/>
+                </a:solidFill>
+                <a:effectLst/>
+                <a:latin typeface="source-serif-pro"/>
+              </a:rPr>
+              <a:t>Keycloak</a:t>
+            </a:r>
+            <a:r>
+              <a:rPr kumimoji="0" lang="en-US" altLang="en-US" sz="1500" b="0" i="0" u="none" strike="noStrike" cap="none" normalizeH="0" baseline="0" dirty="0">
+                <a:ln>
+                  <a:noFill/>
+                </a:ln>
+                <a:solidFill>
+                  <a:srgbClr val="242424"/>
+                </a:solidFill>
+                <a:effectLst/>
+                <a:latin typeface="source-serif-pro"/>
+              </a:rPr>
+              <a:t> Provider: Open the </a:t>
+            </a:r>
+            <a:r>
+              <a:rPr kumimoji="0" lang="en-US" altLang="en-US" sz="1100" b="0" i="0" u="none" strike="noStrike" cap="none" normalizeH="0" baseline="0" dirty="0">
+                <a:ln>
+                  <a:noFill/>
+                </a:ln>
+                <a:solidFill>
+                  <a:srgbClr val="242424"/>
+                </a:solidFill>
+                <a:effectLst/>
+                <a:latin typeface="source-code-pro"/>
+              </a:rPr>
+              <a:t>config/</a:t>
+            </a:r>
+            <a:r>
+              <a:rPr kumimoji="0" lang="en-US" altLang="en-US" sz="1100" b="0" i="0" u="none" strike="noStrike" cap="none" normalizeH="0" baseline="0" dirty="0" err="1">
+                <a:ln>
+                  <a:noFill/>
+                </a:ln>
+                <a:solidFill>
+                  <a:srgbClr val="242424"/>
+                </a:solidFill>
+                <a:effectLst/>
+                <a:latin typeface="source-code-pro"/>
+              </a:rPr>
+              <a:t>services.php</a:t>
+            </a:r>
+            <a:r>
+              <a:rPr kumimoji="0" lang="en-US" altLang="en-US" sz="1500" b="0" i="0" u="none" strike="noStrike" cap="none" normalizeH="0" baseline="0" dirty="0">
+                <a:ln>
+                  <a:noFill/>
+                </a:ln>
+                <a:solidFill>
+                  <a:srgbClr val="242424"/>
+                </a:solidFill>
+                <a:effectLst/>
+                <a:latin typeface="source-serif-pro"/>
+              </a:rPr>
+              <a:t> file and add the following configuration for </a:t>
+            </a:r>
+            <a:r>
+              <a:rPr kumimoji="0" lang="en-US" altLang="en-US" sz="1500" b="0" i="0" u="none" strike="noStrike" cap="none" normalizeH="0" baseline="0" dirty="0" err="1">
+                <a:ln>
+                  <a:noFill/>
+                </a:ln>
+                <a:solidFill>
+                  <a:srgbClr val="242424"/>
+                </a:solidFill>
+                <a:effectLst/>
+                <a:latin typeface="source-serif-pro"/>
+              </a:rPr>
+              <a:t>Keycloak</a:t>
+            </a:r>
+            <a:r>
+              <a:rPr kumimoji="0" lang="en-US" altLang="en-US" sz="1500" b="0" i="0" u="none" strike="noStrike" cap="none" normalizeH="0" baseline="0" dirty="0">
+                <a:ln>
+                  <a:noFill/>
+                </a:ln>
+                <a:solidFill>
+                  <a:srgbClr val="242424"/>
+                </a:solidFill>
+                <a:effectLst/>
+                <a:latin typeface="source-serif-pro"/>
+              </a:rPr>
+              <a:t>:</a:t>
+            </a:r>
+            <a:endParaRPr kumimoji="0" lang="en-US" altLang="en-US" sz="800" b="0" i="0" u="none" strike="noStrike" cap="none" normalizeH="0" baseline="0" dirty="0">
+              <a:ln>
+                <a:noFill/>
+              </a:ln>
+              <a:solidFill>
+                <a:schemeClr val="tx1"/>
+              </a:solidFill>
+              <a:effectLst/>
+              <a:latin typeface="medium-content-sans-serif-font"/>
+            </a:endParaRPr>
+          </a:p>
+          <a:p>
+            <a:pPr marL="0" marR="0" lvl="0" indent="0" algn="l" defTabSz="914400" rtl="0" eaLnBrk="0" fontAlgn="base" latinLnBrk="0" hangingPunct="0">
+              <a:lnSpc>
+                <a:spcPct val="100000"/>
+              </a:lnSpc>
+              <a:spcBef>
+                <a:spcPct val="0"/>
+              </a:spcBef>
+              <a:spcAft>
+                <a:spcPct val="0"/>
+              </a:spcAft>
+              <a:buClrTx/>
+              <a:buSzTx/>
+              <a:buFontTx/>
+              <a:buNone/>
+              <a:tabLst/>
+            </a:pPr>
+            <a:endParaRPr kumimoji="0" lang="en-US" altLang="en-US" sz="1800" b="0" i="0" u="none" strike="noStrike" cap="none" normalizeH="0" baseline="0" dirty="0">
+              <a:ln>
+                <a:noFill/>
+              </a:ln>
+              <a:solidFill>
+                <a:schemeClr val="tx1"/>
+              </a:solidFill>
+              <a:effectLst/>
+              <a:latin typeface="Arial" panose="020B0604020202020204" pitchFamily="34" charset="0"/>
+            </a:endParaRPr>
           </a:p>
         </p:txBody>
       </p:sp>
     </p:spTree>
     <p:extLst>
       <p:ext uri="{BB962C8B-B14F-4D97-AF65-F5344CB8AC3E}">
-        <p14:creationId xmlns:p14="http://schemas.microsoft.com/office/powerpoint/2010/main" val="2140299502"/>
+        <p14:creationId xmlns:p14="http://schemas.microsoft.com/office/powerpoint/2010/main" val="3639074597"/>
       </p:ext>
     </p:extLst>
   </p:cSld>
@@ -4438,7 +6581,7 @@
           <p:cNvPr id="2" name="Title 1">
             <a:extLst>
               <a:ext uri="{FF2B5EF4-FFF2-40B4-BE49-F238E27FC236}">
-                <a16:creationId xmlns:a16="http://schemas.microsoft.com/office/drawing/2014/main" id="{83FD51DA-908C-5A25-4F7D-2355D4B85C32}"/>
+                <a16:creationId xmlns:a16="http://schemas.microsoft.com/office/drawing/2014/main" id="{D2454750-3D14-C809-4334-8FD4402DF117}"/>
               </a:ext>
             </a:extLst>
           </p:cNvPr>
@@ -4456,35 +6599,19 @@
           <a:p>
             <a:r>
               <a:rPr lang="en-US" dirty="0"/>
-              <a:t>5. </a:t>
+              <a:t>1. </a:t>
             </a:r>
             <a:r>
               <a:rPr lang="en-US" dirty="0" err="1"/>
-              <a:t>Memastikan</a:t>
+              <a:t>Aplikasi</a:t>
             </a:r>
             <a:r>
               <a:rPr lang="en-US" dirty="0"/>
-              <a:t> </a:t>
+              <a:t> SSO </a:t>
             </a:r>
             <a:r>
               <a:rPr lang="en-US" dirty="0" err="1"/>
-              <a:t>internet.brin</a:t>
-            </a:r>
-            <a:r>
-              <a:rPr lang="en-US" dirty="0"/>
-              <a:t> </a:t>
-            </a:r>
-            <a:r>
-              <a:rPr lang="en-US" dirty="0" err="1"/>
-              <a:t>bisa</a:t>
-            </a:r>
-            <a:r>
-              <a:rPr lang="en-US" dirty="0"/>
-              <a:t> </a:t>
-            </a:r>
-            <a:r>
-              <a:rPr lang="en-US" dirty="0" err="1"/>
-              <a:t>jalan</a:t>
+              <a:t>Berjalan</a:t>
             </a:r>
             <a:endParaRPr lang="en-ID" dirty="0"/>
           </a:p>
@@ -4495,7 +6622,7 @@
           <p:cNvPr id="3" name="Content Placeholder 2">
             <a:extLst>
               <a:ext uri="{FF2B5EF4-FFF2-40B4-BE49-F238E27FC236}">
-                <a16:creationId xmlns:a16="http://schemas.microsoft.com/office/drawing/2014/main" id="{003EF440-054E-1A48-040C-AB382D70952A}"/>
+                <a16:creationId xmlns:a16="http://schemas.microsoft.com/office/drawing/2014/main" id="{808E94DA-096C-50BB-91AE-B140BFEC419E}"/>
               </a:ext>
             </a:extLst>
           </p:cNvPr>
@@ -4518,7 +6645,7 @@
     </p:spTree>
     <p:extLst>
       <p:ext uri="{BB962C8B-B14F-4D97-AF65-F5344CB8AC3E}">
-        <p14:creationId xmlns:p14="http://schemas.microsoft.com/office/powerpoint/2010/main" val="464171024"/>
+        <p14:creationId xmlns:p14="http://schemas.microsoft.com/office/powerpoint/2010/main" val="861739525"/>
       </p:ext>
     </p:extLst>
   </p:cSld>

--- a/docs/sso.pptx
+++ b/docs/sso.pptx
@@ -19,6 +19,7 @@
     <p:sldId id="262" r:id="rId13"/>
     <p:sldId id="263" r:id="rId14"/>
     <p:sldId id="264" r:id="rId15"/>
+    <p:sldId id="270" r:id="rId16"/>
   </p:sldIdLst>
   <p:sldSz cx="12192000" cy="6858000"/>
   <p:notesSz cx="6858000" cy="9144000"/>
@@ -3939,6 +3940,183 @@
 </p:sld>
 </file>
 
+<file path=ppt/slides/slide15.xml><?xml version="1.0" encoding="utf-8"?>
+<p:sld xmlns:a="http://schemas.openxmlformats.org/drawingml/2006/main" xmlns:r="http://schemas.openxmlformats.org/officeDocument/2006/relationships" xmlns:p="http://schemas.openxmlformats.org/presentationml/2006/main">
+  <p:cSld>
+    <p:spTree>
+      <p:nvGrpSpPr>
+        <p:cNvPr id="1" name=""/>
+        <p:cNvGrpSpPr/>
+        <p:nvPr/>
+      </p:nvGrpSpPr>
+      <p:grpSpPr>
+        <a:xfrm>
+          <a:off x="0" y="0"/>
+          <a:ext cx="0" cy="0"/>
+          <a:chOff x="0" y="0"/>
+          <a:chExt cx="0" cy="0"/>
+        </a:xfrm>
+      </p:grpSpPr>
+      <p:sp>
+        <p:nvSpPr>
+          <p:cNvPr id="2" name="Title 1">
+            <a:extLst>
+              <a:ext uri="{FF2B5EF4-FFF2-40B4-BE49-F238E27FC236}">
+                <a16:creationId xmlns:a16="http://schemas.microsoft.com/office/drawing/2014/main" id="{B8FC3F49-4AA1-173D-0911-6013C93576E3}"/>
+              </a:ext>
+            </a:extLst>
+          </p:cNvPr>
+          <p:cNvSpPr>
+            <a:spLocks noGrp="1"/>
+          </p:cNvSpPr>
+          <p:nvPr>
+            <p:ph type="title"/>
+          </p:nvPr>
+        </p:nvSpPr>
+        <p:spPr/>
+        <p:txBody>
+          <a:bodyPr/>
+          <a:lstStyle/>
+          <a:p>
+            <a:r>
+              <a:rPr lang="en-US" dirty="0"/>
+              <a:t>7. Integrasi </a:t>
+            </a:r>
+            <a:r>
+              <a:rPr lang="en-US" dirty="0" err="1"/>
+              <a:t>dengan</a:t>
+            </a:r>
+            <a:r>
+              <a:rPr lang="en-US" dirty="0"/>
+              <a:t> LDAP</a:t>
+            </a:r>
+            <a:endParaRPr lang="en-ID" dirty="0"/>
+          </a:p>
+        </p:txBody>
+      </p:sp>
+      <p:sp>
+        <p:nvSpPr>
+          <p:cNvPr id="3" name="Content Placeholder 2">
+            <a:extLst>
+              <a:ext uri="{FF2B5EF4-FFF2-40B4-BE49-F238E27FC236}">
+                <a16:creationId xmlns:a16="http://schemas.microsoft.com/office/drawing/2014/main" id="{1A4539D5-21FB-34F3-F681-6E224A3B211A}"/>
+              </a:ext>
+            </a:extLst>
+          </p:cNvPr>
+          <p:cNvSpPr>
+            <a:spLocks noGrp="1"/>
+          </p:cNvSpPr>
+          <p:nvPr>
+            <p:ph idx="1"/>
+          </p:nvPr>
+        </p:nvSpPr>
+        <p:spPr/>
+        <p:txBody>
+          <a:bodyPr/>
+          <a:lstStyle/>
+          <a:p>
+            <a:r>
+              <a:rPr lang="en-US" dirty="0"/>
+              <a:t>Integrasi </a:t>
+            </a:r>
+            <a:r>
+              <a:rPr lang="en-US" dirty="0" err="1"/>
+              <a:t>ada</a:t>
+            </a:r>
+            <a:r>
+              <a:rPr lang="en-US" dirty="0"/>
+              <a:t> </a:t>
+            </a:r>
+            <a:r>
+              <a:rPr lang="en-US"/>
+              <a:t>di docker compose </a:t>
+            </a:r>
+          </a:p>
+          <a:p>
+            <a:r>
+              <a:rPr lang="en-US" dirty="0"/>
+              <a:t>LDAP Admin : </a:t>
+            </a:r>
+          </a:p>
+          <a:p>
+            <a:pPr lvl="1"/>
+            <a:r>
+              <a:rPr lang="en-US" dirty="0"/>
+              <a:t>user :  </a:t>
+            </a:r>
+            <a:r>
+              <a:rPr lang="en-US" b="1" dirty="0" err="1"/>
+              <a:t>cn</a:t>
+            </a:r>
+            <a:r>
+              <a:rPr lang="en-US" b="1" dirty="0"/>
+              <a:t>=</a:t>
+            </a:r>
+            <a:r>
+              <a:rPr lang="en-US" b="1" dirty="0" err="1"/>
+              <a:t>admin,dc</a:t>
+            </a:r>
+            <a:r>
+              <a:rPr lang="en-US" b="1" dirty="0"/>
+              <a:t>=</a:t>
+            </a:r>
+            <a:r>
+              <a:rPr lang="en-US" b="1" dirty="0" err="1"/>
+              <a:t>example,dc</a:t>
+            </a:r>
+            <a:r>
+              <a:rPr lang="en-US" b="1" dirty="0"/>
+              <a:t>=com</a:t>
+            </a:r>
+            <a:endParaRPr lang="en-ID" b="1" dirty="0"/>
+          </a:p>
+          <a:p>
+            <a:pPr lvl="1"/>
+            <a:r>
+              <a:rPr lang="en-US" dirty="0"/>
+              <a:t>Password: </a:t>
+            </a:r>
+            <a:r>
+              <a:rPr lang="en-US" b="1" dirty="0"/>
+              <a:t>admin</a:t>
+            </a:r>
+          </a:p>
+          <a:p>
+            <a:pPr lvl="1"/>
+            <a:r>
+              <a:rPr lang="en-US" dirty="0" err="1"/>
+              <a:t>url</a:t>
+            </a:r>
+            <a:r>
+              <a:rPr lang="en-US" dirty="0"/>
+              <a:t> : </a:t>
+            </a:r>
+            <a:r>
+              <a:rPr lang="en-US" dirty="0">
+                <a:hlinkClick r:id="rId2"/>
+              </a:rPr>
+              <a:t>http://localhost:8081</a:t>
+            </a:r>
+            <a:endParaRPr lang="en-US" dirty="0"/>
+          </a:p>
+          <a:p>
+            <a:endParaRPr lang="en-US" dirty="0"/>
+          </a:p>
+        </p:txBody>
+      </p:sp>
+    </p:spTree>
+    <p:extLst>
+      <p:ext uri="{BB962C8B-B14F-4D97-AF65-F5344CB8AC3E}">
+        <p14:creationId xmlns:p14="http://schemas.microsoft.com/office/powerpoint/2010/main" val="3764285083"/>
+      </p:ext>
+    </p:extLst>
+  </p:cSld>
+  <p:clrMapOvr>
+    <a:masterClrMapping/>
+  </p:clrMapOvr>
+</p:sld>
+</file>
+
 <file path=ppt/slides/slide2.xml><?xml version="1.0" encoding="utf-8"?>
 <p:sld xmlns:a="http://schemas.openxmlformats.org/drawingml/2006/main" xmlns:r="http://schemas.openxmlformats.org/officeDocument/2006/relationships" xmlns:p="http://schemas.openxmlformats.org/presentationml/2006/main">
   <p:cSld>
@@ -5749,11 +5927,7 @@
             </a:r>
             <a:r>
               <a:rPr lang="en-US" dirty="0"/>
-              <a:t> di Client (Laravel) </a:t>
-            </a:r>
-            <a:r>
-              <a:rPr lang="en-US"/>
-              <a:t>: 4</a:t>
+              <a:t> di Client (Laravel) : 4</a:t>
             </a:r>
             <a:endParaRPr lang="en-ID" dirty="0"/>
           </a:p>

--- a/docs/sso.pptx
+++ b/docs/sso.pptx
@@ -19,7 +19,8 @@
     <p:sldId id="262" r:id="rId13"/>
     <p:sldId id="263" r:id="rId14"/>
     <p:sldId id="264" r:id="rId15"/>
-    <p:sldId id="270" r:id="rId16"/>
+    <p:sldId id="271" r:id="rId16"/>
+    <p:sldId id="270" r:id="rId17"/>
   </p:sldIdLst>
   <p:sldSz cx="12192000" cy="6858000"/>
   <p:notesSz cx="6858000" cy="9144000"/>
@@ -3611,7 +3612,11 @@
           <a:bodyPr/>
           <a:lstStyle/>
           <a:p>
-            <a:endParaRPr lang="en-ID"/>
+            <a:r>
+              <a:rPr lang="en-US" dirty="0"/>
+              <a:t>DONE</a:t>
+            </a:r>
+            <a:endParaRPr lang="en-ID" dirty="0"/>
           </a:p>
         </p:txBody>
       </p:sp>
@@ -3711,7 +3716,11 @@
           <a:bodyPr/>
           <a:lstStyle/>
           <a:p>
-            <a:endParaRPr lang="en-ID"/>
+            <a:r>
+              <a:rPr lang="en-US" dirty="0"/>
+              <a:t>DONE</a:t>
+            </a:r>
+            <a:endParaRPr lang="en-ID" dirty="0"/>
           </a:p>
         </p:txBody>
       </p:sp>
@@ -3962,6 +3971,193 @@
           <p:cNvPr id="2" name="Title 1">
             <a:extLst>
               <a:ext uri="{FF2B5EF4-FFF2-40B4-BE49-F238E27FC236}">
+                <a16:creationId xmlns:a16="http://schemas.microsoft.com/office/drawing/2014/main" id="{28913668-76EA-1D06-DE10-36ECBDF659AF}"/>
+              </a:ext>
+            </a:extLst>
+          </p:cNvPr>
+          <p:cNvSpPr>
+            <a:spLocks noGrp="1"/>
+          </p:cNvSpPr>
+          <p:nvPr>
+            <p:ph type="title"/>
+          </p:nvPr>
+        </p:nvSpPr>
+        <p:spPr/>
+        <p:txBody>
+          <a:bodyPr/>
+          <a:lstStyle/>
+          <a:p>
+            <a:r>
+              <a:rPr lang="en-US" dirty="0"/>
+              <a:t>7. Integrasi HTTPS</a:t>
+            </a:r>
+            <a:endParaRPr lang="en-ID" dirty="0"/>
+          </a:p>
+        </p:txBody>
+      </p:sp>
+      <p:sp>
+        <p:nvSpPr>
+          <p:cNvPr id="3" name="Content Placeholder 2">
+            <a:extLst>
+              <a:ext uri="{FF2B5EF4-FFF2-40B4-BE49-F238E27FC236}">
+                <a16:creationId xmlns:a16="http://schemas.microsoft.com/office/drawing/2014/main" id="{196D1840-40C7-B378-1B7F-F63B45338481}"/>
+              </a:ext>
+            </a:extLst>
+          </p:cNvPr>
+          <p:cNvSpPr>
+            <a:spLocks noGrp="1"/>
+          </p:cNvSpPr>
+          <p:nvPr>
+            <p:ph idx="1"/>
+          </p:nvPr>
+        </p:nvSpPr>
+        <p:spPr/>
+        <p:txBody>
+          <a:bodyPr/>
+          <a:lstStyle/>
+          <a:p>
+            <a:r>
+              <a:rPr lang="en-US" dirty="0"/>
+              <a:t>Install nginx</a:t>
+            </a:r>
+          </a:p>
+          <a:p>
+            <a:r>
+              <a:rPr lang="en-US" dirty="0"/>
+              <a:t>Install </a:t>
+            </a:r>
+            <a:r>
+              <a:rPr lang="en-US" dirty="0" err="1"/>
+              <a:t>keycloack</a:t>
+            </a:r>
+            <a:r>
+              <a:rPr lang="en-US" dirty="0"/>
+              <a:t> as port 8080</a:t>
+            </a:r>
+          </a:p>
+          <a:p>
+            <a:r>
+              <a:rPr lang="en-US" dirty="0" err="1"/>
+              <a:t>Konfigurasi</a:t>
+            </a:r>
+            <a:r>
+              <a:rPr lang="en-US" dirty="0"/>
+              <a:t> </a:t>
+            </a:r>
+            <a:r>
+              <a:rPr lang="en-US" dirty="0" err="1"/>
+              <a:t>ada</a:t>
+            </a:r>
+            <a:r>
+              <a:rPr lang="en-US" dirty="0"/>
+              <a:t> di docker compose</a:t>
+            </a:r>
+          </a:p>
+          <a:p>
+            <a:pPr lvl="1"/>
+            <a:r>
+              <a:rPr lang="en-US" dirty="0" err="1"/>
+              <a:t>Keycloak</a:t>
+            </a:r>
+            <a:r>
+              <a:rPr lang="en-US" dirty="0"/>
+              <a:t> di </a:t>
+            </a:r>
+            <a:r>
+              <a:rPr lang="en-US" dirty="0" err="1"/>
+              <a:t>tambah</a:t>
+            </a:r>
+            <a:r>
+              <a:rPr lang="en-US" dirty="0"/>
+              <a:t> .env</a:t>
+            </a:r>
+          </a:p>
+          <a:p>
+            <a:pPr lvl="2"/>
+            <a:r>
+              <a:rPr lang="en-ID" b="0" dirty="0">
+                <a:solidFill>
+                  <a:srgbClr val="CCCCCC"/>
+                </a:solidFill>
+                <a:effectLst/>
+                <a:latin typeface="Consolas" panose="020B0609020204030204" pitchFamily="49" charset="0"/>
+              </a:rPr>
+              <a:t>- </a:t>
+            </a:r>
+            <a:r>
+              <a:rPr lang="en-ID" b="0" dirty="0">
+                <a:solidFill>
+                  <a:srgbClr val="CE9178"/>
+                </a:solidFill>
+                <a:effectLst/>
+                <a:latin typeface="Consolas" panose="020B0609020204030204" pitchFamily="49" charset="0"/>
+              </a:rPr>
+              <a:t>KC_PROXY=edge</a:t>
+            </a:r>
+            <a:endParaRPr lang="en-ID" b="0" dirty="0">
+              <a:solidFill>
+                <a:srgbClr val="CCCCCC"/>
+              </a:solidFill>
+              <a:effectLst/>
+              <a:latin typeface="Consolas" panose="020B0609020204030204" pitchFamily="49" charset="0"/>
+            </a:endParaRPr>
+          </a:p>
+          <a:p>
+            <a:r>
+              <a:rPr lang="en-US" dirty="0" err="1"/>
+              <a:t>Konfigurasi</a:t>
+            </a:r>
+            <a:r>
+              <a:rPr lang="en-US" dirty="0"/>
+              <a:t> cert (self-signed) di nginx (</a:t>
+            </a:r>
+            <a:r>
+              <a:rPr lang="en-US" dirty="0" err="1"/>
+              <a:t>ada</a:t>
+            </a:r>
+            <a:r>
+              <a:rPr lang="en-US" dirty="0"/>
+              <a:t> di docker compose)</a:t>
+            </a:r>
+            <a:endParaRPr lang="en-ID" dirty="0"/>
+          </a:p>
+        </p:txBody>
+      </p:sp>
+    </p:spTree>
+    <p:extLst>
+      <p:ext uri="{BB962C8B-B14F-4D97-AF65-F5344CB8AC3E}">
+        <p14:creationId xmlns:p14="http://schemas.microsoft.com/office/powerpoint/2010/main" val="2485982311"/>
+      </p:ext>
+    </p:extLst>
+  </p:cSld>
+  <p:clrMapOvr>
+    <a:masterClrMapping/>
+  </p:clrMapOvr>
+</p:sld>
+</file>
+
+<file path=ppt/slides/slide16.xml><?xml version="1.0" encoding="utf-8"?>
+<p:sld xmlns:a="http://schemas.openxmlformats.org/drawingml/2006/main" xmlns:r="http://schemas.openxmlformats.org/officeDocument/2006/relationships" xmlns:p="http://schemas.openxmlformats.org/presentationml/2006/main">
+  <p:cSld>
+    <p:spTree>
+      <p:nvGrpSpPr>
+        <p:cNvPr id="1" name=""/>
+        <p:cNvGrpSpPr/>
+        <p:nvPr/>
+      </p:nvGrpSpPr>
+      <p:grpSpPr>
+        <a:xfrm>
+          <a:off x="0" y="0"/>
+          <a:ext cx="0" cy="0"/>
+          <a:chOff x="0" y="0"/>
+          <a:chExt cx="0" cy="0"/>
+        </a:xfrm>
+      </p:grpSpPr>
+      <p:sp>
+        <p:nvSpPr>
+          <p:cNvPr id="2" name="Title 1">
+            <a:extLst>
+              <a:ext uri="{FF2B5EF4-FFF2-40B4-BE49-F238E27FC236}">
                 <a16:creationId xmlns:a16="http://schemas.microsoft.com/office/drawing/2014/main" id="{B8FC3F49-4AA1-173D-0911-6013C93576E3}"/>
               </a:ext>
             </a:extLst>
@@ -3980,7 +4176,7 @@
           <a:p>
             <a:r>
               <a:rPr lang="en-US" dirty="0"/>
-              <a:t>7. Integrasi </a:t>
+              <a:t>8. Integrasi </a:t>
             </a:r>
             <a:r>
               <a:rPr lang="en-US" dirty="0" err="1"/>
@@ -4025,11 +4221,7 @@
             </a:r>
             <a:r>
               <a:rPr lang="en-US" dirty="0"/>
-              <a:t> </a:t>
-            </a:r>
-            <a:r>
-              <a:rPr lang="en-US"/>
-              <a:t>di docker compose </a:t>
+              <a:t> di docker compose </a:t>
             </a:r>
           </a:p>
           <a:p>
@@ -6812,6 +7004,10 @@
           <a:bodyPr/>
           <a:lstStyle/>
           <a:p>
+            <a:r>
+              <a:rPr lang="en-US"/>
+              <a:t>DONE</a:t>
+            </a:r>
             <a:endParaRPr lang="en-ID"/>
           </a:p>
         </p:txBody>

--- a/docs/sso.pptx
+++ b/docs/sso.pptx
@@ -9616,11 +9616,7 @@
             </a:r>
             <a:r>
               <a:rPr lang="en-US" dirty="0"/>
-              <a:t> https </a:t>
-            </a:r>
-            <a:r>
-              <a:rPr lang="en-US"/>
-              <a:t>docker (done)</a:t>
+              <a:t> https docker (done)</a:t>
             </a:r>
             <a:endParaRPr lang="en-ID" dirty="0"/>
           </a:p>
@@ -11576,7 +11572,7 @@
         </p:nvSpPr>
         <p:spPr>
           <a:xfrm>
-            <a:off x="1126836" y="2027635"/>
+            <a:off x="988291" y="1907562"/>
             <a:ext cx="6096000" cy="1902187"/>
           </a:xfrm>
           <a:prstGeom prst="rect">
@@ -12037,6 +12033,173 @@
               <a:effectLst/>
               <a:latin typeface="Consolas" panose="020B0609020204030204" pitchFamily="49" charset="0"/>
             </a:endParaRPr>
+          </a:p>
+        </p:txBody>
+      </p:sp>
+      <p:sp>
+        <p:nvSpPr>
+          <p:cNvPr id="7" name="TextBox 6">
+            <a:extLst>
+              <a:ext uri="{FF2B5EF4-FFF2-40B4-BE49-F238E27FC236}">
+                <a16:creationId xmlns:a16="http://schemas.microsoft.com/office/drawing/2014/main" id="{A71BE1B9-FE41-FC41-7A0D-B07EFCE3BFF4}"/>
+              </a:ext>
+            </a:extLst>
+          </p:cNvPr>
+          <p:cNvSpPr txBox="1"/>
+          <p:nvPr/>
+        </p:nvSpPr>
+        <p:spPr>
+          <a:xfrm>
+            <a:off x="6908799" y="1996881"/>
+            <a:ext cx="4783682" cy="1015663"/>
+          </a:xfrm>
+          <a:prstGeom prst="rect">
+            <a:avLst/>
+          </a:prstGeom>
+          <a:noFill/>
+        </p:spPr>
+        <p:txBody>
+          <a:bodyPr wrap="none" rtlCol="0">
+            <a:spAutoFit/>
+          </a:bodyPr>
+          <a:lstStyle/>
+          <a:p>
+            <a:pPr marL="342900" indent="-342900">
+              <a:buAutoNum type="arabicPeriod"/>
+            </a:pPr>
+            <a:r>
+              <a:rPr lang="en-US" sz="1000" dirty="0"/>
+              <a:t>Masuk </a:t>
+            </a:r>
+            <a:r>
+              <a:rPr lang="en-US" sz="1000" dirty="0" err="1"/>
+              <a:t>ke</a:t>
+            </a:r>
+            <a:r>
+              <a:rPr lang="en-US" sz="1000" dirty="0"/>
+              <a:t> container dan cd </a:t>
+            </a:r>
+            <a:r>
+              <a:rPr lang="en-US" sz="1000" dirty="0" err="1"/>
+              <a:t>ke</a:t>
+            </a:r>
+            <a:r>
+              <a:rPr lang="en-US" sz="1000" dirty="0"/>
+              <a:t> folder /opt/</a:t>
+            </a:r>
+            <a:r>
+              <a:rPr lang="en-US" sz="1000" dirty="0" err="1"/>
+              <a:t>keycloak-src</a:t>
+            </a:r>
+            <a:endParaRPr lang="en-US" sz="1000" dirty="0"/>
+          </a:p>
+          <a:p>
+            <a:pPr marL="342900" indent="-342900">
+              <a:buAutoNum type="arabicPeriod"/>
+            </a:pPr>
+            <a:r>
+              <a:rPr lang="en-ID" sz="1000" dirty="0" err="1"/>
+              <a:t>Jalankan</a:t>
+            </a:r>
+            <a:r>
+              <a:rPr lang="en-ID" sz="1000" dirty="0"/>
+              <a:t> </a:t>
+            </a:r>
+            <a:r>
+              <a:rPr lang="en-ID" sz="1000" dirty="0" err="1"/>
+              <a:t>perintah</a:t>
+            </a:r>
+            <a:r>
+              <a:rPr lang="en-ID" sz="1000" dirty="0"/>
+              <a:t> </a:t>
+            </a:r>
+          </a:p>
+          <a:p>
+            <a:pPr lvl="1"/>
+            <a:r>
+              <a:rPr lang="en-US" sz="1000" dirty="0"/>
+              <a:t>./</a:t>
+            </a:r>
+            <a:r>
+              <a:rPr lang="en-US" sz="1000" dirty="0" err="1"/>
+              <a:t>mvnw</a:t>
+            </a:r>
+            <a:r>
+              <a:rPr lang="en-US" sz="1000" dirty="0"/>
+              <a:t> -pl </a:t>
+            </a:r>
+            <a:r>
+              <a:rPr lang="en-US" sz="1000" dirty="0" err="1"/>
+              <a:t>quarkus</a:t>
+            </a:r>
+            <a:r>
+              <a:rPr lang="en-US" sz="1000" dirty="0"/>
+              <a:t>/</a:t>
+            </a:r>
+            <a:r>
+              <a:rPr lang="en-US" sz="1000" dirty="0" err="1"/>
+              <a:t>deployment,quarkus</a:t>
+            </a:r>
+            <a:r>
+              <a:rPr lang="en-US" sz="1000" dirty="0"/>
+              <a:t>/</a:t>
+            </a:r>
+            <a:r>
+              <a:rPr lang="en-US" sz="1000" dirty="0" err="1"/>
+              <a:t>dist</a:t>
+            </a:r>
+            <a:r>
+              <a:rPr lang="en-US" sz="1000" dirty="0"/>
+              <a:t> -am -</a:t>
+            </a:r>
+            <a:r>
+              <a:rPr lang="en-US" sz="1000" dirty="0" err="1"/>
+              <a:t>DskipTests</a:t>
+            </a:r>
+            <a:r>
+              <a:rPr lang="en-US" sz="1000" dirty="0"/>
+              <a:t> clean install</a:t>
+            </a:r>
+            <a:endParaRPr lang="en-ID" sz="1000" dirty="0"/>
+          </a:p>
+          <a:p>
+            <a:pPr marL="342900" indent="-342900">
+              <a:buAutoNum type="arabicPeriod"/>
+            </a:pPr>
+            <a:r>
+              <a:rPr lang="en-ID" sz="1000" dirty="0" err="1"/>
+              <a:t>Jalankan</a:t>
+            </a:r>
+            <a:r>
+              <a:rPr lang="en-ID" sz="1000" dirty="0"/>
+              <a:t> </a:t>
+            </a:r>
+            <a:r>
+              <a:rPr lang="en-ID" sz="1000" dirty="0" err="1"/>
+              <a:t>aplikasi</a:t>
+            </a:r>
+            <a:endParaRPr lang="en-ID" sz="1000" dirty="0"/>
+          </a:p>
+          <a:p>
+            <a:pPr lvl="1"/>
+            <a:r>
+              <a:rPr lang="en-ID" sz="1000" dirty="0"/>
+              <a:t>java -jar </a:t>
+            </a:r>
+            <a:r>
+              <a:rPr lang="en-ID" sz="1000" dirty="0" err="1"/>
+              <a:t>quarkus</a:t>
+            </a:r>
+            <a:r>
+              <a:rPr lang="en-ID" sz="1000" dirty="0"/>
+              <a:t>/server/target/lib/quarkus-run.jar start-dev</a:t>
+            </a:r>
+          </a:p>
+          <a:p>
+            <a:r>
+              <a:rPr lang="en-ID" sz="1000" dirty="0"/>
+              <a:t>		</a:t>
+            </a:r>
           </a:p>
         </p:txBody>
       </p:sp>

--- a/docs/sso.pptx
+++ b/docs/sso.pptx
@@ -27,10 +27,11 @@
     <p:sldId id="277" r:id="rId21"/>
     <p:sldId id="278" r:id="rId22"/>
     <p:sldId id="279" r:id="rId23"/>
-    <p:sldId id="280" r:id="rId24"/>
-    <p:sldId id="281" r:id="rId25"/>
-    <p:sldId id="271" r:id="rId26"/>
-    <p:sldId id="270" r:id="rId27"/>
+    <p:sldId id="282" r:id="rId24"/>
+    <p:sldId id="280" r:id="rId25"/>
+    <p:sldId id="281" r:id="rId26"/>
+    <p:sldId id="271" r:id="rId27"/>
+    <p:sldId id="270" r:id="rId28"/>
   </p:sldIdLst>
   <p:sldSz cx="12192000" cy="6858000"/>
   <p:notesSz cx="6858000" cy="9144000"/>
@@ -286,7 +287,7 @@
           <a:p>
             <a:fld id="{1597238E-43D8-4BC5-BC4F-29CFD1FF9E23}" type="datetimeFigureOut">
               <a:rPr lang="en-ID" smtClean="0"/>
-              <a:t>14/02/2025</a:t>
+              <a:t>16/02/2025</a:t>
             </a:fld>
             <a:endParaRPr lang="en-ID"/>
           </a:p>
@@ -486,7 +487,7 @@
           <a:p>
             <a:fld id="{1597238E-43D8-4BC5-BC4F-29CFD1FF9E23}" type="datetimeFigureOut">
               <a:rPr lang="en-ID" smtClean="0"/>
-              <a:t>14/02/2025</a:t>
+              <a:t>16/02/2025</a:t>
             </a:fld>
             <a:endParaRPr lang="en-ID"/>
           </a:p>
@@ -696,7 +697,7 @@
           <a:p>
             <a:fld id="{1597238E-43D8-4BC5-BC4F-29CFD1FF9E23}" type="datetimeFigureOut">
               <a:rPr lang="en-ID" smtClean="0"/>
-              <a:t>14/02/2025</a:t>
+              <a:t>16/02/2025</a:t>
             </a:fld>
             <a:endParaRPr lang="en-ID"/>
           </a:p>
@@ -896,7 +897,7 @@
           <a:p>
             <a:fld id="{1597238E-43D8-4BC5-BC4F-29CFD1FF9E23}" type="datetimeFigureOut">
               <a:rPr lang="en-ID" smtClean="0"/>
-              <a:t>14/02/2025</a:t>
+              <a:t>16/02/2025</a:t>
             </a:fld>
             <a:endParaRPr lang="en-ID"/>
           </a:p>
@@ -1172,7 +1173,7 @@
           <a:p>
             <a:fld id="{1597238E-43D8-4BC5-BC4F-29CFD1FF9E23}" type="datetimeFigureOut">
               <a:rPr lang="en-ID" smtClean="0"/>
-              <a:t>14/02/2025</a:t>
+              <a:t>16/02/2025</a:t>
             </a:fld>
             <a:endParaRPr lang="en-ID"/>
           </a:p>
@@ -1440,7 +1441,7 @@
           <a:p>
             <a:fld id="{1597238E-43D8-4BC5-BC4F-29CFD1FF9E23}" type="datetimeFigureOut">
               <a:rPr lang="en-ID" smtClean="0"/>
-              <a:t>14/02/2025</a:t>
+              <a:t>16/02/2025</a:t>
             </a:fld>
             <a:endParaRPr lang="en-ID"/>
           </a:p>
@@ -1855,7 +1856,7 @@
           <a:p>
             <a:fld id="{1597238E-43D8-4BC5-BC4F-29CFD1FF9E23}" type="datetimeFigureOut">
               <a:rPr lang="en-ID" smtClean="0"/>
-              <a:t>14/02/2025</a:t>
+              <a:t>16/02/2025</a:t>
             </a:fld>
             <a:endParaRPr lang="en-ID"/>
           </a:p>
@@ -1997,7 +1998,7 @@
           <a:p>
             <a:fld id="{1597238E-43D8-4BC5-BC4F-29CFD1FF9E23}" type="datetimeFigureOut">
               <a:rPr lang="en-ID" smtClean="0"/>
-              <a:t>14/02/2025</a:t>
+              <a:t>16/02/2025</a:t>
             </a:fld>
             <a:endParaRPr lang="en-ID"/>
           </a:p>
@@ -2110,7 +2111,7 @@
           <a:p>
             <a:fld id="{1597238E-43D8-4BC5-BC4F-29CFD1FF9E23}" type="datetimeFigureOut">
               <a:rPr lang="en-ID" smtClean="0"/>
-              <a:t>14/02/2025</a:t>
+              <a:t>16/02/2025</a:t>
             </a:fld>
             <a:endParaRPr lang="en-ID"/>
           </a:p>
@@ -2423,7 +2424,7 @@
           <a:p>
             <a:fld id="{1597238E-43D8-4BC5-BC4F-29CFD1FF9E23}" type="datetimeFigureOut">
               <a:rPr lang="en-ID" smtClean="0"/>
-              <a:t>14/02/2025</a:t>
+              <a:t>16/02/2025</a:t>
             </a:fld>
             <a:endParaRPr lang="en-ID"/>
           </a:p>
@@ -2712,7 +2713,7 @@
           <a:p>
             <a:fld id="{1597238E-43D8-4BC5-BC4F-29CFD1FF9E23}" type="datetimeFigureOut">
               <a:rPr lang="en-ID" smtClean="0"/>
-              <a:t>14/02/2025</a:t>
+              <a:t>16/02/2025</a:t>
             </a:fld>
             <a:endParaRPr lang="en-ID"/>
           </a:p>
@@ -2955,7 +2956,7 @@
           <a:p>
             <a:fld id="{1597238E-43D8-4BC5-BC4F-29CFD1FF9E23}" type="datetimeFigureOut">
               <a:rPr lang="en-ID" smtClean="0"/>
-              <a:t>14/02/2025</a:t>
+              <a:t>16/02/2025</a:t>
             </a:fld>
             <a:endParaRPr lang="en-ID"/>
           </a:p>
@@ -14160,6 +14161,1291 @@
         <p:cNvPr id="1" name="">
           <a:extLst>
             <a:ext uri="{FF2B5EF4-FFF2-40B4-BE49-F238E27FC236}">
+              <a16:creationId xmlns:a16="http://schemas.microsoft.com/office/drawing/2014/main" id="{9AA23985-D378-6127-803C-5B0C60308821}"/>
+            </a:ext>
+          </a:extLst>
+        </p:cNvPr>
+        <p:cNvGrpSpPr/>
+        <p:nvPr/>
+      </p:nvGrpSpPr>
+      <p:grpSpPr>
+        <a:xfrm>
+          <a:off x="0" y="0"/>
+          <a:ext cx="0" cy="0"/>
+          <a:chOff x="0" y="0"/>
+          <a:chExt cx="0" cy="0"/>
+        </a:xfrm>
+      </p:grpSpPr>
+      <p:sp>
+        <p:nvSpPr>
+          <p:cNvPr id="2" name="Title 1">
+            <a:extLst>
+              <a:ext uri="{FF2B5EF4-FFF2-40B4-BE49-F238E27FC236}">
+                <a16:creationId xmlns:a16="http://schemas.microsoft.com/office/drawing/2014/main" id="{5868A92F-4FDA-AD68-4D34-3CEE7EC53D4F}"/>
+              </a:ext>
+            </a:extLst>
+          </p:cNvPr>
+          <p:cNvSpPr>
+            <a:spLocks noGrp="1"/>
+          </p:cNvSpPr>
+          <p:nvPr>
+            <p:ph type="title"/>
+          </p:nvPr>
+        </p:nvSpPr>
+        <p:spPr/>
+        <p:txBody>
+          <a:bodyPr/>
+          <a:lstStyle/>
+          <a:p>
+            <a:r>
+              <a:rPr lang="en-US" dirty="0"/>
+              <a:t>6. </a:t>
+            </a:r>
+            <a:r>
+              <a:rPr lang="en-US" dirty="0" err="1"/>
+              <a:t>Membuat</a:t>
+            </a:r>
+            <a:r>
+              <a:rPr lang="en-US" dirty="0"/>
+              <a:t> sample kit next  custom</a:t>
+            </a:r>
+            <a:endParaRPr lang="en-ID" dirty="0"/>
+          </a:p>
+        </p:txBody>
+      </p:sp>
+      <p:sp>
+        <p:nvSpPr>
+          <p:cNvPr id="3" name="TextBox 2">
+            <a:extLst>
+              <a:ext uri="{FF2B5EF4-FFF2-40B4-BE49-F238E27FC236}">
+                <a16:creationId xmlns:a16="http://schemas.microsoft.com/office/drawing/2014/main" id="{E4E7EBBF-0727-064B-76FD-A25FAE0FD451}"/>
+              </a:ext>
+            </a:extLst>
+          </p:cNvPr>
+          <p:cNvSpPr txBox="1"/>
+          <p:nvPr/>
+        </p:nvSpPr>
+        <p:spPr>
+          <a:xfrm>
+            <a:off x="1006764" y="1579418"/>
+            <a:ext cx="5347854" cy="2144177"/>
+          </a:xfrm>
+          <a:prstGeom prst="rect">
+            <a:avLst/>
+          </a:prstGeom>
+          <a:noFill/>
+        </p:spPr>
+        <p:txBody>
+          <a:bodyPr wrap="square" rtlCol="0">
+            <a:spAutoFit/>
+          </a:bodyPr>
+          <a:lstStyle/>
+          <a:p>
+            <a:pPr marL="342900" indent="-342900">
+              <a:buFont typeface="+mj-lt"/>
+              <a:buAutoNum type="arabicPeriod"/>
+            </a:pPr>
+            <a:r>
+              <a:rPr lang="en-US" sz="1000" dirty="0"/>
+              <a:t>Masuk </a:t>
+            </a:r>
+            <a:r>
+              <a:rPr lang="en-US" sz="1000" dirty="0" err="1"/>
+              <a:t>ke</a:t>
+            </a:r>
+            <a:r>
+              <a:rPr lang="en-US" sz="1000" dirty="0"/>
+              <a:t> container</a:t>
+            </a:r>
+          </a:p>
+          <a:p>
+            <a:pPr marL="342900" indent="-342900">
+              <a:buFont typeface="+mj-lt"/>
+              <a:buAutoNum type="arabicPeriod"/>
+            </a:pPr>
+            <a:r>
+              <a:rPr lang="en-US" sz="1000" dirty="0"/>
+              <a:t>Installed Next latest (11)</a:t>
+            </a:r>
+          </a:p>
+          <a:p>
+            <a:pPr lvl="1"/>
+            <a:r>
+              <a:rPr lang="en-ID" sz="1000" b="0" i="0" dirty="0" err="1">
+                <a:effectLst/>
+                <a:latin typeface="Geist Mono"/>
+              </a:rPr>
+              <a:t>npx</a:t>
+            </a:r>
+            <a:r>
+              <a:rPr lang="en-ID" sz="1000" b="0" i="0" dirty="0">
+                <a:effectLst/>
+                <a:latin typeface="Geist Mono"/>
+              </a:rPr>
+              <a:t> </a:t>
+            </a:r>
+            <a:r>
+              <a:rPr lang="en-ID" sz="1000" b="0" i="0" dirty="0" err="1">
+                <a:effectLst/>
+                <a:latin typeface="Geist Mono"/>
+              </a:rPr>
+              <a:t>create-next-app@latest</a:t>
+            </a:r>
+            <a:r>
+              <a:rPr lang="en-US" sz="1000" b="0" i="0" dirty="0">
+                <a:effectLst/>
+                <a:latin typeface="Geist Mono"/>
+              </a:rPr>
+              <a:t> .</a:t>
+            </a:r>
+          </a:p>
+          <a:p>
+            <a:pPr marL="228600" indent="-228600">
+              <a:buFont typeface="+mj-lt"/>
+              <a:buAutoNum type="arabicPeriod"/>
+            </a:pPr>
+            <a:r>
+              <a:rPr lang="en-US" sz="1000" dirty="0">
+                <a:latin typeface="Geist Mono"/>
+              </a:rPr>
+              <a:t>    yarn add </a:t>
+            </a:r>
+            <a:r>
+              <a:rPr lang="en-ID" sz="1000" b="0" dirty="0">
+                <a:solidFill>
+                  <a:srgbClr val="9CDCFE"/>
+                </a:solidFill>
+                <a:effectLst/>
+                <a:latin typeface="Consolas" panose="020B0609020204030204" pitchFamily="49" charset="0"/>
+              </a:rPr>
+              <a:t>next-auth</a:t>
+            </a:r>
+            <a:r>
+              <a:rPr lang="en-ID" sz="1000" dirty="0">
+                <a:solidFill>
+                  <a:srgbClr val="CCCCCC"/>
+                </a:solidFill>
+                <a:latin typeface="Consolas" panose="020B0609020204030204" pitchFamily="49" charset="0"/>
+              </a:rPr>
+              <a:t>, yarn install</a:t>
+            </a:r>
+            <a:r>
+              <a:rPr lang="en-US" sz="1000" dirty="0">
+                <a:latin typeface="Geist Mono"/>
+              </a:rPr>
+              <a:t>		</a:t>
+            </a:r>
+            <a:endParaRPr lang="en-US" sz="1000" dirty="0"/>
+          </a:p>
+          <a:p>
+            <a:pPr marL="342900" indent="-342900">
+              <a:buFont typeface="+mj-lt"/>
+              <a:buAutoNum type="arabicPeriod"/>
+            </a:pPr>
+            <a:r>
+              <a:rPr lang="en-US" sz="1000" b="0" i="0" dirty="0" err="1">
+                <a:solidFill>
+                  <a:srgbClr val="5C2699"/>
+                </a:solidFill>
+                <a:effectLst/>
+                <a:latin typeface="source-code-pro"/>
+              </a:rPr>
+              <a:t>mkdir</a:t>
+            </a:r>
+            <a:r>
+              <a:rPr lang="en-US" sz="1000" b="0" i="0" dirty="0">
+                <a:solidFill>
+                  <a:srgbClr val="242424"/>
+                </a:solidFill>
+                <a:effectLst/>
+                <a:latin typeface="source-code-pro"/>
+              </a:rPr>
+              <a:t> -p </a:t>
+            </a:r>
+            <a:r>
+              <a:rPr lang="en-US" sz="1000" b="0" i="0" dirty="0">
+                <a:solidFill>
+                  <a:srgbClr val="C41A16"/>
+                </a:solidFill>
+                <a:effectLst/>
+                <a:latin typeface="source-code-pro"/>
+              </a:rPr>
+              <a:t>"</a:t>
+            </a:r>
+            <a:r>
+              <a:rPr lang="en-US" sz="1000" b="0" i="0" dirty="0" err="1">
+                <a:solidFill>
+                  <a:srgbClr val="C41A16"/>
+                </a:solidFill>
+                <a:effectLst/>
+                <a:latin typeface="source-code-pro"/>
+              </a:rPr>
+              <a:t>src</a:t>
+            </a:r>
+            <a:r>
+              <a:rPr lang="en-US" sz="1000" b="0" i="0" dirty="0">
+                <a:solidFill>
+                  <a:srgbClr val="C41A16"/>
+                </a:solidFill>
+                <a:effectLst/>
+                <a:latin typeface="source-code-pro"/>
+              </a:rPr>
+              <a:t>/app/</a:t>
+            </a:r>
+            <a:r>
+              <a:rPr lang="en-US" sz="1000" b="0" i="0" dirty="0" err="1">
+                <a:solidFill>
+                  <a:srgbClr val="C41A16"/>
+                </a:solidFill>
+                <a:effectLst/>
+                <a:latin typeface="source-code-pro"/>
+              </a:rPr>
+              <a:t>api</a:t>
+            </a:r>
+            <a:r>
+              <a:rPr lang="en-US" sz="1000" b="0" i="0" dirty="0">
+                <a:solidFill>
+                  <a:srgbClr val="C41A16"/>
+                </a:solidFill>
+                <a:effectLst/>
+                <a:latin typeface="source-code-pro"/>
+              </a:rPr>
+              <a:t>/auth/[...</a:t>
+            </a:r>
+            <a:r>
+              <a:rPr lang="en-US" sz="1000" b="0" i="0" dirty="0" err="1">
+                <a:solidFill>
+                  <a:srgbClr val="C41A16"/>
+                </a:solidFill>
+                <a:effectLst/>
+                <a:latin typeface="source-code-pro"/>
+              </a:rPr>
+              <a:t>nextauth</a:t>
+            </a:r>
+            <a:r>
+              <a:rPr lang="en-US" sz="1000" b="0" i="0" dirty="0">
+                <a:solidFill>
+                  <a:srgbClr val="C41A16"/>
+                </a:solidFill>
+                <a:effectLst/>
+                <a:latin typeface="source-code-pro"/>
+              </a:rPr>
+              <a:t>]"</a:t>
+            </a:r>
+            <a:r>
+              <a:rPr lang="en-US" sz="1000" b="0" i="0" dirty="0">
+                <a:solidFill>
+                  <a:srgbClr val="242424"/>
+                </a:solidFill>
+                <a:effectLst/>
+                <a:latin typeface="source-code-pro"/>
+              </a:rPr>
+              <a:t> &amp;&amp; </a:t>
+            </a:r>
+            <a:r>
+              <a:rPr lang="en-US" sz="1000" b="0" i="0" dirty="0">
+                <a:solidFill>
+                  <a:srgbClr val="5C2699"/>
+                </a:solidFill>
+                <a:effectLst/>
+                <a:latin typeface="source-code-pro"/>
+              </a:rPr>
+              <a:t>touch</a:t>
+            </a:r>
+            <a:r>
+              <a:rPr lang="en-US" sz="1000" b="0" i="0" dirty="0">
+                <a:solidFill>
+                  <a:srgbClr val="242424"/>
+                </a:solidFill>
+                <a:effectLst/>
+                <a:latin typeface="source-code-pro"/>
+              </a:rPr>
+              <a:t> </a:t>
+            </a:r>
+            <a:r>
+              <a:rPr lang="en-US" sz="1000" b="0" i="0" dirty="0">
+                <a:solidFill>
+                  <a:srgbClr val="C41A16"/>
+                </a:solidFill>
+                <a:effectLst/>
+                <a:latin typeface="source-code-pro"/>
+              </a:rPr>
+              <a:t>"</a:t>
+            </a:r>
+            <a:r>
+              <a:rPr lang="en-US" sz="1000" b="0" i="0" dirty="0" err="1">
+                <a:solidFill>
+                  <a:srgbClr val="C41A16"/>
+                </a:solidFill>
+                <a:effectLst/>
+                <a:latin typeface="source-code-pro"/>
+              </a:rPr>
+              <a:t>src</a:t>
+            </a:r>
+            <a:r>
+              <a:rPr lang="en-US" sz="1000" b="0" i="0" dirty="0">
+                <a:solidFill>
+                  <a:srgbClr val="C41A16"/>
+                </a:solidFill>
+                <a:effectLst/>
+                <a:latin typeface="source-code-pro"/>
+              </a:rPr>
+              <a:t>/app/</a:t>
+            </a:r>
+            <a:r>
+              <a:rPr lang="en-US" sz="1000" b="0" i="0" dirty="0" err="1">
+                <a:solidFill>
+                  <a:srgbClr val="C41A16"/>
+                </a:solidFill>
+                <a:effectLst/>
+                <a:latin typeface="source-code-pro"/>
+              </a:rPr>
+              <a:t>api</a:t>
+            </a:r>
+            <a:r>
+              <a:rPr lang="en-US" sz="1000" b="0" i="0" dirty="0">
+                <a:solidFill>
+                  <a:srgbClr val="C41A16"/>
+                </a:solidFill>
+                <a:effectLst/>
+                <a:latin typeface="source-code-pro"/>
+              </a:rPr>
+              <a:t>/auth/[...</a:t>
+            </a:r>
+            <a:r>
+              <a:rPr lang="en-US" sz="1000" b="0" i="0" dirty="0" err="1">
+                <a:solidFill>
+                  <a:srgbClr val="C41A16"/>
+                </a:solidFill>
+                <a:effectLst/>
+                <a:latin typeface="source-code-pro"/>
+              </a:rPr>
+              <a:t>nextauth</a:t>
+            </a:r>
+            <a:r>
+              <a:rPr lang="en-US" sz="1000" b="0" i="0" dirty="0">
+                <a:solidFill>
+                  <a:srgbClr val="C41A16"/>
+                </a:solidFill>
+                <a:effectLst/>
+                <a:latin typeface="source-code-pro"/>
+              </a:rPr>
+              <a:t>]/</a:t>
+            </a:r>
+            <a:r>
+              <a:rPr lang="en-US" sz="1000" b="0" i="0" dirty="0" err="1">
+                <a:solidFill>
+                  <a:srgbClr val="C41A16"/>
+                </a:solidFill>
+                <a:effectLst/>
+                <a:latin typeface="source-code-pro"/>
+              </a:rPr>
+              <a:t>route.ts</a:t>
+            </a:r>
+            <a:r>
+              <a:rPr lang="en-US" sz="1000" b="0" i="0" dirty="0">
+                <a:solidFill>
+                  <a:srgbClr val="C41A16"/>
+                </a:solidFill>
+                <a:effectLst/>
+                <a:latin typeface="source-code-pro"/>
+              </a:rPr>
+              <a:t>“</a:t>
+            </a:r>
+          </a:p>
+          <a:p>
+            <a:pPr marL="342900" indent="-342900">
+              <a:buFont typeface="+mj-lt"/>
+              <a:buAutoNum type="arabicPeriod"/>
+            </a:pPr>
+            <a:r>
+              <a:rPr lang="en-US" sz="1000" dirty="0">
+                <a:solidFill>
+                  <a:srgbClr val="C41A16"/>
+                </a:solidFill>
+                <a:latin typeface="source-code-pro"/>
+              </a:rPr>
+              <a:t>Create .env</a:t>
+            </a:r>
+          </a:p>
+          <a:p>
+            <a:pPr marL="342900" indent="-342900">
+              <a:buFont typeface="+mj-lt"/>
+              <a:buAutoNum type="arabicPeriod"/>
+            </a:pPr>
+            <a:r>
+              <a:rPr lang="en-ID" sz="1000" b="0" i="0" dirty="0" err="1">
+                <a:solidFill>
+                  <a:srgbClr val="242424"/>
+                </a:solidFill>
+                <a:effectLst/>
+                <a:latin typeface="source-code-pro"/>
+              </a:rPr>
+              <a:t>openssl</a:t>
+            </a:r>
+            <a:r>
+              <a:rPr lang="en-ID" sz="1000" b="0" i="0" dirty="0">
+                <a:solidFill>
+                  <a:srgbClr val="242424"/>
+                </a:solidFill>
+                <a:effectLst/>
+                <a:latin typeface="source-code-pro"/>
+              </a:rPr>
+              <a:t> rand -</a:t>
+            </a:r>
+            <a:r>
+              <a:rPr lang="en-ID" sz="1000" b="0" i="0" dirty="0">
+                <a:solidFill>
+                  <a:srgbClr val="5C2699"/>
+                </a:solidFill>
+                <a:effectLst/>
+                <a:latin typeface="source-code-pro"/>
+              </a:rPr>
+              <a:t>base64</a:t>
+            </a:r>
+            <a:r>
+              <a:rPr lang="en-ID" sz="1000" b="0" i="0" dirty="0">
+                <a:solidFill>
+                  <a:srgbClr val="242424"/>
+                </a:solidFill>
+                <a:effectLst/>
+                <a:latin typeface="source-code-pro"/>
+              </a:rPr>
+              <a:t> 32</a:t>
+            </a:r>
+            <a:endParaRPr lang="en-US" sz="1000" b="0" i="0" dirty="0">
+              <a:solidFill>
+                <a:srgbClr val="C41A16"/>
+              </a:solidFill>
+              <a:effectLst/>
+              <a:latin typeface="source-code-pro"/>
+            </a:endParaRPr>
+          </a:p>
+          <a:p>
+            <a:pPr marL="342900" indent="-342900">
+              <a:buFont typeface="+mj-lt"/>
+              <a:buAutoNum type="arabicPeriod"/>
+            </a:pPr>
+            <a:endParaRPr lang="en-ID" sz="1000" dirty="0"/>
+          </a:p>
+          <a:p>
+            <a:pPr marL="685800" lvl="1" indent="-228600">
+              <a:lnSpc>
+                <a:spcPts val="1425"/>
+              </a:lnSpc>
+              <a:buFont typeface="+mj-lt"/>
+              <a:buAutoNum type="arabicPeriod"/>
+            </a:pPr>
+            <a:endParaRPr lang="en-ID" sz="1000" b="0" dirty="0">
+              <a:solidFill>
+                <a:srgbClr val="CCCCCC"/>
+              </a:solidFill>
+              <a:effectLst/>
+              <a:latin typeface="Consolas" panose="020B0609020204030204" pitchFamily="49" charset="0"/>
+            </a:endParaRPr>
+          </a:p>
+          <a:p>
+            <a:pPr lvl="1">
+              <a:lnSpc>
+                <a:spcPts val="1425"/>
+              </a:lnSpc>
+            </a:pPr>
+            <a:r>
+              <a:rPr lang="en-ID" sz="1000" dirty="0">
+                <a:solidFill>
+                  <a:srgbClr val="CCCCCC"/>
+                </a:solidFill>
+                <a:latin typeface="Consolas" panose="020B0609020204030204" pitchFamily="49" charset="0"/>
+              </a:rPr>
+              <a:t>		</a:t>
+            </a:r>
+            <a:endParaRPr lang="en-ID" sz="1000" b="0" dirty="0">
+              <a:solidFill>
+                <a:srgbClr val="CCCCCC"/>
+              </a:solidFill>
+              <a:effectLst/>
+              <a:latin typeface="Consolas" panose="020B0609020204030204" pitchFamily="49" charset="0"/>
+            </a:endParaRPr>
+          </a:p>
+          <a:p>
+            <a:pPr marL="342900" indent="-342900">
+              <a:buFont typeface="+mj-lt"/>
+              <a:buAutoNum type="arabicPeriod"/>
+            </a:pPr>
+            <a:endParaRPr lang="en-ID" sz="1000" b="0" dirty="0">
+              <a:solidFill>
+                <a:srgbClr val="CCCCCC"/>
+              </a:solidFill>
+              <a:effectLst/>
+              <a:latin typeface="Consolas" panose="020B0609020204030204" pitchFamily="49" charset="0"/>
+            </a:endParaRPr>
+          </a:p>
+          <a:p>
+            <a:pPr marL="800100" lvl="1" indent="-342900">
+              <a:buFont typeface="+mj-lt"/>
+              <a:buAutoNum type="arabicPeriod"/>
+            </a:pPr>
+            <a:endParaRPr lang="en-ID" sz="1000" b="0" dirty="0">
+              <a:solidFill>
+                <a:srgbClr val="CCCCCC"/>
+              </a:solidFill>
+              <a:effectLst/>
+              <a:latin typeface="Consolas" panose="020B0609020204030204" pitchFamily="49" charset="0"/>
+            </a:endParaRPr>
+          </a:p>
+          <a:p>
+            <a:pPr marL="800100" lvl="1" indent="-342900">
+              <a:buFont typeface="+mj-lt"/>
+              <a:buAutoNum type="arabicPeriod"/>
+            </a:pPr>
+            <a:endParaRPr lang="en-US" sz="1000" dirty="0"/>
+          </a:p>
+        </p:txBody>
+      </p:sp>
+      <p:sp>
+        <p:nvSpPr>
+          <p:cNvPr id="10" name="TextBox 9">
+            <a:extLst>
+              <a:ext uri="{FF2B5EF4-FFF2-40B4-BE49-F238E27FC236}">
+                <a16:creationId xmlns:a16="http://schemas.microsoft.com/office/drawing/2014/main" id="{9478FDF8-37A0-F7D8-4F6E-7792D6235C41}"/>
+              </a:ext>
+            </a:extLst>
+          </p:cNvPr>
+          <p:cNvSpPr txBox="1"/>
+          <p:nvPr/>
+        </p:nvSpPr>
+        <p:spPr>
+          <a:xfrm>
+            <a:off x="3048000" y="3260497"/>
+            <a:ext cx="6096000" cy="369332"/>
+          </a:xfrm>
+          <a:prstGeom prst="rect">
+            <a:avLst/>
+          </a:prstGeom>
+          <a:noFill/>
+        </p:spPr>
+        <p:txBody>
+          <a:bodyPr wrap="square">
+            <a:spAutoFit/>
+          </a:bodyPr>
+          <a:lstStyle/>
+          <a:p>
+            <a:r>
+              <a:rPr lang="en-ID" dirty="0"/>
+              <a:t>https://github.com/koharudin/keycloak_client_next.git</a:t>
+            </a:r>
+          </a:p>
+        </p:txBody>
+      </p:sp>
+      <p:sp>
+        <p:nvSpPr>
+          <p:cNvPr id="12" name="TextBox 11">
+            <a:extLst>
+              <a:ext uri="{FF2B5EF4-FFF2-40B4-BE49-F238E27FC236}">
+                <a16:creationId xmlns:a16="http://schemas.microsoft.com/office/drawing/2014/main" id="{4BDBC439-4B15-77BB-73FC-643AE743B2A9}"/>
+              </a:ext>
+            </a:extLst>
+          </p:cNvPr>
+          <p:cNvSpPr txBox="1"/>
+          <p:nvPr/>
+        </p:nvSpPr>
+        <p:spPr>
+          <a:xfrm>
+            <a:off x="3048000" y="3585812"/>
+            <a:ext cx="6096000" cy="369332"/>
+          </a:xfrm>
+          <a:prstGeom prst="rect">
+            <a:avLst/>
+          </a:prstGeom>
+          <a:noFill/>
+        </p:spPr>
+        <p:txBody>
+          <a:bodyPr wrap="square">
+            <a:spAutoFit/>
+          </a:bodyPr>
+          <a:lstStyle/>
+          <a:p>
+            <a:r>
+              <a:rPr lang="en-ID" dirty="0"/>
+              <a:t>121ca80442313ad104e5e5225eadb4630c597ded</a:t>
+            </a:r>
+          </a:p>
+        </p:txBody>
+      </p:sp>
+      <p:sp>
+        <p:nvSpPr>
+          <p:cNvPr id="14" name="TextBox 13">
+            <a:extLst>
+              <a:ext uri="{FF2B5EF4-FFF2-40B4-BE49-F238E27FC236}">
+                <a16:creationId xmlns:a16="http://schemas.microsoft.com/office/drawing/2014/main" id="{DE5538D1-18A4-8DA1-B89A-FACC5473BDD6}"/>
+              </a:ext>
+            </a:extLst>
+          </p:cNvPr>
+          <p:cNvSpPr txBox="1"/>
+          <p:nvPr/>
+        </p:nvSpPr>
+        <p:spPr>
+          <a:xfrm>
+            <a:off x="5874327" y="4084548"/>
+            <a:ext cx="6096000" cy="2773452"/>
+          </a:xfrm>
+          <a:prstGeom prst="rect">
+            <a:avLst/>
+          </a:prstGeom>
+          <a:noFill/>
+        </p:spPr>
+        <p:txBody>
+          <a:bodyPr wrap="square">
+            <a:spAutoFit/>
+          </a:bodyPr>
+          <a:lstStyle/>
+          <a:p>
+            <a:pPr>
+              <a:lnSpc>
+                <a:spcPts val="1425"/>
+              </a:lnSpc>
+            </a:pPr>
+            <a:r>
+              <a:rPr lang="en-ID" sz="1000" b="0" dirty="0">
+                <a:solidFill>
+                  <a:srgbClr val="569CD6"/>
+                </a:solidFill>
+                <a:effectLst/>
+                <a:latin typeface="Consolas" panose="020B0609020204030204" pitchFamily="49" charset="0"/>
+              </a:rPr>
+              <a:t>KEYCLOAK_CLIENT_ID</a:t>
+            </a:r>
+            <a:r>
+              <a:rPr lang="en-ID" sz="1000" b="0" dirty="0">
+                <a:solidFill>
+                  <a:srgbClr val="CCCCCC"/>
+                </a:solidFill>
+                <a:effectLst/>
+                <a:latin typeface="Consolas" panose="020B0609020204030204" pitchFamily="49" charset="0"/>
+              </a:rPr>
+              <a:t>=</a:t>
+            </a:r>
+            <a:r>
+              <a:rPr lang="en-ID" sz="1000" b="0" dirty="0" err="1">
+                <a:solidFill>
+                  <a:srgbClr val="CCCCCC"/>
+                </a:solidFill>
+                <a:effectLst/>
+                <a:latin typeface="Consolas" panose="020B0609020204030204" pitchFamily="49" charset="0"/>
+              </a:rPr>
+              <a:t>demonext</a:t>
+            </a:r>
+            <a:endParaRPr lang="en-ID" sz="1000" b="0" dirty="0">
+              <a:solidFill>
+                <a:srgbClr val="CCCCCC"/>
+              </a:solidFill>
+              <a:effectLst/>
+              <a:latin typeface="Consolas" panose="020B0609020204030204" pitchFamily="49" charset="0"/>
+            </a:endParaRPr>
+          </a:p>
+          <a:p>
+            <a:pPr>
+              <a:lnSpc>
+                <a:spcPts val="1425"/>
+              </a:lnSpc>
+            </a:pPr>
+            <a:r>
+              <a:rPr lang="en-ID" sz="1000" b="0" dirty="0">
+                <a:solidFill>
+                  <a:srgbClr val="569CD6"/>
+                </a:solidFill>
+                <a:effectLst/>
+                <a:latin typeface="Consolas" panose="020B0609020204030204" pitchFamily="49" charset="0"/>
+              </a:rPr>
+              <a:t>KEYCLOAK_CLIENT_SECRET</a:t>
+            </a:r>
+            <a:r>
+              <a:rPr lang="en-ID" sz="1000" b="0" dirty="0">
+                <a:solidFill>
+                  <a:srgbClr val="CCCCCC"/>
+                </a:solidFill>
+                <a:effectLst/>
+                <a:latin typeface="Consolas" panose="020B0609020204030204" pitchFamily="49" charset="0"/>
+              </a:rPr>
+              <a:t>=P5gMaGRNFCnX7qIuQZB1OyXkFhBLJ7m0</a:t>
+            </a:r>
+          </a:p>
+          <a:p>
+            <a:pPr>
+              <a:lnSpc>
+                <a:spcPts val="1425"/>
+              </a:lnSpc>
+            </a:pPr>
+            <a:r>
+              <a:rPr lang="en-ID" sz="1000" b="0" dirty="0">
+                <a:solidFill>
+                  <a:srgbClr val="569CD6"/>
+                </a:solidFill>
+                <a:effectLst/>
+                <a:latin typeface="Consolas" panose="020B0609020204030204" pitchFamily="49" charset="0"/>
+              </a:rPr>
+              <a:t>KEYCLOAK_CLIENT_ID_CUSTOM</a:t>
+            </a:r>
+            <a:r>
+              <a:rPr lang="en-ID" sz="1000" b="0" dirty="0">
+                <a:solidFill>
+                  <a:srgbClr val="CCCCCC"/>
+                </a:solidFill>
+                <a:effectLst/>
+                <a:latin typeface="Consolas" panose="020B0609020204030204" pitchFamily="49" charset="0"/>
+              </a:rPr>
+              <a:t>=</a:t>
+            </a:r>
+            <a:r>
+              <a:rPr lang="en-ID" sz="1000" b="0" dirty="0" err="1">
+                <a:solidFill>
+                  <a:srgbClr val="CCCCCC"/>
+                </a:solidFill>
+                <a:effectLst/>
+                <a:latin typeface="Consolas" panose="020B0609020204030204" pitchFamily="49" charset="0"/>
+              </a:rPr>
+              <a:t>demonext_custom</a:t>
+            </a:r>
+            <a:endParaRPr lang="en-ID" sz="1000" b="0" dirty="0">
+              <a:solidFill>
+                <a:srgbClr val="CCCCCC"/>
+              </a:solidFill>
+              <a:effectLst/>
+              <a:latin typeface="Consolas" panose="020B0609020204030204" pitchFamily="49" charset="0"/>
+            </a:endParaRPr>
+          </a:p>
+          <a:p>
+            <a:pPr>
+              <a:lnSpc>
+                <a:spcPts val="1425"/>
+              </a:lnSpc>
+            </a:pPr>
+            <a:r>
+              <a:rPr lang="en-ID" sz="1000" b="0" dirty="0">
+                <a:solidFill>
+                  <a:srgbClr val="569CD6"/>
+                </a:solidFill>
+                <a:effectLst/>
+                <a:latin typeface="Consolas" panose="020B0609020204030204" pitchFamily="49" charset="0"/>
+              </a:rPr>
+              <a:t>KEYCLOAK_CLIENT_SECRET_CUSTOM</a:t>
+            </a:r>
+            <a:r>
+              <a:rPr lang="en-ID" sz="1000" b="0" dirty="0">
+                <a:solidFill>
+                  <a:srgbClr val="CCCCCC"/>
+                </a:solidFill>
+                <a:effectLst/>
+                <a:latin typeface="Consolas" panose="020B0609020204030204" pitchFamily="49" charset="0"/>
+              </a:rPr>
+              <a:t>=FslzQUHXv5w8QsdAXMZCtB4WweGHxtdK</a:t>
+            </a:r>
+          </a:p>
+          <a:p>
+            <a:pPr>
+              <a:lnSpc>
+                <a:spcPts val="1425"/>
+              </a:lnSpc>
+            </a:pPr>
+            <a:r>
+              <a:rPr lang="en-ID" sz="1000" b="0" dirty="0">
+                <a:solidFill>
+                  <a:srgbClr val="569CD6"/>
+                </a:solidFill>
+                <a:effectLst/>
+                <a:latin typeface="Consolas" panose="020B0609020204030204" pitchFamily="49" charset="0"/>
+              </a:rPr>
+              <a:t>KEYCLOAK_REDIRECT_URI_CUSTOM</a:t>
+            </a:r>
+            <a:r>
+              <a:rPr lang="en-ID" sz="1000" b="0" dirty="0">
+                <a:solidFill>
+                  <a:srgbClr val="CCCCCC"/>
+                </a:solidFill>
+                <a:effectLst/>
+                <a:latin typeface="Consolas" panose="020B0609020204030204" pitchFamily="49" charset="0"/>
+              </a:rPr>
+              <a:t>=</a:t>
+            </a:r>
+            <a:r>
+              <a:rPr lang="en-ID" sz="1000" b="0" dirty="0">
+                <a:solidFill>
+                  <a:srgbClr val="CE9178"/>
+                </a:solidFill>
+                <a:effectLst/>
+                <a:latin typeface="Consolas" panose="020B0609020204030204" pitchFamily="49" charset="0"/>
+              </a:rPr>
+              <a:t>"http://host.docker.internal:84/</a:t>
+            </a:r>
+            <a:r>
+              <a:rPr lang="en-ID" sz="1000" b="0" dirty="0" err="1">
+                <a:solidFill>
+                  <a:srgbClr val="CE9178"/>
+                </a:solidFill>
+                <a:effectLst/>
+                <a:latin typeface="Consolas" panose="020B0609020204030204" pitchFamily="49" charset="0"/>
+              </a:rPr>
+              <a:t>api</a:t>
+            </a:r>
+            <a:r>
+              <a:rPr lang="en-ID" sz="1000" b="0" dirty="0">
+                <a:solidFill>
+                  <a:srgbClr val="CE9178"/>
+                </a:solidFill>
+                <a:effectLst/>
+                <a:latin typeface="Consolas" panose="020B0609020204030204" pitchFamily="49" charset="0"/>
+              </a:rPr>
+              <a:t>/auth/callback/custom-</a:t>
+            </a:r>
+            <a:r>
+              <a:rPr lang="en-ID" sz="1000" b="0" dirty="0" err="1">
+                <a:solidFill>
+                  <a:srgbClr val="CE9178"/>
+                </a:solidFill>
+                <a:effectLst/>
+                <a:latin typeface="Consolas" panose="020B0609020204030204" pitchFamily="49" charset="0"/>
+              </a:rPr>
+              <a:t>oauth</a:t>
+            </a:r>
+            <a:r>
+              <a:rPr lang="en-ID" sz="1000" b="0" dirty="0">
+                <a:solidFill>
+                  <a:srgbClr val="CE9178"/>
+                </a:solidFill>
+                <a:effectLst/>
+                <a:latin typeface="Consolas" panose="020B0609020204030204" pitchFamily="49" charset="0"/>
+              </a:rPr>
+              <a:t>"</a:t>
+            </a:r>
+            <a:endParaRPr lang="en-ID" sz="1000" b="0" dirty="0">
+              <a:solidFill>
+                <a:srgbClr val="CCCCCC"/>
+              </a:solidFill>
+              <a:effectLst/>
+              <a:latin typeface="Consolas" panose="020B0609020204030204" pitchFamily="49" charset="0"/>
+            </a:endParaRPr>
+          </a:p>
+          <a:p>
+            <a:pPr>
+              <a:lnSpc>
+                <a:spcPts val="1425"/>
+              </a:lnSpc>
+            </a:pPr>
+            <a:r>
+              <a:rPr lang="en-ID" sz="1000" b="0" dirty="0">
+                <a:solidFill>
+                  <a:srgbClr val="569CD6"/>
+                </a:solidFill>
+                <a:effectLst/>
+                <a:latin typeface="Consolas" panose="020B0609020204030204" pitchFamily="49" charset="0"/>
+              </a:rPr>
+              <a:t>KEYCLOAK_ISSUER</a:t>
+            </a:r>
+            <a:r>
+              <a:rPr lang="en-ID" sz="1000" b="0" dirty="0">
+                <a:solidFill>
+                  <a:srgbClr val="CCCCCC"/>
+                </a:solidFill>
+                <a:effectLst/>
+                <a:latin typeface="Consolas" panose="020B0609020204030204" pitchFamily="49" charset="0"/>
+              </a:rPr>
+              <a:t>=</a:t>
+            </a:r>
+            <a:r>
+              <a:rPr lang="en-ID" sz="1000" b="0" dirty="0">
+                <a:solidFill>
+                  <a:srgbClr val="CE9178"/>
+                </a:solidFill>
+                <a:effectLst/>
+                <a:latin typeface="Consolas" panose="020B0609020204030204" pitchFamily="49" charset="0"/>
+              </a:rPr>
+              <a:t>"https://host.docker.internal/realms/master"</a:t>
+            </a:r>
+            <a:endParaRPr lang="en-ID" sz="1000" b="0" dirty="0">
+              <a:solidFill>
+                <a:srgbClr val="CCCCCC"/>
+              </a:solidFill>
+              <a:effectLst/>
+              <a:latin typeface="Consolas" panose="020B0609020204030204" pitchFamily="49" charset="0"/>
+            </a:endParaRPr>
+          </a:p>
+          <a:p>
+            <a:pPr>
+              <a:lnSpc>
+                <a:spcPts val="1425"/>
+              </a:lnSpc>
+            </a:pPr>
+            <a:r>
+              <a:rPr lang="en-ID" sz="1000" b="0" dirty="0">
+                <a:solidFill>
+                  <a:srgbClr val="569CD6"/>
+                </a:solidFill>
+                <a:effectLst/>
+                <a:latin typeface="Consolas" panose="020B0609020204030204" pitchFamily="49" charset="0"/>
+              </a:rPr>
+              <a:t>KEYCLOAK_REDIRECT_URI</a:t>
+            </a:r>
+            <a:r>
+              <a:rPr lang="en-ID" sz="1000" b="0" dirty="0">
+                <a:solidFill>
+                  <a:srgbClr val="CCCCCC"/>
+                </a:solidFill>
+                <a:effectLst/>
+                <a:latin typeface="Consolas" panose="020B0609020204030204" pitchFamily="49" charset="0"/>
+              </a:rPr>
+              <a:t>=</a:t>
+            </a:r>
+            <a:r>
+              <a:rPr lang="en-ID" sz="1000" b="0" dirty="0">
+                <a:solidFill>
+                  <a:srgbClr val="CE9178"/>
+                </a:solidFill>
+                <a:effectLst/>
+                <a:latin typeface="Consolas" panose="020B0609020204030204" pitchFamily="49" charset="0"/>
+              </a:rPr>
+              <a:t>"http://host.docker.internal:84/</a:t>
+            </a:r>
+            <a:r>
+              <a:rPr lang="en-ID" sz="1000" b="0" dirty="0" err="1">
+                <a:solidFill>
+                  <a:srgbClr val="CE9178"/>
+                </a:solidFill>
+                <a:effectLst/>
+                <a:latin typeface="Consolas" panose="020B0609020204030204" pitchFamily="49" charset="0"/>
+              </a:rPr>
+              <a:t>api</a:t>
+            </a:r>
+            <a:r>
+              <a:rPr lang="en-ID" sz="1000" b="0" dirty="0">
+                <a:solidFill>
+                  <a:srgbClr val="CE9178"/>
+                </a:solidFill>
+                <a:effectLst/>
+                <a:latin typeface="Consolas" panose="020B0609020204030204" pitchFamily="49" charset="0"/>
+              </a:rPr>
+              <a:t>/auth/callback/</a:t>
+            </a:r>
+            <a:r>
+              <a:rPr lang="en-ID" sz="1000" b="0" dirty="0" err="1">
+                <a:solidFill>
+                  <a:srgbClr val="CE9178"/>
+                </a:solidFill>
+                <a:effectLst/>
+                <a:latin typeface="Consolas" panose="020B0609020204030204" pitchFamily="49" charset="0"/>
+              </a:rPr>
+              <a:t>keycloak</a:t>
+            </a:r>
+            <a:r>
+              <a:rPr lang="en-ID" sz="1000" b="0" dirty="0">
+                <a:solidFill>
+                  <a:srgbClr val="CE9178"/>
+                </a:solidFill>
+                <a:effectLst/>
+                <a:latin typeface="Consolas" panose="020B0609020204030204" pitchFamily="49" charset="0"/>
+              </a:rPr>
+              <a:t>"</a:t>
+            </a:r>
+            <a:endParaRPr lang="en-ID" sz="1000" b="0" dirty="0">
+              <a:solidFill>
+                <a:srgbClr val="CCCCCC"/>
+              </a:solidFill>
+              <a:effectLst/>
+              <a:latin typeface="Consolas" panose="020B0609020204030204" pitchFamily="49" charset="0"/>
+            </a:endParaRPr>
+          </a:p>
+          <a:p>
+            <a:pPr>
+              <a:lnSpc>
+                <a:spcPts val="1425"/>
+              </a:lnSpc>
+            </a:pPr>
+            <a:r>
+              <a:rPr lang="en-ID" sz="1000" b="0" dirty="0">
+                <a:solidFill>
+                  <a:srgbClr val="569CD6"/>
+                </a:solidFill>
+                <a:effectLst/>
+                <a:latin typeface="Consolas" panose="020B0609020204030204" pitchFamily="49" charset="0"/>
+              </a:rPr>
+              <a:t>NEXTAUTH_URL</a:t>
+            </a:r>
+            <a:r>
+              <a:rPr lang="en-ID" sz="1000" b="0" dirty="0">
+                <a:solidFill>
+                  <a:srgbClr val="CCCCCC"/>
+                </a:solidFill>
+                <a:effectLst/>
+                <a:latin typeface="Consolas" panose="020B0609020204030204" pitchFamily="49" charset="0"/>
+              </a:rPr>
+              <a:t>=</a:t>
+            </a:r>
+            <a:r>
+              <a:rPr lang="en-ID" sz="1000" b="0" dirty="0">
+                <a:solidFill>
+                  <a:srgbClr val="CE9178"/>
+                </a:solidFill>
+                <a:effectLst/>
+                <a:latin typeface="Consolas" panose="020B0609020204030204" pitchFamily="49" charset="0"/>
+              </a:rPr>
+              <a:t>"http://host.docker.internal:84"</a:t>
+            </a:r>
+            <a:endParaRPr lang="en-ID" sz="1000" b="0" dirty="0">
+              <a:solidFill>
+                <a:srgbClr val="CCCCCC"/>
+              </a:solidFill>
+              <a:effectLst/>
+              <a:latin typeface="Consolas" panose="020B0609020204030204" pitchFamily="49" charset="0"/>
+            </a:endParaRPr>
+          </a:p>
+          <a:p>
+            <a:pPr>
+              <a:lnSpc>
+                <a:spcPts val="1425"/>
+              </a:lnSpc>
+            </a:pPr>
+            <a:r>
+              <a:rPr lang="en-ID" sz="1000" b="0" dirty="0">
+                <a:solidFill>
+                  <a:srgbClr val="569CD6"/>
+                </a:solidFill>
+                <a:effectLst/>
+                <a:latin typeface="Consolas" panose="020B0609020204030204" pitchFamily="49" charset="0"/>
+              </a:rPr>
+              <a:t>NEXTAUTH_SECRET</a:t>
+            </a:r>
+            <a:r>
+              <a:rPr lang="en-ID" sz="1000" b="0" dirty="0">
+                <a:solidFill>
+                  <a:srgbClr val="CCCCCC"/>
+                </a:solidFill>
+                <a:effectLst/>
+                <a:latin typeface="Consolas" panose="020B0609020204030204" pitchFamily="49" charset="0"/>
+              </a:rPr>
+              <a:t>=xavwln4Ph/x4w5W2dU0Hd0iWkXeoFh2nzYa8L4DbA+</a:t>
+            </a:r>
+            <a:r>
+              <a:rPr lang="en-ID" sz="1000" b="0" dirty="0">
+                <a:solidFill>
+                  <a:srgbClr val="569CD6"/>
+                </a:solidFill>
+                <a:effectLst/>
+                <a:latin typeface="Consolas" panose="020B0609020204030204" pitchFamily="49" charset="0"/>
+              </a:rPr>
+              <a:t>E</a:t>
+            </a:r>
+            <a:r>
+              <a:rPr lang="en-ID" sz="1000" b="0" dirty="0">
+                <a:solidFill>
+                  <a:srgbClr val="CCCCCC"/>
+                </a:solidFill>
+                <a:effectLst/>
+                <a:latin typeface="Consolas" panose="020B0609020204030204" pitchFamily="49" charset="0"/>
+              </a:rPr>
+              <a:t>=</a:t>
+            </a:r>
+          </a:p>
+          <a:p>
+            <a:pPr>
+              <a:lnSpc>
+                <a:spcPts val="1425"/>
+              </a:lnSpc>
+            </a:pPr>
+            <a:r>
+              <a:rPr lang="en-ID" sz="1000" b="0" dirty="0">
+                <a:solidFill>
+                  <a:srgbClr val="569CD6"/>
+                </a:solidFill>
+                <a:effectLst/>
+                <a:latin typeface="Consolas" panose="020B0609020204030204" pitchFamily="49" charset="0"/>
+              </a:rPr>
+              <a:t>KEYCLOAK_CLIENT_ID_NATIVE</a:t>
+            </a:r>
+            <a:r>
+              <a:rPr lang="en-ID" sz="1000" b="0" dirty="0">
+                <a:solidFill>
+                  <a:srgbClr val="CCCCCC"/>
+                </a:solidFill>
+                <a:effectLst/>
+                <a:latin typeface="Consolas" panose="020B0609020204030204" pitchFamily="49" charset="0"/>
+              </a:rPr>
+              <a:t>=</a:t>
+            </a:r>
+            <a:r>
+              <a:rPr lang="en-ID" sz="1000" b="0" dirty="0" err="1">
+                <a:solidFill>
+                  <a:srgbClr val="CCCCCC"/>
+                </a:solidFill>
+                <a:effectLst/>
+                <a:latin typeface="Consolas" panose="020B0609020204030204" pitchFamily="49" charset="0"/>
+              </a:rPr>
+              <a:t>demonext_native</a:t>
+            </a:r>
+            <a:endParaRPr lang="en-ID" sz="1000" b="0" dirty="0">
+              <a:solidFill>
+                <a:srgbClr val="CCCCCC"/>
+              </a:solidFill>
+              <a:effectLst/>
+              <a:latin typeface="Consolas" panose="020B0609020204030204" pitchFamily="49" charset="0"/>
+            </a:endParaRPr>
+          </a:p>
+          <a:p>
+            <a:pPr>
+              <a:lnSpc>
+                <a:spcPts val="1425"/>
+              </a:lnSpc>
+            </a:pPr>
+            <a:r>
+              <a:rPr lang="en-ID" sz="1000" b="0" dirty="0">
+                <a:solidFill>
+                  <a:srgbClr val="569CD6"/>
+                </a:solidFill>
+                <a:effectLst/>
+                <a:latin typeface="Consolas" panose="020B0609020204030204" pitchFamily="49" charset="0"/>
+              </a:rPr>
+              <a:t>KEYCLOAK_CLIENT_SECRET_NATIVE</a:t>
+            </a:r>
+            <a:r>
+              <a:rPr lang="en-ID" sz="1000" b="0" dirty="0">
+                <a:solidFill>
+                  <a:srgbClr val="CCCCCC"/>
+                </a:solidFill>
+                <a:effectLst/>
+                <a:latin typeface="Consolas" panose="020B0609020204030204" pitchFamily="49" charset="0"/>
+              </a:rPr>
+              <a:t>=UTWJx50x8GyT4GAUjUy7ssFm1Pg0mb9P</a:t>
+            </a:r>
+          </a:p>
+          <a:p>
+            <a:pPr>
+              <a:lnSpc>
+                <a:spcPts val="1425"/>
+              </a:lnSpc>
+            </a:pPr>
+            <a:r>
+              <a:rPr lang="en-ID" sz="1000" b="0" dirty="0">
+                <a:solidFill>
+                  <a:srgbClr val="569CD6"/>
+                </a:solidFill>
+                <a:effectLst/>
+                <a:latin typeface="Consolas" panose="020B0609020204030204" pitchFamily="49" charset="0"/>
+              </a:rPr>
+              <a:t>KEYCLOAK_REDIRECT_URI_NATIVE</a:t>
+            </a:r>
+            <a:r>
+              <a:rPr lang="en-ID" sz="1000" b="0" dirty="0">
+                <a:solidFill>
+                  <a:srgbClr val="CCCCCC"/>
+                </a:solidFill>
+                <a:effectLst/>
+                <a:latin typeface="Consolas" panose="020B0609020204030204" pitchFamily="49" charset="0"/>
+              </a:rPr>
+              <a:t>=</a:t>
+            </a:r>
+            <a:r>
+              <a:rPr lang="en-ID" sz="1000" b="0" dirty="0">
+                <a:solidFill>
+                  <a:srgbClr val="CE9178"/>
+                </a:solidFill>
+                <a:effectLst/>
+                <a:latin typeface="Consolas" panose="020B0609020204030204" pitchFamily="49" charset="0"/>
+              </a:rPr>
+              <a:t>"http://host.docker.internal:84/</a:t>
+            </a:r>
+            <a:r>
+              <a:rPr lang="en-ID" sz="1000" b="0" dirty="0" err="1">
+                <a:solidFill>
+                  <a:srgbClr val="CE9178"/>
+                </a:solidFill>
+                <a:effectLst/>
+                <a:latin typeface="Consolas" panose="020B0609020204030204" pitchFamily="49" charset="0"/>
+              </a:rPr>
+              <a:t>api</a:t>
+            </a:r>
+            <a:r>
+              <a:rPr lang="en-ID" sz="1000" b="0" dirty="0">
+                <a:solidFill>
+                  <a:srgbClr val="CE9178"/>
+                </a:solidFill>
+                <a:effectLst/>
+                <a:latin typeface="Consolas" panose="020B0609020204030204" pitchFamily="49" charset="0"/>
+              </a:rPr>
+              <a:t>/native/auth/callback"</a:t>
+            </a:r>
+            <a:endParaRPr lang="en-ID" sz="1000" b="0" dirty="0">
+              <a:solidFill>
+                <a:srgbClr val="CCCCCC"/>
+              </a:solidFill>
+              <a:effectLst/>
+              <a:latin typeface="Consolas" panose="020B0609020204030204" pitchFamily="49" charset="0"/>
+            </a:endParaRPr>
+          </a:p>
+          <a:p>
+            <a:pPr>
+              <a:lnSpc>
+                <a:spcPts val="1425"/>
+              </a:lnSpc>
+            </a:pPr>
+            <a:r>
+              <a:rPr lang="en-ID" sz="1000" b="0" dirty="0">
+                <a:solidFill>
+                  <a:srgbClr val="569CD6"/>
+                </a:solidFill>
+                <a:effectLst/>
+                <a:latin typeface="Consolas" panose="020B0609020204030204" pitchFamily="49" charset="0"/>
+              </a:rPr>
+              <a:t>NODE_TLS_REJECT_UNAUTHORIZED</a:t>
+            </a:r>
+            <a:r>
+              <a:rPr lang="en-ID" sz="1000" b="0" dirty="0">
+                <a:solidFill>
+                  <a:srgbClr val="CCCCCC"/>
+                </a:solidFill>
+                <a:effectLst/>
+                <a:latin typeface="Consolas" panose="020B0609020204030204" pitchFamily="49" charset="0"/>
+              </a:rPr>
+              <a:t>=</a:t>
+            </a:r>
+            <a:r>
+              <a:rPr lang="en-ID" sz="1000" b="0" dirty="0">
+                <a:solidFill>
+                  <a:srgbClr val="CE9178"/>
+                </a:solidFill>
+                <a:effectLst/>
+                <a:latin typeface="Consolas" panose="020B0609020204030204" pitchFamily="49" charset="0"/>
+              </a:rPr>
+              <a:t>"0"</a:t>
+            </a:r>
+            <a:endParaRPr lang="en-ID" sz="1000" b="0" dirty="0">
+              <a:solidFill>
+                <a:srgbClr val="CCCCCC"/>
+              </a:solidFill>
+              <a:effectLst/>
+              <a:latin typeface="Consolas" panose="020B0609020204030204" pitchFamily="49" charset="0"/>
+            </a:endParaRPr>
+          </a:p>
+        </p:txBody>
+      </p:sp>
+    </p:spTree>
+    <p:extLst>
+      <p:ext uri="{BB962C8B-B14F-4D97-AF65-F5344CB8AC3E}">
+        <p14:creationId xmlns:p14="http://schemas.microsoft.com/office/powerpoint/2010/main" val="506892007"/>
+      </p:ext>
+    </p:extLst>
+  </p:cSld>
+  <p:clrMapOvr>
+    <a:masterClrMapping/>
+  </p:clrMapOvr>
+</p:sld>
+</file>
+
+<file path=ppt/slides/slide24.xml><?xml version="1.0" encoding="utf-8"?>
+<p:sld xmlns:a="http://schemas.openxmlformats.org/drawingml/2006/main" xmlns:r="http://schemas.openxmlformats.org/officeDocument/2006/relationships" xmlns:p="http://schemas.openxmlformats.org/presentationml/2006/main">
+  <p:cSld>
+    <p:spTree>
+      <p:nvGrpSpPr>
+        <p:cNvPr id="1" name="">
+          <a:extLst>
+            <a:ext uri="{FF2B5EF4-FFF2-40B4-BE49-F238E27FC236}">
               <a16:creationId xmlns:a16="http://schemas.microsoft.com/office/drawing/2014/main" id="{A117642E-5D08-E344-46AE-02032A752010}"/>
             </a:ext>
           </a:extLst>
@@ -16739,7 +18025,7 @@
 </p:sld>
 </file>
 
-<file path=ppt/slides/slide24.xml><?xml version="1.0" encoding="utf-8"?>
+<file path=ppt/slides/slide25.xml><?xml version="1.0" encoding="utf-8"?>
 <p:sld xmlns:a="http://schemas.openxmlformats.org/drawingml/2006/main" xmlns:r="http://schemas.openxmlformats.org/officeDocument/2006/relationships" xmlns:p="http://schemas.openxmlformats.org/presentationml/2006/main">
   <p:cSld>
     <p:spTree>
@@ -21103,7 +22389,7 @@
 </p:sld>
 </file>
 
-<file path=ppt/slides/slide25.xml><?xml version="1.0" encoding="utf-8"?>
+<file path=ppt/slides/slide26.xml><?xml version="1.0" encoding="utf-8"?>
 <p:sld xmlns:a="http://schemas.openxmlformats.org/drawingml/2006/main" xmlns:r="http://schemas.openxmlformats.org/officeDocument/2006/relationships" xmlns:p="http://schemas.openxmlformats.org/presentationml/2006/main">
   <p:cSld>
     <p:spTree>
@@ -21314,7 +22600,7 @@
 </p:sld>
 </file>
 
-<file path=ppt/slides/slide26.xml><?xml version="1.0" encoding="utf-8"?>
+<file path=ppt/slides/slide27.xml><?xml version="1.0" encoding="utf-8"?>
 <p:sld xmlns:a="http://schemas.openxmlformats.org/drawingml/2006/main" xmlns:r="http://schemas.openxmlformats.org/officeDocument/2006/relationships" xmlns:p="http://schemas.openxmlformats.org/presentationml/2006/main">
   <p:cSld>
     <p:spTree>

--- a/docs/sso.pptx
+++ b/docs/sso.pptx
@@ -32,6 +32,22 @@
     <p:sldId id="281" r:id="rId26"/>
     <p:sldId id="271" r:id="rId27"/>
     <p:sldId id="270" r:id="rId28"/>
+    <p:sldId id="283" r:id="rId29"/>
+    <p:sldId id="284" r:id="rId30"/>
+    <p:sldId id="285" r:id="rId31"/>
+    <p:sldId id="286" r:id="rId32"/>
+    <p:sldId id="287" r:id="rId33"/>
+    <p:sldId id="288" r:id="rId34"/>
+    <p:sldId id="289" r:id="rId35"/>
+    <p:sldId id="290" r:id="rId36"/>
+    <p:sldId id="291" r:id="rId37"/>
+    <p:sldId id="292" r:id="rId38"/>
+    <p:sldId id="293" r:id="rId39"/>
+    <p:sldId id="294" r:id="rId40"/>
+    <p:sldId id="295" r:id="rId41"/>
+    <p:sldId id="296" r:id="rId42"/>
+    <p:sldId id="297" r:id="rId43"/>
+    <p:sldId id="298" r:id="rId44"/>
   </p:sldIdLst>
   <p:sldSz cx="12192000" cy="6858000"/>
   <p:notesSz cx="6858000" cy="9144000"/>
@@ -287,7 +303,7 @@
           <a:p>
             <a:fld id="{1597238E-43D8-4BC5-BC4F-29CFD1FF9E23}" type="datetimeFigureOut">
               <a:rPr lang="en-ID" smtClean="0"/>
-              <a:t>16/02/2025</a:t>
+              <a:t>26/02/2025</a:t>
             </a:fld>
             <a:endParaRPr lang="en-ID"/>
           </a:p>
@@ -487,7 +503,7 @@
           <a:p>
             <a:fld id="{1597238E-43D8-4BC5-BC4F-29CFD1FF9E23}" type="datetimeFigureOut">
               <a:rPr lang="en-ID" smtClean="0"/>
-              <a:t>16/02/2025</a:t>
+              <a:t>26/02/2025</a:t>
             </a:fld>
             <a:endParaRPr lang="en-ID"/>
           </a:p>
@@ -697,7 +713,7 @@
           <a:p>
             <a:fld id="{1597238E-43D8-4BC5-BC4F-29CFD1FF9E23}" type="datetimeFigureOut">
               <a:rPr lang="en-ID" smtClean="0"/>
-              <a:t>16/02/2025</a:t>
+              <a:t>26/02/2025</a:t>
             </a:fld>
             <a:endParaRPr lang="en-ID"/>
           </a:p>
@@ -897,7 +913,7 @@
           <a:p>
             <a:fld id="{1597238E-43D8-4BC5-BC4F-29CFD1FF9E23}" type="datetimeFigureOut">
               <a:rPr lang="en-ID" smtClean="0"/>
-              <a:t>16/02/2025</a:t>
+              <a:t>26/02/2025</a:t>
             </a:fld>
             <a:endParaRPr lang="en-ID"/>
           </a:p>
@@ -1173,7 +1189,7 @@
           <a:p>
             <a:fld id="{1597238E-43D8-4BC5-BC4F-29CFD1FF9E23}" type="datetimeFigureOut">
               <a:rPr lang="en-ID" smtClean="0"/>
-              <a:t>16/02/2025</a:t>
+              <a:t>26/02/2025</a:t>
             </a:fld>
             <a:endParaRPr lang="en-ID"/>
           </a:p>
@@ -1441,7 +1457,7 @@
           <a:p>
             <a:fld id="{1597238E-43D8-4BC5-BC4F-29CFD1FF9E23}" type="datetimeFigureOut">
               <a:rPr lang="en-ID" smtClean="0"/>
-              <a:t>16/02/2025</a:t>
+              <a:t>26/02/2025</a:t>
             </a:fld>
             <a:endParaRPr lang="en-ID"/>
           </a:p>
@@ -1856,7 +1872,7 @@
           <a:p>
             <a:fld id="{1597238E-43D8-4BC5-BC4F-29CFD1FF9E23}" type="datetimeFigureOut">
               <a:rPr lang="en-ID" smtClean="0"/>
-              <a:t>16/02/2025</a:t>
+              <a:t>26/02/2025</a:t>
             </a:fld>
             <a:endParaRPr lang="en-ID"/>
           </a:p>
@@ -1998,7 +2014,7 @@
           <a:p>
             <a:fld id="{1597238E-43D8-4BC5-BC4F-29CFD1FF9E23}" type="datetimeFigureOut">
               <a:rPr lang="en-ID" smtClean="0"/>
-              <a:t>16/02/2025</a:t>
+              <a:t>26/02/2025</a:t>
             </a:fld>
             <a:endParaRPr lang="en-ID"/>
           </a:p>
@@ -2111,7 +2127,7 @@
           <a:p>
             <a:fld id="{1597238E-43D8-4BC5-BC4F-29CFD1FF9E23}" type="datetimeFigureOut">
               <a:rPr lang="en-ID" smtClean="0"/>
-              <a:t>16/02/2025</a:t>
+              <a:t>26/02/2025</a:t>
             </a:fld>
             <a:endParaRPr lang="en-ID"/>
           </a:p>
@@ -2424,7 +2440,7 @@
           <a:p>
             <a:fld id="{1597238E-43D8-4BC5-BC4F-29CFD1FF9E23}" type="datetimeFigureOut">
               <a:rPr lang="en-ID" smtClean="0"/>
-              <a:t>16/02/2025</a:t>
+              <a:t>26/02/2025</a:t>
             </a:fld>
             <a:endParaRPr lang="en-ID"/>
           </a:p>
@@ -2713,7 +2729,7 @@
           <a:p>
             <a:fld id="{1597238E-43D8-4BC5-BC4F-29CFD1FF9E23}" type="datetimeFigureOut">
               <a:rPr lang="en-ID" smtClean="0"/>
-              <a:t>16/02/2025</a:t>
+              <a:t>26/02/2025</a:t>
             </a:fld>
             <a:endParaRPr lang="en-ID"/>
           </a:p>
@@ -2956,7 +2972,7 @@
           <a:p>
             <a:fld id="{1597238E-43D8-4BC5-BC4F-29CFD1FF9E23}" type="datetimeFigureOut">
               <a:rPr lang="en-ID" smtClean="0"/>
-              <a:t>16/02/2025</a:t>
+              <a:t>26/02/2025</a:t>
             </a:fld>
             <a:endParaRPr lang="en-ID"/>
           </a:p>
@@ -23810,6 +23826,1551 @@
 </p:sld>
 </file>
 
+<file path=ppt/slides/slide28.xml><?xml version="1.0" encoding="utf-8"?>
+<p:sld xmlns:a="http://schemas.openxmlformats.org/drawingml/2006/main" xmlns:r="http://schemas.openxmlformats.org/officeDocument/2006/relationships" xmlns:p="http://schemas.openxmlformats.org/presentationml/2006/main">
+  <p:cSld>
+    <p:spTree>
+      <p:nvGrpSpPr>
+        <p:cNvPr id="1" name=""/>
+        <p:cNvGrpSpPr/>
+        <p:nvPr/>
+      </p:nvGrpSpPr>
+      <p:grpSpPr>
+        <a:xfrm>
+          <a:off x="0" y="0"/>
+          <a:ext cx="0" cy="0"/>
+          <a:chOff x="0" y="0"/>
+          <a:chExt cx="0" cy="0"/>
+        </a:xfrm>
+      </p:grpSpPr>
+      <p:sp>
+        <p:nvSpPr>
+          <p:cNvPr id="2" name="Title 1">
+            <a:extLst>
+              <a:ext uri="{FF2B5EF4-FFF2-40B4-BE49-F238E27FC236}">
+                <a16:creationId xmlns:a16="http://schemas.microsoft.com/office/drawing/2014/main" id="{F842F2A7-4FF7-6F7A-AA9A-5904AF0A5012}"/>
+              </a:ext>
+            </a:extLst>
+          </p:cNvPr>
+          <p:cNvSpPr>
+            <a:spLocks noGrp="1"/>
+          </p:cNvSpPr>
+          <p:nvPr>
+            <p:ph type="title"/>
+          </p:nvPr>
+        </p:nvSpPr>
+        <p:spPr/>
+        <p:txBody>
+          <a:bodyPr/>
+          <a:lstStyle/>
+          <a:p>
+            <a:r>
+              <a:rPr lang="en-US" dirty="0" err="1"/>
+              <a:t>Spint</a:t>
+            </a:r>
+            <a:r>
+              <a:rPr lang="en-US" dirty="0"/>
+              <a:t> 5</a:t>
+            </a:r>
+            <a:endParaRPr lang="en-ID" dirty="0"/>
+          </a:p>
+        </p:txBody>
+      </p:sp>
+      <p:sp>
+        <p:nvSpPr>
+          <p:cNvPr id="4" name="Rectangle: Rounded Corners 3">
+            <a:extLst>
+              <a:ext uri="{FF2B5EF4-FFF2-40B4-BE49-F238E27FC236}">
+                <a16:creationId xmlns:a16="http://schemas.microsoft.com/office/drawing/2014/main" id="{7C750BE1-97DF-64FD-7338-272369ACDF75}"/>
+              </a:ext>
+            </a:extLst>
+          </p:cNvPr>
+          <p:cNvSpPr/>
+          <p:nvPr/>
+        </p:nvSpPr>
+        <p:spPr>
+          <a:xfrm>
+            <a:off x="3966280" y="2092461"/>
+            <a:ext cx="2355272" cy="1325563"/>
+          </a:xfrm>
+          <a:prstGeom prst="roundRect">
+            <a:avLst/>
+          </a:prstGeom>
+        </p:spPr>
+        <p:style>
+          <a:lnRef idx="2">
+            <a:schemeClr val="accent1">
+              <a:shade val="15000"/>
+            </a:schemeClr>
+          </a:lnRef>
+          <a:fillRef idx="1">
+            <a:schemeClr val="accent1"/>
+          </a:fillRef>
+          <a:effectRef idx="0">
+            <a:schemeClr val="accent1"/>
+          </a:effectRef>
+          <a:fontRef idx="minor">
+            <a:schemeClr val="lt1"/>
+          </a:fontRef>
+        </p:style>
+        <p:txBody>
+          <a:bodyPr rtlCol="0" anchor="ctr"/>
+          <a:lstStyle/>
+          <a:p>
+            <a:pPr algn="ctr"/>
+            <a:r>
+              <a:rPr lang="en-US" dirty="0"/>
+              <a:t>Nginx</a:t>
+            </a:r>
+            <a:endParaRPr lang="en-ID" dirty="0"/>
+          </a:p>
+        </p:txBody>
+      </p:sp>
+      <p:sp>
+        <p:nvSpPr>
+          <p:cNvPr id="5" name="Rectangle: Rounded Corners 4">
+            <a:extLst>
+              <a:ext uri="{FF2B5EF4-FFF2-40B4-BE49-F238E27FC236}">
+                <a16:creationId xmlns:a16="http://schemas.microsoft.com/office/drawing/2014/main" id="{146A03B5-676A-C55B-36D0-72300203615F}"/>
+              </a:ext>
+            </a:extLst>
+          </p:cNvPr>
+          <p:cNvSpPr/>
+          <p:nvPr/>
+        </p:nvSpPr>
+        <p:spPr>
+          <a:xfrm>
+            <a:off x="8760691" y="2103437"/>
+            <a:ext cx="2355272" cy="1325563"/>
+          </a:xfrm>
+          <a:prstGeom prst="roundRect">
+            <a:avLst/>
+          </a:prstGeom>
+        </p:spPr>
+        <p:style>
+          <a:lnRef idx="2">
+            <a:schemeClr val="accent1">
+              <a:shade val="15000"/>
+            </a:schemeClr>
+          </a:lnRef>
+          <a:fillRef idx="1">
+            <a:schemeClr val="accent1"/>
+          </a:fillRef>
+          <a:effectRef idx="0">
+            <a:schemeClr val="accent1"/>
+          </a:effectRef>
+          <a:fontRef idx="minor">
+            <a:schemeClr val="lt1"/>
+          </a:fontRef>
+        </p:style>
+        <p:txBody>
+          <a:bodyPr rtlCol="0" anchor="ctr"/>
+          <a:lstStyle/>
+          <a:p>
+            <a:pPr algn="ctr"/>
+            <a:r>
+              <a:rPr lang="en-US" dirty="0" err="1"/>
+              <a:t>Keycloak</a:t>
+            </a:r>
+            <a:r>
+              <a:rPr lang="en-US" dirty="0"/>
+              <a:t>, v23.0.5</a:t>
+            </a:r>
+            <a:endParaRPr lang="en-ID" dirty="0"/>
+          </a:p>
+        </p:txBody>
+      </p:sp>
+      <p:cxnSp>
+        <p:nvCxnSpPr>
+          <p:cNvPr id="7" name="Straight Connector 6">
+            <a:extLst>
+              <a:ext uri="{FF2B5EF4-FFF2-40B4-BE49-F238E27FC236}">
+                <a16:creationId xmlns:a16="http://schemas.microsoft.com/office/drawing/2014/main" id="{8345D488-7885-0330-99F1-A19825746C97}"/>
+              </a:ext>
+            </a:extLst>
+          </p:cNvPr>
+          <p:cNvCxnSpPr>
+            <a:stCxn id="4" idx="3"/>
+            <a:endCxn id="5" idx="1"/>
+          </p:cNvCxnSpPr>
+          <p:nvPr/>
+        </p:nvCxnSpPr>
+        <p:spPr>
+          <a:xfrm>
+            <a:off x="6321552" y="2755243"/>
+            <a:ext cx="2439139" cy="10976"/>
+          </a:xfrm>
+          <a:prstGeom prst="line">
+            <a:avLst/>
+          </a:prstGeom>
+          <a:ln cmpd="dbl">
+            <a:prstDash val="sysDot"/>
+          </a:ln>
+        </p:spPr>
+        <p:style>
+          <a:lnRef idx="2">
+            <a:schemeClr val="accent1"/>
+          </a:lnRef>
+          <a:fillRef idx="0">
+            <a:schemeClr val="accent1"/>
+          </a:fillRef>
+          <a:effectRef idx="1">
+            <a:schemeClr val="accent1"/>
+          </a:effectRef>
+          <a:fontRef idx="minor">
+            <a:schemeClr val="tx1"/>
+          </a:fontRef>
+        </p:style>
+      </p:cxnSp>
+      <p:sp>
+        <p:nvSpPr>
+          <p:cNvPr id="9" name="TextBox 8">
+            <a:extLst>
+              <a:ext uri="{FF2B5EF4-FFF2-40B4-BE49-F238E27FC236}">
+                <a16:creationId xmlns:a16="http://schemas.microsoft.com/office/drawing/2014/main" id="{38563C3C-9E38-5DA4-1F9C-548F2BA6A7E4}"/>
+              </a:ext>
+            </a:extLst>
+          </p:cNvPr>
+          <p:cNvSpPr txBox="1"/>
+          <p:nvPr/>
+        </p:nvSpPr>
+        <p:spPr>
+          <a:xfrm>
+            <a:off x="4266819" y="3472416"/>
+            <a:ext cx="1449115" cy="369332"/>
+          </a:xfrm>
+          <a:prstGeom prst="rect">
+            <a:avLst/>
+          </a:prstGeom>
+          <a:noFill/>
+        </p:spPr>
+        <p:txBody>
+          <a:bodyPr wrap="none" rtlCol="0">
+            <a:spAutoFit/>
+          </a:bodyPr>
+          <a:lstStyle/>
+          <a:p>
+            <a:r>
+              <a:rPr lang="en-US" dirty="0" err="1"/>
+              <a:t>reverseProxy</a:t>
+            </a:r>
+            <a:endParaRPr lang="en-ID" dirty="0"/>
+          </a:p>
+        </p:txBody>
+      </p:sp>
+      <p:sp>
+        <p:nvSpPr>
+          <p:cNvPr id="11" name="TextBox 10">
+            <a:extLst>
+              <a:ext uri="{FF2B5EF4-FFF2-40B4-BE49-F238E27FC236}">
+                <a16:creationId xmlns:a16="http://schemas.microsoft.com/office/drawing/2014/main" id="{2EF6CB66-44D6-6464-D54B-1B1F204A3D51}"/>
+              </a:ext>
+            </a:extLst>
+          </p:cNvPr>
+          <p:cNvSpPr txBox="1"/>
+          <p:nvPr/>
+        </p:nvSpPr>
+        <p:spPr>
+          <a:xfrm>
+            <a:off x="8760691" y="4319864"/>
+            <a:ext cx="3366819" cy="369332"/>
+          </a:xfrm>
+          <a:prstGeom prst="rect">
+            <a:avLst/>
+          </a:prstGeom>
+          <a:noFill/>
+        </p:spPr>
+        <p:txBody>
+          <a:bodyPr wrap="none" rtlCol="0">
+            <a:spAutoFit/>
+          </a:bodyPr>
+          <a:lstStyle/>
+          <a:p>
+            <a:r>
+              <a:rPr lang="en-US" dirty="0"/>
+              <a:t>http://host.docker.internal:8080</a:t>
+            </a:r>
+            <a:endParaRPr lang="en-ID" dirty="0"/>
+          </a:p>
+        </p:txBody>
+      </p:sp>
+      <p:sp>
+        <p:nvSpPr>
+          <p:cNvPr id="12" name="TextBox 11">
+            <a:extLst>
+              <a:ext uri="{FF2B5EF4-FFF2-40B4-BE49-F238E27FC236}">
+                <a16:creationId xmlns:a16="http://schemas.microsoft.com/office/drawing/2014/main" id="{8646C94A-06AD-142D-D686-1F8CA0FBFFC8}"/>
+              </a:ext>
+            </a:extLst>
+          </p:cNvPr>
+          <p:cNvSpPr txBox="1"/>
+          <p:nvPr/>
+        </p:nvSpPr>
+        <p:spPr>
+          <a:xfrm>
+            <a:off x="3643412" y="4319864"/>
+            <a:ext cx="2919582" cy="369332"/>
+          </a:xfrm>
+          <a:prstGeom prst="rect">
+            <a:avLst/>
+          </a:prstGeom>
+          <a:noFill/>
+        </p:spPr>
+        <p:txBody>
+          <a:bodyPr wrap="none" rtlCol="0">
+            <a:spAutoFit/>
+          </a:bodyPr>
+          <a:lstStyle/>
+          <a:p>
+            <a:r>
+              <a:rPr lang="en-US" dirty="0"/>
+              <a:t>https://host.docker.internal</a:t>
+            </a:r>
+            <a:endParaRPr lang="en-ID" dirty="0"/>
+          </a:p>
+        </p:txBody>
+      </p:sp>
+      <p:sp>
+        <p:nvSpPr>
+          <p:cNvPr id="13" name="Oval 12">
+            <a:extLst>
+              <a:ext uri="{FF2B5EF4-FFF2-40B4-BE49-F238E27FC236}">
+                <a16:creationId xmlns:a16="http://schemas.microsoft.com/office/drawing/2014/main" id="{4BE2B9B6-7C9A-B95D-FB01-ED9F5F565506}"/>
+              </a:ext>
+            </a:extLst>
+          </p:cNvPr>
+          <p:cNvSpPr/>
+          <p:nvPr/>
+        </p:nvSpPr>
+        <p:spPr>
+          <a:xfrm>
+            <a:off x="763571" y="2366128"/>
+            <a:ext cx="763571" cy="763571"/>
+          </a:xfrm>
+          <a:prstGeom prst="ellipse">
+            <a:avLst/>
+          </a:prstGeom>
+        </p:spPr>
+        <p:style>
+          <a:lnRef idx="2">
+            <a:schemeClr val="accent2">
+              <a:shade val="15000"/>
+            </a:schemeClr>
+          </a:lnRef>
+          <a:fillRef idx="1">
+            <a:schemeClr val="accent2"/>
+          </a:fillRef>
+          <a:effectRef idx="0">
+            <a:schemeClr val="accent2"/>
+          </a:effectRef>
+          <a:fontRef idx="minor">
+            <a:schemeClr val="lt1"/>
+          </a:fontRef>
+        </p:style>
+        <p:txBody>
+          <a:bodyPr rtlCol="0" anchor="ctr"/>
+          <a:lstStyle/>
+          <a:p>
+            <a:pPr algn="ctr"/>
+            <a:r>
+              <a:rPr lang="en-US" sz="800" dirty="0"/>
+              <a:t>CLIENT</a:t>
+            </a:r>
+            <a:endParaRPr lang="en-ID" sz="800" dirty="0"/>
+          </a:p>
+        </p:txBody>
+      </p:sp>
+      <p:cxnSp>
+        <p:nvCxnSpPr>
+          <p:cNvPr id="15" name="Straight Connector 14">
+            <a:extLst>
+              <a:ext uri="{FF2B5EF4-FFF2-40B4-BE49-F238E27FC236}">
+                <a16:creationId xmlns:a16="http://schemas.microsoft.com/office/drawing/2014/main" id="{D1C877D6-F7BB-5292-2134-F1F0B24550B6}"/>
+              </a:ext>
+            </a:extLst>
+          </p:cNvPr>
+          <p:cNvCxnSpPr>
+            <a:cxnSpLocks/>
+            <a:stCxn id="13" idx="6"/>
+            <a:endCxn id="4" idx="1"/>
+          </p:cNvCxnSpPr>
+          <p:nvPr/>
+        </p:nvCxnSpPr>
+        <p:spPr>
+          <a:xfrm>
+            <a:off x="1527142" y="2747914"/>
+            <a:ext cx="2439138" cy="7329"/>
+          </a:xfrm>
+          <a:prstGeom prst="line">
+            <a:avLst/>
+          </a:prstGeom>
+        </p:spPr>
+        <p:style>
+          <a:lnRef idx="2">
+            <a:schemeClr val="accent1"/>
+          </a:lnRef>
+          <a:fillRef idx="0">
+            <a:schemeClr val="accent1"/>
+          </a:fillRef>
+          <a:effectRef idx="1">
+            <a:schemeClr val="accent1"/>
+          </a:effectRef>
+          <a:fontRef idx="minor">
+            <a:schemeClr val="tx1"/>
+          </a:fontRef>
+        </p:style>
+      </p:cxnSp>
+      <p:sp>
+        <p:nvSpPr>
+          <p:cNvPr id="16" name="TextBox 15">
+            <a:extLst>
+              <a:ext uri="{FF2B5EF4-FFF2-40B4-BE49-F238E27FC236}">
+                <a16:creationId xmlns:a16="http://schemas.microsoft.com/office/drawing/2014/main" id="{663A18AE-A31B-70D2-3098-C1AEBD50C865}"/>
+              </a:ext>
+            </a:extLst>
+          </p:cNvPr>
+          <p:cNvSpPr txBox="1"/>
+          <p:nvPr/>
+        </p:nvSpPr>
+        <p:spPr>
+          <a:xfrm>
+            <a:off x="420798" y="3091757"/>
+            <a:ext cx="1486304" cy="246221"/>
+          </a:xfrm>
+          <a:prstGeom prst="rect">
+            <a:avLst/>
+          </a:prstGeom>
+          <a:noFill/>
+        </p:spPr>
+        <p:txBody>
+          <a:bodyPr wrap="none" rtlCol="0">
+            <a:spAutoFit/>
+          </a:bodyPr>
+          <a:lstStyle/>
+          <a:p>
+            <a:r>
+              <a:rPr lang="en-US" sz="1000" i="1" dirty="0" err="1"/>
+              <a:t>browser,postman,etc</a:t>
+            </a:r>
+            <a:r>
+              <a:rPr lang="en-US" sz="1000" i="1" dirty="0"/>
+              <a:t>…</a:t>
+            </a:r>
+            <a:endParaRPr lang="en-ID" sz="1000" i="1" dirty="0"/>
+          </a:p>
+        </p:txBody>
+      </p:sp>
+    </p:spTree>
+    <p:extLst>
+      <p:ext uri="{BB962C8B-B14F-4D97-AF65-F5344CB8AC3E}">
+        <p14:creationId xmlns:p14="http://schemas.microsoft.com/office/powerpoint/2010/main" val="3089958000"/>
+      </p:ext>
+    </p:extLst>
+  </p:cSld>
+  <p:clrMapOvr>
+    <a:masterClrMapping/>
+  </p:clrMapOvr>
+</p:sld>
+</file>
+
+<file path=ppt/slides/slide29.xml><?xml version="1.0" encoding="utf-8"?>
+<p:sld xmlns:a="http://schemas.openxmlformats.org/drawingml/2006/main" xmlns:r="http://schemas.openxmlformats.org/officeDocument/2006/relationships" xmlns:p="http://schemas.openxmlformats.org/presentationml/2006/main">
+  <p:cSld>
+    <p:spTree>
+      <p:nvGrpSpPr>
+        <p:cNvPr id="1" name=""/>
+        <p:cNvGrpSpPr/>
+        <p:nvPr/>
+      </p:nvGrpSpPr>
+      <p:grpSpPr>
+        <a:xfrm>
+          <a:off x="0" y="0"/>
+          <a:ext cx="0" cy="0"/>
+          <a:chOff x="0" y="0"/>
+          <a:chExt cx="0" cy="0"/>
+        </a:xfrm>
+      </p:grpSpPr>
+      <p:sp>
+        <p:nvSpPr>
+          <p:cNvPr id="2" name="Title 1">
+            <a:extLst>
+              <a:ext uri="{FF2B5EF4-FFF2-40B4-BE49-F238E27FC236}">
+                <a16:creationId xmlns:a16="http://schemas.microsoft.com/office/drawing/2014/main" id="{EE14B281-CDDE-135D-D796-F177D30FD128}"/>
+              </a:ext>
+            </a:extLst>
+          </p:cNvPr>
+          <p:cNvSpPr>
+            <a:spLocks noGrp="1"/>
+          </p:cNvSpPr>
+          <p:nvPr>
+            <p:ph type="title"/>
+          </p:nvPr>
+        </p:nvSpPr>
+        <p:spPr/>
+        <p:txBody>
+          <a:bodyPr/>
+          <a:lstStyle/>
+          <a:p>
+            <a:r>
+              <a:rPr lang="en-US" dirty="0"/>
+              <a:t>Docker composer service </a:t>
+            </a:r>
+            <a:r>
+              <a:rPr lang="en-US" dirty="0" err="1"/>
+              <a:t>keycloak</a:t>
+            </a:r>
+            <a:endParaRPr lang="en-ID" dirty="0"/>
+          </a:p>
+        </p:txBody>
+      </p:sp>
+      <p:sp>
+        <p:nvSpPr>
+          <p:cNvPr id="7" name="TextBox 6">
+            <a:extLst>
+              <a:ext uri="{FF2B5EF4-FFF2-40B4-BE49-F238E27FC236}">
+                <a16:creationId xmlns:a16="http://schemas.microsoft.com/office/drawing/2014/main" id="{5632FDAD-8F0F-E233-B49D-2A7442A229BF}"/>
+              </a:ext>
+            </a:extLst>
+          </p:cNvPr>
+          <p:cNvSpPr txBox="1"/>
+          <p:nvPr/>
+        </p:nvSpPr>
+        <p:spPr>
+          <a:xfrm>
+            <a:off x="1080655" y="2013743"/>
+            <a:ext cx="8081818" cy="4030206"/>
+          </a:xfrm>
+          <a:prstGeom prst="rect">
+            <a:avLst/>
+          </a:prstGeom>
+          <a:noFill/>
+        </p:spPr>
+        <p:txBody>
+          <a:bodyPr wrap="square">
+            <a:spAutoFit/>
+          </a:bodyPr>
+          <a:lstStyle/>
+          <a:p>
+            <a:pPr>
+              <a:lnSpc>
+                <a:spcPts val="1425"/>
+              </a:lnSpc>
+            </a:pPr>
+            <a:r>
+              <a:rPr lang="en-ID" sz="1000" b="0" dirty="0" err="1">
+                <a:solidFill>
+                  <a:srgbClr val="569CD6"/>
+                </a:solidFill>
+                <a:effectLst/>
+                <a:latin typeface="Consolas" panose="020B0609020204030204" pitchFamily="49" charset="0"/>
+              </a:rPr>
+              <a:t>keycloak</a:t>
+            </a:r>
+            <a:r>
+              <a:rPr lang="en-ID" sz="1000" b="0" dirty="0">
+                <a:solidFill>
+                  <a:srgbClr val="CCCCCC"/>
+                </a:solidFill>
+                <a:effectLst/>
+                <a:latin typeface="Consolas" panose="020B0609020204030204" pitchFamily="49" charset="0"/>
+              </a:rPr>
+              <a:t>:</a:t>
+            </a:r>
+          </a:p>
+          <a:p>
+            <a:pPr>
+              <a:lnSpc>
+                <a:spcPts val="1425"/>
+              </a:lnSpc>
+            </a:pPr>
+            <a:r>
+              <a:rPr lang="en-ID" sz="1000" b="0" dirty="0">
+                <a:solidFill>
+                  <a:srgbClr val="CCCCCC"/>
+                </a:solidFill>
+                <a:effectLst/>
+                <a:latin typeface="Consolas" panose="020B0609020204030204" pitchFamily="49" charset="0"/>
+              </a:rPr>
+              <a:t>    </a:t>
+            </a:r>
+            <a:r>
+              <a:rPr lang="en-ID" sz="1000" b="0" dirty="0">
+                <a:solidFill>
+                  <a:srgbClr val="569CD6"/>
+                </a:solidFill>
+                <a:effectLst/>
+                <a:latin typeface="Consolas" panose="020B0609020204030204" pitchFamily="49" charset="0"/>
+              </a:rPr>
+              <a:t>build</a:t>
+            </a:r>
+            <a:r>
+              <a:rPr lang="en-ID" sz="1000" b="0" dirty="0">
+                <a:solidFill>
+                  <a:srgbClr val="CCCCCC"/>
+                </a:solidFill>
+                <a:effectLst/>
+                <a:latin typeface="Consolas" panose="020B0609020204030204" pitchFamily="49" charset="0"/>
+              </a:rPr>
+              <a:t>: </a:t>
+            </a:r>
+          </a:p>
+          <a:p>
+            <a:pPr>
+              <a:lnSpc>
+                <a:spcPts val="1425"/>
+              </a:lnSpc>
+            </a:pPr>
+            <a:r>
+              <a:rPr lang="en-ID" sz="1000" b="0" dirty="0">
+                <a:solidFill>
+                  <a:srgbClr val="CCCCCC"/>
+                </a:solidFill>
+                <a:effectLst/>
+                <a:latin typeface="Consolas" panose="020B0609020204030204" pitchFamily="49" charset="0"/>
+              </a:rPr>
+              <a:t>      </a:t>
+            </a:r>
+            <a:r>
+              <a:rPr lang="en-ID" sz="1000" b="0" dirty="0">
+                <a:solidFill>
+                  <a:srgbClr val="569CD6"/>
+                </a:solidFill>
+                <a:effectLst/>
+                <a:latin typeface="Consolas" panose="020B0609020204030204" pitchFamily="49" charset="0"/>
+              </a:rPr>
+              <a:t>context</a:t>
+            </a:r>
+            <a:r>
+              <a:rPr lang="en-ID" sz="1000" b="0" dirty="0">
+                <a:solidFill>
+                  <a:srgbClr val="CCCCCC"/>
+                </a:solidFill>
+                <a:effectLst/>
+                <a:latin typeface="Consolas" panose="020B0609020204030204" pitchFamily="49" charset="0"/>
+              </a:rPr>
+              <a:t>: </a:t>
+            </a:r>
+            <a:r>
+              <a:rPr lang="en-ID" sz="1000" b="0" dirty="0" err="1">
+                <a:solidFill>
+                  <a:srgbClr val="CE9178"/>
+                </a:solidFill>
+                <a:effectLst/>
+                <a:latin typeface="Consolas" panose="020B0609020204030204" pitchFamily="49" charset="0"/>
+              </a:rPr>
+              <a:t>keycloak</a:t>
+            </a:r>
+            <a:r>
+              <a:rPr lang="en-ID" sz="1000" b="0" dirty="0">
+                <a:solidFill>
+                  <a:srgbClr val="CE9178"/>
+                </a:solidFill>
+                <a:effectLst/>
+                <a:latin typeface="Consolas" panose="020B0609020204030204" pitchFamily="49" charset="0"/>
+              </a:rPr>
+              <a:t>-image</a:t>
+            </a:r>
+            <a:endParaRPr lang="en-ID" sz="1000" b="0" dirty="0">
+              <a:solidFill>
+                <a:srgbClr val="CCCCCC"/>
+              </a:solidFill>
+              <a:effectLst/>
+              <a:latin typeface="Consolas" panose="020B0609020204030204" pitchFamily="49" charset="0"/>
+            </a:endParaRPr>
+          </a:p>
+          <a:p>
+            <a:pPr>
+              <a:lnSpc>
+                <a:spcPts val="1425"/>
+              </a:lnSpc>
+            </a:pPr>
+            <a:r>
+              <a:rPr lang="en-ID" sz="1000" b="0" dirty="0">
+                <a:solidFill>
+                  <a:srgbClr val="CCCCCC"/>
+                </a:solidFill>
+                <a:effectLst/>
+                <a:latin typeface="Consolas" panose="020B0609020204030204" pitchFamily="49" charset="0"/>
+              </a:rPr>
+              <a:t>      </a:t>
+            </a:r>
+            <a:r>
+              <a:rPr lang="en-ID" sz="1000" b="0" dirty="0" err="1">
+                <a:solidFill>
+                  <a:srgbClr val="569CD6"/>
+                </a:solidFill>
+                <a:effectLst/>
+                <a:latin typeface="Consolas" panose="020B0609020204030204" pitchFamily="49" charset="0"/>
+              </a:rPr>
+              <a:t>dockerfile</a:t>
+            </a:r>
+            <a:r>
+              <a:rPr lang="en-ID" sz="1000" b="0" dirty="0">
+                <a:solidFill>
+                  <a:srgbClr val="CCCCCC"/>
+                </a:solidFill>
+                <a:effectLst/>
+                <a:latin typeface="Consolas" panose="020B0609020204030204" pitchFamily="49" charset="0"/>
+              </a:rPr>
+              <a:t>: </a:t>
+            </a:r>
+            <a:r>
+              <a:rPr lang="en-ID" sz="1000" b="0" dirty="0" err="1">
+                <a:solidFill>
+                  <a:srgbClr val="CE9178"/>
+                </a:solidFill>
+                <a:effectLst/>
+                <a:latin typeface="Consolas" panose="020B0609020204030204" pitchFamily="49" charset="0"/>
+              </a:rPr>
+              <a:t>Dockerfile</a:t>
+            </a:r>
+            <a:endParaRPr lang="en-ID" sz="1000" b="0" dirty="0">
+              <a:solidFill>
+                <a:srgbClr val="CCCCCC"/>
+              </a:solidFill>
+              <a:effectLst/>
+              <a:latin typeface="Consolas" panose="020B0609020204030204" pitchFamily="49" charset="0"/>
+            </a:endParaRPr>
+          </a:p>
+          <a:p>
+            <a:pPr>
+              <a:lnSpc>
+                <a:spcPts val="1425"/>
+              </a:lnSpc>
+            </a:pPr>
+            <a:r>
+              <a:rPr lang="en-ID" sz="1000" b="0" dirty="0">
+                <a:solidFill>
+                  <a:srgbClr val="CCCCCC"/>
+                </a:solidFill>
+                <a:effectLst/>
+                <a:latin typeface="Consolas" panose="020B0609020204030204" pitchFamily="49" charset="0"/>
+              </a:rPr>
+              <a:t>    </a:t>
+            </a:r>
+            <a:r>
+              <a:rPr lang="en-ID" sz="1000" b="0" dirty="0">
+                <a:solidFill>
+                  <a:srgbClr val="569CD6"/>
+                </a:solidFill>
+                <a:effectLst/>
+                <a:latin typeface="Consolas" panose="020B0609020204030204" pitchFamily="49" charset="0"/>
+              </a:rPr>
+              <a:t>deploy</a:t>
+            </a:r>
+            <a:r>
+              <a:rPr lang="en-ID" sz="1000" b="0" dirty="0">
+                <a:solidFill>
+                  <a:srgbClr val="CCCCCC"/>
+                </a:solidFill>
+                <a:effectLst/>
+                <a:latin typeface="Consolas" panose="020B0609020204030204" pitchFamily="49" charset="0"/>
+              </a:rPr>
+              <a:t>:</a:t>
+            </a:r>
+          </a:p>
+          <a:p>
+            <a:pPr>
+              <a:lnSpc>
+                <a:spcPts val="1425"/>
+              </a:lnSpc>
+            </a:pPr>
+            <a:r>
+              <a:rPr lang="en-ID" sz="1000" b="0" dirty="0">
+                <a:solidFill>
+                  <a:srgbClr val="CCCCCC"/>
+                </a:solidFill>
+                <a:effectLst/>
+                <a:latin typeface="Consolas" panose="020B0609020204030204" pitchFamily="49" charset="0"/>
+              </a:rPr>
+              <a:t>      </a:t>
+            </a:r>
+            <a:r>
+              <a:rPr lang="en-ID" sz="1000" b="0" dirty="0">
+                <a:solidFill>
+                  <a:srgbClr val="569CD6"/>
+                </a:solidFill>
+                <a:effectLst/>
+                <a:latin typeface="Consolas" panose="020B0609020204030204" pitchFamily="49" charset="0"/>
+              </a:rPr>
+              <a:t>replicas</a:t>
+            </a:r>
+            <a:r>
+              <a:rPr lang="en-ID" sz="1000" b="0" dirty="0">
+                <a:solidFill>
+                  <a:srgbClr val="CCCCCC"/>
+                </a:solidFill>
+                <a:effectLst/>
+                <a:latin typeface="Consolas" panose="020B0609020204030204" pitchFamily="49" charset="0"/>
+              </a:rPr>
+              <a:t>: </a:t>
+            </a:r>
+            <a:r>
+              <a:rPr lang="en-ID" sz="1000" b="0" dirty="0">
+                <a:solidFill>
+                  <a:srgbClr val="B5CEA8"/>
+                </a:solidFill>
+                <a:effectLst/>
+                <a:latin typeface="Consolas" panose="020B0609020204030204" pitchFamily="49" charset="0"/>
+              </a:rPr>
+              <a:t>1</a:t>
+            </a:r>
+            <a:r>
+              <a:rPr lang="en-ID" sz="1000" b="0" dirty="0">
+                <a:solidFill>
+                  <a:srgbClr val="CCCCCC"/>
+                </a:solidFill>
+                <a:effectLst/>
+                <a:latin typeface="Consolas" panose="020B0609020204030204" pitchFamily="49" charset="0"/>
+              </a:rPr>
+              <a:t>  </a:t>
+            </a:r>
+            <a:r>
+              <a:rPr lang="en-ID" sz="1000" b="0" dirty="0">
+                <a:solidFill>
+                  <a:srgbClr val="6A9955"/>
+                </a:solidFill>
+                <a:effectLst/>
+                <a:latin typeface="Consolas" panose="020B0609020204030204" pitchFamily="49" charset="0"/>
+              </a:rPr>
+              <a:t># Number of replicas</a:t>
+            </a:r>
+            <a:endParaRPr lang="en-ID" sz="1000" b="0" dirty="0">
+              <a:solidFill>
+                <a:srgbClr val="CCCCCC"/>
+              </a:solidFill>
+              <a:effectLst/>
+              <a:latin typeface="Consolas" panose="020B0609020204030204" pitchFamily="49" charset="0"/>
+            </a:endParaRPr>
+          </a:p>
+          <a:p>
+            <a:pPr>
+              <a:lnSpc>
+                <a:spcPts val="1425"/>
+              </a:lnSpc>
+            </a:pPr>
+            <a:r>
+              <a:rPr lang="en-ID" sz="1000" b="0" dirty="0">
+                <a:solidFill>
+                  <a:srgbClr val="CCCCCC"/>
+                </a:solidFill>
+                <a:effectLst/>
+                <a:latin typeface="Consolas" panose="020B0609020204030204" pitchFamily="49" charset="0"/>
+              </a:rPr>
+              <a:t>    </a:t>
+            </a:r>
+            <a:r>
+              <a:rPr lang="en-ID" sz="1000" b="0" dirty="0">
+                <a:solidFill>
+                  <a:srgbClr val="569CD6"/>
+                </a:solidFill>
+                <a:effectLst/>
+                <a:latin typeface="Consolas" panose="020B0609020204030204" pitchFamily="49" charset="0"/>
+              </a:rPr>
+              <a:t>environment</a:t>
+            </a:r>
+            <a:r>
+              <a:rPr lang="en-ID" sz="1000" b="0" dirty="0">
+                <a:solidFill>
+                  <a:srgbClr val="CCCCCC"/>
+                </a:solidFill>
+                <a:effectLst/>
+                <a:latin typeface="Consolas" panose="020B0609020204030204" pitchFamily="49" charset="0"/>
+              </a:rPr>
+              <a:t>:</a:t>
+            </a:r>
+          </a:p>
+          <a:p>
+            <a:pPr>
+              <a:lnSpc>
+                <a:spcPts val="1425"/>
+              </a:lnSpc>
+            </a:pPr>
+            <a:r>
+              <a:rPr lang="en-ID" sz="1000" b="0" dirty="0">
+                <a:solidFill>
+                  <a:srgbClr val="CCCCCC"/>
+                </a:solidFill>
+                <a:effectLst/>
+                <a:latin typeface="Consolas" panose="020B0609020204030204" pitchFamily="49" charset="0"/>
+              </a:rPr>
+              <a:t>      - </a:t>
+            </a:r>
+            <a:r>
+              <a:rPr lang="en-ID" sz="1000" b="0" dirty="0">
+                <a:solidFill>
+                  <a:srgbClr val="CE9178"/>
+                </a:solidFill>
+                <a:effectLst/>
+                <a:latin typeface="Consolas" panose="020B0609020204030204" pitchFamily="49" charset="0"/>
+              </a:rPr>
+              <a:t>KC_DB=</a:t>
+            </a:r>
+            <a:r>
+              <a:rPr lang="en-ID" sz="1000" b="0" dirty="0" err="1">
+                <a:solidFill>
+                  <a:srgbClr val="CE9178"/>
+                </a:solidFill>
+                <a:effectLst/>
+                <a:latin typeface="Consolas" panose="020B0609020204030204" pitchFamily="49" charset="0"/>
+              </a:rPr>
+              <a:t>postgres</a:t>
+            </a:r>
+            <a:endParaRPr lang="en-ID" sz="1000" b="0" dirty="0">
+              <a:solidFill>
+                <a:srgbClr val="CCCCCC"/>
+              </a:solidFill>
+              <a:effectLst/>
+              <a:latin typeface="Consolas" panose="020B0609020204030204" pitchFamily="49" charset="0"/>
+            </a:endParaRPr>
+          </a:p>
+          <a:p>
+            <a:pPr>
+              <a:lnSpc>
+                <a:spcPts val="1425"/>
+              </a:lnSpc>
+            </a:pPr>
+            <a:r>
+              <a:rPr lang="en-ID" sz="1000" b="0" dirty="0">
+                <a:solidFill>
+                  <a:srgbClr val="CCCCCC"/>
+                </a:solidFill>
+                <a:effectLst/>
+                <a:latin typeface="Consolas" panose="020B0609020204030204" pitchFamily="49" charset="0"/>
+              </a:rPr>
+              <a:t>      - </a:t>
+            </a:r>
+            <a:r>
+              <a:rPr lang="en-ID" sz="1000" b="0" dirty="0">
+                <a:solidFill>
+                  <a:srgbClr val="CE9178"/>
+                </a:solidFill>
+                <a:effectLst/>
+                <a:latin typeface="Consolas" panose="020B0609020204030204" pitchFamily="49" charset="0"/>
+              </a:rPr>
+              <a:t>KC_DB_URL=</a:t>
+            </a:r>
+            <a:r>
+              <a:rPr lang="en-ID" sz="1000" b="0" dirty="0" err="1">
+                <a:solidFill>
+                  <a:srgbClr val="CE9178"/>
+                </a:solidFill>
+                <a:effectLst/>
+                <a:latin typeface="Consolas" panose="020B0609020204030204" pitchFamily="49" charset="0"/>
+              </a:rPr>
+              <a:t>jdbc:postgresql</a:t>
+            </a:r>
+            <a:r>
+              <a:rPr lang="en-ID" sz="1000" b="0" dirty="0">
+                <a:solidFill>
+                  <a:srgbClr val="CE9178"/>
+                </a:solidFill>
+                <a:effectLst/>
+                <a:latin typeface="Consolas" panose="020B0609020204030204" pitchFamily="49" charset="0"/>
+              </a:rPr>
+              <a:t>://db:5432/</a:t>
+            </a:r>
+            <a:r>
+              <a:rPr lang="en-ID" sz="1000" b="0" dirty="0" err="1">
+                <a:solidFill>
+                  <a:srgbClr val="CE9178"/>
+                </a:solidFill>
+                <a:effectLst/>
+                <a:latin typeface="Consolas" panose="020B0609020204030204" pitchFamily="49" charset="0"/>
+              </a:rPr>
+              <a:t>db_keycloak</a:t>
+            </a:r>
+            <a:endParaRPr lang="en-ID" sz="1000" b="0" dirty="0">
+              <a:solidFill>
+                <a:srgbClr val="CCCCCC"/>
+              </a:solidFill>
+              <a:effectLst/>
+              <a:latin typeface="Consolas" panose="020B0609020204030204" pitchFamily="49" charset="0"/>
+            </a:endParaRPr>
+          </a:p>
+          <a:p>
+            <a:pPr>
+              <a:lnSpc>
+                <a:spcPts val="1425"/>
+              </a:lnSpc>
+            </a:pPr>
+            <a:r>
+              <a:rPr lang="en-ID" sz="1000" b="0" dirty="0">
+                <a:solidFill>
+                  <a:srgbClr val="CCCCCC"/>
+                </a:solidFill>
+                <a:effectLst/>
+                <a:latin typeface="Consolas" panose="020B0609020204030204" pitchFamily="49" charset="0"/>
+              </a:rPr>
+              <a:t>      - </a:t>
+            </a:r>
+            <a:r>
+              <a:rPr lang="en-ID" sz="1000" b="0" dirty="0">
+                <a:solidFill>
+                  <a:srgbClr val="CE9178"/>
+                </a:solidFill>
+                <a:effectLst/>
+                <a:latin typeface="Consolas" panose="020B0609020204030204" pitchFamily="49" charset="0"/>
+              </a:rPr>
+              <a:t>KC_DB_USERNAME=</a:t>
+            </a:r>
+            <a:r>
+              <a:rPr lang="en-ID" sz="1000" b="0" dirty="0" err="1">
+                <a:solidFill>
+                  <a:srgbClr val="CE9178"/>
+                </a:solidFill>
+                <a:effectLst/>
+                <a:latin typeface="Consolas" panose="020B0609020204030204" pitchFamily="49" charset="0"/>
+              </a:rPr>
+              <a:t>postgres</a:t>
+            </a:r>
+            <a:endParaRPr lang="en-ID" sz="1000" b="0" dirty="0">
+              <a:solidFill>
+                <a:srgbClr val="CCCCCC"/>
+              </a:solidFill>
+              <a:effectLst/>
+              <a:latin typeface="Consolas" panose="020B0609020204030204" pitchFamily="49" charset="0"/>
+            </a:endParaRPr>
+          </a:p>
+          <a:p>
+            <a:pPr>
+              <a:lnSpc>
+                <a:spcPts val="1425"/>
+              </a:lnSpc>
+            </a:pPr>
+            <a:r>
+              <a:rPr lang="en-ID" sz="1000" b="0" dirty="0">
+                <a:solidFill>
+                  <a:srgbClr val="CCCCCC"/>
+                </a:solidFill>
+                <a:effectLst/>
+                <a:latin typeface="Consolas" panose="020B0609020204030204" pitchFamily="49" charset="0"/>
+              </a:rPr>
+              <a:t>      - </a:t>
+            </a:r>
+            <a:r>
+              <a:rPr lang="en-ID" sz="1000" b="0" dirty="0">
+                <a:solidFill>
+                  <a:srgbClr val="CE9178"/>
+                </a:solidFill>
+                <a:effectLst/>
+                <a:latin typeface="Consolas" panose="020B0609020204030204" pitchFamily="49" charset="0"/>
+              </a:rPr>
+              <a:t>KC_DB_PASSWORD=</a:t>
+            </a:r>
+            <a:r>
+              <a:rPr lang="en-ID" sz="1000" b="0" dirty="0" err="1">
+                <a:solidFill>
+                  <a:srgbClr val="CE9178"/>
+                </a:solidFill>
+                <a:effectLst/>
+                <a:latin typeface="Consolas" panose="020B0609020204030204" pitchFamily="49" charset="0"/>
+              </a:rPr>
+              <a:t>postgres</a:t>
+            </a:r>
+            <a:endParaRPr lang="en-ID" sz="1000" b="0" dirty="0">
+              <a:solidFill>
+                <a:srgbClr val="CCCCCC"/>
+              </a:solidFill>
+              <a:effectLst/>
+              <a:latin typeface="Consolas" panose="020B0609020204030204" pitchFamily="49" charset="0"/>
+            </a:endParaRPr>
+          </a:p>
+          <a:p>
+            <a:pPr>
+              <a:lnSpc>
+                <a:spcPts val="1425"/>
+              </a:lnSpc>
+            </a:pPr>
+            <a:r>
+              <a:rPr lang="en-ID" sz="1000" b="0" dirty="0">
+                <a:solidFill>
+                  <a:srgbClr val="CCCCCC"/>
+                </a:solidFill>
+                <a:effectLst/>
+                <a:latin typeface="Consolas" panose="020B0609020204030204" pitchFamily="49" charset="0"/>
+              </a:rPr>
+              <a:t>      - </a:t>
+            </a:r>
+            <a:r>
+              <a:rPr lang="en-ID" sz="1000" b="0" dirty="0">
+                <a:solidFill>
+                  <a:srgbClr val="CE9178"/>
+                </a:solidFill>
+                <a:effectLst/>
+                <a:latin typeface="Consolas" panose="020B0609020204030204" pitchFamily="49" charset="0"/>
+              </a:rPr>
+              <a:t>KC_HOSTNAME=</a:t>
+            </a:r>
+            <a:r>
+              <a:rPr lang="en-ID" sz="1000" b="0" dirty="0" err="1">
+                <a:solidFill>
+                  <a:srgbClr val="CE9178"/>
+                </a:solidFill>
+                <a:effectLst/>
+                <a:latin typeface="Consolas" panose="020B0609020204030204" pitchFamily="49" charset="0"/>
+              </a:rPr>
+              <a:t>host.docker.internal</a:t>
+            </a:r>
+            <a:endParaRPr lang="en-ID" sz="1000" b="0" dirty="0">
+              <a:solidFill>
+                <a:srgbClr val="CCCCCC"/>
+              </a:solidFill>
+              <a:effectLst/>
+              <a:latin typeface="Consolas" panose="020B0609020204030204" pitchFamily="49" charset="0"/>
+            </a:endParaRPr>
+          </a:p>
+          <a:p>
+            <a:pPr>
+              <a:lnSpc>
+                <a:spcPts val="1425"/>
+              </a:lnSpc>
+            </a:pPr>
+            <a:r>
+              <a:rPr lang="en-ID" sz="1000" b="0" dirty="0">
+                <a:solidFill>
+                  <a:srgbClr val="CCCCCC"/>
+                </a:solidFill>
+                <a:effectLst/>
+                <a:latin typeface="Consolas" panose="020B0609020204030204" pitchFamily="49" charset="0"/>
+              </a:rPr>
+              <a:t>      - </a:t>
+            </a:r>
+            <a:r>
+              <a:rPr lang="en-ID" sz="1000" b="0" dirty="0">
+                <a:solidFill>
+                  <a:srgbClr val="CE9178"/>
+                </a:solidFill>
+                <a:effectLst/>
+                <a:latin typeface="Consolas" panose="020B0609020204030204" pitchFamily="49" charset="0"/>
+              </a:rPr>
+              <a:t>KEYCLOAK_ADMIN=admin</a:t>
+            </a:r>
+            <a:endParaRPr lang="en-ID" sz="1000" b="0" dirty="0">
+              <a:solidFill>
+                <a:srgbClr val="CCCCCC"/>
+              </a:solidFill>
+              <a:effectLst/>
+              <a:latin typeface="Consolas" panose="020B0609020204030204" pitchFamily="49" charset="0"/>
+            </a:endParaRPr>
+          </a:p>
+          <a:p>
+            <a:pPr>
+              <a:lnSpc>
+                <a:spcPts val="1425"/>
+              </a:lnSpc>
+            </a:pPr>
+            <a:r>
+              <a:rPr lang="en-ID" sz="1000" b="0" dirty="0">
+                <a:solidFill>
+                  <a:srgbClr val="CCCCCC"/>
+                </a:solidFill>
+                <a:effectLst/>
+                <a:latin typeface="Consolas" panose="020B0609020204030204" pitchFamily="49" charset="0"/>
+              </a:rPr>
+              <a:t>      - </a:t>
+            </a:r>
+            <a:r>
+              <a:rPr lang="en-ID" sz="1000" b="0" dirty="0">
+                <a:solidFill>
+                  <a:srgbClr val="CE9178"/>
+                </a:solidFill>
+                <a:effectLst/>
+                <a:latin typeface="Consolas" panose="020B0609020204030204" pitchFamily="49" charset="0"/>
+              </a:rPr>
+              <a:t>KEYCLOAK_ADMIN_PASSWORD=admin</a:t>
+            </a:r>
+            <a:endParaRPr lang="en-ID" sz="1000" b="0" dirty="0">
+              <a:solidFill>
+                <a:srgbClr val="CCCCCC"/>
+              </a:solidFill>
+              <a:effectLst/>
+              <a:latin typeface="Consolas" panose="020B0609020204030204" pitchFamily="49" charset="0"/>
+            </a:endParaRPr>
+          </a:p>
+          <a:p>
+            <a:pPr>
+              <a:lnSpc>
+                <a:spcPts val="1425"/>
+              </a:lnSpc>
+            </a:pPr>
+            <a:r>
+              <a:rPr lang="en-ID" sz="1000" b="0" dirty="0">
+                <a:solidFill>
+                  <a:srgbClr val="CCCCCC"/>
+                </a:solidFill>
+                <a:effectLst/>
+                <a:latin typeface="Consolas" panose="020B0609020204030204" pitchFamily="49" charset="0"/>
+              </a:rPr>
+              <a:t>      - </a:t>
+            </a:r>
+            <a:r>
+              <a:rPr lang="en-ID" sz="1000" b="0" dirty="0">
+                <a:solidFill>
+                  <a:srgbClr val="CE9178"/>
+                </a:solidFill>
+                <a:effectLst/>
+                <a:latin typeface="Consolas" panose="020B0609020204030204" pitchFamily="49" charset="0"/>
+              </a:rPr>
+              <a:t>TZ=Asia/Jakarta</a:t>
+            </a:r>
+            <a:endParaRPr lang="en-ID" sz="1000" b="0" dirty="0">
+              <a:solidFill>
+                <a:srgbClr val="CCCCCC"/>
+              </a:solidFill>
+              <a:effectLst/>
+              <a:latin typeface="Consolas" panose="020B0609020204030204" pitchFamily="49" charset="0"/>
+            </a:endParaRPr>
+          </a:p>
+          <a:p>
+            <a:pPr>
+              <a:lnSpc>
+                <a:spcPts val="1425"/>
+              </a:lnSpc>
+            </a:pPr>
+            <a:r>
+              <a:rPr lang="en-ID" sz="1000" b="0" dirty="0">
+                <a:solidFill>
+                  <a:srgbClr val="CCCCCC"/>
+                </a:solidFill>
+                <a:effectLst/>
+                <a:latin typeface="Consolas" panose="020B0609020204030204" pitchFamily="49" charset="0"/>
+              </a:rPr>
+              <a:t>      - </a:t>
+            </a:r>
+            <a:r>
+              <a:rPr lang="en-ID" sz="1000" b="0" dirty="0">
+                <a:solidFill>
+                  <a:srgbClr val="CE9178"/>
+                </a:solidFill>
+                <a:effectLst/>
+                <a:latin typeface="Consolas" panose="020B0609020204030204" pitchFamily="49" charset="0"/>
+              </a:rPr>
+              <a:t>KC_PROXY=edge</a:t>
+            </a:r>
+            <a:r>
+              <a:rPr lang="en-ID" sz="1000" b="0" dirty="0">
+                <a:solidFill>
+                  <a:srgbClr val="CCCCCC"/>
+                </a:solidFill>
+                <a:effectLst/>
+                <a:latin typeface="Consolas" panose="020B0609020204030204" pitchFamily="49" charset="0"/>
+              </a:rPr>
+              <a:t>  </a:t>
+            </a:r>
+            <a:r>
+              <a:rPr lang="en-ID" sz="1000" b="0" dirty="0">
+                <a:solidFill>
+                  <a:srgbClr val="6A9955"/>
+                </a:solidFill>
+                <a:effectLst/>
+                <a:latin typeface="Consolas" panose="020B0609020204030204" pitchFamily="49" charset="0"/>
+              </a:rPr>
+              <a:t># </a:t>
+            </a:r>
+            <a:r>
+              <a:rPr lang="en-ID" sz="1000" b="0" dirty="0" err="1">
+                <a:solidFill>
+                  <a:srgbClr val="6A9955"/>
+                </a:solidFill>
+                <a:effectLst/>
+                <a:latin typeface="Consolas" panose="020B0609020204030204" pitchFamily="49" charset="0"/>
+              </a:rPr>
+              <a:t>Wajib</a:t>
+            </a:r>
+            <a:r>
+              <a:rPr lang="en-ID" sz="1000" b="0" dirty="0">
+                <a:solidFill>
+                  <a:srgbClr val="6A9955"/>
+                </a:solidFill>
+                <a:effectLst/>
+                <a:latin typeface="Consolas" panose="020B0609020204030204" pitchFamily="49" charset="0"/>
+              </a:rPr>
+              <a:t> </a:t>
+            </a:r>
+            <a:r>
+              <a:rPr lang="en-ID" sz="1000" b="0" dirty="0" err="1">
+                <a:solidFill>
+                  <a:srgbClr val="6A9955"/>
+                </a:solidFill>
+                <a:effectLst/>
+                <a:latin typeface="Consolas" panose="020B0609020204030204" pitchFamily="49" charset="0"/>
+              </a:rPr>
+              <a:t>untuk</a:t>
+            </a:r>
+            <a:r>
+              <a:rPr lang="en-ID" sz="1000" b="0" dirty="0">
+                <a:solidFill>
+                  <a:srgbClr val="6A9955"/>
+                </a:solidFill>
+                <a:effectLst/>
+                <a:latin typeface="Consolas" panose="020B0609020204030204" pitchFamily="49" charset="0"/>
+              </a:rPr>
+              <a:t> reverse proxy</a:t>
+            </a:r>
+            <a:endParaRPr lang="en-ID" sz="1000" b="0" dirty="0">
+              <a:solidFill>
+                <a:srgbClr val="CCCCCC"/>
+              </a:solidFill>
+              <a:effectLst/>
+              <a:latin typeface="Consolas" panose="020B0609020204030204" pitchFamily="49" charset="0"/>
+            </a:endParaRPr>
+          </a:p>
+          <a:p>
+            <a:pPr>
+              <a:lnSpc>
+                <a:spcPts val="1425"/>
+              </a:lnSpc>
+            </a:pPr>
+            <a:r>
+              <a:rPr lang="en-ID" sz="1000" b="0" dirty="0">
+                <a:solidFill>
+                  <a:srgbClr val="CCCCCC"/>
+                </a:solidFill>
+                <a:effectLst/>
+                <a:latin typeface="Consolas" panose="020B0609020204030204" pitchFamily="49" charset="0"/>
+              </a:rPr>
+              <a:t>      - </a:t>
+            </a:r>
+            <a:r>
+              <a:rPr lang="en-ID" sz="1000" b="0" dirty="0">
+                <a:solidFill>
+                  <a:srgbClr val="CE9178"/>
+                </a:solidFill>
+                <a:effectLst/>
+                <a:latin typeface="Consolas" panose="020B0609020204030204" pitchFamily="49" charset="0"/>
+              </a:rPr>
+              <a:t>PROXY_ADDRESS_FORWARDING=true</a:t>
+            </a:r>
+            <a:endParaRPr lang="en-ID" sz="1000" b="0" dirty="0">
+              <a:solidFill>
+                <a:srgbClr val="CCCCCC"/>
+              </a:solidFill>
+              <a:effectLst/>
+              <a:latin typeface="Consolas" panose="020B0609020204030204" pitchFamily="49" charset="0"/>
+            </a:endParaRPr>
+          </a:p>
+          <a:p>
+            <a:pPr>
+              <a:lnSpc>
+                <a:spcPts val="1425"/>
+              </a:lnSpc>
+            </a:pPr>
+            <a:r>
+              <a:rPr lang="en-ID" sz="1000" b="0" dirty="0">
+                <a:solidFill>
+                  <a:srgbClr val="CCCCCC"/>
+                </a:solidFill>
+                <a:effectLst/>
+                <a:latin typeface="Consolas" panose="020B0609020204030204" pitchFamily="49" charset="0"/>
+              </a:rPr>
+              <a:t>    </a:t>
+            </a:r>
+            <a:r>
+              <a:rPr lang="en-ID" sz="1000" b="0" dirty="0">
+                <a:solidFill>
+                  <a:srgbClr val="569CD6"/>
+                </a:solidFill>
+                <a:effectLst/>
+                <a:latin typeface="Consolas" panose="020B0609020204030204" pitchFamily="49" charset="0"/>
+              </a:rPr>
+              <a:t>ports</a:t>
+            </a:r>
+            <a:r>
+              <a:rPr lang="en-ID" sz="1000" b="0" dirty="0">
+                <a:solidFill>
+                  <a:srgbClr val="CCCCCC"/>
+                </a:solidFill>
+                <a:effectLst/>
+                <a:latin typeface="Consolas" panose="020B0609020204030204" pitchFamily="49" charset="0"/>
+              </a:rPr>
+              <a:t>:</a:t>
+            </a:r>
+          </a:p>
+          <a:p>
+            <a:pPr>
+              <a:lnSpc>
+                <a:spcPts val="1425"/>
+              </a:lnSpc>
+            </a:pPr>
+            <a:r>
+              <a:rPr lang="en-ID" sz="1000" b="0" dirty="0">
+                <a:solidFill>
+                  <a:srgbClr val="CCCCCC"/>
+                </a:solidFill>
+                <a:effectLst/>
+                <a:latin typeface="Consolas" panose="020B0609020204030204" pitchFamily="49" charset="0"/>
+              </a:rPr>
+              <a:t>      - </a:t>
+            </a:r>
+            <a:r>
+              <a:rPr lang="en-ID" sz="1000" b="0" dirty="0">
+                <a:solidFill>
+                  <a:srgbClr val="CE9178"/>
+                </a:solidFill>
+                <a:effectLst/>
+                <a:latin typeface="Consolas" panose="020B0609020204030204" pitchFamily="49" charset="0"/>
+              </a:rPr>
+              <a:t>"8080:8080"</a:t>
+            </a:r>
+            <a:endParaRPr lang="en-ID" sz="1000" b="0" dirty="0">
+              <a:solidFill>
+                <a:srgbClr val="CCCCCC"/>
+              </a:solidFill>
+              <a:effectLst/>
+              <a:latin typeface="Consolas" panose="020B0609020204030204" pitchFamily="49" charset="0"/>
+            </a:endParaRPr>
+          </a:p>
+          <a:p>
+            <a:pPr>
+              <a:lnSpc>
+                <a:spcPts val="1425"/>
+              </a:lnSpc>
+            </a:pPr>
+            <a:r>
+              <a:rPr lang="en-ID" sz="1000" b="0" dirty="0">
+                <a:solidFill>
+                  <a:srgbClr val="CCCCCC"/>
+                </a:solidFill>
+                <a:effectLst/>
+                <a:latin typeface="Consolas" panose="020B0609020204030204" pitchFamily="49" charset="0"/>
+              </a:rPr>
+              <a:t>    </a:t>
+            </a:r>
+            <a:r>
+              <a:rPr lang="en-ID" sz="1000" b="0" dirty="0" err="1">
+                <a:solidFill>
+                  <a:srgbClr val="569CD6"/>
+                </a:solidFill>
+                <a:effectLst/>
+                <a:latin typeface="Consolas" panose="020B0609020204030204" pitchFamily="49" charset="0"/>
+              </a:rPr>
+              <a:t>depends_on</a:t>
+            </a:r>
+            <a:r>
+              <a:rPr lang="en-ID" sz="1000" b="0" dirty="0">
+                <a:solidFill>
+                  <a:srgbClr val="CCCCCC"/>
+                </a:solidFill>
+                <a:effectLst/>
+                <a:latin typeface="Consolas" panose="020B0609020204030204" pitchFamily="49" charset="0"/>
+              </a:rPr>
+              <a:t>:</a:t>
+            </a:r>
+          </a:p>
+          <a:p>
+            <a:pPr>
+              <a:lnSpc>
+                <a:spcPts val="1425"/>
+              </a:lnSpc>
+            </a:pPr>
+            <a:r>
+              <a:rPr lang="en-ID" sz="1000" b="0" dirty="0">
+                <a:solidFill>
+                  <a:srgbClr val="CCCCCC"/>
+                </a:solidFill>
+                <a:effectLst/>
+                <a:latin typeface="Consolas" panose="020B0609020204030204" pitchFamily="49" charset="0"/>
+              </a:rPr>
+              <a:t>      - </a:t>
+            </a:r>
+            <a:r>
+              <a:rPr lang="en-ID" sz="1000" b="0" dirty="0" err="1">
+                <a:solidFill>
+                  <a:srgbClr val="CE9178"/>
+                </a:solidFill>
+                <a:effectLst/>
+                <a:latin typeface="Consolas" panose="020B0609020204030204" pitchFamily="49" charset="0"/>
+              </a:rPr>
+              <a:t>db</a:t>
+            </a:r>
+            <a:endParaRPr lang="en-ID" sz="1000" b="0" dirty="0">
+              <a:solidFill>
+                <a:srgbClr val="CCCCCC"/>
+              </a:solidFill>
+              <a:effectLst/>
+              <a:latin typeface="Consolas" panose="020B0609020204030204" pitchFamily="49" charset="0"/>
+            </a:endParaRPr>
+          </a:p>
+          <a:p>
+            <a:pPr>
+              <a:lnSpc>
+                <a:spcPts val="1425"/>
+              </a:lnSpc>
+            </a:pPr>
+            <a:r>
+              <a:rPr lang="en-ID" sz="1000" b="0" dirty="0">
+                <a:solidFill>
+                  <a:srgbClr val="CCCCCC"/>
+                </a:solidFill>
+                <a:effectLst/>
+                <a:latin typeface="Consolas" panose="020B0609020204030204" pitchFamily="49" charset="0"/>
+              </a:rPr>
+              <a:t>    </a:t>
+            </a:r>
+            <a:r>
+              <a:rPr lang="en-ID" sz="1000" b="0" dirty="0">
+                <a:solidFill>
+                  <a:srgbClr val="569CD6"/>
+                </a:solidFill>
+                <a:effectLst/>
+                <a:latin typeface="Consolas" panose="020B0609020204030204" pitchFamily="49" charset="0"/>
+              </a:rPr>
+              <a:t>command</a:t>
+            </a:r>
+            <a:r>
+              <a:rPr lang="en-ID" sz="1000" b="0" dirty="0">
+                <a:solidFill>
+                  <a:srgbClr val="CCCCCC"/>
+                </a:solidFill>
+                <a:effectLst/>
+                <a:latin typeface="Consolas" panose="020B0609020204030204" pitchFamily="49" charset="0"/>
+              </a:rPr>
+              <a:t>: </a:t>
+            </a:r>
+            <a:r>
+              <a:rPr lang="en-ID" sz="1000" b="0" dirty="0">
+                <a:solidFill>
+                  <a:srgbClr val="CE9178"/>
+                </a:solidFill>
+                <a:effectLst/>
+                <a:latin typeface="Consolas" panose="020B0609020204030204" pitchFamily="49" charset="0"/>
+              </a:rPr>
+              <a:t>start --http-enabled=true --hostname-strict=false --hostname </a:t>
+            </a:r>
+            <a:r>
+              <a:rPr lang="en-ID" sz="1000" b="0" dirty="0" err="1">
+                <a:solidFill>
+                  <a:srgbClr val="CE9178"/>
+                </a:solidFill>
+                <a:effectLst/>
+                <a:latin typeface="Consolas" panose="020B0609020204030204" pitchFamily="49" charset="0"/>
+              </a:rPr>
+              <a:t>host.docker.internal</a:t>
+            </a:r>
+            <a:endParaRPr lang="en-ID" sz="1000" b="0" dirty="0">
+              <a:solidFill>
+                <a:srgbClr val="CCCCCC"/>
+              </a:solidFill>
+              <a:effectLst/>
+              <a:latin typeface="Consolas" panose="020B0609020204030204" pitchFamily="49" charset="0"/>
+            </a:endParaRPr>
+          </a:p>
+        </p:txBody>
+      </p:sp>
+    </p:spTree>
+    <p:extLst>
+      <p:ext uri="{BB962C8B-B14F-4D97-AF65-F5344CB8AC3E}">
+        <p14:creationId xmlns:p14="http://schemas.microsoft.com/office/powerpoint/2010/main" val="1088543410"/>
+      </p:ext>
+    </p:extLst>
+  </p:cSld>
+  <p:clrMapOvr>
+    <a:masterClrMapping/>
+  </p:clrMapOvr>
+</p:sld>
+</file>
+
 <file path=ppt/slides/slide3.xml><?xml version="1.0" encoding="utf-8"?>
 <p:sld xmlns:a="http://schemas.openxmlformats.org/drawingml/2006/main" xmlns:r="http://schemas.openxmlformats.org/officeDocument/2006/relationships" xmlns:p="http://schemas.openxmlformats.org/presentationml/2006/main">
   <p:cSld>
@@ -24093,6 +25654,3410 @@
     <p:extLst>
       <p:ext uri="{BB962C8B-B14F-4D97-AF65-F5344CB8AC3E}">
         <p14:creationId xmlns:p14="http://schemas.microsoft.com/office/powerpoint/2010/main" val="575603796"/>
+      </p:ext>
+    </p:extLst>
+  </p:cSld>
+  <p:clrMapOvr>
+    <a:masterClrMapping/>
+  </p:clrMapOvr>
+</p:sld>
+</file>
+
+<file path=ppt/slides/slide30.xml><?xml version="1.0" encoding="utf-8"?>
+<p:sld xmlns:a="http://schemas.openxmlformats.org/drawingml/2006/main" xmlns:r="http://schemas.openxmlformats.org/officeDocument/2006/relationships" xmlns:p="http://schemas.openxmlformats.org/presentationml/2006/main">
+  <p:cSld>
+    <p:spTree>
+      <p:nvGrpSpPr>
+        <p:cNvPr id="1" name="">
+          <a:extLst>
+            <a:ext uri="{FF2B5EF4-FFF2-40B4-BE49-F238E27FC236}">
+              <a16:creationId xmlns:a16="http://schemas.microsoft.com/office/drawing/2014/main" id="{74A89764-8D3A-045F-3B8F-296A93D525D4}"/>
+            </a:ext>
+          </a:extLst>
+        </p:cNvPr>
+        <p:cNvGrpSpPr/>
+        <p:nvPr/>
+      </p:nvGrpSpPr>
+      <p:grpSpPr>
+        <a:xfrm>
+          <a:off x="0" y="0"/>
+          <a:ext cx="0" cy="0"/>
+          <a:chOff x="0" y="0"/>
+          <a:chExt cx="0" cy="0"/>
+        </a:xfrm>
+      </p:grpSpPr>
+      <p:sp>
+        <p:nvSpPr>
+          <p:cNvPr id="2" name="Title 1">
+            <a:extLst>
+              <a:ext uri="{FF2B5EF4-FFF2-40B4-BE49-F238E27FC236}">
+                <a16:creationId xmlns:a16="http://schemas.microsoft.com/office/drawing/2014/main" id="{C19ED79A-9162-6EB9-17A9-78888735BB32}"/>
+              </a:ext>
+            </a:extLst>
+          </p:cNvPr>
+          <p:cNvSpPr>
+            <a:spLocks noGrp="1"/>
+          </p:cNvSpPr>
+          <p:nvPr>
+            <p:ph type="title"/>
+          </p:nvPr>
+        </p:nvSpPr>
+        <p:spPr/>
+        <p:txBody>
+          <a:bodyPr/>
+          <a:lstStyle/>
+          <a:p>
+            <a:r>
+              <a:rPr lang="en-US" dirty="0" err="1"/>
+              <a:t>Dockerfile</a:t>
+            </a:r>
+            <a:r>
+              <a:rPr lang="en-US" dirty="0"/>
+              <a:t> service </a:t>
+            </a:r>
+            <a:r>
+              <a:rPr lang="en-US" dirty="0" err="1"/>
+              <a:t>keycloak</a:t>
+            </a:r>
+            <a:endParaRPr lang="en-ID" dirty="0"/>
+          </a:p>
+        </p:txBody>
+      </p:sp>
+      <p:sp>
+        <p:nvSpPr>
+          <p:cNvPr id="7" name="TextBox 6">
+            <a:extLst>
+              <a:ext uri="{FF2B5EF4-FFF2-40B4-BE49-F238E27FC236}">
+                <a16:creationId xmlns:a16="http://schemas.microsoft.com/office/drawing/2014/main" id="{8A2CB96E-9BD5-3AAE-B8A1-CC6B676CA76D}"/>
+              </a:ext>
+            </a:extLst>
+          </p:cNvPr>
+          <p:cNvSpPr txBox="1"/>
+          <p:nvPr/>
+        </p:nvSpPr>
+        <p:spPr>
+          <a:xfrm>
+            <a:off x="1080655" y="2013743"/>
+            <a:ext cx="8081818" cy="2234843"/>
+          </a:xfrm>
+          <a:prstGeom prst="rect">
+            <a:avLst/>
+          </a:prstGeom>
+          <a:noFill/>
+        </p:spPr>
+        <p:txBody>
+          <a:bodyPr wrap="square">
+            <a:spAutoFit/>
+          </a:bodyPr>
+          <a:lstStyle/>
+          <a:p>
+            <a:pPr>
+              <a:lnSpc>
+                <a:spcPts val="1425"/>
+              </a:lnSpc>
+            </a:pPr>
+            <a:r>
+              <a:rPr lang="en-ID" sz="1000" b="0" dirty="0">
+                <a:solidFill>
+                  <a:srgbClr val="569CD6"/>
+                </a:solidFill>
+                <a:effectLst/>
+                <a:latin typeface="Consolas" panose="020B0609020204030204" pitchFamily="49" charset="0"/>
+              </a:rPr>
+              <a:t>FROM</a:t>
+            </a:r>
+            <a:r>
+              <a:rPr lang="en-ID" sz="1000" b="0" dirty="0">
+                <a:solidFill>
+                  <a:srgbClr val="CCCCCC"/>
+                </a:solidFill>
+                <a:effectLst/>
+                <a:latin typeface="Consolas" panose="020B0609020204030204" pitchFamily="49" charset="0"/>
+              </a:rPr>
+              <a:t> quay.io/</a:t>
+            </a:r>
+            <a:r>
+              <a:rPr lang="en-ID" sz="1000" b="0" dirty="0" err="1">
+                <a:solidFill>
+                  <a:srgbClr val="CCCCCC"/>
+                </a:solidFill>
+                <a:effectLst/>
+                <a:latin typeface="Consolas" panose="020B0609020204030204" pitchFamily="49" charset="0"/>
+              </a:rPr>
+              <a:t>keycloak</a:t>
+            </a:r>
+            <a:r>
+              <a:rPr lang="en-ID" sz="1000" b="0" dirty="0">
+                <a:solidFill>
+                  <a:srgbClr val="CCCCCC"/>
+                </a:solidFill>
+                <a:effectLst/>
+                <a:latin typeface="Consolas" panose="020B0609020204030204" pitchFamily="49" charset="0"/>
+              </a:rPr>
+              <a:t>/keycloak:23.0.5 </a:t>
+            </a:r>
+            <a:r>
+              <a:rPr lang="en-ID" sz="1000" b="0" dirty="0">
+                <a:solidFill>
+                  <a:srgbClr val="569CD6"/>
+                </a:solidFill>
+                <a:effectLst/>
+                <a:latin typeface="Consolas" panose="020B0609020204030204" pitchFamily="49" charset="0"/>
+              </a:rPr>
+              <a:t>AS</a:t>
+            </a:r>
+            <a:r>
+              <a:rPr lang="en-ID" sz="1000" b="0" dirty="0">
+                <a:solidFill>
+                  <a:srgbClr val="CCCCCC"/>
+                </a:solidFill>
+                <a:effectLst/>
+                <a:latin typeface="Consolas" panose="020B0609020204030204" pitchFamily="49" charset="0"/>
+              </a:rPr>
+              <a:t> builder</a:t>
+            </a:r>
+          </a:p>
+          <a:p>
+            <a:pPr>
+              <a:lnSpc>
+                <a:spcPts val="1425"/>
+              </a:lnSpc>
+            </a:pPr>
+            <a:br>
+              <a:rPr lang="en-ID" sz="1000" b="0" dirty="0">
+                <a:solidFill>
+                  <a:srgbClr val="CCCCCC"/>
+                </a:solidFill>
+                <a:effectLst/>
+                <a:latin typeface="Consolas" panose="020B0609020204030204" pitchFamily="49" charset="0"/>
+              </a:rPr>
+            </a:br>
+            <a:r>
+              <a:rPr lang="en-ID" sz="1000" b="0" dirty="0">
+                <a:solidFill>
+                  <a:srgbClr val="6A9955"/>
+                </a:solidFill>
+                <a:effectLst/>
+                <a:latin typeface="Consolas" panose="020B0609020204030204" pitchFamily="49" charset="0"/>
+              </a:rPr>
+              <a:t># Enable health and metrics support</a:t>
+            </a:r>
+            <a:endParaRPr lang="en-ID" sz="1000" b="0" dirty="0">
+              <a:solidFill>
+                <a:srgbClr val="CCCCCC"/>
+              </a:solidFill>
+              <a:effectLst/>
+              <a:latin typeface="Consolas" panose="020B0609020204030204" pitchFamily="49" charset="0"/>
+            </a:endParaRPr>
+          </a:p>
+          <a:p>
+            <a:pPr>
+              <a:lnSpc>
+                <a:spcPts val="1425"/>
+              </a:lnSpc>
+            </a:pPr>
+            <a:r>
+              <a:rPr lang="en-ID" sz="1000" b="0" dirty="0">
+                <a:solidFill>
+                  <a:srgbClr val="569CD6"/>
+                </a:solidFill>
+                <a:effectLst/>
+                <a:latin typeface="Consolas" panose="020B0609020204030204" pitchFamily="49" charset="0"/>
+              </a:rPr>
+              <a:t>ENV</a:t>
+            </a:r>
+            <a:r>
+              <a:rPr lang="en-ID" sz="1000" b="0" dirty="0">
+                <a:solidFill>
+                  <a:srgbClr val="CCCCCC"/>
+                </a:solidFill>
+                <a:effectLst/>
+                <a:latin typeface="Consolas" panose="020B0609020204030204" pitchFamily="49" charset="0"/>
+              </a:rPr>
+              <a:t> KC_HEALTH_ENABLED=true</a:t>
+            </a:r>
+          </a:p>
+          <a:p>
+            <a:pPr>
+              <a:lnSpc>
+                <a:spcPts val="1425"/>
+              </a:lnSpc>
+            </a:pPr>
+            <a:r>
+              <a:rPr lang="en-ID" sz="1000" b="0" dirty="0">
+                <a:solidFill>
+                  <a:srgbClr val="569CD6"/>
+                </a:solidFill>
+                <a:effectLst/>
+                <a:latin typeface="Consolas" panose="020B0609020204030204" pitchFamily="49" charset="0"/>
+              </a:rPr>
+              <a:t>ENV</a:t>
+            </a:r>
+            <a:r>
+              <a:rPr lang="en-ID" sz="1000" b="0" dirty="0">
+                <a:solidFill>
+                  <a:srgbClr val="CCCCCC"/>
+                </a:solidFill>
+                <a:effectLst/>
+                <a:latin typeface="Consolas" panose="020B0609020204030204" pitchFamily="49" charset="0"/>
+              </a:rPr>
+              <a:t> KC_METRICS_ENABLED=true</a:t>
+            </a:r>
+          </a:p>
+          <a:p>
+            <a:pPr>
+              <a:lnSpc>
+                <a:spcPts val="1425"/>
+              </a:lnSpc>
+            </a:pPr>
+            <a:br>
+              <a:rPr lang="en-ID" sz="1000" b="0" dirty="0">
+                <a:solidFill>
+                  <a:srgbClr val="CCCCCC"/>
+                </a:solidFill>
+                <a:effectLst/>
+                <a:latin typeface="Consolas" panose="020B0609020204030204" pitchFamily="49" charset="0"/>
+              </a:rPr>
+            </a:br>
+            <a:r>
+              <a:rPr lang="en-ID" sz="1000" b="0" dirty="0">
+                <a:solidFill>
+                  <a:srgbClr val="569CD6"/>
+                </a:solidFill>
+                <a:effectLst/>
+                <a:latin typeface="Consolas" panose="020B0609020204030204" pitchFamily="49" charset="0"/>
+              </a:rPr>
+              <a:t>WORKDIR</a:t>
+            </a:r>
+            <a:r>
+              <a:rPr lang="en-ID" sz="1000" b="0" dirty="0">
+                <a:solidFill>
+                  <a:srgbClr val="CCCCCC"/>
+                </a:solidFill>
+                <a:effectLst/>
+                <a:latin typeface="Consolas" panose="020B0609020204030204" pitchFamily="49" charset="0"/>
+              </a:rPr>
+              <a:t> /opt/</a:t>
+            </a:r>
+            <a:r>
+              <a:rPr lang="en-ID" sz="1000" b="0" dirty="0" err="1">
+                <a:solidFill>
+                  <a:srgbClr val="CCCCCC"/>
+                </a:solidFill>
+                <a:effectLst/>
+                <a:latin typeface="Consolas" panose="020B0609020204030204" pitchFamily="49" charset="0"/>
+              </a:rPr>
+              <a:t>keycloak</a:t>
+            </a:r>
+            <a:endParaRPr lang="en-ID" sz="1000" b="0" dirty="0">
+              <a:solidFill>
+                <a:srgbClr val="CCCCCC"/>
+              </a:solidFill>
+              <a:effectLst/>
+              <a:latin typeface="Consolas" panose="020B0609020204030204" pitchFamily="49" charset="0"/>
+            </a:endParaRPr>
+          </a:p>
+          <a:p>
+            <a:pPr>
+              <a:lnSpc>
+                <a:spcPts val="1425"/>
+              </a:lnSpc>
+            </a:pPr>
+            <a:br>
+              <a:rPr lang="en-ID" sz="1000" b="0" dirty="0">
+                <a:solidFill>
+                  <a:srgbClr val="CCCCCC"/>
+                </a:solidFill>
+                <a:effectLst/>
+                <a:latin typeface="Consolas" panose="020B0609020204030204" pitchFamily="49" charset="0"/>
+              </a:rPr>
+            </a:br>
+            <a:r>
+              <a:rPr lang="en-ID" sz="1000" b="0" dirty="0">
+                <a:solidFill>
+                  <a:srgbClr val="569CD6"/>
+                </a:solidFill>
+                <a:effectLst/>
+                <a:latin typeface="Consolas" panose="020B0609020204030204" pitchFamily="49" charset="0"/>
+              </a:rPr>
+              <a:t>FROM</a:t>
+            </a:r>
+            <a:r>
+              <a:rPr lang="en-ID" sz="1000" b="0" dirty="0">
+                <a:solidFill>
+                  <a:srgbClr val="CCCCCC"/>
+                </a:solidFill>
+                <a:effectLst/>
+                <a:latin typeface="Consolas" panose="020B0609020204030204" pitchFamily="49" charset="0"/>
+              </a:rPr>
+              <a:t> quay.io/</a:t>
+            </a:r>
+            <a:r>
+              <a:rPr lang="en-ID" sz="1000" b="0" dirty="0" err="1">
+                <a:solidFill>
+                  <a:srgbClr val="CCCCCC"/>
+                </a:solidFill>
+                <a:effectLst/>
+                <a:latin typeface="Consolas" panose="020B0609020204030204" pitchFamily="49" charset="0"/>
+              </a:rPr>
+              <a:t>keycloak</a:t>
+            </a:r>
+            <a:r>
+              <a:rPr lang="en-ID" sz="1000" b="0" dirty="0">
+                <a:solidFill>
+                  <a:srgbClr val="CCCCCC"/>
+                </a:solidFill>
+                <a:effectLst/>
+                <a:latin typeface="Consolas" panose="020B0609020204030204" pitchFamily="49" charset="0"/>
+              </a:rPr>
+              <a:t>/keycloak:23.0.5</a:t>
+            </a:r>
+          </a:p>
+          <a:p>
+            <a:pPr>
+              <a:lnSpc>
+                <a:spcPts val="1425"/>
+              </a:lnSpc>
+            </a:pPr>
+            <a:r>
+              <a:rPr lang="en-ID" sz="1000" b="0" dirty="0">
+                <a:solidFill>
+                  <a:srgbClr val="569CD6"/>
+                </a:solidFill>
+                <a:effectLst/>
+                <a:latin typeface="Consolas" panose="020B0609020204030204" pitchFamily="49" charset="0"/>
+              </a:rPr>
+              <a:t>COPY</a:t>
+            </a:r>
+            <a:r>
+              <a:rPr lang="en-ID" sz="1000" b="0" dirty="0">
+                <a:solidFill>
+                  <a:srgbClr val="CCCCCC"/>
+                </a:solidFill>
+                <a:effectLst/>
+                <a:latin typeface="Consolas" panose="020B0609020204030204" pitchFamily="49" charset="0"/>
+              </a:rPr>
+              <a:t> --from=builder /opt/</a:t>
+            </a:r>
+            <a:r>
+              <a:rPr lang="en-ID" sz="1000" b="0" dirty="0" err="1">
+                <a:solidFill>
+                  <a:srgbClr val="CCCCCC"/>
+                </a:solidFill>
+                <a:effectLst/>
+                <a:latin typeface="Consolas" panose="020B0609020204030204" pitchFamily="49" charset="0"/>
+              </a:rPr>
+              <a:t>keycloak</a:t>
+            </a:r>
+            <a:r>
+              <a:rPr lang="en-ID" sz="1000" b="0" dirty="0">
+                <a:solidFill>
+                  <a:srgbClr val="CCCCCC"/>
+                </a:solidFill>
+                <a:effectLst/>
+                <a:latin typeface="Consolas" panose="020B0609020204030204" pitchFamily="49" charset="0"/>
+              </a:rPr>
+              <a:t>/ /opt/</a:t>
+            </a:r>
+            <a:r>
+              <a:rPr lang="en-ID" sz="1000" b="0" dirty="0" err="1">
+                <a:solidFill>
+                  <a:srgbClr val="CCCCCC"/>
+                </a:solidFill>
+                <a:effectLst/>
+                <a:latin typeface="Consolas" panose="020B0609020204030204" pitchFamily="49" charset="0"/>
+              </a:rPr>
+              <a:t>keycloak</a:t>
+            </a:r>
+            <a:r>
+              <a:rPr lang="en-ID" sz="1000" b="0" dirty="0">
+                <a:solidFill>
+                  <a:srgbClr val="CCCCCC"/>
+                </a:solidFill>
+                <a:effectLst/>
+                <a:latin typeface="Consolas" panose="020B0609020204030204" pitchFamily="49" charset="0"/>
+              </a:rPr>
+              <a:t>/</a:t>
+            </a:r>
+          </a:p>
+          <a:p>
+            <a:pPr>
+              <a:lnSpc>
+                <a:spcPts val="1425"/>
+              </a:lnSpc>
+            </a:pPr>
+            <a:br>
+              <a:rPr lang="en-ID" sz="1000" b="0" dirty="0">
+                <a:solidFill>
+                  <a:srgbClr val="CCCCCC"/>
+                </a:solidFill>
+                <a:effectLst/>
+                <a:latin typeface="Consolas" panose="020B0609020204030204" pitchFamily="49" charset="0"/>
+              </a:rPr>
+            </a:br>
+            <a:endParaRPr lang="en-ID" sz="1000" b="0" dirty="0">
+              <a:solidFill>
+                <a:srgbClr val="CCCCCC"/>
+              </a:solidFill>
+              <a:effectLst/>
+              <a:latin typeface="Consolas" panose="020B0609020204030204" pitchFamily="49" charset="0"/>
+            </a:endParaRPr>
+          </a:p>
+        </p:txBody>
+      </p:sp>
+    </p:spTree>
+    <p:extLst>
+      <p:ext uri="{BB962C8B-B14F-4D97-AF65-F5344CB8AC3E}">
+        <p14:creationId xmlns:p14="http://schemas.microsoft.com/office/powerpoint/2010/main" val="1934581073"/>
+      </p:ext>
+    </p:extLst>
+  </p:cSld>
+  <p:clrMapOvr>
+    <a:masterClrMapping/>
+  </p:clrMapOvr>
+</p:sld>
+</file>
+
+<file path=ppt/slides/slide31.xml><?xml version="1.0" encoding="utf-8"?>
+<p:sld xmlns:a="http://schemas.openxmlformats.org/drawingml/2006/main" xmlns:r="http://schemas.openxmlformats.org/officeDocument/2006/relationships" xmlns:p="http://schemas.openxmlformats.org/presentationml/2006/main">
+  <p:cSld>
+    <p:spTree>
+      <p:nvGrpSpPr>
+        <p:cNvPr id="1" name="">
+          <a:extLst>
+            <a:ext uri="{FF2B5EF4-FFF2-40B4-BE49-F238E27FC236}">
+              <a16:creationId xmlns:a16="http://schemas.microsoft.com/office/drawing/2014/main" id="{043FB324-4C76-6B86-CD7A-6E36CDC549DA}"/>
+            </a:ext>
+          </a:extLst>
+        </p:cNvPr>
+        <p:cNvGrpSpPr/>
+        <p:nvPr/>
+      </p:nvGrpSpPr>
+      <p:grpSpPr>
+        <a:xfrm>
+          <a:off x="0" y="0"/>
+          <a:ext cx="0" cy="0"/>
+          <a:chOff x="0" y="0"/>
+          <a:chExt cx="0" cy="0"/>
+        </a:xfrm>
+      </p:grpSpPr>
+      <p:sp>
+        <p:nvSpPr>
+          <p:cNvPr id="2" name="Title 1">
+            <a:extLst>
+              <a:ext uri="{FF2B5EF4-FFF2-40B4-BE49-F238E27FC236}">
+                <a16:creationId xmlns:a16="http://schemas.microsoft.com/office/drawing/2014/main" id="{846FB7E7-E852-B5B1-A761-8EABB397570E}"/>
+              </a:ext>
+            </a:extLst>
+          </p:cNvPr>
+          <p:cNvSpPr>
+            <a:spLocks noGrp="1"/>
+          </p:cNvSpPr>
+          <p:nvPr>
+            <p:ph type="title"/>
+          </p:nvPr>
+        </p:nvSpPr>
+        <p:spPr/>
+        <p:txBody>
+          <a:bodyPr/>
+          <a:lstStyle/>
+          <a:p>
+            <a:r>
+              <a:rPr lang="en-US" dirty="0"/>
+              <a:t>Req Access Token</a:t>
+            </a:r>
+            <a:endParaRPr lang="en-ID" dirty="0"/>
+          </a:p>
+        </p:txBody>
+      </p:sp>
+      <p:pic>
+        <p:nvPicPr>
+          <p:cNvPr id="8" name="Picture 7">
+            <a:extLst>
+              <a:ext uri="{FF2B5EF4-FFF2-40B4-BE49-F238E27FC236}">
+                <a16:creationId xmlns:a16="http://schemas.microsoft.com/office/drawing/2014/main" id="{7CCA38E8-8A5A-0203-F291-8175D4BF0C26}"/>
+              </a:ext>
+            </a:extLst>
+          </p:cNvPr>
+          <p:cNvPicPr>
+            <a:picLocks noChangeAspect="1"/>
+          </p:cNvPicPr>
+          <p:nvPr/>
+        </p:nvPicPr>
+        <p:blipFill>
+          <a:blip r:embed="rId2"/>
+          <a:stretch>
+            <a:fillRect/>
+          </a:stretch>
+        </p:blipFill>
+        <p:spPr>
+          <a:xfrm>
+            <a:off x="701963" y="1379867"/>
+            <a:ext cx="10584873" cy="5332836"/>
+          </a:xfrm>
+          <a:prstGeom prst="rect">
+            <a:avLst/>
+          </a:prstGeom>
+        </p:spPr>
+      </p:pic>
+    </p:spTree>
+    <p:extLst>
+      <p:ext uri="{BB962C8B-B14F-4D97-AF65-F5344CB8AC3E}">
+        <p14:creationId xmlns:p14="http://schemas.microsoft.com/office/powerpoint/2010/main" val="1170241283"/>
+      </p:ext>
+    </p:extLst>
+  </p:cSld>
+  <p:clrMapOvr>
+    <a:masterClrMapping/>
+  </p:clrMapOvr>
+</p:sld>
+</file>
+
+<file path=ppt/slides/slide32.xml><?xml version="1.0" encoding="utf-8"?>
+<p:sld xmlns:a="http://schemas.openxmlformats.org/drawingml/2006/main" xmlns:r="http://schemas.openxmlformats.org/officeDocument/2006/relationships" xmlns:p="http://schemas.openxmlformats.org/presentationml/2006/main">
+  <p:cSld>
+    <p:spTree>
+      <p:nvGrpSpPr>
+        <p:cNvPr id="1" name="">
+          <a:extLst>
+            <a:ext uri="{FF2B5EF4-FFF2-40B4-BE49-F238E27FC236}">
+              <a16:creationId xmlns:a16="http://schemas.microsoft.com/office/drawing/2014/main" id="{5EAF1ECF-ABF3-8B1F-3D97-A64095F4CEA7}"/>
+            </a:ext>
+          </a:extLst>
+        </p:cNvPr>
+        <p:cNvGrpSpPr/>
+        <p:nvPr/>
+      </p:nvGrpSpPr>
+      <p:grpSpPr>
+        <a:xfrm>
+          <a:off x="0" y="0"/>
+          <a:ext cx="0" cy="0"/>
+          <a:chOff x="0" y="0"/>
+          <a:chExt cx="0" cy="0"/>
+        </a:xfrm>
+      </p:grpSpPr>
+      <p:sp>
+        <p:nvSpPr>
+          <p:cNvPr id="2" name="Title 1">
+            <a:extLst>
+              <a:ext uri="{FF2B5EF4-FFF2-40B4-BE49-F238E27FC236}">
+                <a16:creationId xmlns:a16="http://schemas.microsoft.com/office/drawing/2014/main" id="{416DB3E1-7B4B-FF54-45B6-C08066756EB6}"/>
+              </a:ext>
+            </a:extLst>
+          </p:cNvPr>
+          <p:cNvSpPr>
+            <a:spLocks noGrp="1"/>
+          </p:cNvSpPr>
+          <p:nvPr>
+            <p:ph type="title"/>
+          </p:nvPr>
+        </p:nvSpPr>
+        <p:spPr>
+          <a:xfrm>
+            <a:off x="736600" y="254289"/>
+            <a:ext cx="3161145" cy="1325563"/>
+          </a:xfrm>
+        </p:spPr>
+        <p:txBody>
+          <a:bodyPr/>
+          <a:lstStyle/>
+          <a:p>
+            <a:r>
+              <a:rPr lang="en-US" dirty="0"/>
+              <a:t>JWT Decrypt</a:t>
+            </a:r>
+            <a:endParaRPr lang="en-ID" dirty="0"/>
+          </a:p>
+        </p:txBody>
+      </p:sp>
+      <p:pic>
+        <p:nvPicPr>
+          <p:cNvPr id="7" name="Picture 6">
+            <a:extLst>
+              <a:ext uri="{FF2B5EF4-FFF2-40B4-BE49-F238E27FC236}">
+                <a16:creationId xmlns:a16="http://schemas.microsoft.com/office/drawing/2014/main" id="{F4640C0F-0174-3054-8CB3-58D118268F9C}"/>
+              </a:ext>
+            </a:extLst>
+          </p:cNvPr>
+          <p:cNvPicPr>
+            <a:picLocks noChangeAspect="1"/>
+          </p:cNvPicPr>
+          <p:nvPr/>
+        </p:nvPicPr>
+        <p:blipFill>
+          <a:blip r:embed="rId2"/>
+          <a:stretch>
+            <a:fillRect/>
+          </a:stretch>
+        </p:blipFill>
+        <p:spPr>
+          <a:xfrm>
+            <a:off x="863397" y="1366981"/>
+            <a:ext cx="5601864" cy="1896556"/>
+          </a:xfrm>
+          <a:prstGeom prst="rect">
+            <a:avLst/>
+          </a:prstGeom>
+        </p:spPr>
+      </p:pic>
+      <p:pic>
+        <p:nvPicPr>
+          <p:cNvPr id="11" name="Picture 10">
+            <a:extLst>
+              <a:ext uri="{FF2B5EF4-FFF2-40B4-BE49-F238E27FC236}">
+                <a16:creationId xmlns:a16="http://schemas.microsoft.com/office/drawing/2014/main" id="{666221A3-5CBD-1BAF-9796-B4DB9853F003}"/>
+              </a:ext>
+            </a:extLst>
+          </p:cNvPr>
+          <p:cNvPicPr>
+            <a:picLocks noChangeAspect="1"/>
+          </p:cNvPicPr>
+          <p:nvPr/>
+        </p:nvPicPr>
+        <p:blipFill>
+          <a:blip r:embed="rId3"/>
+          <a:stretch>
+            <a:fillRect/>
+          </a:stretch>
+        </p:blipFill>
+        <p:spPr>
+          <a:xfrm>
+            <a:off x="863397" y="3263537"/>
+            <a:ext cx="3829584" cy="1305107"/>
+          </a:xfrm>
+          <a:prstGeom prst="rect">
+            <a:avLst/>
+          </a:prstGeom>
+        </p:spPr>
+      </p:pic>
+      <p:pic>
+        <p:nvPicPr>
+          <p:cNvPr id="13" name="Picture 12">
+            <a:extLst>
+              <a:ext uri="{FF2B5EF4-FFF2-40B4-BE49-F238E27FC236}">
+                <a16:creationId xmlns:a16="http://schemas.microsoft.com/office/drawing/2014/main" id="{8C1AE27A-D252-C6E7-2F9B-1F3E4B110A1A}"/>
+              </a:ext>
+            </a:extLst>
+          </p:cNvPr>
+          <p:cNvPicPr>
+            <a:picLocks noChangeAspect="1"/>
+          </p:cNvPicPr>
+          <p:nvPr/>
+        </p:nvPicPr>
+        <p:blipFill>
+          <a:blip r:embed="rId4"/>
+          <a:srcRect r="43080"/>
+          <a:stretch/>
+        </p:blipFill>
+        <p:spPr>
+          <a:xfrm>
+            <a:off x="8534003" y="60139"/>
+            <a:ext cx="2921397" cy="3039425"/>
+          </a:xfrm>
+          <a:prstGeom prst="rect">
+            <a:avLst/>
+          </a:prstGeom>
+        </p:spPr>
+      </p:pic>
+      <p:pic>
+        <p:nvPicPr>
+          <p:cNvPr id="15" name="Picture 14">
+            <a:extLst>
+              <a:ext uri="{FF2B5EF4-FFF2-40B4-BE49-F238E27FC236}">
+                <a16:creationId xmlns:a16="http://schemas.microsoft.com/office/drawing/2014/main" id="{44A87B9B-CF4C-C408-E0C7-5E633E653C43}"/>
+              </a:ext>
+            </a:extLst>
+          </p:cNvPr>
+          <p:cNvPicPr>
+            <a:picLocks noChangeAspect="1"/>
+          </p:cNvPicPr>
+          <p:nvPr/>
+        </p:nvPicPr>
+        <p:blipFill>
+          <a:blip r:embed="rId5"/>
+          <a:srcRect r="60764"/>
+          <a:stretch/>
+        </p:blipFill>
+        <p:spPr>
+          <a:xfrm>
+            <a:off x="8534003" y="3315599"/>
+            <a:ext cx="2346631" cy="1876441"/>
+          </a:xfrm>
+          <a:prstGeom prst="rect">
+            <a:avLst/>
+          </a:prstGeom>
+        </p:spPr>
+      </p:pic>
+      <p:cxnSp>
+        <p:nvCxnSpPr>
+          <p:cNvPr id="17" name="Straight Arrow Connector 16">
+            <a:extLst>
+              <a:ext uri="{FF2B5EF4-FFF2-40B4-BE49-F238E27FC236}">
+                <a16:creationId xmlns:a16="http://schemas.microsoft.com/office/drawing/2014/main" id="{A27CA2E0-B8FF-DF22-BCEB-9691CDEED67F}"/>
+              </a:ext>
+            </a:extLst>
+          </p:cNvPr>
+          <p:cNvCxnSpPr/>
+          <p:nvPr/>
+        </p:nvCxnSpPr>
+        <p:spPr>
+          <a:xfrm>
+            <a:off x="6622473" y="3916090"/>
+            <a:ext cx="544945" cy="0"/>
+          </a:xfrm>
+          <a:prstGeom prst="straightConnector1">
+            <a:avLst/>
+          </a:prstGeom>
+          <a:ln>
+            <a:tailEnd type="triangle"/>
+          </a:ln>
+        </p:spPr>
+        <p:style>
+          <a:lnRef idx="2">
+            <a:schemeClr val="accent1"/>
+          </a:lnRef>
+          <a:fillRef idx="0">
+            <a:schemeClr val="accent1"/>
+          </a:fillRef>
+          <a:effectRef idx="1">
+            <a:schemeClr val="accent1"/>
+          </a:effectRef>
+          <a:fontRef idx="minor">
+            <a:schemeClr val="tx1"/>
+          </a:fontRef>
+        </p:style>
+      </p:cxnSp>
+    </p:spTree>
+    <p:extLst>
+      <p:ext uri="{BB962C8B-B14F-4D97-AF65-F5344CB8AC3E}">
+        <p14:creationId xmlns:p14="http://schemas.microsoft.com/office/powerpoint/2010/main" val="1954542408"/>
+      </p:ext>
+    </p:extLst>
+  </p:cSld>
+  <p:clrMapOvr>
+    <a:masterClrMapping/>
+  </p:clrMapOvr>
+</p:sld>
+</file>
+
+<file path=ppt/slides/slide33.xml><?xml version="1.0" encoding="utf-8"?>
+<p:sld xmlns:a="http://schemas.openxmlformats.org/drawingml/2006/main" xmlns:r="http://schemas.openxmlformats.org/officeDocument/2006/relationships" xmlns:p="http://schemas.openxmlformats.org/presentationml/2006/main">
+  <p:cSld>
+    <p:spTree>
+      <p:nvGrpSpPr>
+        <p:cNvPr id="1" name="">
+          <a:extLst>
+            <a:ext uri="{FF2B5EF4-FFF2-40B4-BE49-F238E27FC236}">
+              <a16:creationId xmlns:a16="http://schemas.microsoft.com/office/drawing/2014/main" id="{138B6003-0D18-0273-33BD-5F2C155F3273}"/>
+            </a:ext>
+          </a:extLst>
+        </p:cNvPr>
+        <p:cNvGrpSpPr/>
+        <p:nvPr/>
+      </p:nvGrpSpPr>
+      <p:grpSpPr>
+        <a:xfrm>
+          <a:off x="0" y="0"/>
+          <a:ext cx="0" cy="0"/>
+          <a:chOff x="0" y="0"/>
+          <a:chExt cx="0" cy="0"/>
+        </a:xfrm>
+      </p:grpSpPr>
+      <p:sp>
+        <p:nvSpPr>
+          <p:cNvPr id="2" name="Title 1">
+            <a:extLst>
+              <a:ext uri="{FF2B5EF4-FFF2-40B4-BE49-F238E27FC236}">
+                <a16:creationId xmlns:a16="http://schemas.microsoft.com/office/drawing/2014/main" id="{ADAA2E07-5EAD-825C-5580-49BFA83694B2}"/>
+              </a:ext>
+            </a:extLst>
+          </p:cNvPr>
+          <p:cNvSpPr>
+            <a:spLocks noGrp="1"/>
+          </p:cNvSpPr>
+          <p:nvPr>
+            <p:ph type="title"/>
+          </p:nvPr>
+        </p:nvSpPr>
+        <p:spPr>
+          <a:xfrm>
+            <a:off x="736600" y="254289"/>
+            <a:ext cx="6301509" cy="1325563"/>
+          </a:xfrm>
+        </p:spPr>
+        <p:txBody>
+          <a:bodyPr/>
+          <a:lstStyle/>
+          <a:p>
+            <a:r>
+              <a:rPr lang="en-US" dirty="0"/>
+              <a:t>Create user over </a:t>
+            </a:r>
+            <a:r>
+              <a:rPr lang="en-US" dirty="0" err="1"/>
+              <a:t>RestAPI</a:t>
+            </a:r>
+            <a:endParaRPr lang="en-ID" dirty="0"/>
+          </a:p>
+        </p:txBody>
+      </p:sp>
+      <p:pic>
+        <p:nvPicPr>
+          <p:cNvPr id="4" name="Picture 3">
+            <a:extLst>
+              <a:ext uri="{FF2B5EF4-FFF2-40B4-BE49-F238E27FC236}">
+                <a16:creationId xmlns:a16="http://schemas.microsoft.com/office/drawing/2014/main" id="{C86AB8E7-521E-2C5A-C6E1-E795F7D92750}"/>
+              </a:ext>
+            </a:extLst>
+          </p:cNvPr>
+          <p:cNvPicPr>
+            <a:picLocks noChangeAspect="1"/>
+          </p:cNvPicPr>
+          <p:nvPr/>
+        </p:nvPicPr>
+        <p:blipFill>
+          <a:blip r:embed="rId2"/>
+          <a:stretch>
+            <a:fillRect/>
+          </a:stretch>
+        </p:blipFill>
+        <p:spPr>
+          <a:xfrm>
+            <a:off x="736600" y="2105144"/>
+            <a:ext cx="3818727" cy="4024570"/>
+          </a:xfrm>
+          <a:prstGeom prst="rect">
+            <a:avLst/>
+          </a:prstGeom>
+        </p:spPr>
+      </p:pic>
+      <p:cxnSp>
+        <p:nvCxnSpPr>
+          <p:cNvPr id="6" name="Straight Arrow Connector 5">
+            <a:extLst>
+              <a:ext uri="{FF2B5EF4-FFF2-40B4-BE49-F238E27FC236}">
+                <a16:creationId xmlns:a16="http://schemas.microsoft.com/office/drawing/2014/main" id="{F5FD0AE1-8DD1-8F0B-F34D-CE00B864CBE7}"/>
+              </a:ext>
+            </a:extLst>
+          </p:cNvPr>
+          <p:cNvCxnSpPr/>
+          <p:nvPr/>
+        </p:nvCxnSpPr>
+        <p:spPr>
+          <a:xfrm flipV="1">
+            <a:off x="4145971" y="3463640"/>
+            <a:ext cx="2753591" cy="561429"/>
+          </a:xfrm>
+          <a:prstGeom prst="straightConnector1">
+            <a:avLst/>
+          </a:prstGeom>
+          <a:ln>
+            <a:tailEnd type="triangle"/>
+          </a:ln>
+        </p:spPr>
+        <p:style>
+          <a:lnRef idx="2">
+            <a:schemeClr val="accent1"/>
+          </a:lnRef>
+          <a:fillRef idx="0">
+            <a:schemeClr val="accent1"/>
+          </a:fillRef>
+          <a:effectRef idx="1">
+            <a:schemeClr val="accent1"/>
+          </a:effectRef>
+          <a:fontRef idx="minor">
+            <a:schemeClr val="tx1"/>
+          </a:fontRef>
+        </p:style>
+      </p:cxnSp>
+      <p:sp>
+        <p:nvSpPr>
+          <p:cNvPr id="8" name="TextBox 7">
+            <a:extLst>
+              <a:ext uri="{FF2B5EF4-FFF2-40B4-BE49-F238E27FC236}">
+                <a16:creationId xmlns:a16="http://schemas.microsoft.com/office/drawing/2014/main" id="{FF068388-1FC6-1135-204C-3C9CDB055C37}"/>
+              </a:ext>
+            </a:extLst>
+          </p:cNvPr>
+          <p:cNvSpPr txBox="1"/>
+          <p:nvPr/>
+        </p:nvSpPr>
+        <p:spPr>
+          <a:xfrm>
+            <a:off x="7675419" y="3168073"/>
+            <a:ext cx="3906982" cy="923330"/>
+          </a:xfrm>
+          <a:prstGeom prst="rect">
+            <a:avLst/>
+          </a:prstGeom>
+          <a:noFill/>
+        </p:spPr>
+        <p:txBody>
+          <a:bodyPr wrap="square" rtlCol="0">
+            <a:spAutoFit/>
+          </a:bodyPr>
+          <a:lstStyle/>
+          <a:p>
+            <a:r>
+              <a:rPr lang="en-US" dirty="0"/>
+              <a:t>ff11ee….it’s </a:t>
+            </a:r>
+            <a:r>
+              <a:rPr lang="en-US" b="1" dirty="0"/>
+              <a:t>SHA-1 hashed password</a:t>
+            </a:r>
+            <a:r>
+              <a:rPr lang="en-US" dirty="0"/>
+              <a:t>, but </a:t>
+            </a:r>
+            <a:r>
+              <a:rPr lang="en-US" dirty="0" err="1"/>
+              <a:t>keycloak</a:t>
+            </a:r>
+            <a:r>
+              <a:rPr lang="en-US" dirty="0"/>
+              <a:t> recognizes it as</a:t>
+            </a:r>
+            <a:r>
+              <a:rPr lang="en-US" b="1" dirty="0"/>
+              <a:t> raw password</a:t>
+            </a:r>
+            <a:endParaRPr lang="en-ID" b="1" dirty="0"/>
+          </a:p>
+        </p:txBody>
+      </p:sp>
+      <p:pic>
+        <p:nvPicPr>
+          <p:cNvPr id="10" name="Picture 9">
+            <a:extLst>
+              <a:ext uri="{FF2B5EF4-FFF2-40B4-BE49-F238E27FC236}">
+                <a16:creationId xmlns:a16="http://schemas.microsoft.com/office/drawing/2014/main" id="{8E676BF9-B91D-2C26-2EE0-2D42EFAC0BB1}"/>
+              </a:ext>
+            </a:extLst>
+          </p:cNvPr>
+          <p:cNvPicPr>
+            <a:picLocks noChangeAspect="1"/>
+          </p:cNvPicPr>
+          <p:nvPr/>
+        </p:nvPicPr>
+        <p:blipFill>
+          <a:blip r:embed="rId3"/>
+          <a:stretch>
+            <a:fillRect/>
+          </a:stretch>
+        </p:blipFill>
+        <p:spPr>
+          <a:xfrm>
+            <a:off x="7675419" y="800662"/>
+            <a:ext cx="3434215" cy="1881002"/>
+          </a:xfrm>
+          <a:prstGeom prst="rect">
+            <a:avLst/>
+          </a:prstGeom>
+        </p:spPr>
+      </p:pic>
+      <p:sp>
+        <p:nvSpPr>
+          <p:cNvPr id="14" name="TextBox 13">
+            <a:extLst>
+              <a:ext uri="{FF2B5EF4-FFF2-40B4-BE49-F238E27FC236}">
+                <a16:creationId xmlns:a16="http://schemas.microsoft.com/office/drawing/2014/main" id="{FC5766ED-D549-E72C-1E54-32A6E048C2B3}"/>
+              </a:ext>
+            </a:extLst>
+          </p:cNvPr>
+          <p:cNvSpPr txBox="1"/>
+          <p:nvPr/>
+        </p:nvSpPr>
+        <p:spPr>
+          <a:xfrm>
+            <a:off x="5781675" y="4795361"/>
+            <a:ext cx="6096000" cy="830997"/>
+          </a:xfrm>
+          <a:prstGeom prst="rect">
+            <a:avLst/>
+          </a:prstGeom>
+          <a:noFill/>
+        </p:spPr>
+        <p:txBody>
+          <a:bodyPr wrap="square">
+            <a:spAutoFit/>
+          </a:bodyPr>
+          <a:lstStyle/>
+          <a:p>
+            <a:r>
+              <a:rPr lang="en-US" sz="1200" dirty="0"/>
+              <a:t>If you're migrating from a system that uses SHA1 for password hashes, it’s better to implement a </a:t>
+            </a:r>
+            <a:r>
+              <a:rPr lang="en-US" sz="1200" b="1" dirty="0"/>
+              <a:t>password migration strategy</a:t>
+            </a:r>
+            <a:r>
+              <a:rPr lang="en-US" sz="1200" dirty="0"/>
+              <a:t>, where users are forced </a:t>
+            </a:r>
+            <a:r>
+              <a:rPr lang="en-US" sz="1200" b="1" dirty="0"/>
+              <a:t>to change their passwords on first login</a:t>
+            </a:r>
+            <a:r>
+              <a:rPr lang="en-US" sz="1200" dirty="0"/>
+              <a:t>, and then </a:t>
+            </a:r>
+            <a:r>
+              <a:rPr lang="en-US" sz="1200" dirty="0" err="1"/>
+              <a:t>Keycloak</a:t>
+            </a:r>
+            <a:r>
+              <a:rPr lang="en-US" sz="1200" dirty="0"/>
+              <a:t> can rehash them using a more secure algorithm.</a:t>
+            </a:r>
+            <a:endParaRPr lang="en-ID" sz="1200" dirty="0"/>
+          </a:p>
+        </p:txBody>
+      </p:sp>
+      <p:sp>
+        <p:nvSpPr>
+          <p:cNvPr id="18" name="TextBox 17">
+            <a:extLst>
+              <a:ext uri="{FF2B5EF4-FFF2-40B4-BE49-F238E27FC236}">
+                <a16:creationId xmlns:a16="http://schemas.microsoft.com/office/drawing/2014/main" id="{1DAE9447-4D8A-04A3-D059-C9EA89137308}"/>
+              </a:ext>
+            </a:extLst>
+          </p:cNvPr>
+          <p:cNvSpPr txBox="1"/>
+          <p:nvPr/>
+        </p:nvSpPr>
+        <p:spPr>
+          <a:xfrm>
+            <a:off x="839354" y="6129714"/>
+            <a:ext cx="6096000" cy="646331"/>
+          </a:xfrm>
+          <a:prstGeom prst="rect">
+            <a:avLst/>
+          </a:prstGeom>
+          <a:noFill/>
+        </p:spPr>
+        <p:txBody>
+          <a:bodyPr wrap="square">
+            <a:spAutoFit/>
+          </a:bodyPr>
+          <a:lstStyle/>
+          <a:p>
+            <a:r>
+              <a:rPr lang="en-ID" dirty="0"/>
+              <a:t>https://www.keycloak.org/docs-api/latest/rest-api/openapi.json</a:t>
+            </a:r>
+          </a:p>
+        </p:txBody>
+      </p:sp>
+    </p:spTree>
+    <p:extLst>
+      <p:ext uri="{BB962C8B-B14F-4D97-AF65-F5344CB8AC3E}">
+        <p14:creationId xmlns:p14="http://schemas.microsoft.com/office/powerpoint/2010/main" val="497369796"/>
+      </p:ext>
+    </p:extLst>
+  </p:cSld>
+  <p:clrMapOvr>
+    <a:masterClrMapping/>
+  </p:clrMapOvr>
+</p:sld>
+</file>
+
+<file path=ppt/slides/slide34.xml><?xml version="1.0" encoding="utf-8"?>
+<p:sld xmlns:a="http://schemas.openxmlformats.org/drawingml/2006/main" xmlns:r="http://schemas.openxmlformats.org/officeDocument/2006/relationships" xmlns:p="http://schemas.openxmlformats.org/presentationml/2006/main">
+  <p:cSld>
+    <p:spTree>
+      <p:nvGrpSpPr>
+        <p:cNvPr id="1" name=""/>
+        <p:cNvGrpSpPr/>
+        <p:nvPr/>
+      </p:nvGrpSpPr>
+      <p:grpSpPr>
+        <a:xfrm>
+          <a:off x="0" y="0"/>
+          <a:ext cx="0" cy="0"/>
+          <a:chOff x="0" y="0"/>
+          <a:chExt cx="0" cy="0"/>
+        </a:xfrm>
+      </p:grpSpPr>
+      <p:sp>
+        <p:nvSpPr>
+          <p:cNvPr id="2" name="Title 1">
+            <a:extLst>
+              <a:ext uri="{FF2B5EF4-FFF2-40B4-BE49-F238E27FC236}">
+                <a16:creationId xmlns:a16="http://schemas.microsoft.com/office/drawing/2014/main" id="{57236D1A-8522-A3B0-66D5-5A222B50C552}"/>
+              </a:ext>
+            </a:extLst>
+          </p:cNvPr>
+          <p:cNvSpPr>
+            <a:spLocks noGrp="1"/>
+          </p:cNvSpPr>
+          <p:nvPr>
+            <p:ph type="title"/>
+          </p:nvPr>
+        </p:nvSpPr>
+        <p:spPr/>
+        <p:txBody>
+          <a:bodyPr/>
+          <a:lstStyle/>
+          <a:p>
+            <a:r>
+              <a:rPr lang="en-US" dirty="0"/>
+              <a:t>Mig Strategy password (opt1) </a:t>
+            </a:r>
+            <a:br>
+              <a:rPr lang="en-US" dirty="0"/>
+            </a:br>
+            <a:r>
+              <a:rPr lang="en-US" sz="1800" dirty="0"/>
+              <a:t>(add column </a:t>
+            </a:r>
+            <a:r>
+              <a:rPr lang="en-US" sz="1800" dirty="0" err="1"/>
+              <a:t>password_bcrypt</a:t>
+            </a:r>
+            <a:r>
+              <a:rPr lang="en-US" sz="1800" dirty="0"/>
+              <a:t>)</a:t>
+            </a:r>
+            <a:endParaRPr lang="en-ID" sz="1800" dirty="0"/>
+          </a:p>
+        </p:txBody>
+      </p:sp>
+      <p:sp>
+        <p:nvSpPr>
+          <p:cNvPr id="6" name="Rectangle 5">
+            <a:extLst>
+              <a:ext uri="{FF2B5EF4-FFF2-40B4-BE49-F238E27FC236}">
+                <a16:creationId xmlns:a16="http://schemas.microsoft.com/office/drawing/2014/main" id="{DE26A047-253A-4D3B-C82D-21D098FEDA4B}"/>
+              </a:ext>
+            </a:extLst>
+          </p:cNvPr>
+          <p:cNvSpPr/>
+          <p:nvPr/>
+        </p:nvSpPr>
+        <p:spPr>
+          <a:xfrm>
+            <a:off x="4057650" y="2133600"/>
+            <a:ext cx="1343025" cy="1047750"/>
+          </a:xfrm>
+          <a:prstGeom prst="rect">
+            <a:avLst/>
+          </a:prstGeom>
+        </p:spPr>
+        <p:style>
+          <a:lnRef idx="2">
+            <a:schemeClr val="accent1">
+              <a:shade val="15000"/>
+            </a:schemeClr>
+          </a:lnRef>
+          <a:fillRef idx="1">
+            <a:schemeClr val="accent1"/>
+          </a:fillRef>
+          <a:effectRef idx="0">
+            <a:schemeClr val="accent1"/>
+          </a:effectRef>
+          <a:fontRef idx="minor">
+            <a:schemeClr val="lt1"/>
+          </a:fontRef>
+        </p:style>
+        <p:txBody>
+          <a:bodyPr rtlCol="0" anchor="ctr"/>
+          <a:lstStyle/>
+          <a:p>
+            <a:pPr algn="ctr"/>
+            <a:r>
+              <a:rPr lang="en-US" dirty="0"/>
+              <a:t>As-is  SSO</a:t>
+            </a:r>
+            <a:endParaRPr lang="en-ID" dirty="0"/>
+          </a:p>
+        </p:txBody>
+      </p:sp>
+      <p:sp>
+        <p:nvSpPr>
+          <p:cNvPr id="7" name="Rectangle 6">
+            <a:extLst>
+              <a:ext uri="{FF2B5EF4-FFF2-40B4-BE49-F238E27FC236}">
+                <a16:creationId xmlns:a16="http://schemas.microsoft.com/office/drawing/2014/main" id="{ADC8B012-D0B7-32F7-650F-04172B2779FC}"/>
+              </a:ext>
+            </a:extLst>
+          </p:cNvPr>
+          <p:cNvSpPr/>
+          <p:nvPr/>
+        </p:nvSpPr>
+        <p:spPr>
+          <a:xfrm>
+            <a:off x="838200" y="3209925"/>
+            <a:ext cx="1266825" cy="828675"/>
+          </a:xfrm>
+          <a:prstGeom prst="rect">
+            <a:avLst/>
+          </a:prstGeom>
+        </p:spPr>
+        <p:style>
+          <a:lnRef idx="2">
+            <a:schemeClr val="accent2">
+              <a:shade val="15000"/>
+            </a:schemeClr>
+          </a:lnRef>
+          <a:fillRef idx="1">
+            <a:schemeClr val="accent2"/>
+          </a:fillRef>
+          <a:effectRef idx="0">
+            <a:schemeClr val="accent2"/>
+          </a:effectRef>
+          <a:fontRef idx="minor">
+            <a:schemeClr val="lt1"/>
+          </a:fontRef>
+        </p:style>
+        <p:txBody>
+          <a:bodyPr rtlCol="0" anchor="ctr"/>
+          <a:lstStyle/>
+          <a:p>
+            <a:pPr algn="ctr"/>
+            <a:r>
+              <a:rPr lang="en-US" dirty="0"/>
+              <a:t>user</a:t>
+            </a:r>
+            <a:endParaRPr lang="en-ID" dirty="0"/>
+          </a:p>
+        </p:txBody>
+      </p:sp>
+      <p:sp>
+        <p:nvSpPr>
+          <p:cNvPr id="8" name="Oval 7">
+            <a:extLst>
+              <a:ext uri="{FF2B5EF4-FFF2-40B4-BE49-F238E27FC236}">
+                <a16:creationId xmlns:a16="http://schemas.microsoft.com/office/drawing/2014/main" id="{104B14A9-09C4-2E2F-BACB-7303494FF384}"/>
+              </a:ext>
+            </a:extLst>
+          </p:cNvPr>
+          <p:cNvSpPr/>
+          <p:nvPr/>
+        </p:nvSpPr>
+        <p:spPr>
+          <a:xfrm>
+            <a:off x="3333749" y="4038599"/>
+            <a:ext cx="1076325" cy="1047749"/>
+          </a:xfrm>
+          <a:prstGeom prst="ellipse">
+            <a:avLst/>
+          </a:prstGeom>
+        </p:spPr>
+        <p:style>
+          <a:lnRef idx="2">
+            <a:schemeClr val="accent1">
+              <a:shade val="15000"/>
+            </a:schemeClr>
+          </a:lnRef>
+          <a:fillRef idx="1">
+            <a:schemeClr val="accent1"/>
+          </a:fillRef>
+          <a:effectRef idx="0">
+            <a:schemeClr val="accent1"/>
+          </a:effectRef>
+          <a:fontRef idx="minor">
+            <a:schemeClr val="lt1"/>
+          </a:fontRef>
+        </p:style>
+        <p:txBody>
+          <a:bodyPr rtlCol="0" anchor="ctr"/>
+          <a:lstStyle/>
+          <a:p>
+            <a:pPr algn="ctr"/>
+            <a:r>
+              <a:rPr lang="en-US" dirty="0"/>
+              <a:t>Login SSO</a:t>
+            </a:r>
+            <a:endParaRPr lang="en-ID" dirty="0"/>
+          </a:p>
+        </p:txBody>
+      </p:sp>
+      <p:sp>
+        <p:nvSpPr>
+          <p:cNvPr id="9" name="Oval 8">
+            <a:extLst>
+              <a:ext uri="{FF2B5EF4-FFF2-40B4-BE49-F238E27FC236}">
+                <a16:creationId xmlns:a16="http://schemas.microsoft.com/office/drawing/2014/main" id="{795667CB-82C4-AD32-1A8F-6A167EA3C222}"/>
+              </a:ext>
+            </a:extLst>
+          </p:cNvPr>
+          <p:cNvSpPr/>
+          <p:nvPr/>
+        </p:nvSpPr>
+        <p:spPr>
+          <a:xfrm>
+            <a:off x="7143752" y="3429000"/>
+            <a:ext cx="1676400" cy="1654603"/>
+          </a:xfrm>
+          <a:prstGeom prst="ellipse">
+            <a:avLst/>
+          </a:prstGeom>
+        </p:spPr>
+        <p:style>
+          <a:lnRef idx="2">
+            <a:schemeClr val="accent1">
+              <a:shade val="15000"/>
+            </a:schemeClr>
+          </a:lnRef>
+          <a:fillRef idx="1">
+            <a:schemeClr val="accent1"/>
+          </a:fillRef>
+          <a:effectRef idx="0">
+            <a:schemeClr val="accent1"/>
+          </a:effectRef>
+          <a:fontRef idx="minor">
+            <a:schemeClr val="lt1"/>
+          </a:fontRef>
+        </p:style>
+        <p:txBody>
+          <a:bodyPr rtlCol="0" anchor="ctr"/>
+          <a:lstStyle/>
+          <a:p>
+            <a:pPr algn="ctr"/>
+            <a:r>
+              <a:rPr lang="en-US" sz="1200" dirty="0"/>
+              <a:t>Hash </a:t>
+            </a:r>
+            <a:r>
+              <a:rPr lang="en-US" sz="1200" b="1" dirty="0" err="1"/>
+              <a:t>rawPassword</a:t>
+            </a:r>
+            <a:r>
+              <a:rPr lang="en-US" sz="1200" dirty="0"/>
+              <a:t> using </a:t>
+            </a:r>
+            <a:r>
+              <a:rPr lang="en-US" sz="1200" b="1" dirty="0" err="1"/>
+              <a:t>bcrypt</a:t>
+            </a:r>
+            <a:endParaRPr lang="en-ID" sz="1200" b="1" dirty="0"/>
+          </a:p>
+        </p:txBody>
+      </p:sp>
+      <p:cxnSp>
+        <p:nvCxnSpPr>
+          <p:cNvPr id="11" name="Straight Arrow Connector 10">
+            <a:extLst>
+              <a:ext uri="{FF2B5EF4-FFF2-40B4-BE49-F238E27FC236}">
+                <a16:creationId xmlns:a16="http://schemas.microsoft.com/office/drawing/2014/main" id="{86D0929D-9378-8ECB-02E7-244FDB3B949E}"/>
+              </a:ext>
+            </a:extLst>
+          </p:cNvPr>
+          <p:cNvCxnSpPr>
+            <a:cxnSpLocks/>
+          </p:cNvCxnSpPr>
+          <p:nvPr/>
+        </p:nvCxnSpPr>
+        <p:spPr>
+          <a:xfrm>
+            <a:off x="2105025" y="3706813"/>
+            <a:ext cx="1266825" cy="684212"/>
+          </a:xfrm>
+          <a:prstGeom prst="straightConnector1">
+            <a:avLst/>
+          </a:prstGeom>
+          <a:ln>
+            <a:tailEnd type="triangle"/>
+          </a:ln>
+        </p:spPr>
+        <p:style>
+          <a:lnRef idx="2">
+            <a:schemeClr val="accent1"/>
+          </a:lnRef>
+          <a:fillRef idx="0">
+            <a:schemeClr val="accent1"/>
+          </a:fillRef>
+          <a:effectRef idx="1">
+            <a:schemeClr val="accent1"/>
+          </a:effectRef>
+          <a:fontRef idx="minor">
+            <a:schemeClr val="tx1"/>
+          </a:fontRef>
+        </p:style>
+      </p:cxnSp>
+      <p:cxnSp>
+        <p:nvCxnSpPr>
+          <p:cNvPr id="15" name="Straight Arrow Connector 14">
+            <a:extLst>
+              <a:ext uri="{FF2B5EF4-FFF2-40B4-BE49-F238E27FC236}">
+                <a16:creationId xmlns:a16="http://schemas.microsoft.com/office/drawing/2014/main" id="{FBB335C1-BED4-B0E3-E12F-1629470DB03F}"/>
+              </a:ext>
+            </a:extLst>
+          </p:cNvPr>
+          <p:cNvCxnSpPr>
+            <a:endCxn id="6" idx="2"/>
+          </p:cNvCxnSpPr>
+          <p:nvPr/>
+        </p:nvCxnSpPr>
+        <p:spPr>
+          <a:xfrm flipV="1">
+            <a:off x="4362450" y="3181350"/>
+            <a:ext cx="366713" cy="1209675"/>
+          </a:xfrm>
+          <a:prstGeom prst="straightConnector1">
+            <a:avLst/>
+          </a:prstGeom>
+          <a:ln>
+            <a:tailEnd type="triangle"/>
+          </a:ln>
+        </p:spPr>
+        <p:style>
+          <a:lnRef idx="2">
+            <a:schemeClr val="accent1"/>
+          </a:lnRef>
+          <a:fillRef idx="0">
+            <a:schemeClr val="accent1"/>
+          </a:fillRef>
+          <a:effectRef idx="1">
+            <a:schemeClr val="accent1"/>
+          </a:effectRef>
+          <a:fontRef idx="minor">
+            <a:schemeClr val="tx1"/>
+          </a:fontRef>
+        </p:style>
+      </p:cxnSp>
+      <p:cxnSp>
+        <p:nvCxnSpPr>
+          <p:cNvPr id="17" name="Straight Arrow Connector 16">
+            <a:extLst>
+              <a:ext uri="{FF2B5EF4-FFF2-40B4-BE49-F238E27FC236}">
+                <a16:creationId xmlns:a16="http://schemas.microsoft.com/office/drawing/2014/main" id="{9A410AE3-B322-DD4E-387E-90AF7C93238F}"/>
+              </a:ext>
+            </a:extLst>
+          </p:cNvPr>
+          <p:cNvCxnSpPr/>
+          <p:nvPr/>
+        </p:nvCxnSpPr>
+        <p:spPr>
+          <a:xfrm>
+            <a:off x="5305425" y="2581275"/>
+            <a:ext cx="2219325" cy="1204912"/>
+          </a:xfrm>
+          <a:prstGeom prst="straightConnector1">
+            <a:avLst/>
+          </a:prstGeom>
+          <a:ln>
+            <a:tailEnd type="triangle"/>
+          </a:ln>
+        </p:spPr>
+        <p:style>
+          <a:lnRef idx="2">
+            <a:schemeClr val="accent1"/>
+          </a:lnRef>
+          <a:fillRef idx="0">
+            <a:schemeClr val="accent1"/>
+          </a:fillRef>
+          <a:effectRef idx="1">
+            <a:schemeClr val="accent1"/>
+          </a:effectRef>
+          <a:fontRef idx="minor">
+            <a:schemeClr val="tx1"/>
+          </a:fontRef>
+        </p:style>
+      </p:cxnSp>
+    </p:spTree>
+    <p:extLst>
+      <p:ext uri="{BB962C8B-B14F-4D97-AF65-F5344CB8AC3E}">
+        <p14:creationId xmlns:p14="http://schemas.microsoft.com/office/powerpoint/2010/main" val="2328078922"/>
+      </p:ext>
+    </p:extLst>
+  </p:cSld>
+  <p:clrMapOvr>
+    <a:masterClrMapping/>
+  </p:clrMapOvr>
+</p:sld>
+</file>
+
+<file path=ppt/slides/slide35.xml><?xml version="1.0" encoding="utf-8"?>
+<p:sld xmlns:a="http://schemas.openxmlformats.org/drawingml/2006/main" xmlns:r="http://schemas.openxmlformats.org/officeDocument/2006/relationships" xmlns:p="http://schemas.openxmlformats.org/presentationml/2006/main">
+  <p:cSld>
+    <p:spTree>
+      <p:nvGrpSpPr>
+        <p:cNvPr id="1" name="">
+          <a:extLst>
+            <a:ext uri="{FF2B5EF4-FFF2-40B4-BE49-F238E27FC236}">
+              <a16:creationId xmlns:a16="http://schemas.microsoft.com/office/drawing/2014/main" id="{F4BC0B12-9E23-669D-02D7-B924C32821D2}"/>
+            </a:ext>
+          </a:extLst>
+        </p:cNvPr>
+        <p:cNvGrpSpPr/>
+        <p:nvPr/>
+      </p:nvGrpSpPr>
+      <p:grpSpPr>
+        <a:xfrm>
+          <a:off x="0" y="0"/>
+          <a:ext cx="0" cy="0"/>
+          <a:chOff x="0" y="0"/>
+          <a:chExt cx="0" cy="0"/>
+        </a:xfrm>
+      </p:grpSpPr>
+      <p:sp>
+        <p:nvSpPr>
+          <p:cNvPr id="2" name="Title 1">
+            <a:extLst>
+              <a:ext uri="{FF2B5EF4-FFF2-40B4-BE49-F238E27FC236}">
+                <a16:creationId xmlns:a16="http://schemas.microsoft.com/office/drawing/2014/main" id="{97D3DD59-FE3E-A18C-BC0A-E1DC719695E9}"/>
+              </a:ext>
+            </a:extLst>
+          </p:cNvPr>
+          <p:cNvSpPr>
+            <a:spLocks noGrp="1"/>
+          </p:cNvSpPr>
+          <p:nvPr>
+            <p:ph type="title"/>
+          </p:nvPr>
+        </p:nvSpPr>
+        <p:spPr/>
+        <p:txBody>
+          <a:bodyPr/>
+          <a:lstStyle/>
+          <a:p>
+            <a:r>
+              <a:rPr lang="en-US" dirty="0"/>
+              <a:t>Mig Strategy password (opt2) </a:t>
+            </a:r>
+            <a:br>
+              <a:rPr lang="en-US" dirty="0"/>
+            </a:br>
+            <a:r>
+              <a:rPr lang="en-US" sz="1800" dirty="0"/>
+              <a:t>(blast email)</a:t>
+            </a:r>
+            <a:endParaRPr lang="en-ID" sz="1800" dirty="0"/>
+          </a:p>
+        </p:txBody>
+      </p:sp>
+      <p:sp>
+        <p:nvSpPr>
+          <p:cNvPr id="7" name="Rectangle 6">
+            <a:extLst>
+              <a:ext uri="{FF2B5EF4-FFF2-40B4-BE49-F238E27FC236}">
+                <a16:creationId xmlns:a16="http://schemas.microsoft.com/office/drawing/2014/main" id="{6C2A10D7-FBA5-CEDE-50B1-D69C5D14E61D}"/>
+              </a:ext>
+            </a:extLst>
+          </p:cNvPr>
+          <p:cNvSpPr/>
+          <p:nvPr/>
+        </p:nvSpPr>
+        <p:spPr>
+          <a:xfrm>
+            <a:off x="838200" y="4148136"/>
+            <a:ext cx="1266825" cy="828675"/>
+          </a:xfrm>
+          <a:prstGeom prst="rect">
+            <a:avLst/>
+          </a:prstGeom>
+        </p:spPr>
+        <p:style>
+          <a:lnRef idx="2">
+            <a:schemeClr val="accent2">
+              <a:shade val="15000"/>
+            </a:schemeClr>
+          </a:lnRef>
+          <a:fillRef idx="1">
+            <a:schemeClr val="accent2"/>
+          </a:fillRef>
+          <a:effectRef idx="0">
+            <a:schemeClr val="accent2"/>
+          </a:effectRef>
+          <a:fontRef idx="minor">
+            <a:schemeClr val="lt1"/>
+          </a:fontRef>
+        </p:style>
+        <p:txBody>
+          <a:bodyPr rtlCol="0" anchor="ctr"/>
+          <a:lstStyle/>
+          <a:p>
+            <a:pPr algn="ctr"/>
+            <a:r>
+              <a:rPr lang="en-US" dirty="0"/>
+              <a:t>user</a:t>
+            </a:r>
+            <a:endParaRPr lang="en-ID" dirty="0"/>
+          </a:p>
+        </p:txBody>
+      </p:sp>
+      <p:cxnSp>
+        <p:nvCxnSpPr>
+          <p:cNvPr id="11" name="Straight Arrow Connector 10">
+            <a:extLst>
+              <a:ext uri="{FF2B5EF4-FFF2-40B4-BE49-F238E27FC236}">
+                <a16:creationId xmlns:a16="http://schemas.microsoft.com/office/drawing/2014/main" id="{D9E2AED9-BD36-5296-BF93-E72CD6A03FD4}"/>
+              </a:ext>
+            </a:extLst>
+          </p:cNvPr>
+          <p:cNvCxnSpPr>
+            <a:cxnSpLocks/>
+            <a:endCxn id="5" idx="2"/>
+          </p:cNvCxnSpPr>
+          <p:nvPr/>
+        </p:nvCxnSpPr>
+        <p:spPr>
+          <a:xfrm>
+            <a:off x="2086839" y="4562473"/>
+            <a:ext cx="1608716" cy="2"/>
+          </a:xfrm>
+          <a:prstGeom prst="straightConnector1">
+            <a:avLst/>
+          </a:prstGeom>
+          <a:ln>
+            <a:tailEnd type="triangle"/>
+          </a:ln>
+        </p:spPr>
+        <p:style>
+          <a:lnRef idx="2">
+            <a:schemeClr val="accent1"/>
+          </a:lnRef>
+          <a:fillRef idx="0">
+            <a:schemeClr val="accent1"/>
+          </a:fillRef>
+          <a:effectRef idx="1">
+            <a:schemeClr val="accent1"/>
+          </a:effectRef>
+          <a:fontRef idx="minor">
+            <a:schemeClr val="tx1"/>
+          </a:fontRef>
+        </p:style>
+      </p:cxnSp>
+      <p:sp>
+        <p:nvSpPr>
+          <p:cNvPr id="3" name="Oval 2">
+            <a:extLst>
+              <a:ext uri="{FF2B5EF4-FFF2-40B4-BE49-F238E27FC236}">
+                <a16:creationId xmlns:a16="http://schemas.microsoft.com/office/drawing/2014/main" id="{04DB9A5D-CAE3-DA21-71B3-AC4B9CC01CCE}"/>
+              </a:ext>
+            </a:extLst>
+          </p:cNvPr>
+          <p:cNvSpPr/>
+          <p:nvPr/>
+        </p:nvSpPr>
+        <p:spPr>
+          <a:xfrm>
+            <a:off x="3333748" y="1770714"/>
+            <a:ext cx="1076325" cy="1047749"/>
+          </a:xfrm>
+          <a:prstGeom prst="ellipse">
+            <a:avLst/>
+          </a:prstGeom>
+        </p:spPr>
+        <p:style>
+          <a:lnRef idx="2">
+            <a:schemeClr val="accent1">
+              <a:shade val="15000"/>
+            </a:schemeClr>
+          </a:lnRef>
+          <a:fillRef idx="1">
+            <a:schemeClr val="accent1"/>
+          </a:fillRef>
+          <a:effectRef idx="0">
+            <a:schemeClr val="accent1"/>
+          </a:effectRef>
+          <a:fontRef idx="minor">
+            <a:schemeClr val="lt1"/>
+          </a:fontRef>
+        </p:style>
+        <p:txBody>
+          <a:bodyPr rtlCol="0" anchor="ctr"/>
+          <a:lstStyle/>
+          <a:p>
+            <a:pPr algn="ctr"/>
+            <a:r>
+              <a:rPr lang="en-US" dirty="0"/>
+              <a:t>blast email</a:t>
+            </a:r>
+            <a:endParaRPr lang="en-ID" dirty="0"/>
+          </a:p>
+        </p:txBody>
+      </p:sp>
+      <p:sp>
+        <p:nvSpPr>
+          <p:cNvPr id="4" name="Rectangle 3">
+            <a:extLst>
+              <a:ext uri="{FF2B5EF4-FFF2-40B4-BE49-F238E27FC236}">
+                <a16:creationId xmlns:a16="http://schemas.microsoft.com/office/drawing/2014/main" id="{1E52E49E-B26E-393B-1F8E-5D87FE3BD874}"/>
+              </a:ext>
+            </a:extLst>
+          </p:cNvPr>
+          <p:cNvSpPr/>
+          <p:nvPr/>
+        </p:nvSpPr>
+        <p:spPr>
+          <a:xfrm>
+            <a:off x="838200" y="1758662"/>
+            <a:ext cx="1343025" cy="1047750"/>
+          </a:xfrm>
+          <a:prstGeom prst="rect">
+            <a:avLst/>
+          </a:prstGeom>
+        </p:spPr>
+        <p:style>
+          <a:lnRef idx="2">
+            <a:schemeClr val="accent1">
+              <a:shade val="15000"/>
+            </a:schemeClr>
+          </a:lnRef>
+          <a:fillRef idx="1">
+            <a:schemeClr val="accent1"/>
+          </a:fillRef>
+          <a:effectRef idx="0">
+            <a:schemeClr val="accent1"/>
+          </a:effectRef>
+          <a:fontRef idx="minor">
+            <a:schemeClr val="lt1"/>
+          </a:fontRef>
+        </p:style>
+        <p:txBody>
+          <a:bodyPr rtlCol="0" anchor="ctr"/>
+          <a:lstStyle/>
+          <a:p>
+            <a:pPr algn="ctr"/>
+            <a:r>
+              <a:rPr lang="en-US" dirty="0"/>
+              <a:t>Ext System</a:t>
+            </a:r>
+            <a:endParaRPr lang="en-ID" dirty="0"/>
+          </a:p>
+        </p:txBody>
+      </p:sp>
+      <p:sp>
+        <p:nvSpPr>
+          <p:cNvPr id="5" name="Oval 4">
+            <a:extLst>
+              <a:ext uri="{FF2B5EF4-FFF2-40B4-BE49-F238E27FC236}">
+                <a16:creationId xmlns:a16="http://schemas.microsoft.com/office/drawing/2014/main" id="{D9D79A0B-4B31-2EB0-2A11-26C47A857953}"/>
+              </a:ext>
+            </a:extLst>
+          </p:cNvPr>
+          <p:cNvSpPr/>
+          <p:nvPr/>
+        </p:nvSpPr>
+        <p:spPr>
+          <a:xfrm>
+            <a:off x="3695555" y="4038600"/>
+            <a:ext cx="1076325" cy="1047749"/>
+          </a:xfrm>
+          <a:prstGeom prst="ellipse">
+            <a:avLst/>
+          </a:prstGeom>
+        </p:spPr>
+        <p:style>
+          <a:lnRef idx="2">
+            <a:schemeClr val="accent1">
+              <a:shade val="15000"/>
+            </a:schemeClr>
+          </a:lnRef>
+          <a:fillRef idx="1">
+            <a:schemeClr val="accent1"/>
+          </a:fillRef>
+          <a:effectRef idx="0">
+            <a:schemeClr val="accent1"/>
+          </a:effectRef>
+          <a:fontRef idx="minor">
+            <a:schemeClr val="lt1"/>
+          </a:fontRef>
+        </p:style>
+        <p:txBody>
+          <a:bodyPr rtlCol="0" anchor="ctr"/>
+          <a:lstStyle/>
+          <a:p>
+            <a:pPr algn="ctr"/>
+            <a:r>
+              <a:rPr lang="en-US" sz="1000" dirty="0"/>
+              <a:t>Open update password link</a:t>
+            </a:r>
+            <a:endParaRPr lang="en-ID" sz="1000" dirty="0"/>
+          </a:p>
+        </p:txBody>
+      </p:sp>
+      <p:cxnSp>
+        <p:nvCxnSpPr>
+          <p:cNvPr id="12" name="Straight Arrow Connector 11">
+            <a:extLst>
+              <a:ext uri="{FF2B5EF4-FFF2-40B4-BE49-F238E27FC236}">
+                <a16:creationId xmlns:a16="http://schemas.microsoft.com/office/drawing/2014/main" id="{3F836477-56BB-29D3-AE8A-592526C9355F}"/>
+              </a:ext>
+            </a:extLst>
+          </p:cNvPr>
+          <p:cNvCxnSpPr>
+            <a:cxnSpLocks/>
+            <a:stCxn id="4" idx="3"/>
+            <a:endCxn id="3" idx="2"/>
+          </p:cNvCxnSpPr>
+          <p:nvPr/>
+        </p:nvCxnSpPr>
+        <p:spPr>
+          <a:xfrm>
+            <a:off x="2181225" y="2282537"/>
+            <a:ext cx="1152523" cy="12052"/>
+          </a:xfrm>
+          <a:prstGeom prst="straightConnector1">
+            <a:avLst/>
+          </a:prstGeom>
+          <a:ln>
+            <a:tailEnd type="triangle"/>
+          </a:ln>
+        </p:spPr>
+        <p:style>
+          <a:lnRef idx="2">
+            <a:schemeClr val="accent1"/>
+          </a:lnRef>
+          <a:fillRef idx="0">
+            <a:schemeClr val="accent1"/>
+          </a:fillRef>
+          <a:effectRef idx="1">
+            <a:schemeClr val="accent1"/>
+          </a:effectRef>
+          <a:fontRef idx="minor">
+            <a:schemeClr val="tx1"/>
+          </a:fontRef>
+        </p:style>
+      </p:cxnSp>
+      <p:sp>
+        <p:nvSpPr>
+          <p:cNvPr id="16" name="Oval 15">
+            <a:extLst>
+              <a:ext uri="{FF2B5EF4-FFF2-40B4-BE49-F238E27FC236}">
+                <a16:creationId xmlns:a16="http://schemas.microsoft.com/office/drawing/2014/main" id="{80B0E0F5-CDF3-8BE9-1E1C-54B1429F28E3}"/>
+              </a:ext>
+            </a:extLst>
+          </p:cNvPr>
+          <p:cNvSpPr/>
+          <p:nvPr/>
+        </p:nvSpPr>
+        <p:spPr>
+          <a:xfrm>
+            <a:off x="8428761" y="4562473"/>
+            <a:ext cx="1676400" cy="1654603"/>
+          </a:xfrm>
+          <a:prstGeom prst="ellipse">
+            <a:avLst/>
+          </a:prstGeom>
+        </p:spPr>
+        <p:style>
+          <a:lnRef idx="2">
+            <a:schemeClr val="accent1">
+              <a:shade val="15000"/>
+            </a:schemeClr>
+          </a:lnRef>
+          <a:fillRef idx="1">
+            <a:schemeClr val="accent1"/>
+          </a:fillRef>
+          <a:effectRef idx="0">
+            <a:schemeClr val="accent1"/>
+          </a:effectRef>
+          <a:fontRef idx="minor">
+            <a:schemeClr val="lt1"/>
+          </a:fontRef>
+        </p:style>
+        <p:txBody>
+          <a:bodyPr rtlCol="0" anchor="ctr"/>
+          <a:lstStyle/>
+          <a:p>
+            <a:pPr algn="ctr"/>
+            <a:r>
+              <a:rPr lang="en-US" sz="1200" dirty="0"/>
+              <a:t>Hash </a:t>
+            </a:r>
+            <a:r>
+              <a:rPr lang="en-US" sz="1200" b="1" dirty="0" err="1"/>
+              <a:t>rawPassword</a:t>
+            </a:r>
+            <a:r>
+              <a:rPr lang="en-US" sz="1200" dirty="0"/>
+              <a:t> using </a:t>
+            </a:r>
+            <a:r>
+              <a:rPr lang="en-US" sz="1200" b="1" dirty="0" err="1"/>
+              <a:t>bcrypt</a:t>
+            </a:r>
+            <a:endParaRPr lang="en-ID" sz="1200" b="1" dirty="0"/>
+          </a:p>
+        </p:txBody>
+      </p:sp>
+      <p:sp>
+        <p:nvSpPr>
+          <p:cNvPr id="18" name="Rectangle 17">
+            <a:extLst>
+              <a:ext uri="{FF2B5EF4-FFF2-40B4-BE49-F238E27FC236}">
+                <a16:creationId xmlns:a16="http://schemas.microsoft.com/office/drawing/2014/main" id="{B14D27F0-5EDC-F598-FE85-71FCD1A18788}"/>
+              </a:ext>
+            </a:extLst>
+          </p:cNvPr>
+          <p:cNvSpPr/>
+          <p:nvPr/>
+        </p:nvSpPr>
+        <p:spPr>
+          <a:xfrm>
+            <a:off x="5600122" y="2905125"/>
+            <a:ext cx="1343025" cy="1047750"/>
+          </a:xfrm>
+          <a:prstGeom prst="rect">
+            <a:avLst/>
+          </a:prstGeom>
+        </p:spPr>
+        <p:style>
+          <a:lnRef idx="2">
+            <a:schemeClr val="accent1">
+              <a:shade val="15000"/>
+            </a:schemeClr>
+          </a:lnRef>
+          <a:fillRef idx="1">
+            <a:schemeClr val="accent1"/>
+          </a:fillRef>
+          <a:effectRef idx="0">
+            <a:schemeClr val="accent1"/>
+          </a:effectRef>
+          <a:fontRef idx="minor">
+            <a:schemeClr val="lt1"/>
+          </a:fontRef>
+        </p:style>
+        <p:txBody>
+          <a:bodyPr rtlCol="0" anchor="ctr"/>
+          <a:lstStyle/>
+          <a:p>
+            <a:pPr algn="ctr"/>
+            <a:r>
+              <a:rPr lang="en-US" dirty="0"/>
+              <a:t>As-is  SSO</a:t>
+            </a:r>
+            <a:endParaRPr lang="en-ID" dirty="0"/>
+          </a:p>
+        </p:txBody>
+      </p:sp>
+      <p:cxnSp>
+        <p:nvCxnSpPr>
+          <p:cNvPr id="20" name="Straight Arrow Connector 19">
+            <a:extLst>
+              <a:ext uri="{FF2B5EF4-FFF2-40B4-BE49-F238E27FC236}">
+                <a16:creationId xmlns:a16="http://schemas.microsoft.com/office/drawing/2014/main" id="{F6EEF62D-0DF1-E253-A8E0-4CF22115FE34}"/>
+              </a:ext>
+            </a:extLst>
+          </p:cNvPr>
+          <p:cNvCxnSpPr>
+            <a:stCxn id="5" idx="6"/>
+          </p:cNvCxnSpPr>
+          <p:nvPr/>
+        </p:nvCxnSpPr>
+        <p:spPr>
+          <a:xfrm flipV="1">
+            <a:off x="4771880" y="3629891"/>
+            <a:ext cx="828242" cy="932584"/>
+          </a:xfrm>
+          <a:prstGeom prst="straightConnector1">
+            <a:avLst/>
+          </a:prstGeom>
+          <a:ln>
+            <a:tailEnd type="triangle"/>
+          </a:ln>
+        </p:spPr>
+        <p:style>
+          <a:lnRef idx="2">
+            <a:schemeClr val="accent1"/>
+          </a:lnRef>
+          <a:fillRef idx="0">
+            <a:schemeClr val="accent1"/>
+          </a:fillRef>
+          <a:effectRef idx="1">
+            <a:schemeClr val="accent1"/>
+          </a:effectRef>
+          <a:fontRef idx="minor">
+            <a:schemeClr val="tx1"/>
+          </a:fontRef>
+        </p:style>
+      </p:cxnSp>
+      <p:cxnSp>
+        <p:nvCxnSpPr>
+          <p:cNvPr id="22" name="Straight Arrow Connector 21">
+            <a:extLst>
+              <a:ext uri="{FF2B5EF4-FFF2-40B4-BE49-F238E27FC236}">
+                <a16:creationId xmlns:a16="http://schemas.microsoft.com/office/drawing/2014/main" id="{5316B869-D39F-DAEC-8654-F6C007CBD30D}"/>
+              </a:ext>
+            </a:extLst>
+          </p:cNvPr>
+          <p:cNvCxnSpPr>
+            <a:cxnSpLocks/>
+            <a:stCxn id="18" idx="3"/>
+            <a:endCxn id="16" idx="1"/>
+          </p:cNvCxnSpPr>
+          <p:nvPr/>
+        </p:nvCxnSpPr>
+        <p:spPr>
+          <a:xfrm>
+            <a:off x="6943147" y="3429000"/>
+            <a:ext cx="1731117" cy="1375784"/>
+          </a:xfrm>
+          <a:prstGeom prst="straightConnector1">
+            <a:avLst/>
+          </a:prstGeom>
+          <a:ln>
+            <a:tailEnd type="triangle"/>
+          </a:ln>
+        </p:spPr>
+        <p:style>
+          <a:lnRef idx="2">
+            <a:schemeClr val="accent1"/>
+          </a:lnRef>
+          <a:fillRef idx="0">
+            <a:schemeClr val="accent1"/>
+          </a:fillRef>
+          <a:effectRef idx="1">
+            <a:schemeClr val="accent1"/>
+          </a:effectRef>
+          <a:fontRef idx="minor">
+            <a:schemeClr val="tx1"/>
+          </a:fontRef>
+        </p:style>
+      </p:cxnSp>
+    </p:spTree>
+    <p:extLst>
+      <p:ext uri="{BB962C8B-B14F-4D97-AF65-F5344CB8AC3E}">
+        <p14:creationId xmlns:p14="http://schemas.microsoft.com/office/powerpoint/2010/main" val="447674262"/>
+      </p:ext>
+    </p:extLst>
+  </p:cSld>
+  <p:clrMapOvr>
+    <a:masterClrMapping/>
+  </p:clrMapOvr>
+</p:sld>
+</file>
+
+<file path=ppt/slides/slide36.xml><?xml version="1.0" encoding="utf-8"?>
+<p:sld xmlns:a="http://schemas.openxmlformats.org/drawingml/2006/main" xmlns:r="http://schemas.openxmlformats.org/officeDocument/2006/relationships" xmlns:p="http://schemas.openxmlformats.org/presentationml/2006/main">
+  <p:cSld>
+    <p:spTree>
+      <p:nvGrpSpPr>
+        <p:cNvPr id="1" name="">
+          <a:extLst>
+            <a:ext uri="{FF2B5EF4-FFF2-40B4-BE49-F238E27FC236}">
+              <a16:creationId xmlns:a16="http://schemas.microsoft.com/office/drawing/2014/main" id="{68C167BD-557A-9B5C-51DF-B07BE441A188}"/>
+            </a:ext>
+          </a:extLst>
+        </p:cNvPr>
+        <p:cNvGrpSpPr/>
+        <p:nvPr/>
+      </p:nvGrpSpPr>
+      <p:grpSpPr>
+        <a:xfrm>
+          <a:off x="0" y="0"/>
+          <a:ext cx="0" cy="0"/>
+          <a:chOff x="0" y="0"/>
+          <a:chExt cx="0" cy="0"/>
+        </a:xfrm>
+      </p:grpSpPr>
+      <p:sp>
+        <p:nvSpPr>
+          <p:cNvPr id="2" name="Title 1">
+            <a:extLst>
+              <a:ext uri="{FF2B5EF4-FFF2-40B4-BE49-F238E27FC236}">
+                <a16:creationId xmlns:a16="http://schemas.microsoft.com/office/drawing/2014/main" id="{0BEEE2DD-E10E-9B29-836A-7E8ABDA62E33}"/>
+              </a:ext>
+            </a:extLst>
+          </p:cNvPr>
+          <p:cNvSpPr>
+            <a:spLocks noGrp="1"/>
+          </p:cNvSpPr>
+          <p:nvPr>
+            <p:ph type="title"/>
+          </p:nvPr>
+        </p:nvSpPr>
+        <p:spPr/>
+        <p:txBody>
+          <a:bodyPr/>
+          <a:lstStyle/>
+          <a:p>
+            <a:r>
+              <a:rPr lang="en-US" dirty="0"/>
+              <a:t>Mig Strategy password (opt2) </a:t>
+            </a:r>
+            <a:br>
+              <a:rPr lang="en-US" dirty="0"/>
+            </a:br>
+            <a:r>
+              <a:rPr lang="en-US" sz="1800" dirty="0"/>
+              <a:t>(forgot password)</a:t>
+            </a:r>
+            <a:endParaRPr lang="en-ID" sz="1800" dirty="0"/>
+          </a:p>
+        </p:txBody>
+      </p:sp>
+      <p:sp>
+        <p:nvSpPr>
+          <p:cNvPr id="7" name="Rectangle 6">
+            <a:extLst>
+              <a:ext uri="{FF2B5EF4-FFF2-40B4-BE49-F238E27FC236}">
+                <a16:creationId xmlns:a16="http://schemas.microsoft.com/office/drawing/2014/main" id="{E32E6976-D3A5-ABF5-26E1-50210FBC5C30}"/>
+              </a:ext>
+            </a:extLst>
+          </p:cNvPr>
+          <p:cNvSpPr/>
+          <p:nvPr/>
+        </p:nvSpPr>
+        <p:spPr>
+          <a:xfrm>
+            <a:off x="1133764" y="3801052"/>
+            <a:ext cx="1266825" cy="828675"/>
+          </a:xfrm>
+          <a:prstGeom prst="rect">
+            <a:avLst/>
+          </a:prstGeom>
+        </p:spPr>
+        <p:style>
+          <a:lnRef idx="2">
+            <a:schemeClr val="accent2">
+              <a:shade val="15000"/>
+            </a:schemeClr>
+          </a:lnRef>
+          <a:fillRef idx="1">
+            <a:schemeClr val="accent2"/>
+          </a:fillRef>
+          <a:effectRef idx="0">
+            <a:schemeClr val="accent2"/>
+          </a:effectRef>
+          <a:fontRef idx="minor">
+            <a:schemeClr val="lt1"/>
+          </a:fontRef>
+        </p:style>
+        <p:txBody>
+          <a:bodyPr rtlCol="0" anchor="ctr"/>
+          <a:lstStyle/>
+          <a:p>
+            <a:pPr algn="ctr"/>
+            <a:r>
+              <a:rPr lang="en-US" dirty="0"/>
+              <a:t>user</a:t>
+            </a:r>
+            <a:endParaRPr lang="en-ID" dirty="0"/>
+          </a:p>
+        </p:txBody>
+      </p:sp>
+      <p:sp>
+        <p:nvSpPr>
+          <p:cNvPr id="3" name="Rectangle 2">
+            <a:extLst>
+              <a:ext uri="{FF2B5EF4-FFF2-40B4-BE49-F238E27FC236}">
+                <a16:creationId xmlns:a16="http://schemas.microsoft.com/office/drawing/2014/main" id="{B885C1D4-AF32-D1D1-E006-2B113254A386}"/>
+              </a:ext>
+            </a:extLst>
+          </p:cNvPr>
+          <p:cNvSpPr/>
+          <p:nvPr/>
+        </p:nvSpPr>
+        <p:spPr>
+          <a:xfrm>
+            <a:off x="4057650" y="2133600"/>
+            <a:ext cx="1343025" cy="1047750"/>
+          </a:xfrm>
+          <a:prstGeom prst="rect">
+            <a:avLst/>
+          </a:prstGeom>
+        </p:spPr>
+        <p:style>
+          <a:lnRef idx="2">
+            <a:schemeClr val="accent1">
+              <a:shade val="15000"/>
+            </a:schemeClr>
+          </a:lnRef>
+          <a:fillRef idx="1">
+            <a:schemeClr val="accent1"/>
+          </a:fillRef>
+          <a:effectRef idx="0">
+            <a:schemeClr val="accent1"/>
+          </a:effectRef>
+          <a:fontRef idx="minor">
+            <a:schemeClr val="lt1"/>
+          </a:fontRef>
+        </p:style>
+        <p:txBody>
+          <a:bodyPr rtlCol="0" anchor="ctr"/>
+          <a:lstStyle/>
+          <a:p>
+            <a:pPr algn="ctr"/>
+            <a:r>
+              <a:rPr lang="en-US" dirty="0"/>
+              <a:t>SSO </a:t>
+            </a:r>
+            <a:r>
+              <a:rPr lang="en-US" dirty="0" err="1"/>
+              <a:t>Keycloak</a:t>
+            </a:r>
+            <a:endParaRPr lang="en-ID" dirty="0"/>
+          </a:p>
+        </p:txBody>
+      </p:sp>
+      <p:cxnSp>
+        <p:nvCxnSpPr>
+          <p:cNvPr id="5" name="Straight Arrow Connector 4">
+            <a:extLst>
+              <a:ext uri="{FF2B5EF4-FFF2-40B4-BE49-F238E27FC236}">
+                <a16:creationId xmlns:a16="http://schemas.microsoft.com/office/drawing/2014/main" id="{03E48BCD-2D42-840E-0163-8B82D6EB7332}"/>
+              </a:ext>
+            </a:extLst>
+          </p:cNvPr>
+          <p:cNvCxnSpPr>
+            <a:cxnSpLocks/>
+            <a:stCxn id="7" idx="3"/>
+            <a:endCxn id="21" idx="2"/>
+          </p:cNvCxnSpPr>
+          <p:nvPr/>
+        </p:nvCxnSpPr>
+        <p:spPr>
+          <a:xfrm flipV="1">
+            <a:off x="2400589" y="4200526"/>
+            <a:ext cx="1293955" cy="14864"/>
+          </a:xfrm>
+          <a:prstGeom prst="straightConnector1">
+            <a:avLst/>
+          </a:prstGeom>
+          <a:ln>
+            <a:tailEnd type="triangle"/>
+          </a:ln>
+        </p:spPr>
+        <p:style>
+          <a:lnRef idx="2">
+            <a:schemeClr val="accent1"/>
+          </a:lnRef>
+          <a:fillRef idx="0">
+            <a:schemeClr val="accent1"/>
+          </a:fillRef>
+          <a:effectRef idx="1">
+            <a:schemeClr val="accent1"/>
+          </a:effectRef>
+          <a:fontRef idx="minor">
+            <a:schemeClr val="tx1"/>
+          </a:fontRef>
+        </p:style>
+      </p:cxnSp>
+      <p:sp>
+        <p:nvSpPr>
+          <p:cNvPr id="14" name="Oval 13">
+            <a:extLst>
+              <a:ext uri="{FF2B5EF4-FFF2-40B4-BE49-F238E27FC236}">
+                <a16:creationId xmlns:a16="http://schemas.microsoft.com/office/drawing/2014/main" id="{E7555E38-F714-1B3A-A3A9-86146151F013}"/>
+              </a:ext>
+            </a:extLst>
+          </p:cNvPr>
+          <p:cNvSpPr/>
+          <p:nvPr/>
+        </p:nvSpPr>
+        <p:spPr>
+          <a:xfrm>
+            <a:off x="6427930" y="3557804"/>
+            <a:ext cx="1076325" cy="1047749"/>
+          </a:xfrm>
+          <a:prstGeom prst="ellipse">
+            <a:avLst/>
+          </a:prstGeom>
+        </p:spPr>
+        <p:style>
+          <a:lnRef idx="2">
+            <a:schemeClr val="accent1">
+              <a:shade val="15000"/>
+            </a:schemeClr>
+          </a:lnRef>
+          <a:fillRef idx="1">
+            <a:schemeClr val="accent1"/>
+          </a:fillRef>
+          <a:effectRef idx="0">
+            <a:schemeClr val="accent1"/>
+          </a:effectRef>
+          <a:fontRef idx="minor">
+            <a:schemeClr val="lt1"/>
+          </a:fontRef>
+        </p:style>
+        <p:txBody>
+          <a:bodyPr rtlCol="0" anchor="ctr"/>
+          <a:lstStyle/>
+          <a:p>
+            <a:pPr algn="ctr"/>
+            <a:r>
+              <a:rPr lang="en-US" sz="1000" dirty="0"/>
+              <a:t>Send email link</a:t>
+            </a:r>
+            <a:endParaRPr lang="en-ID" sz="1000" dirty="0"/>
+          </a:p>
+        </p:txBody>
+      </p:sp>
+      <p:cxnSp>
+        <p:nvCxnSpPr>
+          <p:cNvPr id="18" name="Straight Arrow Connector 17">
+            <a:extLst>
+              <a:ext uri="{FF2B5EF4-FFF2-40B4-BE49-F238E27FC236}">
+                <a16:creationId xmlns:a16="http://schemas.microsoft.com/office/drawing/2014/main" id="{4E980CF3-13D7-28AF-6074-0F905978DF87}"/>
+              </a:ext>
+            </a:extLst>
+          </p:cNvPr>
+          <p:cNvCxnSpPr>
+            <a:cxnSpLocks/>
+            <a:stCxn id="3" idx="3"/>
+            <a:endCxn id="14" idx="1"/>
+          </p:cNvCxnSpPr>
+          <p:nvPr/>
+        </p:nvCxnSpPr>
+        <p:spPr>
+          <a:xfrm>
+            <a:off x="5400675" y="2657475"/>
+            <a:ext cx="1184879" cy="1053768"/>
+          </a:xfrm>
+          <a:prstGeom prst="straightConnector1">
+            <a:avLst/>
+          </a:prstGeom>
+          <a:ln>
+            <a:tailEnd type="triangle"/>
+          </a:ln>
+        </p:spPr>
+        <p:style>
+          <a:lnRef idx="2">
+            <a:schemeClr val="accent1"/>
+          </a:lnRef>
+          <a:fillRef idx="0">
+            <a:schemeClr val="accent1"/>
+          </a:fillRef>
+          <a:effectRef idx="1">
+            <a:schemeClr val="accent1"/>
+          </a:effectRef>
+          <a:fontRef idx="minor">
+            <a:schemeClr val="tx1"/>
+          </a:fontRef>
+        </p:style>
+      </p:cxnSp>
+      <p:sp>
+        <p:nvSpPr>
+          <p:cNvPr id="21" name="Oval 20">
+            <a:extLst>
+              <a:ext uri="{FF2B5EF4-FFF2-40B4-BE49-F238E27FC236}">
+                <a16:creationId xmlns:a16="http://schemas.microsoft.com/office/drawing/2014/main" id="{37D112D9-D4AB-1F57-CE8F-A70343618B91}"/>
+              </a:ext>
+            </a:extLst>
+          </p:cNvPr>
+          <p:cNvSpPr/>
+          <p:nvPr/>
+        </p:nvSpPr>
+        <p:spPr>
+          <a:xfrm>
+            <a:off x="3694544" y="3676651"/>
+            <a:ext cx="1076325" cy="1047749"/>
+          </a:xfrm>
+          <a:prstGeom prst="ellipse">
+            <a:avLst/>
+          </a:prstGeom>
+        </p:spPr>
+        <p:style>
+          <a:lnRef idx="2">
+            <a:schemeClr val="accent1">
+              <a:shade val="15000"/>
+            </a:schemeClr>
+          </a:lnRef>
+          <a:fillRef idx="1">
+            <a:schemeClr val="accent1"/>
+          </a:fillRef>
+          <a:effectRef idx="0">
+            <a:schemeClr val="accent1"/>
+          </a:effectRef>
+          <a:fontRef idx="minor">
+            <a:schemeClr val="lt1"/>
+          </a:fontRef>
+        </p:style>
+        <p:txBody>
+          <a:bodyPr rtlCol="0" anchor="ctr"/>
+          <a:lstStyle/>
+          <a:p>
+            <a:pPr algn="ctr"/>
+            <a:r>
+              <a:rPr lang="en-US" sz="1000" dirty="0"/>
+              <a:t>Click forgot password</a:t>
+            </a:r>
+            <a:endParaRPr lang="en-ID" sz="1000" dirty="0"/>
+          </a:p>
+        </p:txBody>
+      </p:sp>
+      <p:cxnSp>
+        <p:nvCxnSpPr>
+          <p:cNvPr id="24" name="Straight Arrow Connector 23">
+            <a:extLst>
+              <a:ext uri="{FF2B5EF4-FFF2-40B4-BE49-F238E27FC236}">
+                <a16:creationId xmlns:a16="http://schemas.microsoft.com/office/drawing/2014/main" id="{20A20E35-2035-69F3-1340-2F43F1D111DB}"/>
+              </a:ext>
+            </a:extLst>
+          </p:cNvPr>
+          <p:cNvCxnSpPr>
+            <a:cxnSpLocks/>
+          </p:cNvCxnSpPr>
+          <p:nvPr/>
+        </p:nvCxnSpPr>
+        <p:spPr>
+          <a:xfrm flipV="1">
+            <a:off x="4191000" y="3181349"/>
+            <a:ext cx="196273" cy="790287"/>
+          </a:xfrm>
+          <a:prstGeom prst="straightConnector1">
+            <a:avLst/>
+          </a:prstGeom>
+          <a:ln>
+            <a:tailEnd type="triangle"/>
+          </a:ln>
+        </p:spPr>
+        <p:style>
+          <a:lnRef idx="2">
+            <a:schemeClr val="accent1"/>
+          </a:lnRef>
+          <a:fillRef idx="0">
+            <a:schemeClr val="accent1"/>
+          </a:fillRef>
+          <a:effectRef idx="1">
+            <a:schemeClr val="accent1"/>
+          </a:effectRef>
+          <a:fontRef idx="minor">
+            <a:schemeClr val="tx1"/>
+          </a:fontRef>
+        </p:style>
+      </p:cxnSp>
+      <p:sp>
+        <p:nvSpPr>
+          <p:cNvPr id="26" name="Oval 25">
+            <a:extLst>
+              <a:ext uri="{FF2B5EF4-FFF2-40B4-BE49-F238E27FC236}">
+                <a16:creationId xmlns:a16="http://schemas.microsoft.com/office/drawing/2014/main" id="{D9891396-4319-9863-63FD-485349C10B5B}"/>
+              </a:ext>
+            </a:extLst>
+          </p:cNvPr>
+          <p:cNvSpPr/>
+          <p:nvPr/>
+        </p:nvSpPr>
+        <p:spPr>
+          <a:xfrm>
+            <a:off x="3750973" y="5326568"/>
+            <a:ext cx="1076325" cy="1047749"/>
+          </a:xfrm>
+          <a:prstGeom prst="ellipse">
+            <a:avLst/>
+          </a:prstGeom>
+        </p:spPr>
+        <p:style>
+          <a:lnRef idx="2">
+            <a:schemeClr val="accent1">
+              <a:shade val="15000"/>
+            </a:schemeClr>
+          </a:lnRef>
+          <a:fillRef idx="1">
+            <a:schemeClr val="accent1"/>
+          </a:fillRef>
+          <a:effectRef idx="0">
+            <a:schemeClr val="accent1"/>
+          </a:effectRef>
+          <a:fontRef idx="minor">
+            <a:schemeClr val="lt1"/>
+          </a:fontRef>
+        </p:style>
+        <p:txBody>
+          <a:bodyPr rtlCol="0" anchor="ctr"/>
+          <a:lstStyle/>
+          <a:p>
+            <a:pPr algn="ctr"/>
+            <a:r>
+              <a:rPr lang="en-US" sz="1000" dirty="0"/>
+              <a:t>Open forgot password, update password</a:t>
+            </a:r>
+            <a:endParaRPr lang="en-ID" sz="1000" dirty="0"/>
+          </a:p>
+        </p:txBody>
+      </p:sp>
+      <p:cxnSp>
+        <p:nvCxnSpPr>
+          <p:cNvPr id="29" name="Straight Arrow Connector 28">
+            <a:extLst>
+              <a:ext uri="{FF2B5EF4-FFF2-40B4-BE49-F238E27FC236}">
+                <a16:creationId xmlns:a16="http://schemas.microsoft.com/office/drawing/2014/main" id="{D0CEDCA8-B003-658F-479E-4F6703F9F077}"/>
+              </a:ext>
+            </a:extLst>
+          </p:cNvPr>
+          <p:cNvCxnSpPr>
+            <a:stCxn id="7" idx="2"/>
+            <a:endCxn id="26" idx="2"/>
+          </p:cNvCxnSpPr>
+          <p:nvPr/>
+        </p:nvCxnSpPr>
+        <p:spPr>
+          <a:xfrm>
+            <a:off x="1767177" y="4629727"/>
+            <a:ext cx="1983796" cy="1220716"/>
+          </a:xfrm>
+          <a:prstGeom prst="straightConnector1">
+            <a:avLst/>
+          </a:prstGeom>
+          <a:ln>
+            <a:tailEnd type="triangle"/>
+          </a:ln>
+        </p:spPr>
+        <p:style>
+          <a:lnRef idx="2">
+            <a:schemeClr val="accent1"/>
+          </a:lnRef>
+          <a:fillRef idx="0">
+            <a:schemeClr val="accent1"/>
+          </a:fillRef>
+          <a:effectRef idx="1">
+            <a:schemeClr val="accent1"/>
+          </a:effectRef>
+          <a:fontRef idx="minor">
+            <a:schemeClr val="tx1"/>
+          </a:fontRef>
+        </p:style>
+      </p:cxnSp>
+    </p:spTree>
+    <p:extLst>
+      <p:ext uri="{BB962C8B-B14F-4D97-AF65-F5344CB8AC3E}">
+        <p14:creationId xmlns:p14="http://schemas.microsoft.com/office/powerpoint/2010/main" val="2557051395"/>
+      </p:ext>
+    </p:extLst>
+  </p:cSld>
+  <p:clrMapOvr>
+    <a:masterClrMapping/>
+  </p:clrMapOvr>
+</p:sld>
+</file>
+
+<file path=ppt/slides/slide37.xml><?xml version="1.0" encoding="utf-8"?>
+<p:sld xmlns:a="http://schemas.openxmlformats.org/drawingml/2006/main" xmlns:r="http://schemas.openxmlformats.org/officeDocument/2006/relationships" xmlns:p="http://schemas.openxmlformats.org/presentationml/2006/main">
+  <p:cSld>
+    <p:spTree>
+      <p:nvGrpSpPr>
+        <p:cNvPr id="1" name="">
+          <a:extLst>
+            <a:ext uri="{FF2B5EF4-FFF2-40B4-BE49-F238E27FC236}">
+              <a16:creationId xmlns:a16="http://schemas.microsoft.com/office/drawing/2014/main" id="{F16D6F66-6AF0-BE24-154D-BCD3FF4E61E2}"/>
+            </a:ext>
+          </a:extLst>
+        </p:cNvPr>
+        <p:cNvGrpSpPr/>
+        <p:nvPr/>
+      </p:nvGrpSpPr>
+      <p:grpSpPr>
+        <a:xfrm>
+          <a:off x="0" y="0"/>
+          <a:ext cx="0" cy="0"/>
+          <a:chOff x="0" y="0"/>
+          <a:chExt cx="0" cy="0"/>
+        </a:xfrm>
+      </p:grpSpPr>
+      <p:sp>
+        <p:nvSpPr>
+          <p:cNvPr id="2" name="Title 1">
+            <a:extLst>
+              <a:ext uri="{FF2B5EF4-FFF2-40B4-BE49-F238E27FC236}">
+                <a16:creationId xmlns:a16="http://schemas.microsoft.com/office/drawing/2014/main" id="{D033E66E-AFF3-1611-6CA2-00A1DD0F8CB6}"/>
+              </a:ext>
+            </a:extLst>
+          </p:cNvPr>
+          <p:cNvSpPr>
+            <a:spLocks noGrp="1"/>
+          </p:cNvSpPr>
+          <p:nvPr>
+            <p:ph type="title"/>
+          </p:nvPr>
+        </p:nvSpPr>
+        <p:spPr>
+          <a:xfrm>
+            <a:off x="736600" y="254289"/>
+            <a:ext cx="6301509" cy="1325563"/>
+          </a:xfrm>
+        </p:spPr>
+        <p:txBody>
+          <a:bodyPr/>
+          <a:lstStyle/>
+          <a:p>
+            <a:r>
+              <a:rPr lang="en-US" dirty="0"/>
+              <a:t>update user over </a:t>
+            </a:r>
+            <a:r>
+              <a:rPr lang="en-US" dirty="0" err="1"/>
+              <a:t>RestAPI</a:t>
+            </a:r>
+            <a:endParaRPr lang="en-ID" dirty="0"/>
+          </a:p>
+        </p:txBody>
+      </p:sp>
+      <p:pic>
+        <p:nvPicPr>
+          <p:cNvPr id="5" name="Picture 4">
+            <a:extLst>
+              <a:ext uri="{FF2B5EF4-FFF2-40B4-BE49-F238E27FC236}">
+                <a16:creationId xmlns:a16="http://schemas.microsoft.com/office/drawing/2014/main" id="{64F337D9-676C-8D60-39BB-6236DAB4EA9C}"/>
+              </a:ext>
+            </a:extLst>
+          </p:cNvPr>
+          <p:cNvPicPr>
+            <a:picLocks noChangeAspect="1"/>
+          </p:cNvPicPr>
+          <p:nvPr/>
+        </p:nvPicPr>
+        <p:blipFill>
+          <a:blip r:embed="rId2"/>
+          <a:stretch>
+            <a:fillRect/>
+          </a:stretch>
+        </p:blipFill>
+        <p:spPr>
+          <a:xfrm>
+            <a:off x="7038109" y="97822"/>
+            <a:ext cx="5024558" cy="2964059"/>
+          </a:xfrm>
+          <a:prstGeom prst="rect">
+            <a:avLst/>
+          </a:prstGeom>
+        </p:spPr>
+      </p:pic>
+      <p:pic>
+        <p:nvPicPr>
+          <p:cNvPr id="9" name="Picture 8">
+            <a:extLst>
+              <a:ext uri="{FF2B5EF4-FFF2-40B4-BE49-F238E27FC236}">
+                <a16:creationId xmlns:a16="http://schemas.microsoft.com/office/drawing/2014/main" id="{9F56649A-8041-EF0D-E3B7-DB265E402383}"/>
+              </a:ext>
+            </a:extLst>
+          </p:cNvPr>
+          <p:cNvPicPr>
+            <a:picLocks noChangeAspect="1"/>
+          </p:cNvPicPr>
+          <p:nvPr/>
+        </p:nvPicPr>
+        <p:blipFill>
+          <a:blip r:embed="rId3"/>
+          <a:stretch>
+            <a:fillRect/>
+          </a:stretch>
+        </p:blipFill>
+        <p:spPr>
+          <a:xfrm>
+            <a:off x="858982" y="1420603"/>
+            <a:ext cx="4901954" cy="3578769"/>
+          </a:xfrm>
+          <a:prstGeom prst="rect">
+            <a:avLst/>
+          </a:prstGeom>
+        </p:spPr>
+      </p:pic>
+      <p:pic>
+        <p:nvPicPr>
+          <p:cNvPr id="12" name="Picture 11">
+            <a:extLst>
+              <a:ext uri="{FF2B5EF4-FFF2-40B4-BE49-F238E27FC236}">
+                <a16:creationId xmlns:a16="http://schemas.microsoft.com/office/drawing/2014/main" id="{3E8DD01E-EA6D-4741-FA03-35BBA22D54EC}"/>
+              </a:ext>
+            </a:extLst>
+          </p:cNvPr>
+          <p:cNvPicPr>
+            <a:picLocks noChangeAspect="1"/>
+          </p:cNvPicPr>
+          <p:nvPr/>
+        </p:nvPicPr>
+        <p:blipFill>
+          <a:blip r:embed="rId4"/>
+          <a:stretch>
+            <a:fillRect/>
+          </a:stretch>
+        </p:blipFill>
+        <p:spPr>
+          <a:xfrm>
+            <a:off x="6897067" y="3328011"/>
+            <a:ext cx="5165600" cy="3529989"/>
+          </a:xfrm>
+          <a:prstGeom prst="rect">
+            <a:avLst/>
+          </a:prstGeom>
+        </p:spPr>
+      </p:pic>
+    </p:spTree>
+    <p:extLst>
+      <p:ext uri="{BB962C8B-B14F-4D97-AF65-F5344CB8AC3E}">
+        <p14:creationId xmlns:p14="http://schemas.microsoft.com/office/powerpoint/2010/main" val="502389063"/>
+      </p:ext>
+    </p:extLst>
+  </p:cSld>
+  <p:clrMapOvr>
+    <a:masterClrMapping/>
+  </p:clrMapOvr>
+</p:sld>
+</file>
+
+<file path=ppt/slides/slide38.xml><?xml version="1.0" encoding="utf-8"?>
+<p:sld xmlns:a="http://schemas.openxmlformats.org/drawingml/2006/main" xmlns:r="http://schemas.openxmlformats.org/officeDocument/2006/relationships" xmlns:p="http://schemas.openxmlformats.org/presentationml/2006/main">
+  <p:cSld>
+    <p:spTree>
+      <p:nvGrpSpPr>
+        <p:cNvPr id="1" name=""/>
+        <p:cNvGrpSpPr/>
+        <p:nvPr/>
+      </p:nvGrpSpPr>
+      <p:grpSpPr>
+        <a:xfrm>
+          <a:off x="0" y="0"/>
+          <a:ext cx="0" cy="0"/>
+          <a:chOff x="0" y="0"/>
+          <a:chExt cx="0" cy="0"/>
+        </a:xfrm>
+      </p:grpSpPr>
+      <p:sp>
+        <p:nvSpPr>
+          <p:cNvPr id="2" name="Title 1">
+            <a:extLst>
+              <a:ext uri="{FF2B5EF4-FFF2-40B4-BE49-F238E27FC236}">
+                <a16:creationId xmlns:a16="http://schemas.microsoft.com/office/drawing/2014/main" id="{95A631F2-A9C9-3EC4-6568-B068F424B363}"/>
+              </a:ext>
+            </a:extLst>
+          </p:cNvPr>
+          <p:cNvSpPr>
+            <a:spLocks noGrp="1"/>
+          </p:cNvSpPr>
+          <p:nvPr>
+            <p:ph type="title"/>
+          </p:nvPr>
+        </p:nvSpPr>
+        <p:spPr/>
+        <p:txBody>
+          <a:bodyPr/>
+          <a:lstStyle/>
+          <a:p>
+            <a:r>
+              <a:rPr lang="en-US" dirty="0"/>
+              <a:t>Create client</a:t>
+            </a:r>
+            <a:endParaRPr lang="en-ID" dirty="0"/>
+          </a:p>
+        </p:txBody>
+      </p:sp>
+      <p:pic>
+        <p:nvPicPr>
+          <p:cNvPr id="5" name="Picture 4">
+            <a:extLst>
+              <a:ext uri="{FF2B5EF4-FFF2-40B4-BE49-F238E27FC236}">
+                <a16:creationId xmlns:a16="http://schemas.microsoft.com/office/drawing/2014/main" id="{6F324B60-2B14-7691-3D0F-C0AFC91A391B}"/>
+              </a:ext>
+            </a:extLst>
+          </p:cNvPr>
+          <p:cNvPicPr>
+            <a:picLocks noChangeAspect="1"/>
+          </p:cNvPicPr>
+          <p:nvPr/>
+        </p:nvPicPr>
+        <p:blipFill>
+          <a:blip r:embed="rId2"/>
+          <a:stretch>
+            <a:fillRect/>
+          </a:stretch>
+        </p:blipFill>
+        <p:spPr>
+          <a:xfrm>
+            <a:off x="952370" y="1488737"/>
+            <a:ext cx="6001588" cy="2772162"/>
+          </a:xfrm>
+          <a:prstGeom prst="rect">
+            <a:avLst/>
+          </a:prstGeom>
+        </p:spPr>
+      </p:pic>
+      <p:pic>
+        <p:nvPicPr>
+          <p:cNvPr id="7" name="Picture 6">
+            <a:extLst>
+              <a:ext uri="{FF2B5EF4-FFF2-40B4-BE49-F238E27FC236}">
+                <a16:creationId xmlns:a16="http://schemas.microsoft.com/office/drawing/2014/main" id="{933A8F09-BC65-71A2-E345-518B0FE094E3}"/>
+              </a:ext>
+            </a:extLst>
+          </p:cNvPr>
+          <p:cNvPicPr>
+            <a:picLocks noChangeAspect="1"/>
+          </p:cNvPicPr>
+          <p:nvPr/>
+        </p:nvPicPr>
+        <p:blipFill>
+          <a:blip r:embed="rId3"/>
+          <a:stretch>
+            <a:fillRect/>
+          </a:stretch>
+        </p:blipFill>
+        <p:spPr>
+          <a:xfrm>
+            <a:off x="9130167" y="66963"/>
+            <a:ext cx="2851088" cy="3362037"/>
+          </a:xfrm>
+          <a:prstGeom prst="rect">
+            <a:avLst/>
+          </a:prstGeom>
+        </p:spPr>
+      </p:pic>
+      <p:pic>
+        <p:nvPicPr>
+          <p:cNvPr id="9" name="Picture 8">
+            <a:extLst>
+              <a:ext uri="{FF2B5EF4-FFF2-40B4-BE49-F238E27FC236}">
+                <a16:creationId xmlns:a16="http://schemas.microsoft.com/office/drawing/2014/main" id="{B3F50735-3413-864D-FCA1-3D76C9F174AB}"/>
+              </a:ext>
+            </a:extLst>
+          </p:cNvPr>
+          <p:cNvPicPr>
+            <a:picLocks noChangeAspect="1"/>
+          </p:cNvPicPr>
+          <p:nvPr/>
+        </p:nvPicPr>
+        <p:blipFill>
+          <a:blip r:embed="rId4"/>
+          <a:stretch>
+            <a:fillRect/>
+          </a:stretch>
+        </p:blipFill>
+        <p:spPr>
+          <a:xfrm>
+            <a:off x="6953958" y="3820762"/>
+            <a:ext cx="5292437" cy="3352892"/>
+          </a:xfrm>
+          <a:prstGeom prst="rect">
+            <a:avLst/>
+          </a:prstGeom>
+        </p:spPr>
+      </p:pic>
+    </p:spTree>
+    <p:extLst>
+      <p:ext uri="{BB962C8B-B14F-4D97-AF65-F5344CB8AC3E}">
+        <p14:creationId xmlns:p14="http://schemas.microsoft.com/office/powerpoint/2010/main" val="1788982610"/>
+      </p:ext>
+    </p:extLst>
+  </p:cSld>
+  <p:clrMapOvr>
+    <a:masterClrMapping/>
+  </p:clrMapOvr>
+</p:sld>
+</file>
+
+<file path=ppt/slides/slide39.xml><?xml version="1.0" encoding="utf-8"?>
+<p:sld xmlns:a="http://schemas.openxmlformats.org/drawingml/2006/main" xmlns:r="http://schemas.openxmlformats.org/officeDocument/2006/relationships" xmlns:p="http://schemas.openxmlformats.org/presentationml/2006/main">
+  <p:cSld>
+    <p:spTree>
+      <p:nvGrpSpPr>
+        <p:cNvPr id="1" name=""/>
+        <p:cNvGrpSpPr/>
+        <p:nvPr/>
+      </p:nvGrpSpPr>
+      <p:grpSpPr>
+        <a:xfrm>
+          <a:off x="0" y="0"/>
+          <a:ext cx="0" cy="0"/>
+          <a:chOff x="0" y="0"/>
+          <a:chExt cx="0" cy="0"/>
+        </a:xfrm>
+      </p:grpSpPr>
+      <p:sp>
+        <p:nvSpPr>
+          <p:cNvPr id="2" name="Title 1">
+            <a:extLst>
+              <a:ext uri="{FF2B5EF4-FFF2-40B4-BE49-F238E27FC236}">
+                <a16:creationId xmlns:a16="http://schemas.microsoft.com/office/drawing/2014/main" id="{E2AE3399-6C79-6B8A-89E2-32EA4F905390}"/>
+              </a:ext>
+            </a:extLst>
+          </p:cNvPr>
+          <p:cNvSpPr>
+            <a:spLocks noGrp="1"/>
+          </p:cNvSpPr>
+          <p:nvPr>
+            <p:ph type="title"/>
+          </p:nvPr>
+        </p:nvSpPr>
+        <p:spPr/>
+        <p:txBody>
+          <a:bodyPr/>
+          <a:lstStyle/>
+          <a:p>
+            <a:r>
+              <a:rPr lang="en-US" dirty="0"/>
+              <a:t>Integrasi </a:t>
+            </a:r>
+            <a:r>
+              <a:rPr lang="en-US" dirty="0" err="1"/>
+              <a:t>keycloak</a:t>
+            </a:r>
+            <a:r>
+              <a:rPr lang="en-US" dirty="0"/>
+              <a:t> </a:t>
+            </a:r>
+            <a:r>
+              <a:rPr lang="en-US" dirty="0" err="1"/>
+              <a:t>dengan</a:t>
+            </a:r>
+            <a:r>
+              <a:rPr lang="en-US" dirty="0"/>
+              <a:t> LDAP</a:t>
+            </a:r>
+            <a:endParaRPr lang="en-ID" dirty="0"/>
+          </a:p>
+        </p:txBody>
+      </p:sp>
+      <p:sp>
+        <p:nvSpPr>
+          <p:cNvPr id="3" name="Content Placeholder 2">
+            <a:extLst>
+              <a:ext uri="{FF2B5EF4-FFF2-40B4-BE49-F238E27FC236}">
+                <a16:creationId xmlns:a16="http://schemas.microsoft.com/office/drawing/2014/main" id="{1B623845-EDE6-93FA-F244-906655E6CD34}"/>
+              </a:ext>
+            </a:extLst>
+          </p:cNvPr>
+          <p:cNvSpPr>
+            <a:spLocks noGrp="1"/>
+          </p:cNvSpPr>
+          <p:nvPr>
+            <p:ph idx="1"/>
+          </p:nvPr>
+        </p:nvSpPr>
+        <p:spPr/>
+        <p:txBody>
+          <a:bodyPr/>
+          <a:lstStyle/>
+          <a:p>
+            <a:pPr algn="just"/>
+            <a:r>
+              <a:rPr lang="en-US" dirty="0"/>
+              <a:t>LDAP </a:t>
+            </a:r>
+            <a:r>
+              <a:rPr lang="en-ID" dirty="0">
+                <a:hlinkClick r:id="rId2">
+                  <a:extLst>
+                    <a:ext uri="{A12FA001-AC4F-418D-AE19-62706E023703}">
+                      <ahyp:hlinkClr xmlns:ahyp="http://schemas.microsoft.com/office/drawing/2018/hyperlinkcolor" val="tx"/>
+                    </a:ext>
+                  </a:extLst>
+                </a:hlinkClick>
+              </a:rPr>
+              <a:t>(Lightweight Directory Access Protocol)</a:t>
+            </a:r>
+            <a:r>
+              <a:rPr lang="en-US" dirty="0"/>
+              <a:t> : protocol</a:t>
+            </a:r>
+          </a:p>
+          <a:p>
+            <a:pPr algn="just"/>
+            <a:r>
+              <a:rPr lang="en-US" dirty="0"/>
+              <a:t>AD vs </a:t>
+            </a:r>
+            <a:r>
+              <a:rPr lang="en-US" dirty="0" err="1"/>
+              <a:t>OpenLDAP</a:t>
+            </a:r>
+            <a:r>
+              <a:rPr lang="en-US" dirty="0"/>
+              <a:t>? </a:t>
+            </a:r>
+            <a:r>
+              <a:rPr lang="en-US" dirty="0" err="1"/>
+              <a:t>Perangkat</a:t>
+            </a:r>
+            <a:r>
+              <a:rPr lang="en-US" dirty="0"/>
+              <a:t> </a:t>
+            </a:r>
+            <a:r>
+              <a:rPr lang="en-US" dirty="0" err="1"/>
+              <a:t>lunak</a:t>
+            </a:r>
+            <a:r>
+              <a:rPr lang="en-US" dirty="0"/>
+              <a:t> yang </a:t>
+            </a:r>
+            <a:r>
+              <a:rPr lang="en-US" dirty="0" err="1"/>
+              <a:t>mendukung</a:t>
+            </a:r>
+            <a:r>
+              <a:rPr lang="en-US" dirty="0"/>
+              <a:t> LDAP</a:t>
+            </a:r>
+          </a:p>
+          <a:p>
+            <a:pPr algn="just"/>
+            <a:endParaRPr lang="en-US" dirty="0"/>
+          </a:p>
+          <a:p>
+            <a:pPr algn="just"/>
+            <a:r>
+              <a:rPr lang="en-ID" b="0" i="0" dirty="0">
+                <a:solidFill>
+                  <a:srgbClr val="000000"/>
+                </a:solidFill>
+                <a:effectLst/>
+                <a:latin typeface="canada-type-gibson"/>
+              </a:rPr>
+              <a:t>LDAP </a:t>
+            </a:r>
+            <a:r>
+              <a:rPr lang="en-ID" b="0" i="0" dirty="0" err="1">
+                <a:solidFill>
+                  <a:srgbClr val="000000"/>
+                </a:solidFill>
+                <a:effectLst/>
+                <a:latin typeface="canada-type-gibson"/>
+              </a:rPr>
+              <a:t>adalah</a:t>
+            </a:r>
+            <a:r>
+              <a:rPr lang="en-ID" b="0" i="0" dirty="0">
+                <a:solidFill>
+                  <a:srgbClr val="000000"/>
+                </a:solidFill>
+                <a:effectLst/>
+                <a:latin typeface="canada-type-gibson"/>
+              </a:rPr>
+              <a:t> </a:t>
+            </a:r>
+            <a:r>
+              <a:rPr lang="en-ID" b="0" i="0" dirty="0" err="1">
+                <a:solidFill>
+                  <a:srgbClr val="000000"/>
+                </a:solidFill>
+                <a:effectLst/>
+                <a:latin typeface="canada-type-gibson"/>
+              </a:rPr>
+              <a:t>protokol</a:t>
+            </a:r>
+            <a:r>
+              <a:rPr lang="en-ID" b="0" i="0" dirty="0">
+                <a:solidFill>
+                  <a:srgbClr val="000000"/>
+                </a:solidFill>
+                <a:effectLst/>
+                <a:latin typeface="canada-type-gibson"/>
+              </a:rPr>
+              <a:t> yang </a:t>
+            </a:r>
+            <a:r>
+              <a:rPr lang="en-ID" b="0" i="0" dirty="0" err="1">
+                <a:solidFill>
+                  <a:srgbClr val="000000"/>
+                </a:solidFill>
+                <a:effectLst/>
+                <a:latin typeface="canada-type-gibson"/>
+              </a:rPr>
+              <a:t>menentukan</a:t>
+            </a:r>
+            <a:r>
+              <a:rPr lang="en-ID" b="0" i="0" dirty="0">
+                <a:solidFill>
+                  <a:srgbClr val="000000"/>
+                </a:solidFill>
+                <a:effectLst/>
+                <a:latin typeface="canada-type-gibson"/>
+              </a:rPr>
+              <a:t> </a:t>
+            </a:r>
+            <a:r>
+              <a:rPr lang="en-ID" b="0" i="0" dirty="0" err="1">
+                <a:solidFill>
+                  <a:srgbClr val="000000"/>
+                </a:solidFill>
+                <a:effectLst/>
+                <a:latin typeface="canada-type-gibson"/>
+              </a:rPr>
+              <a:t>bagaimana</a:t>
+            </a:r>
+            <a:r>
+              <a:rPr lang="en-ID" b="0" i="0" dirty="0">
+                <a:solidFill>
+                  <a:srgbClr val="000000"/>
+                </a:solidFill>
+                <a:effectLst/>
+                <a:latin typeface="canada-type-gibson"/>
+              </a:rPr>
+              <a:t> </a:t>
+            </a:r>
+            <a:r>
+              <a:rPr lang="en-ID" b="0" i="0" dirty="0" err="1">
+                <a:solidFill>
+                  <a:srgbClr val="000000"/>
+                </a:solidFill>
+                <a:effectLst/>
+                <a:latin typeface="canada-type-gibson"/>
+              </a:rPr>
+              <a:t>pengguna</a:t>
+            </a:r>
+            <a:r>
+              <a:rPr lang="en-ID" b="0" i="0" dirty="0">
+                <a:solidFill>
+                  <a:srgbClr val="000000"/>
+                </a:solidFill>
+                <a:effectLst/>
+                <a:latin typeface="canada-type-gibson"/>
+              </a:rPr>
+              <a:t>, </a:t>
+            </a:r>
+            <a:r>
+              <a:rPr lang="en-ID" b="0" i="0" dirty="0" err="1">
+                <a:solidFill>
+                  <a:srgbClr val="000000"/>
+                </a:solidFill>
+                <a:effectLst/>
+                <a:latin typeface="canada-type-gibson"/>
+              </a:rPr>
+              <a:t>perangkat</a:t>
+            </a:r>
+            <a:r>
+              <a:rPr lang="en-ID" b="0" i="0" dirty="0">
+                <a:solidFill>
+                  <a:srgbClr val="000000"/>
+                </a:solidFill>
+                <a:effectLst/>
+                <a:latin typeface="canada-type-gibson"/>
+              </a:rPr>
+              <a:t>, dan </a:t>
+            </a:r>
+            <a:r>
+              <a:rPr lang="en-ID" b="0" i="0" dirty="0" err="1">
+                <a:solidFill>
+                  <a:srgbClr val="000000"/>
+                </a:solidFill>
+                <a:effectLst/>
+                <a:latin typeface="canada-type-gibson"/>
+              </a:rPr>
+              <a:t>klien</a:t>
+            </a:r>
+            <a:r>
+              <a:rPr lang="en-ID" b="0" i="0" dirty="0">
+                <a:solidFill>
+                  <a:srgbClr val="000000"/>
+                </a:solidFill>
+                <a:effectLst/>
+                <a:latin typeface="canada-type-gibson"/>
+              </a:rPr>
+              <a:t> </a:t>
+            </a:r>
+            <a:r>
+              <a:rPr lang="en-ID" b="0" i="0" dirty="0" err="1">
+                <a:solidFill>
+                  <a:srgbClr val="000000"/>
+                </a:solidFill>
+                <a:effectLst/>
+                <a:latin typeface="canada-type-gibson"/>
+              </a:rPr>
+              <a:t>dapat</a:t>
+            </a:r>
+            <a:r>
+              <a:rPr lang="en-ID" b="0" i="0" dirty="0">
+                <a:solidFill>
+                  <a:srgbClr val="000000"/>
+                </a:solidFill>
+                <a:effectLst/>
+                <a:latin typeface="canada-type-gibson"/>
+              </a:rPr>
+              <a:t> </a:t>
+            </a:r>
+            <a:r>
+              <a:rPr lang="en-ID" b="0" i="0" dirty="0" err="1">
+                <a:solidFill>
+                  <a:srgbClr val="000000"/>
+                </a:solidFill>
+                <a:effectLst/>
+                <a:latin typeface="canada-type-gibson"/>
+              </a:rPr>
+              <a:t>berkomunikasi</a:t>
+            </a:r>
+            <a:r>
+              <a:rPr lang="en-ID" b="0" i="0" dirty="0">
+                <a:solidFill>
+                  <a:srgbClr val="000000"/>
+                </a:solidFill>
+                <a:effectLst/>
+                <a:latin typeface="canada-type-gibson"/>
+              </a:rPr>
+              <a:t> </a:t>
+            </a:r>
+            <a:r>
+              <a:rPr lang="en-ID" b="0" i="0" dirty="0" err="1">
+                <a:solidFill>
+                  <a:srgbClr val="000000"/>
+                </a:solidFill>
+                <a:effectLst/>
+                <a:latin typeface="canada-type-gibson"/>
+              </a:rPr>
+              <a:t>dengan</a:t>
+            </a:r>
+            <a:r>
+              <a:rPr lang="en-ID" b="0" i="0" dirty="0">
+                <a:solidFill>
+                  <a:srgbClr val="000000"/>
+                </a:solidFill>
+                <a:effectLst/>
+                <a:latin typeface="canada-type-gibson"/>
+              </a:rPr>
+              <a:t> </a:t>
+            </a:r>
+            <a:r>
+              <a:rPr lang="en-ID" b="0" i="0" dirty="0" err="1">
+                <a:solidFill>
+                  <a:srgbClr val="000000"/>
+                </a:solidFill>
+                <a:effectLst/>
+                <a:latin typeface="canada-type-gibson"/>
+              </a:rPr>
+              <a:t>direktori</a:t>
+            </a:r>
+            <a:r>
+              <a:rPr lang="en-ID" b="0" i="0" dirty="0">
+                <a:solidFill>
+                  <a:srgbClr val="000000"/>
+                </a:solidFill>
+                <a:effectLst/>
+                <a:latin typeface="canada-type-gibson"/>
+              </a:rPr>
+              <a:t> server.</a:t>
+            </a:r>
+          </a:p>
+          <a:p>
+            <a:pPr algn="just"/>
+            <a:r>
+              <a:rPr lang="en-ID" dirty="0">
+                <a:solidFill>
+                  <a:srgbClr val="000000"/>
+                </a:solidFill>
+                <a:latin typeface="canada-type-gibson"/>
+              </a:rPr>
+              <a:t>AD </a:t>
+            </a:r>
+            <a:r>
+              <a:rPr lang="en-ID" dirty="0" err="1">
+                <a:solidFill>
+                  <a:srgbClr val="000000"/>
+                </a:solidFill>
+                <a:latin typeface="canada-type-gibson"/>
+              </a:rPr>
+              <a:t>berbasis</a:t>
+            </a:r>
+            <a:r>
+              <a:rPr lang="en-ID" dirty="0">
+                <a:solidFill>
+                  <a:srgbClr val="000000"/>
+                </a:solidFill>
+                <a:latin typeface="canada-type-gibson"/>
+              </a:rPr>
+              <a:t> windows, </a:t>
+            </a:r>
+            <a:r>
+              <a:rPr lang="en-ID" dirty="0" err="1">
+                <a:solidFill>
+                  <a:srgbClr val="000000"/>
+                </a:solidFill>
+                <a:latin typeface="canada-type-gibson"/>
+              </a:rPr>
+              <a:t>ada</a:t>
+            </a:r>
+            <a:r>
+              <a:rPr lang="en-ID" dirty="0">
+                <a:solidFill>
+                  <a:srgbClr val="000000"/>
+                </a:solidFill>
+                <a:latin typeface="canada-type-gibson"/>
+              </a:rPr>
+              <a:t> </a:t>
+            </a:r>
+            <a:r>
+              <a:rPr lang="en-ID" dirty="0" err="1">
+                <a:solidFill>
+                  <a:srgbClr val="000000"/>
+                </a:solidFill>
+                <a:latin typeface="canada-type-gibson"/>
+              </a:rPr>
+              <a:t>gui</a:t>
+            </a:r>
+            <a:r>
+              <a:rPr lang="en-ID" dirty="0">
+                <a:solidFill>
+                  <a:srgbClr val="000000"/>
+                </a:solidFill>
+                <a:latin typeface="canada-type-gibson"/>
+              </a:rPr>
+              <a:t> dan </a:t>
+            </a:r>
+            <a:r>
+              <a:rPr lang="en-ID" dirty="0" err="1">
+                <a:solidFill>
+                  <a:srgbClr val="000000"/>
+                </a:solidFill>
+                <a:latin typeface="canada-type-gibson"/>
+              </a:rPr>
+              <a:t>lisensi</a:t>
+            </a:r>
+            <a:endParaRPr lang="en-ID" dirty="0">
+              <a:solidFill>
+                <a:srgbClr val="000000"/>
+              </a:solidFill>
+              <a:latin typeface="canada-type-gibson"/>
+            </a:endParaRPr>
+          </a:p>
+          <a:p>
+            <a:pPr algn="just"/>
+            <a:r>
+              <a:rPr lang="en-ID" dirty="0" err="1">
+                <a:solidFill>
+                  <a:srgbClr val="000000"/>
+                </a:solidFill>
+                <a:latin typeface="canada-type-gibson"/>
+              </a:rPr>
+              <a:t>OpenLDAP</a:t>
+            </a:r>
+            <a:r>
+              <a:rPr lang="en-ID" dirty="0">
+                <a:solidFill>
+                  <a:srgbClr val="000000"/>
+                </a:solidFill>
+                <a:latin typeface="canada-type-gibson"/>
+              </a:rPr>
+              <a:t> </a:t>
+            </a:r>
+            <a:r>
+              <a:rPr lang="en-ID" dirty="0" err="1">
+                <a:solidFill>
+                  <a:srgbClr val="000000"/>
+                </a:solidFill>
+                <a:latin typeface="canada-type-gibson"/>
+              </a:rPr>
+              <a:t>berbasis</a:t>
+            </a:r>
+            <a:r>
+              <a:rPr lang="en-ID" dirty="0">
+                <a:solidFill>
+                  <a:srgbClr val="000000"/>
+                </a:solidFill>
+                <a:latin typeface="canada-type-gibson"/>
+              </a:rPr>
+              <a:t> </a:t>
+            </a:r>
+            <a:r>
+              <a:rPr lang="en-ID" dirty="0" err="1">
+                <a:solidFill>
+                  <a:srgbClr val="000000"/>
+                </a:solidFill>
+                <a:latin typeface="canada-type-gibson"/>
+              </a:rPr>
+              <a:t>linux</a:t>
+            </a:r>
+            <a:r>
+              <a:rPr lang="en-ID" dirty="0">
+                <a:solidFill>
+                  <a:srgbClr val="000000"/>
+                </a:solidFill>
+                <a:latin typeface="canada-type-gibson"/>
+              </a:rPr>
+              <a:t> dan opensource</a:t>
+            </a:r>
+            <a:endParaRPr lang="en-ID" dirty="0"/>
+          </a:p>
+        </p:txBody>
+      </p:sp>
+    </p:spTree>
+    <p:extLst>
+      <p:ext uri="{BB962C8B-B14F-4D97-AF65-F5344CB8AC3E}">
+        <p14:creationId xmlns:p14="http://schemas.microsoft.com/office/powerpoint/2010/main" val="2344216510"/>
       </p:ext>
     </p:extLst>
   </p:cSld>
@@ -24185,6 +29150,723 @@
     <p:extLst>
       <p:ext uri="{BB962C8B-B14F-4D97-AF65-F5344CB8AC3E}">
         <p14:creationId xmlns:p14="http://schemas.microsoft.com/office/powerpoint/2010/main" val="3208798117"/>
+      </p:ext>
+    </p:extLst>
+  </p:cSld>
+  <p:clrMapOvr>
+    <a:masterClrMapping/>
+  </p:clrMapOvr>
+</p:sld>
+</file>
+
+<file path=ppt/slides/slide40.xml><?xml version="1.0" encoding="utf-8"?>
+<p:sld xmlns:a="http://schemas.openxmlformats.org/drawingml/2006/main" xmlns:r="http://schemas.openxmlformats.org/officeDocument/2006/relationships" xmlns:p="http://schemas.openxmlformats.org/presentationml/2006/main">
+  <p:cSld>
+    <p:spTree>
+      <p:nvGrpSpPr>
+        <p:cNvPr id="1" name=""/>
+        <p:cNvGrpSpPr/>
+        <p:nvPr/>
+      </p:nvGrpSpPr>
+      <p:grpSpPr>
+        <a:xfrm>
+          <a:off x="0" y="0"/>
+          <a:ext cx="0" cy="0"/>
+          <a:chOff x="0" y="0"/>
+          <a:chExt cx="0" cy="0"/>
+        </a:xfrm>
+      </p:grpSpPr>
+      <p:sp>
+        <p:nvSpPr>
+          <p:cNvPr id="2" name="Title 1">
+            <a:extLst>
+              <a:ext uri="{FF2B5EF4-FFF2-40B4-BE49-F238E27FC236}">
+                <a16:creationId xmlns:a16="http://schemas.microsoft.com/office/drawing/2014/main" id="{48F5AC79-B6CD-0D80-3F7A-4A7443F80F4A}"/>
+              </a:ext>
+            </a:extLst>
+          </p:cNvPr>
+          <p:cNvSpPr>
+            <a:spLocks noGrp="1"/>
+          </p:cNvSpPr>
+          <p:nvPr>
+            <p:ph type="title"/>
+          </p:nvPr>
+        </p:nvSpPr>
+        <p:spPr/>
+        <p:txBody>
+          <a:bodyPr/>
+          <a:lstStyle/>
+          <a:p>
+            <a:r>
+              <a:rPr lang="en-US" dirty="0"/>
+              <a:t>Add User (LDAP)</a:t>
+            </a:r>
+            <a:endParaRPr lang="en-ID" dirty="0"/>
+          </a:p>
+        </p:txBody>
+      </p:sp>
+      <p:sp>
+        <p:nvSpPr>
+          <p:cNvPr id="8" name="TextBox 7">
+            <a:extLst>
+              <a:ext uri="{FF2B5EF4-FFF2-40B4-BE49-F238E27FC236}">
+                <a16:creationId xmlns:a16="http://schemas.microsoft.com/office/drawing/2014/main" id="{2223510A-FC14-959C-5106-3DC60FF038AD}"/>
+              </a:ext>
+            </a:extLst>
+          </p:cNvPr>
+          <p:cNvSpPr txBox="1"/>
+          <p:nvPr/>
+        </p:nvSpPr>
+        <p:spPr>
+          <a:xfrm>
+            <a:off x="1108364" y="2190511"/>
+            <a:ext cx="821059" cy="369332"/>
+          </a:xfrm>
+          <a:prstGeom prst="rect">
+            <a:avLst/>
+          </a:prstGeom>
+          <a:noFill/>
+        </p:spPr>
+        <p:txBody>
+          <a:bodyPr wrap="none" rtlCol="0">
+            <a:spAutoFit/>
+          </a:bodyPr>
+          <a:lstStyle/>
+          <a:p>
+            <a:r>
+              <a:rPr lang="en-US" dirty="0"/>
+              <a:t>pass : </a:t>
+            </a:r>
+            <a:endParaRPr lang="en-ID" dirty="0"/>
+          </a:p>
+        </p:txBody>
+      </p:sp>
+      <p:sp>
+        <p:nvSpPr>
+          <p:cNvPr id="14" name="TextBox 13">
+            <a:extLst>
+              <a:ext uri="{FF2B5EF4-FFF2-40B4-BE49-F238E27FC236}">
+                <a16:creationId xmlns:a16="http://schemas.microsoft.com/office/drawing/2014/main" id="{991E4C2A-9B58-23C2-B8BD-CB3EA362C0C2}"/>
+              </a:ext>
+            </a:extLst>
+          </p:cNvPr>
+          <p:cNvSpPr txBox="1"/>
+          <p:nvPr/>
+        </p:nvSpPr>
+        <p:spPr>
+          <a:xfrm>
+            <a:off x="1755647" y="2190511"/>
+            <a:ext cx="6096000" cy="369332"/>
+          </a:xfrm>
+          <a:prstGeom prst="rect">
+            <a:avLst/>
+          </a:prstGeom>
+          <a:noFill/>
+        </p:spPr>
+        <p:txBody>
+          <a:bodyPr wrap="square">
+            <a:spAutoFit/>
+          </a:bodyPr>
+          <a:lstStyle/>
+          <a:p>
+            <a:r>
+              <a:rPr lang="en-ID" dirty="0"/>
+              <a:t>demo</a:t>
+            </a:r>
+          </a:p>
+        </p:txBody>
+      </p:sp>
+      <p:sp>
+        <p:nvSpPr>
+          <p:cNvPr id="15" name="TextBox 14">
+            <a:extLst>
+              <a:ext uri="{FF2B5EF4-FFF2-40B4-BE49-F238E27FC236}">
+                <a16:creationId xmlns:a16="http://schemas.microsoft.com/office/drawing/2014/main" id="{A4F299B4-D8BE-AA56-74FF-DFB0B795B125}"/>
+              </a:ext>
+            </a:extLst>
+          </p:cNvPr>
+          <p:cNvSpPr txBox="1"/>
+          <p:nvPr/>
+        </p:nvSpPr>
+        <p:spPr>
+          <a:xfrm>
+            <a:off x="1108364" y="1893455"/>
+            <a:ext cx="811184" cy="369332"/>
+          </a:xfrm>
+          <a:prstGeom prst="rect">
+            <a:avLst/>
+          </a:prstGeom>
+          <a:noFill/>
+        </p:spPr>
+        <p:txBody>
+          <a:bodyPr wrap="none" rtlCol="0">
+            <a:spAutoFit/>
+          </a:bodyPr>
+          <a:lstStyle/>
+          <a:p>
+            <a:r>
+              <a:rPr lang="en-US" dirty="0"/>
+              <a:t>User : </a:t>
+            </a:r>
+            <a:endParaRPr lang="en-ID" dirty="0"/>
+          </a:p>
+        </p:txBody>
+      </p:sp>
+      <p:sp>
+        <p:nvSpPr>
+          <p:cNvPr id="16" name="TextBox 15">
+            <a:extLst>
+              <a:ext uri="{FF2B5EF4-FFF2-40B4-BE49-F238E27FC236}">
+                <a16:creationId xmlns:a16="http://schemas.microsoft.com/office/drawing/2014/main" id="{394129DE-392E-230C-E77F-A197F6390BDB}"/>
+              </a:ext>
+            </a:extLst>
+          </p:cNvPr>
+          <p:cNvSpPr txBox="1"/>
+          <p:nvPr/>
+        </p:nvSpPr>
+        <p:spPr>
+          <a:xfrm>
+            <a:off x="1755647" y="1893455"/>
+            <a:ext cx="6096000" cy="369332"/>
+          </a:xfrm>
+          <a:prstGeom prst="rect">
+            <a:avLst/>
+          </a:prstGeom>
+          <a:noFill/>
+        </p:spPr>
+        <p:txBody>
+          <a:bodyPr wrap="square">
+            <a:spAutoFit/>
+          </a:bodyPr>
+          <a:lstStyle/>
+          <a:p>
+            <a:r>
+              <a:rPr lang="en-ID" dirty="0"/>
+              <a:t>koharudin.mail07@gmail.com</a:t>
+            </a:r>
+          </a:p>
+        </p:txBody>
+      </p:sp>
+      <p:pic>
+        <p:nvPicPr>
+          <p:cNvPr id="18" name="Picture 17">
+            <a:extLst>
+              <a:ext uri="{FF2B5EF4-FFF2-40B4-BE49-F238E27FC236}">
+                <a16:creationId xmlns:a16="http://schemas.microsoft.com/office/drawing/2014/main" id="{D7CE77D5-2DA5-5D87-1354-2DBF7BE2E145}"/>
+              </a:ext>
+            </a:extLst>
+          </p:cNvPr>
+          <p:cNvPicPr>
+            <a:picLocks noChangeAspect="1"/>
+          </p:cNvPicPr>
+          <p:nvPr/>
+        </p:nvPicPr>
+        <p:blipFill>
+          <a:blip r:embed="rId2"/>
+          <a:stretch>
+            <a:fillRect/>
+          </a:stretch>
+        </p:blipFill>
+        <p:spPr>
+          <a:xfrm>
+            <a:off x="7012981" y="18573"/>
+            <a:ext cx="4867954" cy="6820852"/>
+          </a:xfrm>
+          <a:prstGeom prst="rect">
+            <a:avLst/>
+          </a:prstGeom>
+        </p:spPr>
+      </p:pic>
+      <p:pic>
+        <p:nvPicPr>
+          <p:cNvPr id="20" name="Picture 19">
+            <a:extLst>
+              <a:ext uri="{FF2B5EF4-FFF2-40B4-BE49-F238E27FC236}">
+                <a16:creationId xmlns:a16="http://schemas.microsoft.com/office/drawing/2014/main" id="{ADD3D561-4450-6427-FF48-049F9E662D03}"/>
+              </a:ext>
+            </a:extLst>
+          </p:cNvPr>
+          <p:cNvPicPr>
+            <a:picLocks noChangeAspect="1"/>
+          </p:cNvPicPr>
+          <p:nvPr/>
+        </p:nvPicPr>
+        <p:blipFill>
+          <a:blip r:embed="rId3"/>
+          <a:stretch>
+            <a:fillRect/>
+          </a:stretch>
+        </p:blipFill>
+        <p:spPr>
+          <a:xfrm>
+            <a:off x="1513956" y="3428999"/>
+            <a:ext cx="3810532" cy="2829320"/>
+          </a:xfrm>
+          <a:prstGeom prst="rect">
+            <a:avLst/>
+          </a:prstGeom>
+        </p:spPr>
+      </p:pic>
+    </p:spTree>
+    <p:extLst>
+      <p:ext uri="{BB962C8B-B14F-4D97-AF65-F5344CB8AC3E}">
+        <p14:creationId xmlns:p14="http://schemas.microsoft.com/office/powerpoint/2010/main" val="2666261085"/>
+      </p:ext>
+    </p:extLst>
+  </p:cSld>
+  <p:clrMapOvr>
+    <a:masterClrMapping/>
+  </p:clrMapOvr>
+</p:sld>
+</file>
+
+<file path=ppt/slides/slide41.xml><?xml version="1.0" encoding="utf-8"?>
+<p:sld xmlns:a="http://schemas.openxmlformats.org/drawingml/2006/main" xmlns:r="http://schemas.openxmlformats.org/officeDocument/2006/relationships" xmlns:p="http://schemas.openxmlformats.org/presentationml/2006/main">
+  <p:cSld>
+    <p:spTree>
+      <p:nvGrpSpPr>
+        <p:cNvPr id="1" name=""/>
+        <p:cNvGrpSpPr/>
+        <p:nvPr/>
+      </p:nvGrpSpPr>
+      <p:grpSpPr>
+        <a:xfrm>
+          <a:off x="0" y="0"/>
+          <a:ext cx="0" cy="0"/>
+          <a:chOff x="0" y="0"/>
+          <a:chExt cx="0" cy="0"/>
+        </a:xfrm>
+      </p:grpSpPr>
+      <p:sp>
+        <p:nvSpPr>
+          <p:cNvPr id="2" name="Title 1">
+            <a:extLst>
+              <a:ext uri="{FF2B5EF4-FFF2-40B4-BE49-F238E27FC236}">
+                <a16:creationId xmlns:a16="http://schemas.microsoft.com/office/drawing/2014/main" id="{E9CD6D77-D6E0-44F8-83FD-180248D9F983}"/>
+              </a:ext>
+            </a:extLst>
+          </p:cNvPr>
+          <p:cNvSpPr>
+            <a:spLocks noGrp="1"/>
+          </p:cNvSpPr>
+          <p:nvPr>
+            <p:ph type="title"/>
+          </p:nvPr>
+        </p:nvSpPr>
+        <p:spPr/>
+        <p:txBody>
+          <a:bodyPr/>
+          <a:lstStyle/>
+          <a:p>
+            <a:r>
+              <a:rPr lang="en-US" dirty="0" err="1"/>
+              <a:t>Keycloak</a:t>
+            </a:r>
+            <a:r>
+              <a:rPr lang="en-US" dirty="0"/>
+              <a:t> </a:t>
+            </a:r>
+            <a:r>
+              <a:rPr lang="en-US" dirty="0" err="1"/>
+              <a:t>ldap</a:t>
+            </a:r>
+            <a:r>
+              <a:rPr lang="en-US" dirty="0"/>
+              <a:t> </a:t>
+            </a:r>
+            <a:br>
+              <a:rPr lang="en-US" dirty="0"/>
+            </a:br>
+            <a:r>
+              <a:rPr lang="en-US" dirty="0"/>
+              <a:t>user federation</a:t>
+            </a:r>
+            <a:endParaRPr lang="en-ID" dirty="0"/>
+          </a:p>
+        </p:txBody>
+      </p:sp>
+      <p:pic>
+        <p:nvPicPr>
+          <p:cNvPr id="5" name="Picture 4">
+            <a:extLst>
+              <a:ext uri="{FF2B5EF4-FFF2-40B4-BE49-F238E27FC236}">
+                <a16:creationId xmlns:a16="http://schemas.microsoft.com/office/drawing/2014/main" id="{DD2BF38A-2948-3FF4-9036-1E69347B6EED}"/>
+              </a:ext>
+            </a:extLst>
+          </p:cNvPr>
+          <p:cNvPicPr>
+            <a:picLocks noChangeAspect="1"/>
+          </p:cNvPicPr>
+          <p:nvPr/>
+        </p:nvPicPr>
+        <p:blipFill>
+          <a:blip r:embed="rId2"/>
+          <a:stretch>
+            <a:fillRect/>
+          </a:stretch>
+        </p:blipFill>
+        <p:spPr>
+          <a:xfrm>
+            <a:off x="6511635" y="317109"/>
+            <a:ext cx="5246255" cy="2747157"/>
+          </a:xfrm>
+          <a:prstGeom prst="rect">
+            <a:avLst/>
+          </a:prstGeom>
+        </p:spPr>
+      </p:pic>
+      <p:pic>
+        <p:nvPicPr>
+          <p:cNvPr id="7" name="Picture 6">
+            <a:extLst>
+              <a:ext uri="{FF2B5EF4-FFF2-40B4-BE49-F238E27FC236}">
+                <a16:creationId xmlns:a16="http://schemas.microsoft.com/office/drawing/2014/main" id="{2B936A66-6B67-3474-B515-A5EC47FE1952}"/>
+              </a:ext>
+            </a:extLst>
+          </p:cNvPr>
+          <p:cNvPicPr>
+            <a:picLocks noChangeAspect="1"/>
+          </p:cNvPicPr>
+          <p:nvPr/>
+        </p:nvPicPr>
+        <p:blipFill>
+          <a:blip r:embed="rId3"/>
+          <a:stretch>
+            <a:fillRect/>
+          </a:stretch>
+        </p:blipFill>
+        <p:spPr>
+          <a:xfrm>
+            <a:off x="6096000" y="3642777"/>
+            <a:ext cx="5458691" cy="1198156"/>
+          </a:xfrm>
+          <a:prstGeom prst="rect">
+            <a:avLst/>
+          </a:prstGeom>
+        </p:spPr>
+      </p:pic>
+      <p:pic>
+        <p:nvPicPr>
+          <p:cNvPr id="9" name="Picture 8">
+            <a:extLst>
+              <a:ext uri="{FF2B5EF4-FFF2-40B4-BE49-F238E27FC236}">
+                <a16:creationId xmlns:a16="http://schemas.microsoft.com/office/drawing/2014/main" id="{8DB54E74-94D5-C0A2-8AB5-A815BDBB8F0A}"/>
+              </a:ext>
+            </a:extLst>
+          </p:cNvPr>
+          <p:cNvPicPr>
+            <a:picLocks noChangeAspect="1"/>
+          </p:cNvPicPr>
+          <p:nvPr/>
+        </p:nvPicPr>
+        <p:blipFill>
+          <a:blip r:embed="rId4"/>
+          <a:stretch>
+            <a:fillRect/>
+          </a:stretch>
+        </p:blipFill>
+        <p:spPr>
+          <a:xfrm>
+            <a:off x="434110" y="1953985"/>
+            <a:ext cx="3596898" cy="2083383"/>
+          </a:xfrm>
+          <a:prstGeom prst="rect">
+            <a:avLst/>
+          </a:prstGeom>
+        </p:spPr>
+      </p:pic>
+    </p:spTree>
+    <p:extLst>
+      <p:ext uri="{BB962C8B-B14F-4D97-AF65-F5344CB8AC3E}">
+        <p14:creationId xmlns:p14="http://schemas.microsoft.com/office/powerpoint/2010/main" val="674973831"/>
+      </p:ext>
+    </p:extLst>
+  </p:cSld>
+  <p:clrMapOvr>
+    <a:masterClrMapping/>
+  </p:clrMapOvr>
+</p:sld>
+</file>
+
+<file path=ppt/slides/slide42.xml><?xml version="1.0" encoding="utf-8"?>
+<p:sld xmlns:a="http://schemas.openxmlformats.org/drawingml/2006/main" xmlns:r="http://schemas.openxmlformats.org/officeDocument/2006/relationships" xmlns:p="http://schemas.openxmlformats.org/presentationml/2006/main">
+  <p:cSld>
+    <p:spTree>
+      <p:nvGrpSpPr>
+        <p:cNvPr id="1" name="">
+          <a:extLst>
+            <a:ext uri="{FF2B5EF4-FFF2-40B4-BE49-F238E27FC236}">
+              <a16:creationId xmlns:a16="http://schemas.microsoft.com/office/drawing/2014/main" id="{AC11C1C0-AE94-8FF7-AD39-323D499BA74D}"/>
+            </a:ext>
+          </a:extLst>
+        </p:cNvPr>
+        <p:cNvGrpSpPr/>
+        <p:nvPr/>
+      </p:nvGrpSpPr>
+      <p:grpSpPr>
+        <a:xfrm>
+          <a:off x="0" y="0"/>
+          <a:ext cx="0" cy="0"/>
+          <a:chOff x="0" y="0"/>
+          <a:chExt cx="0" cy="0"/>
+        </a:xfrm>
+      </p:grpSpPr>
+      <p:sp>
+        <p:nvSpPr>
+          <p:cNvPr id="2" name="Title 1">
+            <a:extLst>
+              <a:ext uri="{FF2B5EF4-FFF2-40B4-BE49-F238E27FC236}">
+                <a16:creationId xmlns:a16="http://schemas.microsoft.com/office/drawing/2014/main" id="{0E001864-2248-6AF8-F8C9-3D169B49B588}"/>
+              </a:ext>
+            </a:extLst>
+          </p:cNvPr>
+          <p:cNvSpPr>
+            <a:spLocks noGrp="1"/>
+          </p:cNvSpPr>
+          <p:nvPr>
+            <p:ph type="title"/>
+          </p:nvPr>
+        </p:nvSpPr>
+        <p:spPr/>
+        <p:txBody>
+          <a:bodyPr/>
+          <a:lstStyle/>
+          <a:p>
+            <a:r>
+              <a:rPr lang="en-US" dirty="0" err="1"/>
+              <a:t>Keycloak</a:t>
+            </a:r>
+            <a:r>
+              <a:rPr lang="en-US" dirty="0"/>
+              <a:t> </a:t>
+            </a:r>
+            <a:r>
+              <a:rPr lang="en-US" dirty="0" err="1"/>
+              <a:t>ldap</a:t>
+            </a:r>
+            <a:r>
+              <a:rPr lang="en-US" dirty="0"/>
+              <a:t> </a:t>
+            </a:r>
+            <a:br>
+              <a:rPr lang="en-US" dirty="0"/>
+            </a:br>
+            <a:r>
+              <a:rPr lang="en-US" dirty="0"/>
+              <a:t>user federation</a:t>
+            </a:r>
+            <a:endParaRPr lang="en-ID" dirty="0"/>
+          </a:p>
+        </p:txBody>
+      </p:sp>
+      <p:pic>
+        <p:nvPicPr>
+          <p:cNvPr id="4" name="Picture 3">
+            <a:extLst>
+              <a:ext uri="{FF2B5EF4-FFF2-40B4-BE49-F238E27FC236}">
+                <a16:creationId xmlns:a16="http://schemas.microsoft.com/office/drawing/2014/main" id="{5D8D06C8-EDF0-74CA-3F40-CDC16CE490C1}"/>
+              </a:ext>
+            </a:extLst>
+          </p:cNvPr>
+          <p:cNvPicPr>
+            <a:picLocks noChangeAspect="1"/>
+          </p:cNvPicPr>
+          <p:nvPr/>
+        </p:nvPicPr>
+        <p:blipFill>
+          <a:blip r:embed="rId2"/>
+          <a:stretch>
+            <a:fillRect/>
+          </a:stretch>
+        </p:blipFill>
+        <p:spPr>
+          <a:xfrm>
+            <a:off x="838200" y="2136417"/>
+            <a:ext cx="6701393" cy="4526938"/>
+          </a:xfrm>
+          <a:prstGeom prst="rect">
+            <a:avLst/>
+          </a:prstGeom>
+        </p:spPr>
+      </p:pic>
+      <p:pic>
+        <p:nvPicPr>
+          <p:cNvPr id="8" name="Picture 7">
+            <a:extLst>
+              <a:ext uri="{FF2B5EF4-FFF2-40B4-BE49-F238E27FC236}">
+                <a16:creationId xmlns:a16="http://schemas.microsoft.com/office/drawing/2014/main" id="{8A4425F1-EA66-E795-D383-6BD5E97F1860}"/>
+              </a:ext>
+            </a:extLst>
+          </p:cNvPr>
+          <p:cNvPicPr>
+            <a:picLocks noChangeAspect="1"/>
+          </p:cNvPicPr>
+          <p:nvPr/>
+        </p:nvPicPr>
+        <p:blipFill>
+          <a:blip r:embed="rId3"/>
+          <a:stretch>
+            <a:fillRect/>
+          </a:stretch>
+        </p:blipFill>
+        <p:spPr>
+          <a:xfrm>
+            <a:off x="9467273" y="763526"/>
+            <a:ext cx="2200330" cy="2295361"/>
+          </a:xfrm>
+          <a:prstGeom prst="rect">
+            <a:avLst/>
+          </a:prstGeom>
+        </p:spPr>
+      </p:pic>
+      <p:pic>
+        <p:nvPicPr>
+          <p:cNvPr id="11" name="Picture 10">
+            <a:extLst>
+              <a:ext uri="{FF2B5EF4-FFF2-40B4-BE49-F238E27FC236}">
+                <a16:creationId xmlns:a16="http://schemas.microsoft.com/office/drawing/2014/main" id="{6C29280E-7A20-12B3-C404-049ABE97A6F4}"/>
+              </a:ext>
+            </a:extLst>
+          </p:cNvPr>
+          <p:cNvPicPr>
+            <a:picLocks noChangeAspect="1"/>
+          </p:cNvPicPr>
+          <p:nvPr/>
+        </p:nvPicPr>
+        <p:blipFill>
+          <a:blip r:embed="rId4"/>
+          <a:stretch>
+            <a:fillRect/>
+          </a:stretch>
+        </p:blipFill>
+        <p:spPr>
+          <a:xfrm>
+            <a:off x="9023926" y="3969028"/>
+            <a:ext cx="3168073" cy="430858"/>
+          </a:xfrm>
+          <a:prstGeom prst="rect">
+            <a:avLst/>
+          </a:prstGeom>
+        </p:spPr>
+      </p:pic>
+    </p:spTree>
+    <p:extLst>
+      <p:ext uri="{BB962C8B-B14F-4D97-AF65-F5344CB8AC3E}">
+        <p14:creationId xmlns:p14="http://schemas.microsoft.com/office/powerpoint/2010/main" val="109804192"/>
+      </p:ext>
+    </p:extLst>
+  </p:cSld>
+  <p:clrMapOvr>
+    <a:masterClrMapping/>
+  </p:clrMapOvr>
+</p:sld>
+</file>
+
+<file path=ppt/slides/slide43.xml><?xml version="1.0" encoding="utf-8"?>
+<p:sld xmlns:a="http://schemas.openxmlformats.org/drawingml/2006/main" xmlns:r="http://schemas.openxmlformats.org/officeDocument/2006/relationships" xmlns:p="http://schemas.openxmlformats.org/presentationml/2006/main">
+  <p:cSld>
+    <p:spTree>
+      <p:nvGrpSpPr>
+        <p:cNvPr id="1" name="">
+          <a:extLst>
+            <a:ext uri="{FF2B5EF4-FFF2-40B4-BE49-F238E27FC236}">
+              <a16:creationId xmlns:a16="http://schemas.microsoft.com/office/drawing/2014/main" id="{57382F37-10EE-12B8-1E71-274EE6BCCC2F}"/>
+            </a:ext>
+          </a:extLst>
+        </p:cNvPr>
+        <p:cNvGrpSpPr/>
+        <p:nvPr/>
+      </p:nvGrpSpPr>
+      <p:grpSpPr>
+        <a:xfrm>
+          <a:off x="0" y="0"/>
+          <a:ext cx="0" cy="0"/>
+          <a:chOff x="0" y="0"/>
+          <a:chExt cx="0" cy="0"/>
+        </a:xfrm>
+      </p:grpSpPr>
+      <p:sp>
+        <p:nvSpPr>
+          <p:cNvPr id="2" name="Title 1">
+            <a:extLst>
+              <a:ext uri="{FF2B5EF4-FFF2-40B4-BE49-F238E27FC236}">
+                <a16:creationId xmlns:a16="http://schemas.microsoft.com/office/drawing/2014/main" id="{F7B7DDD0-CD70-49C9-8DB4-1380E7D09115}"/>
+              </a:ext>
+            </a:extLst>
+          </p:cNvPr>
+          <p:cNvSpPr>
+            <a:spLocks noGrp="1"/>
+          </p:cNvSpPr>
+          <p:nvPr>
+            <p:ph type="title"/>
+          </p:nvPr>
+        </p:nvSpPr>
+        <p:spPr/>
+        <p:txBody>
+          <a:bodyPr/>
+          <a:lstStyle/>
+          <a:p>
+            <a:r>
+              <a:rPr lang="en-US" dirty="0" err="1"/>
+              <a:t>Keycloak</a:t>
+            </a:r>
+            <a:r>
+              <a:rPr lang="en-US" dirty="0"/>
+              <a:t> </a:t>
+            </a:r>
+            <a:r>
+              <a:rPr lang="en-US" dirty="0" err="1"/>
+              <a:t>ldap</a:t>
+            </a:r>
+            <a:r>
+              <a:rPr lang="en-US" dirty="0"/>
+              <a:t> </a:t>
+            </a:r>
+            <a:br>
+              <a:rPr lang="en-US" dirty="0"/>
+            </a:br>
+            <a:r>
+              <a:rPr lang="en-US" dirty="0"/>
+              <a:t>user federation</a:t>
+            </a:r>
+            <a:endParaRPr lang="en-ID" dirty="0"/>
+          </a:p>
+        </p:txBody>
+      </p:sp>
+      <p:pic>
+        <p:nvPicPr>
+          <p:cNvPr id="5" name="Picture 4">
+            <a:extLst>
+              <a:ext uri="{FF2B5EF4-FFF2-40B4-BE49-F238E27FC236}">
+                <a16:creationId xmlns:a16="http://schemas.microsoft.com/office/drawing/2014/main" id="{8E2CB8B9-69A4-427D-DF98-3DFC07902289}"/>
+              </a:ext>
+            </a:extLst>
+          </p:cNvPr>
+          <p:cNvPicPr>
+            <a:picLocks noChangeAspect="1"/>
+          </p:cNvPicPr>
+          <p:nvPr/>
+        </p:nvPicPr>
+        <p:blipFill>
+          <a:blip r:embed="rId2"/>
+          <a:stretch>
+            <a:fillRect/>
+          </a:stretch>
+        </p:blipFill>
+        <p:spPr>
+          <a:xfrm>
+            <a:off x="478217" y="2363083"/>
+            <a:ext cx="10440857" cy="3886742"/>
+          </a:xfrm>
+          <a:prstGeom prst="rect">
+            <a:avLst/>
+          </a:prstGeom>
+        </p:spPr>
+      </p:pic>
+    </p:spTree>
+    <p:extLst>
+      <p:ext uri="{BB962C8B-B14F-4D97-AF65-F5344CB8AC3E}">
+        <p14:creationId xmlns:p14="http://schemas.microsoft.com/office/powerpoint/2010/main" val="2447641233"/>
       </p:ext>
     </p:extLst>
   </p:cSld>

--- a/docs/sso.pptx
+++ b/docs/sso.pptx
@@ -48,6 +48,10 @@
     <p:sldId id="296" r:id="rId42"/>
     <p:sldId id="297" r:id="rId43"/>
     <p:sldId id="298" r:id="rId44"/>
+    <p:sldId id="299" r:id="rId45"/>
+    <p:sldId id="300" r:id="rId46"/>
+    <p:sldId id="301" r:id="rId47"/>
+    <p:sldId id="302" r:id="rId48"/>
   </p:sldIdLst>
   <p:sldSz cx="12192000" cy="6858000"/>
   <p:notesSz cx="6858000" cy="9144000"/>
@@ -29876,6 +29880,2082 @@
 </p:sld>
 </file>
 
+<file path=ppt/slides/slide44.xml><?xml version="1.0" encoding="utf-8"?>
+<p:sld xmlns:a="http://schemas.openxmlformats.org/drawingml/2006/main" xmlns:r="http://schemas.openxmlformats.org/officeDocument/2006/relationships" xmlns:p="http://schemas.openxmlformats.org/presentationml/2006/main">
+  <p:cSld>
+    <p:spTree>
+      <p:nvGrpSpPr>
+        <p:cNvPr id="1" name=""/>
+        <p:cNvGrpSpPr/>
+        <p:nvPr/>
+      </p:nvGrpSpPr>
+      <p:grpSpPr>
+        <a:xfrm>
+          <a:off x="0" y="0"/>
+          <a:ext cx="0" cy="0"/>
+          <a:chOff x="0" y="0"/>
+          <a:chExt cx="0" cy="0"/>
+        </a:xfrm>
+      </p:grpSpPr>
+      <p:sp>
+        <p:nvSpPr>
+          <p:cNvPr id="2" name="Title 1">
+            <a:extLst>
+              <a:ext uri="{FF2B5EF4-FFF2-40B4-BE49-F238E27FC236}">
+                <a16:creationId xmlns:a16="http://schemas.microsoft.com/office/drawing/2014/main" id="{EE122568-C034-EE5F-26AE-8F4BBEE000DD}"/>
+              </a:ext>
+            </a:extLst>
+          </p:cNvPr>
+          <p:cNvSpPr>
+            <a:spLocks noGrp="1"/>
+          </p:cNvSpPr>
+          <p:nvPr>
+            <p:ph type="title"/>
+          </p:nvPr>
+        </p:nvSpPr>
+        <p:spPr/>
+        <p:txBody>
+          <a:bodyPr/>
+          <a:lstStyle/>
+          <a:p>
+            <a:r>
+              <a:rPr lang="en-US" dirty="0"/>
+              <a:t>Login user LDAP di </a:t>
+            </a:r>
+            <a:r>
+              <a:rPr lang="en-US" dirty="0" err="1"/>
+              <a:t>keycloak</a:t>
+            </a:r>
+            <a:r>
+              <a:rPr lang="en-US" dirty="0"/>
+              <a:t> admin panel</a:t>
+            </a:r>
+            <a:endParaRPr lang="en-ID" dirty="0"/>
+          </a:p>
+        </p:txBody>
+      </p:sp>
+      <p:pic>
+        <p:nvPicPr>
+          <p:cNvPr id="5" name="Picture 4">
+            <a:extLst>
+              <a:ext uri="{FF2B5EF4-FFF2-40B4-BE49-F238E27FC236}">
+                <a16:creationId xmlns:a16="http://schemas.microsoft.com/office/drawing/2014/main" id="{F9D001D7-0263-0F14-C160-8A6A643E7AAF}"/>
+              </a:ext>
+            </a:extLst>
+          </p:cNvPr>
+          <p:cNvPicPr>
+            <a:picLocks noChangeAspect="1"/>
+          </p:cNvPicPr>
+          <p:nvPr/>
+        </p:nvPicPr>
+        <p:blipFill>
+          <a:blip r:embed="rId2"/>
+          <a:stretch>
+            <a:fillRect/>
+          </a:stretch>
+        </p:blipFill>
+        <p:spPr>
+          <a:xfrm>
+            <a:off x="274372" y="4044668"/>
+            <a:ext cx="4003714" cy="2607825"/>
+          </a:xfrm>
+          <a:prstGeom prst="rect">
+            <a:avLst/>
+          </a:prstGeom>
+        </p:spPr>
+      </p:pic>
+      <p:pic>
+        <p:nvPicPr>
+          <p:cNvPr id="7" name="Picture 6">
+            <a:extLst>
+              <a:ext uri="{FF2B5EF4-FFF2-40B4-BE49-F238E27FC236}">
+                <a16:creationId xmlns:a16="http://schemas.microsoft.com/office/drawing/2014/main" id="{72E2C92F-C5BB-0BAF-B5AB-369034DD1886}"/>
+              </a:ext>
+            </a:extLst>
+          </p:cNvPr>
+          <p:cNvPicPr>
+            <a:picLocks noChangeAspect="1"/>
+          </p:cNvPicPr>
+          <p:nvPr/>
+        </p:nvPicPr>
+        <p:blipFill>
+          <a:blip r:embed="rId3"/>
+          <a:stretch>
+            <a:fillRect/>
+          </a:stretch>
+        </p:blipFill>
+        <p:spPr>
+          <a:xfrm>
+            <a:off x="5007428" y="2461078"/>
+            <a:ext cx="6391029" cy="2362201"/>
+          </a:xfrm>
+          <a:prstGeom prst="rect">
+            <a:avLst/>
+          </a:prstGeom>
+        </p:spPr>
+      </p:pic>
+    </p:spTree>
+    <p:extLst>
+      <p:ext uri="{BB962C8B-B14F-4D97-AF65-F5344CB8AC3E}">
+        <p14:creationId xmlns:p14="http://schemas.microsoft.com/office/powerpoint/2010/main" val="154428825"/>
+      </p:ext>
+    </p:extLst>
+  </p:cSld>
+  <p:clrMapOvr>
+    <a:masterClrMapping/>
+  </p:clrMapOvr>
+</p:sld>
+</file>
+
+<file path=ppt/slides/slide45.xml><?xml version="1.0" encoding="utf-8"?>
+<p:sld xmlns:a="http://schemas.openxmlformats.org/drawingml/2006/main" xmlns:r="http://schemas.openxmlformats.org/officeDocument/2006/relationships" xmlns:p="http://schemas.openxmlformats.org/presentationml/2006/main">
+  <p:cSld>
+    <p:spTree>
+      <p:nvGrpSpPr>
+        <p:cNvPr id="1" name=""/>
+        <p:cNvGrpSpPr/>
+        <p:nvPr/>
+      </p:nvGrpSpPr>
+      <p:grpSpPr>
+        <a:xfrm>
+          <a:off x="0" y="0"/>
+          <a:ext cx="0" cy="0"/>
+          <a:chOff x="0" y="0"/>
+          <a:chExt cx="0" cy="0"/>
+        </a:xfrm>
+      </p:grpSpPr>
+      <p:sp>
+        <p:nvSpPr>
+          <p:cNvPr id="2" name="Title 1">
+            <a:extLst>
+              <a:ext uri="{FF2B5EF4-FFF2-40B4-BE49-F238E27FC236}">
+                <a16:creationId xmlns:a16="http://schemas.microsoft.com/office/drawing/2014/main" id="{0D83C264-2969-BC53-4A08-71E15C661B45}"/>
+              </a:ext>
+            </a:extLst>
+          </p:cNvPr>
+          <p:cNvSpPr>
+            <a:spLocks noGrp="1"/>
+          </p:cNvSpPr>
+          <p:nvPr>
+            <p:ph type="title"/>
+          </p:nvPr>
+        </p:nvSpPr>
+        <p:spPr/>
+        <p:txBody>
+          <a:bodyPr/>
+          <a:lstStyle/>
+          <a:p>
+            <a:r>
+              <a:rPr lang="en-US" dirty="0"/>
+              <a:t>Must Update Password</a:t>
+            </a:r>
+            <a:endParaRPr lang="en-ID" dirty="0"/>
+          </a:p>
+        </p:txBody>
+      </p:sp>
+      <p:pic>
+        <p:nvPicPr>
+          <p:cNvPr id="5" name="Picture 4">
+            <a:extLst>
+              <a:ext uri="{FF2B5EF4-FFF2-40B4-BE49-F238E27FC236}">
+                <a16:creationId xmlns:a16="http://schemas.microsoft.com/office/drawing/2014/main" id="{FD9FD0D7-9B21-0529-1606-7F2C4DE77ECE}"/>
+              </a:ext>
+            </a:extLst>
+          </p:cNvPr>
+          <p:cNvPicPr>
+            <a:picLocks noChangeAspect="1"/>
+          </p:cNvPicPr>
+          <p:nvPr/>
+        </p:nvPicPr>
+        <p:blipFill>
+          <a:blip r:embed="rId2"/>
+          <a:stretch>
+            <a:fillRect/>
+          </a:stretch>
+        </p:blipFill>
+        <p:spPr>
+          <a:xfrm>
+            <a:off x="2304297" y="1872341"/>
+            <a:ext cx="5489874" cy="4533772"/>
+          </a:xfrm>
+          <a:prstGeom prst="rect">
+            <a:avLst/>
+          </a:prstGeom>
+        </p:spPr>
+      </p:pic>
+    </p:spTree>
+    <p:extLst>
+      <p:ext uri="{BB962C8B-B14F-4D97-AF65-F5344CB8AC3E}">
+        <p14:creationId xmlns:p14="http://schemas.microsoft.com/office/powerpoint/2010/main" val="3325606922"/>
+      </p:ext>
+    </p:extLst>
+  </p:cSld>
+  <p:clrMapOvr>
+    <a:masterClrMapping/>
+  </p:clrMapOvr>
+</p:sld>
+</file>
+
+<file path=ppt/slides/slide46.xml><?xml version="1.0" encoding="utf-8"?>
+<p:sld xmlns:a="http://schemas.openxmlformats.org/drawingml/2006/main" xmlns:r="http://schemas.openxmlformats.org/officeDocument/2006/relationships" xmlns:p="http://schemas.openxmlformats.org/presentationml/2006/main">
+  <p:cSld>
+    <p:spTree>
+      <p:nvGrpSpPr>
+        <p:cNvPr id="1" name=""/>
+        <p:cNvGrpSpPr/>
+        <p:nvPr/>
+      </p:nvGrpSpPr>
+      <p:grpSpPr>
+        <a:xfrm>
+          <a:off x="0" y="0"/>
+          <a:ext cx="0" cy="0"/>
+          <a:chOff x="0" y="0"/>
+          <a:chExt cx="0" cy="0"/>
+        </a:xfrm>
+      </p:grpSpPr>
+      <p:sp>
+        <p:nvSpPr>
+          <p:cNvPr id="2" name="Title 1">
+            <a:extLst>
+              <a:ext uri="{FF2B5EF4-FFF2-40B4-BE49-F238E27FC236}">
+                <a16:creationId xmlns:a16="http://schemas.microsoft.com/office/drawing/2014/main" id="{F4B21775-A632-FA4C-2170-C42AE8D6E85A}"/>
+              </a:ext>
+            </a:extLst>
+          </p:cNvPr>
+          <p:cNvSpPr>
+            <a:spLocks noGrp="1"/>
+          </p:cNvSpPr>
+          <p:nvPr>
+            <p:ph type="title"/>
+          </p:nvPr>
+        </p:nvSpPr>
+        <p:spPr>
+          <a:xfrm>
+            <a:off x="685800" y="49439"/>
+            <a:ext cx="8795657" cy="1325563"/>
+          </a:xfrm>
+        </p:spPr>
+        <p:txBody>
+          <a:bodyPr/>
+          <a:lstStyle/>
+          <a:p>
+            <a:r>
+              <a:rPr lang="en-US" dirty="0"/>
+              <a:t>Test LDAP-</a:t>
+            </a:r>
+            <a:r>
+              <a:rPr lang="en-US" dirty="0" err="1"/>
+              <a:t>Keycloak</a:t>
+            </a:r>
+            <a:r>
+              <a:rPr lang="en-US" dirty="0"/>
+              <a:t> via Postman</a:t>
+            </a:r>
+            <a:endParaRPr lang="en-ID" dirty="0"/>
+          </a:p>
+        </p:txBody>
+      </p:sp>
+      <p:pic>
+        <p:nvPicPr>
+          <p:cNvPr id="7" name="Picture 6">
+            <a:extLst>
+              <a:ext uri="{FF2B5EF4-FFF2-40B4-BE49-F238E27FC236}">
+                <a16:creationId xmlns:a16="http://schemas.microsoft.com/office/drawing/2014/main" id="{52E2F230-FC91-E542-244E-72B2E058D066}"/>
+              </a:ext>
+            </a:extLst>
+          </p:cNvPr>
+          <p:cNvPicPr>
+            <a:picLocks noChangeAspect="1"/>
+          </p:cNvPicPr>
+          <p:nvPr/>
+        </p:nvPicPr>
+        <p:blipFill>
+          <a:blip r:embed="rId2"/>
+          <a:stretch>
+            <a:fillRect/>
+          </a:stretch>
+        </p:blipFill>
+        <p:spPr>
+          <a:xfrm>
+            <a:off x="1647791" y="1218288"/>
+            <a:ext cx="8896417" cy="5274587"/>
+          </a:xfrm>
+          <a:prstGeom prst="rect">
+            <a:avLst/>
+          </a:prstGeom>
+        </p:spPr>
+      </p:pic>
+    </p:spTree>
+    <p:extLst>
+      <p:ext uri="{BB962C8B-B14F-4D97-AF65-F5344CB8AC3E}">
+        <p14:creationId xmlns:p14="http://schemas.microsoft.com/office/powerpoint/2010/main" val="2022032961"/>
+      </p:ext>
+    </p:extLst>
+  </p:cSld>
+  <p:clrMapOvr>
+    <a:masterClrMapping/>
+  </p:clrMapOvr>
+</p:sld>
+</file>
+
+<file path=ppt/slides/slide47.xml><?xml version="1.0" encoding="utf-8"?>
+<p:sld xmlns:a="http://schemas.openxmlformats.org/drawingml/2006/main" xmlns:r="http://schemas.openxmlformats.org/officeDocument/2006/relationships" xmlns:p="http://schemas.openxmlformats.org/presentationml/2006/main">
+  <p:cSld>
+    <p:spTree>
+      <p:nvGrpSpPr>
+        <p:cNvPr id="1" name=""/>
+        <p:cNvGrpSpPr/>
+        <p:nvPr/>
+      </p:nvGrpSpPr>
+      <p:grpSpPr>
+        <a:xfrm>
+          <a:off x="0" y="0"/>
+          <a:ext cx="0" cy="0"/>
+          <a:chOff x="0" y="0"/>
+          <a:chExt cx="0" cy="0"/>
+        </a:xfrm>
+      </p:grpSpPr>
+      <p:pic>
+        <p:nvPicPr>
+          <p:cNvPr id="1028" name="Picture 4" descr="Securing APIs with OpenID Connect (Authentication) — Part 1 | by ...">
+            <a:extLst>
+              <a:ext uri="{FF2B5EF4-FFF2-40B4-BE49-F238E27FC236}">
+                <a16:creationId xmlns:a16="http://schemas.microsoft.com/office/drawing/2014/main" id="{74C4D147-B908-8D8C-8B78-DEE97801374D}"/>
+              </a:ext>
+            </a:extLst>
+          </p:cNvPr>
+          <p:cNvPicPr>
+            <a:picLocks noChangeAspect="1" noChangeArrowheads="1"/>
+          </p:cNvPicPr>
+          <p:nvPr/>
+        </p:nvPicPr>
+        <p:blipFill>
+          <a:blip r:embed="rId2">
+            <a:extLst>
+              <a:ext uri="{28A0092B-C50C-407E-A947-70E740481C1C}">
+                <a14:useLocalDpi xmlns:a14="http://schemas.microsoft.com/office/drawing/2010/main" val="0"/>
+              </a:ext>
+            </a:extLst>
+          </a:blip>
+          <a:srcRect/>
+          <a:stretch>
+            <a:fillRect/>
+          </a:stretch>
+        </p:blipFill>
+        <p:spPr bwMode="auto">
+          <a:xfrm>
+            <a:off x="3505200" y="1876700"/>
+            <a:ext cx="8546296" cy="3211530"/>
+          </a:xfrm>
+          <a:prstGeom prst="rect">
+            <a:avLst/>
+          </a:prstGeom>
+          <a:noFill/>
+          <a:extLst>
+            <a:ext uri="{909E8E84-426E-40DD-AFC4-6F175D3DCCD1}">
+              <a14:hiddenFill xmlns:a14="http://schemas.microsoft.com/office/drawing/2010/main">
+                <a:solidFill>
+                  <a:srgbClr val="FFFFFF"/>
+                </a:solidFill>
+              </a14:hiddenFill>
+            </a:ext>
+          </a:extLst>
+        </p:spPr>
+      </p:pic>
+      <p:sp>
+        <p:nvSpPr>
+          <p:cNvPr id="2" name="Title 1">
+            <a:extLst>
+              <a:ext uri="{FF2B5EF4-FFF2-40B4-BE49-F238E27FC236}">
+                <a16:creationId xmlns:a16="http://schemas.microsoft.com/office/drawing/2014/main" id="{48C2C1C5-D32B-C36D-FD64-CF082168E39F}"/>
+              </a:ext>
+            </a:extLst>
+          </p:cNvPr>
+          <p:cNvSpPr>
+            <a:spLocks noGrp="1"/>
+          </p:cNvSpPr>
+          <p:nvPr>
+            <p:ph type="title"/>
+          </p:nvPr>
+        </p:nvSpPr>
+        <p:spPr/>
+        <p:txBody>
+          <a:bodyPr/>
+          <a:lstStyle/>
+          <a:p>
+            <a:r>
+              <a:rPr lang="en-US" dirty="0"/>
+              <a:t>What’s </a:t>
+            </a:r>
+            <a:r>
+              <a:rPr lang="en-US" dirty="0" err="1"/>
+              <a:t>kong</a:t>
+            </a:r>
+            <a:r>
+              <a:rPr lang="en-US" dirty="0"/>
+              <a:t>?</a:t>
+            </a:r>
+            <a:endParaRPr lang="en-ID" dirty="0"/>
+          </a:p>
+        </p:txBody>
+      </p:sp>
+      <p:sp>
+        <p:nvSpPr>
+          <p:cNvPr id="5" name="TextBox 4">
+            <a:extLst>
+              <a:ext uri="{FF2B5EF4-FFF2-40B4-BE49-F238E27FC236}">
+                <a16:creationId xmlns:a16="http://schemas.microsoft.com/office/drawing/2014/main" id="{756424B6-7982-61C6-8CD1-2BDA8D9598E8}"/>
+              </a:ext>
+            </a:extLst>
+          </p:cNvPr>
+          <p:cNvSpPr txBox="1"/>
+          <p:nvPr/>
+        </p:nvSpPr>
+        <p:spPr>
+          <a:xfrm>
+            <a:off x="6683829" y="6308209"/>
+            <a:ext cx="6096000" cy="369332"/>
+          </a:xfrm>
+          <a:prstGeom prst="rect">
+            <a:avLst/>
+          </a:prstGeom>
+          <a:noFill/>
+        </p:spPr>
+        <p:txBody>
+          <a:bodyPr wrap="square">
+            <a:spAutoFit/>
+          </a:bodyPr>
+          <a:lstStyle/>
+          <a:p>
+            <a:r>
+              <a:rPr lang="en-US" dirty="0"/>
+              <a:t>docker-compose run </a:t>
+            </a:r>
+            <a:r>
+              <a:rPr lang="en-US" dirty="0" err="1"/>
+              <a:t>kong</a:t>
+            </a:r>
+            <a:r>
+              <a:rPr lang="en-US" dirty="0"/>
+              <a:t> </a:t>
+            </a:r>
+            <a:r>
+              <a:rPr lang="en-US" dirty="0" err="1"/>
+              <a:t>kong</a:t>
+            </a:r>
+            <a:r>
+              <a:rPr lang="en-US" dirty="0"/>
+              <a:t> migrations up</a:t>
+            </a:r>
+          </a:p>
+        </p:txBody>
+      </p:sp>
+      <p:sp>
+        <p:nvSpPr>
+          <p:cNvPr id="7" name="TextBox 6">
+            <a:extLst>
+              <a:ext uri="{FF2B5EF4-FFF2-40B4-BE49-F238E27FC236}">
+                <a16:creationId xmlns:a16="http://schemas.microsoft.com/office/drawing/2014/main" id="{9AFFAF2C-2AB7-F2ED-2C18-E8B8DBB7484B}"/>
+              </a:ext>
+            </a:extLst>
+          </p:cNvPr>
+          <p:cNvSpPr txBox="1"/>
+          <p:nvPr/>
+        </p:nvSpPr>
+        <p:spPr>
+          <a:xfrm>
+            <a:off x="489857" y="1876700"/>
+            <a:ext cx="6096000" cy="3850670"/>
+          </a:xfrm>
+          <a:prstGeom prst="rect">
+            <a:avLst/>
+          </a:prstGeom>
+          <a:noFill/>
+        </p:spPr>
+        <p:txBody>
+          <a:bodyPr wrap="square">
+            <a:spAutoFit/>
+          </a:bodyPr>
+          <a:lstStyle/>
+          <a:p>
+            <a:pPr>
+              <a:lnSpc>
+                <a:spcPts val="1425"/>
+              </a:lnSpc>
+            </a:pPr>
+            <a:r>
+              <a:rPr lang="en-ID" sz="1000" b="0" dirty="0" err="1">
+                <a:solidFill>
+                  <a:srgbClr val="569CD6"/>
+                </a:solidFill>
+                <a:effectLst/>
+                <a:latin typeface="Consolas" panose="020B0609020204030204" pitchFamily="49" charset="0"/>
+              </a:rPr>
+              <a:t>kong</a:t>
+            </a:r>
+            <a:r>
+              <a:rPr lang="en-ID" sz="1000" b="0" dirty="0">
+                <a:solidFill>
+                  <a:srgbClr val="CCCCCC"/>
+                </a:solidFill>
+                <a:effectLst/>
+                <a:latin typeface="Consolas" panose="020B0609020204030204" pitchFamily="49" charset="0"/>
+              </a:rPr>
+              <a:t>:</a:t>
+            </a:r>
+          </a:p>
+          <a:p>
+            <a:pPr>
+              <a:lnSpc>
+                <a:spcPts val="1425"/>
+              </a:lnSpc>
+            </a:pPr>
+            <a:r>
+              <a:rPr lang="en-ID" sz="1000" b="0" dirty="0">
+                <a:solidFill>
+                  <a:srgbClr val="CCCCCC"/>
+                </a:solidFill>
+                <a:effectLst/>
+                <a:latin typeface="Consolas" panose="020B0609020204030204" pitchFamily="49" charset="0"/>
+              </a:rPr>
+              <a:t>    </a:t>
+            </a:r>
+            <a:r>
+              <a:rPr lang="en-ID" sz="1000" b="0" dirty="0">
+                <a:solidFill>
+                  <a:srgbClr val="569CD6"/>
+                </a:solidFill>
+                <a:effectLst/>
+                <a:latin typeface="Consolas" panose="020B0609020204030204" pitchFamily="49" charset="0"/>
+              </a:rPr>
+              <a:t>image</a:t>
+            </a:r>
+            <a:r>
+              <a:rPr lang="en-ID" sz="1000" b="0" dirty="0">
+                <a:solidFill>
+                  <a:srgbClr val="CCCCCC"/>
+                </a:solidFill>
+                <a:effectLst/>
+                <a:latin typeface="Consolas" panose="020B0609020204030204" pitchFamily="49" charset="0"/>
+              </a:rPr>
+              <a:t>:  </a:t>
+            </a:r>
+            <a:r>
+              <a:rPr lang="en-ID" sz="1000" b="0" dirty="0" err="1">
+                <a:solidFill>
+                  <a:srgbClr val="CE9178"/>
+                </a:solidFill>
+                <a:effectLst/>
+                <a:latin typeface="Consolas" panose="020B0609020204030204" pitchFamily="49" charset="0"/>
+              </a:rPr>
+              <a:t>kong</a:t>
+            </a:r>
+            <a:r>
+              <a:rPr lang="en-ID" sz="1000" b="0" dirty="0">
+                <a:solidFill>
+                  <a:srgbClr val="CE9178"/>
+                </a:solidFill>
+                <a:effectLst/>
+                <a:latin typeface="Consolas" panose="020B0609020204030204" pitchFamily="49" charset="0"/>
+              </a:rPr>
+              <a:t>/kong-gateway:3.9.0.1</a:t>
+            </a:r>
+            <a:endParaRPr lang="en-ID" sz="1000" b="0" dirty="0">
+              <a:solidFill>
+                <a:srgbClr val="CCCCCC"/>
+              </a:solidFill>
+              <a:effectLst/>
+              <a:latin typeface="Consolas" panose="020B0609020204030204" pitchFamily="49" charset="0"/>
+            </a:endParaRPr>
+          </a:p>
+          <a:p>
+            <a:pPr>
+              <a:lnSpc>
+                <a:spcPts val="1425"/>
+              </a:lnSpc>
+            </a:pPr>
+            <a:r>
+              <a:rPr lang="en-ID" sz="1000" b="0" dirty="0">
+                <a:solidFill>
+                  <a:srgbClr val="CCCCCC"/>
+                </a:solidFill>
+                <a:effectLst/>
+                <a:latin typeface="Consolas" panose="020B0609020204030204" pitchFamily="49" charset="0"/>
+              </a:rPr>
+              <a:t>    </a:t>
+            </a:r>
+            <a:r>
+              <a:rPr lang="en-ID" sz="1000" b="0" dirty="0">
+                <a:solidFill>
+                  <a:srgbClr val="569CD6"/>
+                </a:solidFill>
+                <a:effectLst/>
+                <a:latin typeface="Consolas" panose="020B0609020204030204" pitchFamily="49" charset="0"/>
+              </a:rPr>
+              <a:t>environment</a:t>
+            </a:r>
+            <a:r>
+              <a:rPr lang="en-ID" sz="1000" b="0" dirty="0">
+                <a:solidFill>
+                  <a:srgbClr val="CCCCCC"/>
+                </a:solidFill>
+                <a:effectLst/>
+                <a:latin typeface="Consolas" panose="020B0609020204030204" pitchFamily="49" charset="0"/>
+              </a:rPr>
+              <a:t>:</a:t>
+            </a:r>
+          </a:p>
+          <a:p>
+            <a:pPr>
+              <a:lnSpc>
+                <a:spcPts val="1425"/>
+              </a:lnSpc>
+            </a:pPr>
+            <a:r>
+              <a:rPr lang="en-ID" sz="1000" b="0" dirty="0">
+                <a:solidFill>
+                  <a:srgbClr val="CCCCCC"/>
+                </a:solidFill>
+                <a:effectLst/>
+                <a:latin typeface="Consolas" panose="020B0609020204030204" pitchFamily="49" charset="0"/>
+              </a:rPr>
+              <a:t>      - </a:t>
+            </a:r>
+            <a:r>
+              <a:rPr lang="en-ID" sz="1000" b="0" dirty="0">
+                <a:solidFill>
+                  <a:srgbClr val="CE9178"/>
+                </a:solidFill>
+                <a:effectLst/>
+                <a:latin typeface="Consolas" panose="020B0609020204030204" pitchFamily="49" charset="0"/>
+              </a:rPr>
+              <a:t>KONG_DATABASE=</a:t>
+            </a:r>
+            <a:r>
+              <a:rPr lang="en-ID" sz="1000" b="0" dirty="0" err="1">
+                <a:solidFill>
+                  <a:srgbClr val="CE9178"/>
+                </a:solidFill>
+                <a:effectLst/>
+                <a:latin typeface="Consolas" panose="020B0609020204030204" pitchFamily="49" charset="0"/>
+              </a:rPr>
+              <a:t>postgres</a:t>
+            </a:r>
+            <a:endParaRPr lang="en-ID" sz="1000" b="0" dirty="0">
+              <a:solidFill>
+                <a:srgbClr val="CCCCCC"/>
+              </a:solidFill>
+              <a:effectLst/>
+              <a:latin typeface="Consolas" panose="020B0609020204030204" pitchFamily="49" charset="0"/>
+            </a:endParaRPr>
+          </a:p>
+          <a:p>
+            <a:pPr>
+              <a:lnSpc>
+                <a:spcPts val="1425"/>
+              </a:lnSpc>
+            </a:pPr>
+            <a:r>
+              <a:rPr lang="en-ID" sz="1000" b="0" dirty="0">
+                <a:solidFill>
+                  <a:srgbClr val="CCCCCC"/>
+                </a:solidFill>
+                <a:effectLst/>
+                <a:latin typeface="Consolas" panose="020B0609020204030204" pitchFamily="49" charset="0"/>
+              </a:rPr>
+              <a:t>      - </a:t>
+            </a:r>
+            <a:r>
+              <a:rPr lang="en-ID" sz="1000" b="0" dirty="0">
+                <a:solidFill>
+                  <a:srgbClr val="CE9178"/>
+                </a:solidFill>
+                <a:effectLst/>
+                <a:latin typeface="Consolas" panose="020B0609020204030204" pitchFamily="49" charset="0"/>
+              </a:rPr>
+              <a:t>KONG_PG_HOST=</a:t>
+            </a:r>
+            <a:r>
+              <a:rPr lang="en-ID" sz="1000" b="0" dirty="0" err="1">
+                <a:solidFill>
+                  <a:srgbClr val="CE9178"/>
+                </a:solidFill>
+                <a:effectLst/>
+                <a:latin typeface="Consolas" panose="020B0609020204030204" pitchFamily="49" charset="0"/>
+              </a:rPr>
+              <a:t>host.docker.internal</a:t>
+            </a:r>
+            <a:endParaRPr lang="en-ID" sz="1000" b="0" dirty="0">
+              <a:solidFill>
+                <a:srgbClr val="CCCCCC"/>
+              </a:solidFill>
+              <a:effectLst/>
+              <a:latin typeface="Consolas" panose="020B0609020204030204" pitchFamily="49" charset="0"/>
+            </a:endParaRPr>
+          </a:p>
+          <a:p>
+            <a:pPr>
+              <a:lnSpc>
+                <a:spcPts val="1425"/>
+              </a:lnSpc>
+            </a:pPr>
+            <a:r>
+              <a:rPr lang="en-ID" sz="1000" b="0" dirty="0">
+                <a:solidFill>
+                  <a:srgbClr val="CCCCCC"/>
+                </a:solidFill>
+                <a:effectLst/>
+                <a:latin typeface="Consolas" panose="020B0609020204030204" pitchFamily="49" charset="0"/>
+              </a:rPr>
+              <a:t>      - </a:t>
+            </a:r>
+            <a:r>
+              <a:rPr lang="en-ID" sz="1000" b="0" dirty="0">
+                <a:solidFill>
+                  <a:srgbClr val="CE9178"/>
+                </a:solidFill>
+                <a:effectLst/>
+                <a:latin typeface="Consolas" panose="020B0609020204030204" pitchFamily="49" charset="0"/>
+              </a:rPr>
+              <a:t>KONG_PG_USER=</a:t>
+            </a:r>
+            <a:r>
+              <a:rPr lang="en-ID" sz="1000" b="0" dirty="0" err="1">
+                <a:solidFill>
+                  <a:srgbClr val="CE9178"/>
+                </a:solidFill>
+                <a:effectLst/>
+                <a:latin typeface="Consolas" panose="020B0609020204030204" pitchFamily="49" charset="0"/>
+              </a:rPr>
+              <a:t>postgres</a:t>
+            </a:r>
+            <a:endParaRPr lang="en-ID" sz="1000" b="0" dirty="0">
+              <a:solidFill>
+                <a:srgbClr val="CCCCCC"/>
+              </a:solidFill>
+              <a:effectLst/>
+              <a:latin typeface="Consolas" panose="020B0609020204030204" pitchFamily="49" charset="0"/>
+            </a:endParaRPr>
+          </a:p>
+          <a:p>
+            <a:pPr>
+              <a:lnSpc>
+                <a:spcPts val="1425"/>
+              </a:lnSpc>
+            </a:pPr>
+            <a:r>
+              <a:rPr lang="en-ID" sz="1000" b="0" dirty="0">
+                <a:solidFill>
+                  <a:srgbClr val="CCCCCC"/>
+                </a:solidFill>
+                <a:effectLst/>
+                <a:latin typeface="Consolas" panose="020B0609020204030204" pitchFamily="49" charset="0"/>
+              </a:rPr>
+              <a:t>      - </a:t>
+            </a:r>
+            <a:r>
+              <a:rPr lang="en-ID" sz="1000" b="0" dirty="0">
+                <a:solidFill>
+                  <a:srgbClr val="CE9178"/>
+                </a:solidFill>
+                <a:effectLst/>
+                <a:latin typeface="Consolas" panose="020B0609020204030204" pitchFamily="49" charset="0"/>
+              </a:rPr>
+              <a:t>KONG_PG_PASSWORD=</a:t>
+            </a:r>
+            <a:r>
+              <a:rPr lang="en-ID" sz="1000" b="0" dirty="0" err="1">
+                <a:solidFill>
+                  <a:srgbClr val="CE9178"/>
+                </a:solidFill>
+                <a:effectLst/>
+                <a:latin typeface="Consolas" panose="020B0609020204030204" pitchFamily="49" charset="0"/>
+              </a:rPr>
+              <a:t>postgres</a:t>
+            </a:r>
+            <a:endParaRPr lang="en-ID" sz="1000" b="0" dirty="0">
+              <a:solidFill>
+                <a:srgbClr val="CCCCCC"/>
+              </a:solidFill>
+              <a:effectLst/>
+              <a:latin typeface="Consolas" panose="020B0609020204030204" pitchFamily="49" charset="0"/>
+            </a:endParaRPr>
+          </a:p>
+          <a:p>
+            <a:pPr>
+              <a:lnSpc>
+                <a:spcPts val="1425"/>
+              </a:lnSpc>
+            </a:pPr>
+            <a:r>
+              <a:rPr lang="en-ID" sz="1000" b="0" dirty="0">
+                <a:solidFill>
+                  <a:srgbClr val="CCCCCC"/>
+                </a:solidFill>
+                <a:effectLst/>
+                <a:latin typeface="Consolas" panose="020B0609020204030204" pitchFamily="49" charset="0"/>
+              </a:rPr>
+              <a:t>      - </a:t>
+            </a:r>
+            <a:r>
+              <a:rPr lang="en-ID" sz="1000" b="0" dirty="0">
+                <a:solidFill>
+                  <a:srgbClr val="CE9178"/>
+                </a:solidFill>
+                <a:effectLst/>
+                <a:latin typeface="Consolas" panose="020B0609020204030204" pitchFamily="49" charset="0"/>
+              </a:rPr>
+              <a:t>KONG_PG_DATABASE=</a:t>
+            </a:r>
+            <a:r>
+              <a:rPr lang="en-ID" sz="1000" b="0" dirty="0" err="1">
+                <a:solidFill>
+                  <a:srgbClr val="CE9178"/>
+                </a:solidFill>
+                <a:effectLst/>
+                <a:latin typeface="Consolas" panose="020B0609020204030204" pitchFamily="49" charset="0"/>
+              </a:rPr>
+              <a:t>db_kong</a:t>
+            </a:r>
+            <a:endParaRPr lang="en-ID" sz="1000" b="0" dirty="0">
+              <a:solidFill>
+                <a:srgbClr val="CCCCCC"/>
+              </a:solidFill>
+              <a:effectLst/>
+              <a:latin typeface="Consolas" panose="020B0609020204030204" pitchFamily="49" charset="0"/>
+            </a:endParaRPr>
+          </a:p>
+          <a:p>
+            <a:pPr>
+              <a:lnSpc>
+                <a:spcPts val="1425"/>
+              </a:lnSpc>
+            </a:pPr>
+            <a:r>
+              <a:rPr lang="en-ID" sz="1000" b="0" dirty="0">
+                <a:solidFill>
+                  <a:srgbClr val="CCCCCC"/>
+                </a:solidFill>
+                <a:effectLst/>
+                <a:latin typeface="Consolas" panose="020B0609020204030204" pitchFamily="49" charset="0"/>
+              </a:rPr>
+              <a:t>      - </a:t>
+            </a:r>
+            <a:r>
+              <a:rPr lang="en-ID" sz="1000" b="0" dirty="0">
+                <a:solidFill>
+                  <a:srgbClr val="CE9178"/>
+                </a:solidFill>
+                <a:effectLst/>
+                <a:latin typeface="Consolas" panose="020B0609020204030204" pitchFamily="49" charset="0"/>
+              </a:rPr>
+              <a:t>KONG_PROXY_ACCESS_LOG=/dev/</a:t>
+            </a:r>
+            <a:r>
+              <a:rPr lang="en-ID" sz="1000" b="0" dirty="0" err="1">
+                <a:solidFill>
+                  <a:srgbClr val="CE9178"/>
+                </a:solidFill>
+                <a:effectLst/>
+                <a:latin typeface="Consolas" panose="020B0609020204030204" pitchFamily="49" charset="0"/>
+              </a:rPr>
+              <a:t>stdout</a:t>
+            </a:r>
+            <a:endParaRPr lang="en-ID" sz="1000" b="0" dirty="0">
+              <a:solidFill>
+                <a:srgbClr val="CCCCCC"/>
+              </a:solidFill>
+              <a:effectLst/>
+              <a:latin typeface="Consolas" panose="020B0609020204030204" pitchFamily="49" charset="0"/>
+            </a:endParaRPr>
+          </a:p>
+          <a:p>
+            <a:pPr>
+              <a:lnSpc>
+                <a:spcPts val="1425"/>
+              </a:lnSpc>
+            </a:pPr>
+            <a:r>
+              <a:rPr lang="en-ID" sz="1000" b="0" dirty="0">
+                <a:solidFill>
+                  <a:srgbClr val="CCCCCC"/>
+                </a:solidFill>
+                <a:effectLst/>
+                <a:latin typeface="Consolas" panose="020B0609020204030204" pitchFamily="49" charset="0"/>
+              </a:rPr>
+              <a:t>      - </a:t>
+            </a:r>
+            <a:r>
+              <a:rPr lang="en-ID" sz="1000" b="0" dirty="0">
+                <a:solidFill>
+                  <a:srgbClr val="CE9178"/>
+                </a:solidFill>
+                <a:effectLst/>
+                <a:latin typeface="Consolas" panose="020B0609020204030204" pitchFamily="49" charset="0"/>
+              </a:rPr>
+              <a:t>KONG_ADMIN_ACCESS_LOG=/dev/</a:t>
+            </a:r>
+            <a:r>
+              <a:rPr lang="en-ID" sz="1000" b="0" dirty="0" err="1">
+                <a:solidFill>
+                  <a:srgbClr val="CE9178"/>
+                </a:solidFill>
+                <a:effectLst/>
+                <a:latin typeface="Consolas" panose="020B0609020204030204" pitchFamily="49" charset="0"/>
+              </a:rPr>
+              <a:t>stdout</a:t>
+            </a:r>
+            <a:endParaRPr lang="en-ID" sz="1000" b="0" dirty="0">
+              <a:solidFill>
+                <a:srgbClr val="CCCCCC"/>
+              </a:solidFill>
+              <a:effectLst/>
+              <a:latin typeface="Consolas" panose="020B0609020204030204" pitchFamily="49" charset="0"/>
+            </a:endParaRPr>
+          </a:p>
+          <a:p>
+            <a:pPr>
+              <a:lnSpc>
+                <a:spcPts val="1425"/>
+              </a:lnSpc>
+            </a:pPr>
+            <a:r>
+              <a:rPr lang="en-ID" sz="1000" b="0" dirty="0">
+                <a:solidFill>
+                  <a:srgbClr val="CCCCCC"/>
+                </a:solidFill>
+                <a:effectLst/>
+                <a:latin typeface="Consolas" panose="020B0609020204030204" pitchFamily="49" charset="0"/>
+              </a:rPr>
+              <a:t>      - </a:t>
+            </a:r>
+            <a:r>
+              <a:rPr lang="en-ID" sz="1000" b="0" dirty="0">
+                <a:solidFill>
+                  <a:srgbClr val="CE9178"/>
+                </a:solidFill>
+                <a:effectLst/>
+                <a:latin typeface="Consolas" panose="020B0609020204030204" pitchFamily="49" charset="0"/>
+              </a:rPr>
+              <a:t>KONG_PROXY_ERROR_LOG=/dev/stderr</a:t>
+            </a:r>
+            <a:endParaRPr lang="en-ID" sz="1000" b="0" dirty="0">
+              <a:solidFill>
+                <a:srgbClr val="CCCCCC"/>
+              </a:solidFill>
+              <a:effectLst/>
+              <a:latin typeface="Consolas" panose="020B0609020204030204" pitchFamily="49" charset="0"/>
+            </a:endParaRPr>
+          </a:p>
+          <a:p>
+            <a:pPr>
+              <a:lnSpc>
+                <a:spcPts val="1425"/>
+              </a:lnSpc>
+            </a:pPr>
+            <a:r>
+              <a:rPr lang="en-ID" sz="1000" b="0" dirty="0">
+                <a:solidFill>
+                  <a:srgbClr val="CCCCCC"/>
+                </a:solidFill>
+                <a:effectLst/>
+                <a:latin typeface="Consolas" panose="020B0609020204030204" pitchFamily="49" charset="0"/>
+              </a:rPr>
+              <a:t>      - </a:t>
+            </a:r>
+            <a:r>
+              <a:rPr lang="en-ID" sz="1000" b="0" dirty="0">
+                <a:solidFill>
+                  <a:srgbClr val="CE9178"/>
+                </a:solidFill>
+                <a:effectLst/>
+                <a:latin typeface="Consolas" panose="020B0609020204030204" pitchFamily="49" charset="0"/>
+              </a:rPr>
+              <a:t>KONG_ADMIN_ERROR_LOG=/dev/stderr</a:t>
+            </a:r>
+            <a:endParaRPr lang="en-ID" sz="1000" b="0" dirty="0">
+              <a:solidFill>
+                <a:srgbClr val="CCCCCC"/>
+              </a:solidFill>
+              <a:effectLst/>
+              <a:latin typeface="Consolas" panose="020B0609020204030204" pitchFamily="49" charset="0"/>
+            </a:endParaRPr>
+          </a:p>
+          <a:p>
+            <a:pPr>
+              <a:lnSpc>
+                <a:spcPts val="1425"/>
+              </a:lnSpc>
+            </a:pPr>
+            <a:r>
+              <a:rPr lang="en-ID" sz="1000" b="0" dirty="0">
+                <a:solidFill>
+                  <a:srgbClr val="CCCCCC"/>
+                </a:solidFill>
+                <a:effectLst/>
+                <a:latin typeface="Consolas" panose="020B0609020204030204" pitchFamily="49" charset="0"/>
+              </a:rPr>
+              <a:t>      - </a:t>
+            </a:r>
+            <a:r>
+              <a:rPr lang="en-ID" sz="1000" b="0" dirty="0">
+                <a:solidFill>
+                  <a:srgbClr val="CE9178"/>
+                </a:solidFill>
+                <a:effectLst/>
+                <a:latin typeface="Consolas" panose="020B0609020204030204" pitchFamily="49" charset="0"/>
+              </a:rPr>
+              <a:t>KONG_ADMIN_LISTEN=0.0.0.0:8001</a:t>
+            </a:r>
+            <a:endParaRPr lang="en-ID" sz="1000" b="0" dirty="0">
+              <a:solidFill>
+                <a:srgbClr val="CCCCCC"/>
+              </a:solidFill>
+              <a:effectLst/>
+              <a:latin typeface="Consolas" panose="020B0609020204030204" pitchFamily="49" charset="0"/>
+            </a:endParaRPr>
+          </a:p>
+          <a:p>
+            <a:pPr>
+              <a:lnSpc>
+                <a:spcPts val="1425"/>
+              </a:lnSpc>
+            </a:pPr>
+            <a:r>
+              <a:rPr lang="en-ID" sz="1000" b="0" dirty="0">
+                <a:solidFill>
+                  <a:srgbClr val="CCCCCC"/>
+                </a:solidFill>
+                <a:effectLst/>
+                <a:latin typeface="Consolas" panose="020B0609020204030204" pitchFamily="49" charset="0"/>
+              </a:rPr>
+              <a:t>      - </a:t>
+            </a:r>
+            <a:r>
+              <a:rPr lang="en-ID" sz="1000" b="0" dirty="0">
+                <a:solidFill>
+                  <a:srgbClr val="CE9178"/>
+                </a:solidFill>
+                <a:effectLst/>
+                <a:latin typeface="Consolas" panose="020B0609020204030204" pitchFamily="49" charset="0"/>
+              </a:rPr>
+              <a:t>KONG_ADMIN_GUI_URL=http://localhost:8002</a:t>
+            </a:r>
+            <a:endParaRPr lang="en-ID" sz="1000" b="0" dirty="0">
+              <a:solidFill>
+                <a:srgbClr val="CCCCCC"/>
+              </a:solidFill>
+              <a:effectLst/>
+              <a:latin typeface="Consolas" panose="020B0609020204030204" pitchFamily="49" charset="0"/>
+            </a:endParaRPr>
+          </a:p>
+          <a:p>
+            <a:pPr>
+              <a:lnSpc>
+                <a:spcPts val="1425"/>
+              </a:lnSpc>
+            </a:pPr>
+            <a:r>
+              <a:rPr lang="en-ID" sz="1000" b="0" dirty="0">
+                <a:solidFill>
+                  <a:srgbClr val="CCCCCC"/>
+                </a:solidFill>
+                <a:effectLst/>
+                <a:latin typeface="Consolas" panose="020B0609020204030204" pitchFamily="49" charset="0"/>
+              </a:rPr>
+              <a:t>    </a:t>
+            </a:r>
+            <a:r>
+              <a:rPr lang="en-ID" sz="1000" b="0" dirty="0" err="1">
+                <a:solidFill>
+                  <a:srgbClr val="569CD6"/>
+                </a:solidFill>
+                <a:effectLst/>
+                <a:latin typeface="Consolas" panose="020B0609020204030204" pitchFamily="49" charset="0"/>
+              </a:rPr>
+              <a:t>depends_on</a:t>
+            </a:r>
+            <a:r>
+              <a:rPr lang="en-ID" sz="1000" b="0" dirty="0">
+                <a:solidFill>
+                  <a:srgbClr val="CCCCCC"/>
+                </a:solidFill>
+                <a:effectLst/>
+                <a:latin typeface="Consolas" panose="020B0609020204030204" pitchFamily="49" charset="0"/>
+              </a:rPr>
+              <a:t>:</a:t>
+            </a:r>
+          </a:p>
+          <a:p>
+            <a:pPr>
+              <a:lnSpc>
+                <a:spcPts val="1425"/>
+              </a:lnSpc>
+            </a:pPr>
+            <a:r>
+              <a:rPr lang="en-ID" sz="1000" b="0" dirty="0">
+                <a:solidFill>
+                  <a:srgbClr val="CCCCCC"/>
+                </a:solidFill>
+                <a:effectLst/>
+                <a:latin typeface="Consolas" panose="020B0609020204030204" pitchFamily="49" charset="0"/>
+              </a:rPr>
+              <a:t>      - </a:t>
+            </a:r>
+            <a:r>
+              <a:rPr lang="en-ID" sz="1000" b="0" dirty="0" err="1">
+                <a:solidFill>
+                  <a:srgbClr val="CE9178"/>
+                </a:solidFill>
+                <a:effectLst/>
+                <a:latin typeface="Consolas" panose="020B0609020204030204" pitchFamily="49" charset="0"/>
+              </a:rPr>
+              <a:t>db</a:t>
+            </a:r>
+            <a:endParaRPr lang="en-ID" sz="1000" b="0" dirty="0">
+              <a:solidFill>
+                <a:srgbClr val="CCCCCC"/>
+              </a:solidFill>
+              <a:effectLst/>
+              <a:latin typeface="Consolas" panose="020B0609020204030204" pitchFamily="49" charset="0"/>
+            </a:endParaRPr>
+          </a:p>
+          <a:p>
+            <a:pPr>
+              <a:lnSpc>
+                <a:spcPts val="1425"/>
+              </a:lnSpc>
+            </a:pPr>
+            <a:r>
+              <a:rPr lang="en-ID" sz="1000" b="0" dirty="0">
+                <a:solidFill>
+                  <a:srgbClr val="CCCCCC"/>
+                </a:solidFill>
+                <a:effectLst/>
+                <a:latin typeface="Consolas" panose="020B0609020204030204" pitchFamily="49" charset="0"/>
+              </a:rPr>
+              <a:t>    </a:t>
+            </a:r>
+            <a:r>
+              <a:rPr lang="en-ID" sz="1000" b="0" dirty="0">
+                <a:solidFill>
+                  <a:srgbClr val="569CD6"/>
+                </a:solidFill>
+                <a:effectLst/>
+                <a:latin typeface="Consolas" panose="020B0609020204030204" pitchFamily="49" charset="0"/>
+              </a:rPr>
+              <a:t>ports</a:t>
+            </a:r>
+            <a:r>
+              <a:rPr lang="en-ID" sz="1000" b="0" dirty="0">
+                <a:solidFill>
+                  <a:srgbClr val="CCCCCC"/>
+                </a:solidFill>
+                <a:effectLst/>
+                <a:latin typeface="Consolas" panose="020B0609020204030204" pitchFamily="49" charset="0"/>
+              </a:rPr>
+              <a:t>:</a:t>
+            </a:r>
+          </a:p>
+          <a:p>
+            <a:pPr>
+              <a:lnSpc>
+                <a:spcPts val="1425"/>
+              </a:lnSpc>
+            </a:pPr>
+            <a:r>
+              <a:rPr lang="en-ID" sz="1000" b="0" dirty="0">
+                <a:solidFill>
+                  <a:srgbClr val="CCCCCC"/>
+                </a:solidFill>
+                <a:effectLst/>
+                <a:latin typeface="Consolas" panose="020B0609020204030204" pitchFamily="49" charset="0"/>
+              </a:rPr>
+              <a:t>      - </a:t>
+            </a:r>
+            <a:r>
+              <a:rPr lang="en-ID" sz="1000" b="0" dirty="0">
+                <a:solidFill>
+                  <a:srgbClr val="CE9178"/>
+                </a:solidFill>
+                <a:effectLst/>
+                <a:latin typeface="Consolas" panose="020B0609020204030204" pitchFamily="49" charset="0"/>
+              </a:rPr>
+              <a:t>"8000:8000"</a:t>
+            </a:r>
+            <a:r>
+              <a:rPr lang="en-ID" sz="1000" b="0" dirty="0">
+                <a:solidFill>
+                  <a:srgbClr val="CCCCCC"/>
+                </a:solidFill>
+                <a:effectLst/>
+                <a:latin typeface="Consolas" panose="020B0609020204030204" pitchFamily="49" charset="0"/>
+              </a:rPr>
+              <a:t>  </a:t>
+            </a:r>
+            <a:r>
+              <a:rPr lang="en-ID" sz="1000" b="0" dirty="0">
+                <a:solidFill>
+                  <a:srgbClr val="6A9955"/>
+                </a:solidFill>
+                <a:effectLst/>
+                <a:latin typeface="Consolas" panose="020B0609020204030204" pitchFamily="49" charset="0"/>
+              </a:rPr>
+              <a:t># Proxy port</a:t>
+            </a:r>
+            <a:endParaRPr lang="en-ID" sz="1000" b="0" dirty="0">
+              <a:solidFill>
+                <a:srgbClr val="CCCCCC"/>
+              </a:solidFill>
+              <a:effectLst/>
+              <a:latin typeface="Consolas" panose="020B0609020204030204" pitchFamily="49" charset="0"/>
+            </a:endParaRPr>
+          </a:p>
+          <a:p>
+            <a:pPr>
+              <a:lnSpc>
+                <a:spcPts val="1425"/>
+              </a:lnSpc>
+            </a:pPr>
+            <a:r>
+              <a:rPr lang="en-ID" sz="1000" b="0" dirty="0">
+                <a:solidFill>
+                  <a:srgbClr val="CCCCCC"/>
+                </a:solidFill>
+                <a:effectLst/>
+                <a:latin typeface="Consolas" panose="020B0609020204030204" pitchFamily="49" charset="0"/>
+              </a:rPr>
+              <a:t>      - </a:t>
+            </a:r>
+            <a:r>
+              <a:rPr lang="en-ID" sz="1000" b="0" dirty="0">
+                <a:solidFill>
+                  <a:srgbClr val="CE9178"/>
+                </a:solidFill>
+                <a:effectLst/>
+                <a:latin typeface="Consolas" panose="020B0609020204030204" pitchFamily="49" charset="0"/>
+              </a:rPr>
+              <a:t>"8001:8001"</a:t>
+            </a:r>
+            <a:r>
+              <a:rPr lang="en-ID" sz="1000" b="0" dirty="0">
+                <a:solidFill>
+                  <a:srgbClr val="CCCCCC"/>
+                </a:solidFill>
+                <a:effectLst/>
+                <a:latin typeface="Consolas" panose="020B0609020204030204" pitchFamily="49" charset="0"/>
+              </a:rPr>
+              <a:t>  </a:t>
+            </a:r>
+            <a:r>
+              <a:rPr lang="en-ID" sz="1000" b="0" dirty="0">
+                <a:solidFill>
+                  <a:srgbClr val="6A9955"/>
+                </a:solidFill>
+                <a:effectLst/>
+                <a:latin typeface="Consolas" panose="020B0609020204030204" pitchFamily="49" charset="0"/>
+              </a:rPr>
+              <a:t># Admin API port</a:t>
+            </a:r>
+            <a:endParaRPr lang="en-ID" sz="1000" b="0" dirty="0">
+              <a:solidFill>
+                <a:srgbClr val="CCCCCC"/>
+              </a:solidFill>
+              <a:effectLst/>
+              <a:latin typeface="Consolas" panose="020B0609020204030204" pitchFamily="49" charset="0"/>
+            </a:endParaRPr>
+          </a:p>
+          <a:p>
+            <a:pPr>
+              <a:lnSpc>
+                <a:spcPts val="1425"/>
+              </a:lnSpc>
+            </a:pPr>
+            <a:r>
+              <a:rPr lang="en-ID" sz="1000" b="0" dirty="0">
+                <a:solidFill>
+                  <a:srgbClr val="CCCCCC"/>
+                </a:solidFill>
+                <a:effectLst/>
+                <a:latin typeface="Consolas" panose="020B0609020204030204" pitchFamily="49" charset="0"/>
+              </a:rPr>
+              <a:t>      - </a:t>
+            </a:r>
+            <a:r>
+              <a:rPr lang="en-ID" sz="1000" b="0" dirty="0">
+                <a:solidFill>
+                  <a:srgbClr val="CE9178"/>
+                </a:solidFill>
+                <a:effectLst/>
+                <a:latin typeface="Consolas" panose="020B0609020204030204" pitchFamily="49" charset="0"/>
+              </a:rPr>
+              <a:t>"8002:8002"</a:t>
+            </a:r>
+            <a:r>
+              <a:rPr lang="en-ID" sz="1000" b="0" dirty="0">
+                <a:solidFill>
+                  <a:srgbClr val="CCCCCC"/>
+                </a:solidFill>
+                <a:effectLst/>
+                <a:latin typeface="Consolas" panose="020B0609020204030204" pitchFamily="49" charset="0"/>
+              </a:rPr>
+              <a:t>  </a:t>
+            </a:r>
+            <a:r>
+              <a:rPr lang="en-ID" sz="1000" b="0" dirty="0">
+                <a:solidFill>
+                  <a:srgbClr val="6A9955"/>
+                </a:solidFill>
+                <a:effectLst/>
+                <a:latin typeface="Consolas" panose="020B0609020204030204" pitchFamily="49" charset="0"/>
+              </a:rPr>
+              <a:t># Admin GUI port</a:t>
+            </a:r>
+            <a:endParaRPr lang="en-ID" sz="1000" b="0" dirty="0">
+              <a:solidFill>
+                <a:srgbClr val="CCCCCC"/>
+              </a:solidFill>
+              <a:effectLst/>
+              <a:latin typeface="Consolas" panose="020B0609020204030204" pitchFamily="49" charset="0"/>
+            </a:endParaRPr>
+          </a:p>
+          <a:p>
+            <a:pPr>
+              <a:lnSpc>
+                <a:spcPts val="1425"/>
+              </a:lnSpc>
+            </a:pPr>
+            <a:r>
+              <a:rPr lang="en-ID" sz="1000" b="0" dirty="0">
+                <a:solidFill>
+                  <a:srgbClr val="CCCCCC"/>
+                </a:solidFill>
+                <a:effectLst/>
+                <a:latin typeface="Consolas" panose="020B0609020204030204" pitchFamily="49" charset="0"/>
+              </a:rPr>
+              <a:t>      - </a:t>
+            </a:r>
+            <a:r>
+              <a:rPr lang="en-ID" sz="1000" b="0" dirty="0">
+                <a:solidFill>
+                  <a:srgbClr val="CE9178"/>
+                </a:solidFill>
+                <a:effectLst/>
+                <a:latin typeface="Consolas" panose="020B0609020204030204" pitchFamily="49" charset="0"/>
+              </a:rPr>
+              <a:t>"8003:8003"</a:t>
+            </a:r>
+            <a:r>
+              <a:rPr lang="en-ID" sz="1000" b="0" dirty="0">
+                <a:solidFill>
+                  <a:srgbClr val="CCCCCC"/>
+                </a:solidFill>
+                <a:effectLst/>
+                <a:latin typeface="Consolas" panose="020B0609020204030204" pitchFamily="49" charset="0"/>
+              </a:rPr>
+              <a:t>  </a:t>
+            </a:r>
+            <a:r>
+              <a:rPr lang="en-ID" sz="1000" b="0" dirty="0">
+                <a:solidFill>
+                  <a:srgbClr val="6A9955"/>
+                </a:solidFill>
+                <a:effectLst/>
+                <a:latin typeface="Consolas" panose="020B0609020204030204" pitchFamily="49" charset="0"/>
+              </a:rPr>
+              <a:t># Portal GUI port</a:t>
+            </a:r>
+            <a:endParaRPr lang="en-ID" sz="1000" b="0" dirty="0">
+              <a:solidFill>
+                <a:srgbClr val="CCCCCC"/>
+              </a:solidFill>
+              <a:effectLst/>
+              <a:latin typeface="Consolas" panose="020B0609020204030204" pitchFamily="49" charset="0"/>
+            </a:endParaRPr>
+          </a:p>
+        </p:txBody>
+      </p:sp>
+      <p:sp>
+        <p:nvSpPr>
+          <p:cNvPr id="9" name="TextBox 8">
+            <a:extLst>
+              <a:ext uri="{FF2B5EF4-FFF2-40B4-BE49-F238E27FC236}">
+                <a16:creationId xmlns:a16="http://schemas.microsoft.com/office/drawing/2014/main" id="{175617CE-46EB-3069-0780-D150CF9D3A6A}"/>
+              </a:ext>
+            </a:extLst>
+          </p:cNvPr>
+          <p:cNvSpPr txBox="1"/>
+          <p:nvPr/>
+        </p:nvSpPr>
+        <p:spPr>
+          <a:xfrm>
+            <a:off x="3712029" y="4596740"/>
+            <a:ext cx="3233057" cy="2261260"/>
+          </a:xfrm>
+          <a:prstGeom prst="rect">
+            <a:avLst/>
+          </a:prstGeom>
+          <a:noFill/>
+        </p:spPr>
+        <p:txBody>
+          <a:bodyPr wrap="square">
+            <a:spAutoFit/>
+          </a:bodyPr>
+          <a:lstStyle/>
+          <a:p>
+            <a:pPr>
+              <a:lnSpc>
+                <a:spcPts val="1425"/>
+              </a:lnSpc>
+            </a:pPr>
+            <a:r>
+              <a:rPr lang="en-ID" sz="1000" b="0" dirty="0" err="1">
+                <a:solidFill>
+                  <a:srgbClr val="569CD6"/>
+                </a:solidFill>
+                <a:effectLst/>
+                <a:latin typeface="Consolas" panose="020B0609020204030204" pitchFamily="49" charset="0"/>
+              </a:rPr>
+              <a:t>kong</a:t>
+            </a:r>
+            <a:r>
+              <a:rPr lang="en-ID" sz="1000" b="0" dirty="0">
+                <a:solidFill>
+                  <a:srgbClr val="569CD6"/>
+                </a:solidFill>
+                <a:effectLst/>
+                <a:latin typeface="Consolas" panose="020B0609020204030204" pitchFamily="49" charset="0"/>
+              </a:rPr>
+              <a:t>-migrations</a:t>
+            </a:r>
+            <a:r>
+              <a:rPr lang="en-ID" sz="1000" b="0" dirty="0">
+                <a:solidFill>
+                  <a:srgbClr val="CCCCCC"/>
+                </a:solidFill>
+                <a:effectLst/>
+                <a:latin typeface="Consolas" panose="020B0609020204030204" pitchFamily="49" charset="0"/>
+              </a:rPr>
+              <a:t>:</a:t>
+            </a:r>
+          </a:p>
+          <a:p>
+            <a:pPr>
+              <a:lnSpc>
+                <a:spcPts val="1425"/>
+              </a:lnSpc>
+            </a:pPr>
+            <a:r>
+              <a:rPr lang="en-ID" sz="1000" b="0" dirty="0">
+                <a:solidFill>
+                  <a:srgbClr val="CCCCCC"/>
+                </a:solidFill>
+                <a:effectLst/>
+                <a:latin typeface="Consolas" panose="020B0609020204030204" pitchFamily="49" charset="0"/>
+              </a:rPr>
+              <a:t>    </a:t>
+            </a:r>
+            <a:r>
+              <a:rPr lang="en-ID" sz="1000" b="0" dirty="0">
+                <a:solidFill>
+                  <a:srgbClr val="569CD6"/>
+                </a:solidFill>
+                <a:effectLst/>
+                <a:latin typeface="Consolas" panose="020B0609020204030204" pitchFamily="49" charset="0"/>
+              </a:rPr>
+              <a:t>image</a:t>
+            </a:r>
+            <a:r>
+              <a:rPr lang="en-ID" sz="1000" b="0" dirty="0">
+                <a:solidFill>
+                  <a:srgbClr val="CCCCCC"/>
+                </a:solidFill>
+                <a:effectLst/>
+                <a:latin typeface="Consolas" panose="020B0609020204030204" pitchFamily="49" charset="0"/>
+              </a:rPr>
+              <a:t>: </a:t>
+            </a:r>
+            <a:r>
+              <a:rPr lang="en-ID" sz="1000" b="0" dirty="0">
+                <a:solidFill>
+                  <a:srgbClr val="CE9178"/>
+                </a:solidFill>
+                <a:effectLst/>
+                <a:latin typeface="Consolas" panose="020B0609020204030204" pitchFamily="49" charset="0"/>
+              </a:rPr>
+              <a:t>kong:3.0</a:t>
+            </a:r>
+            <a:endParaRPr lang="en-ID" sz="1000" b="0" dirty="0">
+              <a:solidFill>
+                <a:srgbClr val="CCCCCC"/>
+              </a:solidFill>
+              <a:effectLst/>
+              <a:latin typeface="Consolas" panose="020B0609020204030204" pitchFamily="49" charset="0"/>
+            </a:endParaRPr>
+          </a:p>
+          <a:p>
+            <a:pPr>
+              <a:lnSpc>
+                <a:spcPts val="1425"/>
+              </a:lnSpc>
+            </a:pPr>
+            <a:r>
+              <a:rPr lang="en-ID" sz="1000" b="0" dirty="0">
+                <a:solidFill>
+                  <a:srgbClr val="CCCCCC"/>
+                </a:solidFill>
+                <a:effectLst/>
+                <a:latin typeface="Consolas" panose="020B0609020204030204" pitchFamily="49" charset="0"/>
+              </a:rPr>
+              <a:t>    </a:t>
+            </a:r>
+            <a:r>
+              <a:rPr lang="en-ID" sz="1000" b="0" dirty="0">
+                <a:solidFill>
+                  <a:srgbClr val="569CD6"/>
+                </a:solidFill>
+                <a:effectLst/>
+                <a:latin typeface="Consolas" panose="020B0609020204030204" pitchFamily="49" charset="0"/>
+              </a:rPr>
+              <a:t>command</a:t>
+            </a:r>
+            <a:r>
+              <a:rPr lang="en-ID" sz="1000" b="0" dirty="0">
+                <a:solidFill>
+                  <a:srgbClr val="CCCCCC"/>
+                </a:solidFill>
+                <a:effectLst/>
+                <a:latin typeface="Consolas" panose="020B0609020204030204" pitchFamily="49" charset="0"/>
+              </a:rPr>
+              <a:t>: </a:t>
+            </a:r>
+            <a:r>
+              <a:rPr lang="en-ID" sz="1000" b="0" dirty="0">
+                <a:solidFill>
+                  <a:srgbClr val="CE9178"/>
+                </a:solidFill>
+                <a:effectLst/>
+                <a:latin typeface="Consolas" panose="020B0609020204030204" pitchFamily="49" charset="0"/>
+              </a:rPr>
+              <a:t>"</a:t>
+            </a:r>
+            <a:r>
+              <a:rPr lang="en-ID" sz="1000" b="0" dirty="0" err="1">
+                <a:solidFill>
+                  <a:srgbClr val="CE9178"/>
+                </a:solidFill>
+                <a:effectLst/>
+                <a:latin typeface="Consolas" panose="020B0609020204030204" pitchFamily="49" charset="0"/>
+              </a:rPr>
+              <a:t>kong</a:t>
+            </a:r>
+            <a:r>
+              <a:rPr lang="en-ID" sz="1000" b="0" dirty="0">
+                <a:solidFill>
+                  <a:srgbClr val="CE9178"/>
+                </a:solidFill>
+                <a:effectLst/>
+                <a:latin typeface="Consolas" panose="020B0609020204030204" pitchFamily="49" charset="0"/>
+              </a:rPr>
+              <a:t> migrations bootstrap"</a:t>
+            </a:r>
+            <a:endParaRPr lang="en-ID" sz="1000" b="0" dirty="0">
+              <a:solidFill>
+                <a:srgbClr val="CCCCCC"/>
+              </a:solidFill>
+              <a:effectLst/>
+              <a:latin typeface="Consolas" panose="020B0609020204030204" pitchFamily="49" charset="0"/>
+            </a:endParaRPr>
+          </a:p>
+          <a:p>
+            <a:pPr>
+              <a:lnSpc>
+                <a:spcPts val="1425"/>
+              </a:lnSpc>
+            </a:pPr>
+            <a:r>
+              <a:rPr lang="en-ID" sz="1000" b="0" dirty="0">
+                <a:solidFill>
+                  <a:srgbClr val="CCCCCC"/>
+                </a:solidFill>
+                <a:effectLst/>
+                <a:latin typeface="Consolas" panose="020B0609020204030204" pitchFamily="49" charset="0"/>
+              </a:rPr>
+              <a:t>    </a:t>
+            </a:r>
+            <a:r>
+              <a:rPr lang="en-ID" sz="1000" b="0" dirty="0">
+                <a:solidFill>
+                  <a:srgbClr val="569CD6"/>
+                </a:solidFill>
+                <a:effectLst/>
+                <a:latin typeface="Consolas" panose="020B0609020204030204" pitchFamily="49" charset="0"/>
+              </a:rPr>
+              <a:t>environment</a:t>
+            </a:r>
+            <a:r>
+              <a:rPr lang="en-ID" sz="1000" b="0" dirty="0">
+                <a:solidFill>
+                  <a:srgbClr val="CCCCCC"/>
+                </a:solidFill>
+                <a:effectLst/>
+                <a:latin typeface="Consolas" panose="020B0609020204030204" pitchFamily="49" charset="0"/>
+              </a:rPr>
+              <a:t>:</a:t>
+            </a:r>
+          </a:p>
+          <a:p>
+            <a:pPr>
+              <a:lnSpc>
+                <a:spcPts val="1425"/>
+              </a:lnSpc>
+            </a:pPr>
+            <a:r>
+              <a:rPr lang="en-ID" sz="1000" b="0" dirty="0">
+                <a:solidFill>
+                  <a:srgbClr val="CCCCCC"/>
+                </a:solidFill>
+                <a:effectLst/>
+                <a:latin typeface="Consolas" panose="020B0609020204030204" pitchFamily="49" charset="0"/>
+              </a:rPr>
+              <a:t>      </a:t>
+            </a:r>
+            <a:r>
+              <a:rPr lang="en-ID" sz="1000" b="0" dirty="0">
+                <a:solidFill>
+                  <a:srgbClr val="569CD6"/>
+                </a:solidFill>
+                <a:effectLst/>
+                <a:latin typeface="Consolas" panose="020B0609020204030204" pitchFamily="49" charset="0"/>
+              </a:rPr>
+              <a:t>KONG_DATABASE</a:t>
+            </a:r>
+            <a:r>
+              <a:rPr lang="en-ID" sz="1000" b="0" dirty="0">
+                <a:solidFill>
+                  <a:srgbClr val="CCCCCC"/>
+                </a:solidFill>
+                <a:effectLst/>
+                <a:latin typeface="Consolas" panose="020B0609020204030204" pitchFamily="49" charset="0"/>
+              </a:rPr>
+              <a:t>: </a:t>
+            </a:r>
+            <a:r>
+              <a:rPr lang="en-ID" sz="1000" b="0" dirty="0" err="1">
+                <a:solidFill>
+                  <a:srgbClr val="CE9178"/>
+                </a:solidFill>
+                <a:effectLst/>
+                <a:latin typeface="Consolas" panose="020B0609020204030204" pitchFamily="49" charset="0"/>
+              </a:rPr>
+              <a:t>postgres</a:t>
+            </a:r>
+            <a:endParaRPr lang="en-ID" sz="1000" b="0" dirty="0">
+              <a:solidFill>
+                <a:srgbClr val="CCCCCC"/>
+              </a:solidFill>
+              <a:effectLst/>
+              <a:latin typeface="Consolas" panose="020B0609020204030204" pitchFamily="49" charset="0"/>
+            </a:endParaRPr>
+          </a:p>
+          <a:p>
+            <a:pPr>
+              <a:lnSpc>
+                <a:spcPts val="1425"/>
+              </a:lnSpc>
+            </a:pPr>
+            <a:r>
+              <a:rPr lang="en-ID" sz="1000" b="0" dirty="0">
+                <a:solidFill>
+                  <a:srgbClr val="CCCCCC"/>
+                </a:solidFill>
+                <a:effectLst/>
+                <a:latin typeface="Consolas" panose="020B0609020204030204" pitchFamily="49" charset="0"/>
+              </a:rPr>
+              <a:t>      </a:t>
+            </a:r>
+            <a:r>
+              <a:rPr lang="en-ID" sz="1000" b="0" dirty="0">
+                <a:solidFill>
+                  <a:srgbClr val="569CD6"/>
+                </a:solidFill>
+                <a:effectLst/>
+                <a:latin typeface="Consolas" panose="020B0609020204030204" pitchFamily="49" charset="0"/>
+              </a:rPr>
+              <a:t>KONG_PG_HOST</a:t>
+            </a:r>
+            <a:r>
+              <a:rPr lang="en-ID" sz="1000" b="0" dirty="0">
+                <a:solidFill>
+                  <a:srgbClr val="CCCCCC"/>
+                </a:solidFill>
+                <a:effectLst/>
+                <a:latin typeface="Consolas" panose="020B0609020204030204" pitchFamily="49" charset="0"/>
+              </a:rPr>
+              <a:t>: </a:t>
+            </a:r>
+            <a:r>
+              <a:rPr lang="en-ID" sz="1000" b="0" dirty="0" err="1">
+                <a:solidFill>
+                  <a:srgbClr val="CE9178"/>
+                </a:solidFill>
+                <a:effectLst/>
+                <a:latin typeface="Consolas" panose="020B0609020204030204" pitchFamily="49" charset="0"/>
+              </a:rPr>
+              <a:t>host.docker.internal</a:t>
+            </a:r>
+            <a:endParaRPr lang="en-ID" sz="1000" b="0" dirty="0">
+              <a:solidFill>
+                <a:srgbClr val="CCCCCC"/>
+              </a:solidFill>
+              <a:effectLst/>
+              <a:latin typeface="Consolas" panose="020B0609020204030204" pitchFamily="49" charset="0"/>
+            </a:endParaRPr>
+          </a:p>
+          <a:p>
+            <a:pPr>
+              <a:lnSpc>
+                <a:spcPts val="1425"/>
+              </a:lnSpc>
+            </a:pPr>
+            <a:r>
+              <a:rPr lang="en-ID" sz="1000" b="0" dirty="0">
+                <a:solidFill>
+                  <a:srgbClr val="CCCCCC"/>
+                </a:solidFill>
+                <a:effectLst/>
+                <a:latin typeface="Consolas" panose="020B0609020204030204" pitchFamily="49" charset="0"/>
+              </a:rPr>
+              <a:t>      </a:t>
+            </a:r>
+            <a:r>
+              <a:rPr lang="en-ID" sz="1000" b="0" dirty="0">
+                <a:solidFill>
+                  <a:srgbClr val="569CD6"/>
+                </a:solidFill>
+                <a:effectLst/>
+                <a:latin typeface="Consolas" panose="020B0609020204030204" pitchFamily="49" charset="0"/>
+              </a:rPr>
+              <a:t>KONG_PG_USER</a:t>
+            </a:r>
+            <a:r>
+              <a:rPr lang="en-ID" sz="1000" b="0" dirty="0">
+                <a:solidFill>
+                  <a:srgbClr val="CCCCCC"/>
+                </a:solidFill>
+                <a:effectLst/>
+                <a:latin typeface="Consolas" panose="020B0609020204030204" pitchFamily="49" charset="0"/>
+              </a:rPr>
+              <a:t>: </a:t>
+            </a:r>
+            <a:r>
+              <a:rPr lang="en-ID" sz="1000" b="0" dirty="0" err="1">
+                <a:solidFill>
+                  <a:srgbClr val="CE9178"/>
+                </a:solidFill>
+                <a:effectLst/>
+                <a:latin typeface="Consolas" panose="020B0609020204030204" pitchFamily="49" charset="0"/>
+              </a:rPr>
+              <a:t>postgres</a:t>
+            </a:r>
+            <a:endParaRPr lang="en-ID" sz="1000" b="0" dirty="0">
+              <a:solidFill>
+                <a:srgbClr val="CCCCCC"/>
+              </a:solidFill>
+              <a:effectLst/>
+              <a:latin typeface="Consolas" panose="020B0609020204030204" pitchFamily="49" charset="0"/>
+            </a:endParaRPr>
+          </a:p>
+          <a:p>
+            <a:pPr>
+              <a:lnSpc>
+                <a:spcPts val="1425"/>
+              </a:lnSpc>
+            </a:pPr>
+            <a:r>
+              <a:rPr lang="en-ID" sz="1000" b="0" dirty="0">
+                <a:solidFill>
+                  <a:srgbClr val="CCCCCC"/>
+                </a:solidFill>
+                <a:effectLst/>
+                <a:latin typeface="Consolas" panose="020B0609020204030204" pitchFamily="49" charset="0"/>
+              </a:rPr>
+              <a:t>      </a:t>
+            </a:r>
+            <a:r>
+              <a:rPr lang="en-ID" sz="1000" b="0" dirty="0">
+                <a:solidFill>
+                  <a:srgbClr val="569CD6"/>
+                </a:solidFill>
+                <a:effectLst/>
+                <a:latin typeface="Consolas" panose="020B0609020204030204" pitchFamily="49" charset="0"/>
+              </a:rPr>
+              <a:t>KONG_PG_PASSWORD</a:t>
+            </a:r>
+            <a:r>
+              <a:rPr lang="en-ID" sz="1000" b="0" dirty="0">
+                <a:solidFill>
+                  <a:srgbClr val="CCCCCC"/>
+                </a:solidFill>
+                <a:effectLst/>
+                <a:latin typeface="Consolas" panose="020B0609020204030204" pitchFamily="49" charset="0"/>
+              </a:rPr>
+              <a:t>: </a:t>
+            </a:r>
+            <a:r>
+              <a:rPr lang="en-ID" sz="1000" b="0" dirty="0" err="1">
+                <a:solidFill>
+                  <a:srgbClr val="CE9178"/>
+                </a:solidFill>
+                <a:effectLst/>
+                <a:latin typeface="Consolas" panose="020B0609020204030204" pitchFamily="49" charset="0"/>
+              </a:rPr>
+              <a:t>postgres</a:t>
+            </a:r>
+            <a:endParaRPr lang="en-ID" sz="1000" b="0" dirty="0">
+              <a:solidFill>
+                <a:srgbClr val="CCCCCC"/>
+              </a:solidFill>
+              <a:effectLst/>
+              <a:latin typeface="Consolas" panose="020B0609020204030204" pitchFamily="49" charset="0"/>
+            </a:endParaRPr>
+          </a:p>
+          <a:p>
+            <a:pPr>
+              <a:lnSpc>
+                <a:spcPts val="1425"/>
+              </a:lnSpc>
+            </a:pPr>
+            <a:r>
+              <a:rPr lang="en-ID" sz="1000" b="0" dirty="0">
+                <a:solidFill>
+                  <a:srgbClr val="CCCCCC"/>
+                </a:solidFill>
+                <a:effectLst/>
+                <a:latin typeface="Consolas" panose="020B0609020204030204" pitchFamily="49" charset="0"/>
+              </a:rPr>
+              <a:t>      </a:t>
+            </a:r>
+            <a:r>
+              <a:rPr lang="en-ID" sz="1000" b="0" dirty="0">
+                <a:solidFill>
+                  <a:srgbClr val="569CD6"/>
+                </a:solidFill>
+                <a:effectLst/>
+                <a:latin typeface="Consolas" panose="020B0609020204030204" pitchFamily="49" charset="0"/>
+              </a:rPr>
+              <a:t>KONG_PG_DATABASE</a:t>
+            </a:r>
+            <a:r>
+              <a:rPr lang="en-ID" sz="1000" b="0" dirty="0">
+                <a:solidFill>
+                  <a:srgbClr val="CCCCCC"/>
+                </a:solidFill>
+                <a:effectLst/>
+                <a:latin typeface="Consolas" panose="020B0609020204030204" pitchFamily="49" charset="0"/>
+              </a:rPr>
+              <a:t>: </a:t>
+            </a:r>
+            <a:r>
+              <a:rPr lang="en-ID" sz="1000" b="0" dirty="0" err="1">
+                <a:solidFill>
+                  <a:srgbClr val="CE9178"/>
+                </a:solidFill>
+                <a:effectLst/>
+                <a:latin typeface="Consolas" panose="020B0609020204030204" pitchFamily="49" charset="0"/>
+              </a:rPr>
+              <a:t>db_kong</a:t>
+            </a:r>
+            <a:endParaRPr lang="en-ID" sz="1000" b="0" dirty="0">
+              <a:solidFill>
+                <a:srgbClr val="CCCCCC"/>
+              </a:solidFill>
+              <a:effectLst/>
+              <a:latin typeface="Consolas" panose="020B0609020204030204" pitchFamily="49" charset="0"/>
+            </a:endParaRPr>
+          </a:p>
+          <a:p>
+            <a:pPr>
+              <a:lnSpc>
+                <a:spcPts val="1425"/>
+              </a:lnSpc>
+            </a:pPr>
+            <a:r>
+              <a:rPr lang="en-ID" sz="1000" b="0" dirty="0">
+                <a:solidFill>
+                  <a:srgbClr val="CCCCCC"/>
+                </a:solidFill>
+                <a:effectLst/>
+                <a:latin typeface="Consolas" panose="020B0609020204030204" pitchFamily="49" charset="0"/>
+              </a:rPr>
+              <a:t>    </a:t>
+            </a:r>
+            <a:r>
+              <a:rPr lang="en-ID" sz="1000" b="0" dirty="0" err="1">
+                <a:solidFill>
+                  <a:srgbClr val="569CD6"/>
+                </a:solidFill>
+                <a:effectLst/>
+                <a:latin typeface="Consolas" panose="020B0609020204030204" pitchFamily="49" charset="0"/>
+              </a:rPr>
+              <a:t>depends_on</a:t>
+            </a:r>
+            <a:r>
+              <a:rPr lang="en-ID" sz="1000" b="0" dirty="0">
+                <a:solidFill>
+                  <a:srgbClr val="CCCCCC"/>
+                </a:solidFill>
+                <a:effectLst/>
+                <a:latin typeface="Consolas" panose="020B0609020204030204" pitchFamily="49" charset="0"/>
+              </a:rPr>
+              <a:t>:</a:t>
+            </a:r>
+          </a:p>
+          <a:p>
+            <a:pPr>
+              <a:lnSpc>
+                <a:spcPts val="1425"/>
+              </a:lnSpc>
+            </a:pPr>
+            <a:r>
+              <a:rPr lang="en-ID" sz="1000" b="0" dirty="0">
+                <a:solidFill>
+                  <a:srgbClr val="CCCCCC"/>
+                </a:solidFill>
+                <a:effectLst/>
+                <a:latin typeface="Consolas" panose="020B0609020204030204" pitchFamily="49" charset="0"/>
+              </a:rPr>
+              <a:t>      - </a:t>
+            </a:r>
+            <a:r>
+              <a:rPr lang="en-ID" sz="1000" b="0" dirty="0" err="1">
+                <a:solidFill>
+                  <a:srgbClr val="CE9178"/>
+                </a:solidFill>
+                <a:effectLst/>
+                <a:latin typeface="Consolas" panose="020B0609020204030204" pitchFamily="49" charset="0"/>
+              </a:rPr>
+              <a:t>db</a:t>
+            </a:r>
+            <a:endParaRPr lang="en-ID" sz="1000" b="0" dirty="0">
+              <a:solidFill>
+                <a:srgbClr val="CCCCCC"/>
+              </a:solidFill>
+              <a:effectLst/>
+              <a:latin typeface="Consolas" panose="020B0609020204030204" pitchFamily="49" charset="0"/>
+            </a:endParaRPr>
+          </a:p>
+          <a:p>
+            <a:pPr>
+              <a:lnSpc>
+                <a:spcPts val="1425"/>
+              </a:lnSpc>
+            </a:pPr>
+            <a:r>
+              <a:rPr lang="en-ID" sz="1000" b="0" dirty="0">
+                <a:solidFill>
+                  <a:srgbClr val="CCCCCC"/>
+                </a:solidFill>
+                <a:effectLst/>
+                <a:latin typeface="Consolas" panose="020B0609020204030204" pitchFamily="49" charset="0"/>
+              </a:rPr>
+              <a:t>    </a:t>
+            </a:r>
+            <a:r>
+              <a:rPr lang="en-ID" sz="1000" b="0" dirty="0">
+                <a:solidFill>
+                  <a:srgbClr val="569CD6"/>
+                </a:solidFill>
+                <a:effectLst/>
+                <a:latin typeface="Consolas" panose="020B0609020204030204" pitchFamily="49" charset="0"/>
+              </a:rPr>
+              <a:t>restart</a:t>
+            </a:r>
+            <a:r>
+              <a:rPr lang="en-ID" sz="1000" b="0" dirty="0">
+                <a:solidFill>
+                  <a:srgbClr val="CCCCCC"/>
+                </a:solidFill>
+                <a:effectLst/>
+                <a:latin typeface="Consolas" panose="020B0609020204030204" pitchFamily="49" charset="0"/>
+              </a:rPr>
+              <a:t>: </a:t>
+            </a:r>
+            <a:r>
+              <a:rPr lang="en-ID" sz="1000" b="0" dirty="0">
+                <a:solidFill>
+                  <a:srgbClr val="CE9178"/>
+                </a:solidFill>
+                <a:effectLst/>
+                <a:latin typeface="Consolas" panose="020B0609020204030204" pitchFamily="49" charset="0"/>
+              </a:rPr>
+              <a:t>"no"</a:t>
+            </a:r>
+            <a:endParaRPr lang="en-ID" sz="1000" b="0" dirty="0">
+              <a:solidFill>
+                <a:srgbClr val="CCCCCC"/>
+              </a:solidFill>
+              <a:effectLst/>
+              <a:latin typeface="Consolas" panose="020B0609020204030204" pitchFamily="49" charset="0"/>
+            </a:endParaRPr>
+          </a:p>
+        </p:txBody>
+      </p:sp>
+      <p:sp>
+        <p:nvSpPr>
+          <p:cNvPr id="11" name="TextBox 10">
+            <a:extLst>
+              <a:ext uri="{FF2B5EF4-FFF2-40B4-BE49-F238E27FC236}">
+                <a16:creationId xmlns:a16="http://schemas.microsoft.com/office/drawing/2014/main" id="{005F1E94-A1D2-03CC-7017-3CD15D4C473F}"/>
+              </a:ext>
+            </a:extLst>
+          </p:cNvPr>
+          <p:cNvSpPr txBox="1"/>
+          <p:nvPr/>
+        </p:nvSpPr>
+        <p:spPr>
+          <a:xfrm>
+            <a:off x="838200" y="1321356"/>
+            <a:ext cx="6558642" cy="369332"/>
+          </a:xfrm>
+          <a:prstGeom prst="rect">
+            <a:avLst/>
+          </a:prstGeom>
+          <a:noFill/>
+        </p:spPr>
+        <p:txBody>
+          <a:bodyPr wrap="square">
+            <a:spAutoFit/>
+          </a:bodyPr>
+          <a:lstStyle/>
+          <a:p>
+            <a:r>
+              <a:rPr lang="en-US" b="0" i="1" dirty="0">
+                <a:solidFill>
+                  <a:srgbClr val="494E50"/>
+                </a:solidFill>
+                <a:effectLst/>
+                <a:latin typeface="Roboto" panose="020F0502020204030204" pitchFamily="2" charset="0"/>
+              </a:rPr>
+              <a:t>a lightweight, fast, and flexible cloud-native API gateway. </a:t>
+            </a:r>
+            <a:endParaRPr lang="en-ID" i="1" dirty="0"/>
+          </a:p>
+        </p:txBody>
+      </p:sp>
+    </p:spTree>
+    <p:extLst>
+      <p:ext uri="{BB962C8B-B14F-4D97-AF65-F5344CB8AC3E}">
+        <p14:creationId xmlns:p14="http://schemas.microsoft.com/office/powerpoint/2010/main" val="2543688651"/>
+      </p:ext>
+    </p:extLst>
+  </p:cSld>
+  <p:clrMapOvr>
+    <a:masterClrMapping/>
+  </p:clrMapOvr>
+</p:sld>
+</file>
+
 <file path=ppt/slides/slide5.xml><?xml version="1.0" encoding="utf-8"?>
 <p:sld xmlns:a="http://schemas.openxmlformats.org/drawingml/2006/main" xmlns:r="http://schemas.openxmlformats.org/officeDocument/2006/relationships" xmlns:p="http://schemas.openxmlformats.org/presentationml/2006/main">
   <p:cSld>

--- a/docs/sso.pptx
+++ b/docs/sso.pptx
@@ -31,27 +31,27 @@
     <p:sldId id="280" r:id="rId25"/>
     <p:sldId id="281" r:id="rId26"/>
     <p:sldId id="271" r:id="rId27"/>
-    <p:sldId id="270" r:id="rId28"/>
-    <p:sldId id="283" r:id="rId29"/>
-    <p:sldId id="284" r:id="rId30"/>
-    <p:sldId id="285" r:id="rId31"/>
-    <p:sldId id="286" r:id="rId32"/>
-    <p:sldId id="287" r:id="rId33"/>
-    <p:sldId id="288" r:id="rId34"/>
-    <p:sldId id="289" r:id="rId35"/>
-    <p:sldId id="290" r:id="rId36"/>
-    <p:sldId id="291" r:id="rId37"/>
-    <p:sldId id="292" r:id="rId38"/>
-    <p:sldId id="293" r:id="rId39"/>
-    <p:sldId id="294" r:id="rId40"/>
-    <p:sldId id="295" r:id="rId41"/>
-    <p:sldId id="296" r:id="rId42"/>
-    <p:sldId id="297" r:id="rId43"/>
-    <p:sldId id="298" r:id="rId44"/>
-    <p:sldId id="299" r:id="rId45"/>
-    <p:sldId id="300" r:id="rId46"/>
-    <p:sldId id="301" r:id="rId47"/>
-    <p:sldId id="302" r:id="rId48"/>
+    <p:sldId id="283" r:id="rId28"/>
+    <p:sldId id="284" r:id="rId29"/>
+    <p:sldId id="285" r:id="rId30"/>
+    <p:sldId id="286" r:id="rId31"/>
+    <p:sldId id="287" r:id="rId32"/>
+    <p:sldId id="288" r:id="rId33"/>
+    <p:sldId id="289" r:id="rId34"/>
+    <p:sldId id="290" r:id="rId35"/>
+    <p:sldId id="291" r:id="rId36"/>
+    <p:sldId id="292" r:id="rId37"/>
+    <p:sldId id="293" r:id="rId38"/>
+    <p:sldId id="294" r:id="rId39"/>
+    <p:sldId id="295" r:id="rId40"/>
+    <p:sldId id="296" r:id="rId41"/>
+    <p:sldId id="297" r:id="rId42"/>
+    <p:sldId id="298" r:id="rId43"/>
+    <p:sldId id="299" r:id="rId44"/>
+    <p:sldId id="300" r:id="rId45"/>
+    <p:sldId id="301" r:id="rId46"/>
+    <p:sldId id="302" r:id="rId47"/>
+    <p:sldId id="303" r:id="rId48"/>
   </p:sldIdLst>
   <p:sldSz cx="12192000" cy="6858000"/>
   <p:notesSz cx="6858000" cy="9144000"/>
@@ -22642,1216 +22642,6 @@
           <p:cNvPr id="2" name="Title 1">
             <a:extLst>
               <a:ext uri="{FF2B5EF4-FFF2-40B4-BE49-F238E27FC236}">
-                <a16:creationId xmlns:a16="http://schemas.microsoft.com/office/drawing/2014/main" id="{B8FC3F49-4AA1-173D-0911-6013C93576E3}"/>
-              </a:ext>
-            </a:extLst>
-          </p:cNvPr>
-          <p:cNvSpPr>
-            <a:spLocks noGrp="1"/>
-          </p:cNvSpPr>
-          <p:nvPr>
-            <p:ph type="title"/>
-          </p:nvPr>
-        </p:nvSpPr>
-        <p:spPr/>
-        <p:txBody>
-          <a:bodyPr/>
-          <a:lstStyle/>
-          <a:p>
-            <a:r>
-              <a:rPr lang="en-US" dirty="0"/>
-              <a:t>8. Integrasi </a:t>
-            </a:r>
-            <a:r>
-              <a:rPr lang="en-US" dirty="0" err="1"/>
-              <a:t>dengan</a:t>
-            </a:r>
-            <a:r>
-              <a:rPr lang="en-US" dirty="0"/>
-              <a:t> LDAP</a:t>
-            </a:r>
-            <a:endParaRPr lang="en-ID" dirty="0"/>
-          </a:p>
-        </p:txBody>
-      </p:sp>
-      <p:sp>
-        <p:nvSpPr>
-          <p:cNvPr id="3" name="Content Placeholder 2">
-            <a:extLst>
-              <a:ext uri="{FF2B5EF4-FFF2-40B4-BE49-F238E27FC236}">
-                <a16:creationId xmlns:a16="http://schemas.microsoft.com/office/drawing/2014/main" id="{1A4539D5-21FB-34F3-F681-6E224A3B211A}"/>
-              </a:ext>
-            </a:extLst>
-          </p:cNvPr>
-          <p:cNvSpPr>
-            <a:spLocks noGrp="1"/>
-          </p:cNvSpPr>
-          <p:nvPr>
-            <p:ph idx="1"/>
-          </p:nvPr>
-        </p:nvSpPr>
-        <p:spPr/>
-        <p:txBody>
-          <a:bodyPr/>
-          <a:lstStyle/>
-          <a:p>
-            <a:r>
-              <a:rPr lang="en-US" dirty="0"/>
-              <a:t>Integrasi </a:t>
-            </a:r>
-            <a:r>
-              <a:rPr lang="en-US" dirty="0" err="1"/>
-              <a:t>ada</a:t>
-            </a:r>
-            <a:r>
-              <a:rPr lang="en-US" dirty="0"/>
-              <a:t> di docker compose </a:t>
-            </a:r>
-          </a:p>
-          <a:p>
-            <a:r>
-              <a:rPr lang="en-US" dirty="0"/>
-              <a:t>LDAP Admin : </a:t>
-            </a:r>
-          </a:p>
-          <a:p>
-            <a:pPr lvl="1"/>
-            <a:r>
-              <a:rPr lang="en-US" dirty="0"/>
-              <a:t>user :  </a:t>
-            </a:r>
-            <a:r>
-              <a:rPr lang="en-US" b="1" dirty="0" err="1"/>
-              <a:t>cn</a:t>
-            </a:r>
-            <a:r>
-              <a:rPr lang="en-US" b="1" dirty="0"/>
-              <a:t>=</a:t>
-            </a:r>
-            <a:r>
-              <a:rPr lang="en-US" b="1" dirty="0" err="1"/>
-              <a:t>admin,dc</a:t>
-            </a:r>
-            <a:r>
-              <a:rPr lang="en-US" b="1" dirty="0"/>
-              <a:t>=</a:t>
-            </a:r>
-            <a:r>
-              <a:rPr lang="en-US" b="1" dirty="0" err="1"/>
-              <a:t>example,dc</a:t>
-            </a:r>
-            <a:r>
-              <a:rPr lang="en-US" b="1" dirty="0"/>
-              <a:t>=com</a:t>
-            </a:r>
-            <a:endParaRPr lang="en-ID" b="1" dirty="0"/>
-          </a:p>
-          <a:p>
-            <a:pPr lvl="1"/>
-            <a:r>
-              <a:rPr lang="en-US" dirty="0"/>
-              <a:t>Password: </a:t>
-            </a:r>
-            <a:r>
-              <a:rPr lang="en-US" b="1" dirty="0"/>
-              <a:t>admin</a:t>
-            </a:r>
-          </a:p>
-          <a:p>
-            <a:pPr lvl="1"/>
-            <a:r>
-              <a:rPr lang="en-US" dirty="0" err="1"/>
-              <a:t>url</a:t>
-            </a:r>
-            <a:r>
-              <a:rPr lang="en-US" dirty="0"/>
-              <a:t> : </a:t>
-            </a:r>
-            <a:r>
-              <a:rPr lang="en-US" dirty="0">
-                <a:hlinkClick r:id="rId2"/>
-              </a:rPr>
-              <a:t>http://localhost:8081</a:t>
-            </a:r>
-            <a:endParaRPr lang="en-US" dirty="0"/>
-          </a:p>
-          <a:p>
-            <a:endParaRPr lang="en-US" dirty="0"/>
-          </a:p>
-        </p:txBody>
-      </p:sp>
-      <p:sp>
-        <p:nvSpPr>
-          <p:cNvPr id="5" name="TextBox 4">
-            <a:extLst>
-              <a:ext uri="{FF2B5EF4-FFF2-40B4-BE49-F238E27FC236}">
-                <a16:creationId xmlns:a16="http://schemas.microsoft.com/office/drawing/2014/main" id="{3A7BFA92-E344-C3CD-0907-2C47F74AD611}"/>
-              </a:ext>
-            </a:extLst>
-          </p:cNvPr>
-          <p:cNvSpPr txBox="1"/>
-          <p:nvPr/>
-        </p:nvSpPr>
-        <p:spPr>
-          <a:xfrm>
-            <a:off x="8294253" y="1380998"/>
-            <a:ext cx="3897747" cy="3671133"/>
-          </a:xfrm>
-          <a:prstGeom prst="rect">
-            <a:avLst/>
-          </a:prstGeom>
-          <a:noFill/>
-        </p:spPr>
-        <p:txBody>
-          <a:bodyPr wrap="square">
-            <a:spAutoFit/>
-          </a:bodyPr>
-          <a:lstStyle/>
-          <a:p>
-            <a:pPr>
-              <a:lnSpc>
-                <a:spcPts val="1425"/>
-              </a:lnSpc>
-            </a:pPr>
-            <a:r>
-              <a:rPr lang="en-ID" sz="1000" b="0" dirty="0" err="1">
-                <a:solidFill>
-                  <a:srgbClr val="569CD6"/>
-                </a:solidFill>
-                <a:effectLst/>
-                <a:latin typeface="Consolas" panose="020B0609020204030204" pitchFamily="49" charset="0"/>
-              </a:rPr>
-              <a:t>openldap</a:t>
-            </a:r>
-            <a:r>
-              <a:rPr lang="en-ID" sz="1000" b="0" dirty="0">
-                <a:solidFill>
-                  <a:srgbClr val="CCCCCC"/>
-                </a:solidFill>
-                <a:effectLst/>
-                <a:latin typeface="Consolas" panose="020B0609020204030204" pitchFamily="49" charset="0"/>
-              </a:rPr>
-              <a:t>:</a:t>
-            </a:r>
-          </a:p>
-          <a:p>
-            <a:pPr>
-              <a:lnSpc>
-                <a:spcPts val="1425"/>
-              </a:lnSpc>
-            </a:pPr>
-            <a:r>
-              <a:rPr lang="en-ID" sz="1000" b="0" dirty="0">
-                <a:solidFill>
-                  <a:srgbClr val="CCCCCC"/>
-                </a:solidFill>
-                <a:effectLst/>
-                <a:latin typeface="Consolas" panose="020B0609020204030204" pitchFamily="49" charset="0"/>
-              </a:rPr>
-              <a:t>    </a:t>
-            </a:r>
-            <a:r>
-              <a:rPr lang="en-ID" sz="1000" b="0" dirty="0">
-                <a:solidFill>
-                  <a:srgbClr val="569CD6"/>
-                </a:solidFill>
-                <a:effectLst/>
-                <a:latin typeface="Consolas" panose="020B0609020204030204" pitchFamily="49" charset="0"/>
-              </a:rPr>
-              <a:t>image</a:t>
-            </a:r>
-            <a:r>
-              <a:rPr lang="en-ID" sz="1000" b="0" dirty="0">
-                <a:solidFill>
-                  <a:srgbClr val="CCCCCC"/>
-                </a:solidFill>
-                <a:effectLst/>
-                <a:latin typeface="Consolas" panose="020B0609020204030204" pitchFamily="49" charset="0"/>
-              </a:rPr>
-              <a:t>: </a:t>
-            </a:r>
-            <a:r>
-              <a:rPr lang="en-ID" sz="1000" b="0" dirty="0" err="1">
-                <a:solidFill>
-                  <a:srgbClr val="CE9178"/>
-                </a:solidFill>
-                <a:effectLst/>
-                <a:latin typeface="Consolas" panose="020B0609020204030204" pitchFamily="49" charset="0"/>
-              </a:rPr>
-              <a:t>osixia</a:t>
-            </a:r>
-            <a:r>
-              <a:rPr lang="en-ID" sz="1000" b="0" dirty="0">
-                <a:solidFill>
-                  <a:srgbClr val="CE9178"/>
-                </a:solidFill>
-                <a:effectLst/>
-                <a:latin typeface="Consolas" panose="020B0609020204030204" pitchFamily="49" charset="0"/>
-              </a:rPr>
-              <a:t>/</a:t>
-            </a:r>
-            <a:r>
-              <a:rPr lang="en-ID" sz="1000" b="0" dirty="0" err="1">
-                <a:solidFill>
-                  <a:srgbClr val="CE9178"/>
-                </a:solidFill>
-                <a:effectLst/>
-                <a:latin typeface="Consolas" panose="020B0609020204030204" pitchFamily="49" charset="0"/>
-              </a:rPr>
-              <a:t>openldap:latest</a:t>
-            </a:r>
-            <a:endParaRPr lang="en-ID" sz="1000" b="0" dirty="0">
-              <a:solidFill>
-                <a:srgbClr val="CCCCCC"/>
-              </a:solidFill>
-              <a:effectLst/>
-              <a:latin typeface="Consolas" panose="020B0609020204030204" pitchFamily="49" charset="0"/>
-            </a:endParaRPr>
-          </a:p>
-          <a:p>
-            <a:pPr>
-              <a:lnSpc>
-                <a:spcPts val="1425"/>
-              </a:lnSpc>
-            </a:pPr>
-            <a:r>
-              <a:rPr lang="en-ID" sz="1000" b="0" dirty="0">
-                <a:solidFill>
-                  <a:srgbClr val="CCCCCC"/>
-                </a:solidFill>
-                <a:effectLst/>
-                <a:latin typeface="Consolas" panose="020B0609020204030204" pitchFamily="49" charset="0"/>
-              </a:rPr>
-              <a:t>    </a:t>
-            </a:r>
-            <a:r>
-              <a:rPr lang="en-ID" sz="1000" b="0" dirty="0" err="1">
-                <a:solidFill>
-                  <a:srgbClr val="569CD6"/>
-                </a:solidFill>
-                <a:effectLst/>
-                <a:latin typeface="Consolas" panose="020B0609020204030204" pitchFamily="49" charset="0"/>
-              </a:rPr>
-              <a:t>container_name</a:t>
-            </a:r>
-            <a:r>
-              <a:rPr lang="en-ID" sz="1000" b="0" dirty="0">
-                <a:solidFill>
-                  <a:srgbClr val="CCCCCC"/>
-                </a:solidFill>
-                <a:effectLst/>
-                <a:latin typeface="Consolas" panose="020B0609020204030204" pitchFamily="49" charset="0"/>
-              </a:rPr>
-              <a:t>: </a:t>
-            </a:r>
-            <a:r>
-              <a:rPr lang="en-ID" sz="1000" b="0" dirty="0" err="1">
-                <a:solidFill>
-                  <a:srgbClr val="CE9178"/>
-                </a:solidFill>
-                <a:effectLst/>
-                <a:latin typeface="Consolas" panose="020B0609020204030204" pitchFamily="49" charset="0"/>
-              </a:rPr>
-              <a:t>openldap</a:t>
-            </a:r>
-            <a:endParaRPr lang="en-ID" sz="1000" b="0" dirty="0">
-              <a:solidFill>
-                <a:srgbClr val="CCCCCC"/>
-              </a:solidFill>
-              <a:effectLst/>
-              <a:latin typeface="Consolas" panose="020B0609020204030204" pitchFamily="49" charset="0"/>
-            </a:endParaRPr>
-          </a:p>
-          <a:p>
-            <a:pPr>
-              <a:lnSpc>
-                <a:spcPts val="1425"/>
-              </a:lnSpc>
-            </a:pPr>
-            <a:r>
-              <a:rPr lang="en-ID" sz="1000" b="0" dirty="0">
-                <a:solidFill>
-                  <a:srgbClr val="CCCCCC"/>
-                </a:solidFill>
-                <a:effectLst/>
-                <a:latin typeface="Consolas" panose="020B0609020204030204" pitchFamily="49" charset="0"/>
-              </a:rPr>
-              <a:t>    </a:t>
-            </a:r>
-            <a:r>
-              <a:rPr lang="en-ID" sz="1000" b="0" dirty="0">
-                <a:solidFill>
-                  <a:srgbClr val="569CD6"/>
-                </a:solidFill>
-                <a:effectLst/>
-                <a:latin typeface="Consolas" panose="020B0609020204030204" pitchFamily="49" charset="0"/>
-              </a:rPr>
-              <a:t>environment</a:t>
-            </a:r>
-            <a:r>
-              <a:rPr lang="en-ID" sz="1000" b="0" dirty="0">
-                <a:solidFill>
-                  <a:srgbClr val="CCCCCC"/>
-                </a:solidFill>
-                <a:effectLst/>
-                <a:latin typeface="Consolas" panose="020B0609020204030204" pitchFamily="49" charset="0"/>
-              </a:rPr>
-              <a:t>:</a:t>
-            </a:r>
-          </a:p>
-          <a:p>
-            <a:pPr>
-              <a:lnSpc>
-                <a:spcPts val="1425"/>
-              </a:lnSpc>
-            </a:pPr>
-            <a:r>
-              <a:rPr lang="en-ID" sz="1000" b="0" dirty="0">
-                <a:solidFill>
-                  <a:srgbClr val="CCCCCC"/>
-                </a:solidFill>
-                <a:effectLst/>
-                <a:latin typeface="Consolas" panose="020B0609020204030204" pitchFamily="49" charset="0"/>
-              </a:rPr>
-              <a:t>      </a:t>
-            </a:r>
-            <a:r>
-              <a:rPr lang="en-ID" sz="1000" b="0" dirty="0">
-                <a:solidFill>
-                  <a:srgbClr val="569CD6"/>
-                </a:solidFill>
-                <a:effectLst/>
-                <a:latin typeface="Consolas" panose="020B0609020204030204" pitchFamily="49" charset="0"/>
-              </a:rPr>
-              <a:t>LDAP_ORGANISATION</a:t>
-            </a:r>
-            <a:r>
-              <a:rPr lang="en-ID" sz="1000" b="0" dirty="0">
-                <a:solidFill>
-                  <a:srgbClr val="CCCCCC"/>
-                </a:solidFill>
-                <a:effectLst/>
-                <a:latin typeface="Consolas" panose="020B0609020204030204" pitchFamily="49" charset="0"/>
-              </a:rPr>
-              <a:t>: </a:t>
-            </a:r>
-            <a:r>
-              <a:rPr lang="en-ID" sz="1000" b="0" dirty="0">
-                <a:solidFill>
-                  <a:srgbClr val="CE9178"/>
-                </a:solidFill>
-                <a:effectLst/>
-                <a:latin typeface="Consolas" panose="020B0609020204030204" pitchFamily="49" charset="0"/>
-              </a:rPr>
-              <a:t>"My Organization"</a:t>
-            </a:r>
-            <a:endParaRPr lang="en-ID" sz="1000" b="0" dirty="0">
-              <a:solidFill>
-                <a:srgbClr val="CCCCCC"/>
-              </a:solidFill>
-              <a:effectLst/>
-              <a:latin typeface="Consolas" panose="020B0609020204030204" pitchFamily="49" charset="0"/>
-            </a:endParaRPr>
-          </a:p>
-          <a:p>
-            <a:pPr>
-              <a:lnSpc>
-                <a:spcPts val="1425"/>
-              </a:lnSpc>
-            </a:pPr>
-            <a:r>
-              <a:rPr lang="en-ID" sz="1000" b="0" dirty="0">
-                <a:solidFill>
-                  <a:srgbClr val="CCCCCC"/>
-                </a:solidFill>
-                <a:effectLst/>
-                <a:latin typeface="Consolas" panose="020B0609020204030204" pitchFamily="49" charset="0"/>
-              </a:rPr>
-              <a:t>      </a:t>
-            </a:r>
-            <a:r>
-              <a:rPr lang="en-ID" sz="1000" b="0" dirty="0">
-                <a:solidFill>
-                  <a:srgbClr val="569CD6"/>
-                </a:solidFill>
-                <a:effectLst/>
-                <a:latin typeface="Consolas" panose="020B0609020204030204" pitchFamily="49" charset="0"/>
-              </a:rPr>
-              <a:t>LDAP_DOMAIN</a:t>
-            </a:r>
-            <a:r>
-              <a:rPr lang="en-ID" sz="1000" b="0" dirty="0">
-                <a:solidFill>
-                  <a:srgbClr val="CCCCCC"/>
-                </a:solidFill>
-                <a:effectLst/>
-                <a:latin typeface="Consolas" panose="020B0609020204030204" pitchFamily="49" charset="0"/>
-              </a:rPr>
-              <a:t>: </a:t>
-            </a:r>
-            <a:r>
-              <a:rPr lang="en-ID" sz="1000" b="0" dirty="0">
-                <a:solidFill>
-                  <a:srgbClr val="CE9178"/>
-                </a:solidFill>
-                <a:effectLst/>
-                <a:latin typeface="Consolas" panose="020B0609020204030204" pitchFamily="49" charset="0"/>
-              </a:rPr>
-              <a:t>"example.com"</a:t>
-            </a:r>
-            <a:endParaRPr lang="en-ID" sz="1000" b="0" dirty="0">
-              <a:solidFill>
-                <a:srgbClr val="CCCCCC"/>
-              </a:solidFill>
-              <a:effectLst/>
-              <a:latin typeface="Consolas" panose="020B0609020204030204" pitchFamily="49" charset="0"/>
-            </a:endParaRPr>
-          </a:p>
-          <a:p>
-            <a:pPr>
-              <a:lnSpc>
-                <a:spcPts val="1425"/>
-              </a:lnSpc>
-            </a:pPr>
-            <a:r>
-              <a:rPr lang="en-ID" sz="1000" b="0" dirty="0">
-                <a:solidFill>
-                  <a:srgbClr val="CCCCCC"/>
-                </a:solidFill>
-                <a:effectLst/>
-                <a:latin typeface="Consolas" panose="020B0609020204030204" pitchFamily="49" charset="0"/>
-              </a:rPr>
-              <a:t>      </a:t>
-            </a:r>
-            <a:r>
-              <a:rPr lang="en-ID" sz="1000" b="0" dirty="0">
-                <a:solidFill>
-                  <a:srgbClr val="569CD6"/>
-                </a:solidFill>
-                <a:effectLst/>
-                <a:latin typeface="Consolas" panose="020B0609020204030204" pitchFamily="49" charset="0"/>
-              </a:rPr>
-              <a:t>LDAP_ADMIN_PASSWORD</a:t>
-            </a:r>
-            <a:r>
-              <a:rPr lang="en-ID" sz="1000" b="0" dirty="0">
-                <a:solidFill>
-                  <a:srgbClr val="CCCCCC"/>
-                </a:solidFill>
-                <a:effectLst/>
-                <a:latin typeface="Consolas" panose="020B0609020204030204" pitchFamily="49" charset="0"/>
-              </a:rPr>
-              <a:t>: </a:t>
-            </a:r>
-            <a:r>
-              <a:rPr lang="en-ID" sz="1000" b="0" dirty="0">
-                <a:solidFill>
-                  <a:srgbClr val="CE9178"/>
-                </a:solidFill>
-                <a:effectLst/>
-                <a:latin typeface="Consolas" panose="020B0609020204030204" pitchFamily="49" charset="0"/>
-              </a:rPr>
-              <a:t>"admin"</a:t>
-            </a:r>
-            <a:endParaRPr lang="en-ID" sz="1000" b="0" dirty="0">
-              <a:solidFill>
-                <a:srgbClr val="CCCCCC"/>
-              </a:solidFill>
-              <a:effectLst/>
-              <a:latin typeface="Consolas" panose="020B0609020204030204" pitchFamily="49" charset="0"/>
-            </a:endParaRPr>
-          </a:p>
-          <a:p>
-            <a:pPr>
-              <a:lnSpc>
-                <a:spcPts val="1425"/>
-              </a:lnSpc>
-            </a:pPr>
-            <a:r>
-              <a:rPr lang="en-ID" sz="1000" b="0" dirty="0">
-                <a:solidFill>
-                  <a:srgbClr val="CCCCCC"/>
-                </a:solidFill>
-                <a:effectLst/>
-                <a:latin typeface="Consolas" panose="020B0609020204030204" pitchFamily="49" charset="0"/>
-              </a:rPr>
-              <a:t>    </a:t>
-            </a:r>
-            <a:r>
-              <a:rPr lang="en-ID" sz="1000" b="0" dirty="0">
-                <a:solidFill>
-                  <a:srgbClr val="569CD6"/>
-                </a:solidFill>
-                <a:effectLst/>
-                <a:latin typeface="Consolas" panose="020B0609020204030204" pitchFamily="49" charset="0"/>
-              </a:rPr>
-              <a:t>ports</a:t>
-            </a:r>
-            <a:r>
-              <a:rPr lang="en-ID" sz="1000" b="0" dirty="0">
-                <a:solidFill>
-                  <a:srgbClr val="CCCCCC"/>
-                </a:solidFill>
-                <a:effectLst/>
-                <a:latin typeface="Consolas" panose="020B0609020204030204" pitchFamily="49" charset="0"/>
-              </a:rPr>
-              <a:t>:</a:t>
-            </a:r>
-          </a:p>
-          <a:p>
-            <a:pPr>
-              <a:lnSpc>
-                <a:spcPts val="1425"/>
-              </a:lnSpc>
-            </a:pPr>
-            <a:r>
-              <a:rPr lang="en-ID" sz="1000" b="0" dirty="0">
-                <a:solidFill>
-                  <a:srgbClr val="CCCCCC"/>
-                </a:solidFill>
-                <a:effectLst/>
-                <a:latin typeface="Consolas" panose="020B0609020204030204" pitchFamily="49" charset="0"/>
-              </a:rPr>
-              <a:t>      - </a:t>
-            </a:r>
-            <a:r>
-              <a:rPr lang="en-ID" sz="1000" b="0" dirty="0">
-                <a:solidFill>
-                  <a:srgbClr val="CE9178"/>
-                </a:solidFill>
-                <a:effectLst/>
-                <a:latin typeface="Consolas" panose="020B0609020204030204" pitchFamily="49" charset="0"/>
-              </a:rPr>
-              <a:t>"389:389"</a:t>
-            </a:r>
-            <a:r>
-              <a:rPr lang="en-ID" sz="1000" b="0" dirty="0">
-                <a:solidFill>
-                  <a:srgbClr val="CCCCCC"/>
-                </a:solidFill>
-                <a:effectLst/>
-                <a:latin typeface="Consolas" panose="020B0609020204030204" pitchFamily="49" charset="0"/>
-              </a:rPr>
-              <a:t>   </a:t>
-            </a:r>
-            <a:r>
-              <a:rPr lang="en-ID" sz="1000" b="0" dirty="0">
-                <a:solidFill>
-                  <a:srgbClr val="6A9955"/>
-                </a:solidFill>
-                <a:effectLst/>
-                <a:latin typeface="Consolas" panose="020B0609020204030204" pitchFamily="49" charset="0"/>
-              </a:rPr>
-              <a:t># Port LDAP</a:t>
-            </a:r>
-            <a:endParaRPr lang="en-ID" sz="1000" b="0" dirty="0">
-              <a:solidFill>
-                <a:srgbClr val="CCCCCC"/>
-              </a:solidFill>
-              <a:effectLst/>
-              <a:latin typeface="Consolas" panose="020B0609020204030204" pitchFamily="49" charset="0"/>
-            </a:endParaRPr>
-          </a:p>
-          <a:p>
-            <a:pPr>
-              <a:lnSpc>
-                <a:spcPts val="1425"/>
-              </a:lnSpc>
-            </a:pPr>
-            <a:r>
-              <a:rPr lang="en-ID" sz="1000" b="0" dirty="0">
-                <a:solidFill>
-                  <a:srgbClr val="CCCCCC"/>
-                </a:solidFill>
-                <a:effectLst/>
-                <a:latin typeface="Consolas" panose="020B0609020204030204" pitchFamily="49" charset="0"/>
-              </a:rPr>
-              <a:t>      - </a:t>
-            </a:r>
-            <a:r>
-              <a:rPr lang="en-ID" sz="1000" b="0" dirty="0">
-                <a:solidFill>
-                  <a:srgbClr val="CE9178"/>
-                </a:solidFill>
-                <a:effectLst/>
-                <a:latin typeface="Consolas" panose="020B0609020204030204" pitchFamily="49" charset="0"/>
-              </a:rPr>
-              <a:t>"636:636"</a:t>
-            </a:r>
-            <a:r>
-              <a:rPr lang="en-ID" sz="1000" b="0" dirty="0">
-                <a:solidFill>
-                  <a:srgbClr val="CCCCCC"/>
-                </a:solidFill>
-                <a:effectLst/>
-                <a:latin typeface="Consolas" panose="020B0609020204030204" pitchFamily="49" charset="0"/>
-              </a:rPr>
-              <a:t>   </a:t>
-            </a:r>
-            <a:r>
-              <a:rPr lang="en-ID" sz="1000" b="0" dirty="0">
-                <a:solidFill>
-                  <a:srgbClr val="6A9955"/>
-                </a:solidFill>
-                <a:effectLst/>
-                <a:latin typeface="Consolas" panose="020B0609020204030204" pitchFamily="49" charset="0"/>
-              </a:rPr>
-              <a:t># Port LDAPS (SSL)</a:t>
-            </a:r>
-            <a:endParaRPr lang="en-ID" sz="1000" b="0" dirty="0">
-              <a:solidFill>
-                <a:srgbClr val="CCCCCC"/>
-              </a:solidFill>
-              <a:effectLst/>
-              <a:latin typeface="Consolas" panose="020B0609020204030204" pitchFamily="49" charset="0"/>
-            </a:endParaRPr>
-          </a:p>
-          <a:p>
-            <a:pPr>
-              <a:lnSpc>
-                <a:spcPts val="1425"/>
-              </a:lnSpc>
-            </a:pPr>
-            <a:r>
-              <a:rPr lang="en-ID" sz="1000" b="0" dirty="0">
-                <a:solidFill>
-                  <a:srgbClr val="CCCCCC"/>
-                </a:solidFill>
-                <a:effectLst/>
-                <a:latin typeface="Consolas" panose="020B0609020204030204" pitchFamily="49" charset="0"/>
-              </a:rPr>
-              <a:t>    </a:t>
-            </a:r>
-            <a:r>
-              <a:rPr lang="en-ID" sz="1000" b="0" dirty="0">
-                <a:solidFill>
-                  <a:srgbClr val="569CD6"/>
-                </a:solidFill>
-                <a:effectLst/>
-                <a:latin typeface="Consolas" panose="020B0609020204030204" pitchFamily="49" charset="0"/>
-              </a:rPr>
-              <a:t>restart</a:t>
-            </a:r>
-            <a:r>
-              <a:rPr lang="en-ID" sz="1000" b="0" dirty="0">
-                <a:solidFill>
-                  <a:srgbClr val="CCCCCC"/>
-                </a:solidFill>
-                <a:effectLst/>
-                <a:latin typeface="Consolas" panose="020B0609020204030204" pitchFamily="49" charset="0"/>
-              </a:rPr>
-              <a:t>: </a:t>
-            </a:r>
-            <a:r>
-              <a:rPr lang="en-ID" sz="1000" b="0" dirty="0">
-                <a:solidFill>
-                  <a:srgbClr val="CE9178"/>
-                </a:solidFill>
-                <a:effectLst/>
-                <a:latin typeface="Consolas" panose="020B0609020204030204" pitchFamily="49" charset="0"/>
-              </a:rPr>
-              <a:t>always</a:t>
-            </a:r>
-            <a:endParaRPr lang="en-ID" sz="1000" b="0" dirty="0">
-              <a:solidFill>
-                <a:srgbClr val="CCCCCC"/>
-              </a:solidFill>
-              <a:effectLst/>
-              <a:latin typeface="Consolas" panose="020B0609020204030204" pitchFamily="49" charset="0"/>
-            </a:endParaRPr>
-          </a:p>
-          <a:p>
-            <a:pPr>
-              <a:lnSpc>
-                <a:spcPts val="1425"/>
-              </a:lnSpc>
-            </a:pPr>
-            <a:r>
-              <a:rPr lang="en-ID" sz="1000" b="0" dirty="0">
-                <a:solidFill>
-                  <a:srgbClr val="CCCCCC"/>
-                </a:solidFill>
-                <a:effectLst/>
-                <a:latin typeface="Consolas" panose="020B0609020204030204" pitchFamily="49" charset="0"/>
-              </a:rPr>
-              <a:t>  </a:t>
-            </a:r>
-            <a:r>
-              <a:rPr lang="en-ID" sz="1000" b="0" dirty="0" err="1">
-                <a:solidFill>
-                  <a:srgbClr val="569CD6"/>
-                </a:solidFill>
-                <a:effectLst/>
-                <a:latin typeface="Consolas" panose="020B0609020204030204" pitchFamily="49" charset="0"/>
-              </a:rPr>
-              <a:t>phpldapadmin</a:t>
-            </a:r>
-            <a:r>
-              <a:rPr lang="en-ID" sz="1000" b="0" dirty="0">
-                <a:solidFill>
-                  <a:srgbClr val="CCCCCC"/>
-                </a:solidFill>
-                <a:effectLst/>
-                <a:latin typeface="Consolas" panose="020B0609020204030204" pitchFamily="49" charset="0"/>
-              </a:rPr>
-              <a:t>:</a:t>
-            </a:r>
-          </a:p>
-          <a:p>
-            <a:pPr>
-              <a:lnSpc>
-                <a:spcPts val="1425"/>
-              </a:lnSpc>
-            </a:pPr>
-            <a:r>
-              <a:rPr lang="en-ID" sz="1000" b="0" dirty="0">
-                <a:solidFill>
-                  <a:srgbClr val="CCCCCC"/>
-                </a:solidFill>
-                <a:effectLst/>
-                <a:latin typeface="Consolas" panose="020B0609020204030204" pitchFamily="49" charset="0"/>
-              </a:rPr>
-              <a:t>    </a:t>
-            </a:r>
-            <a:r>
-              <a:rPr lang="en-ID" sz="1000" b="0" dirty="0">
-                <a:solidFill>
-                  <a:srgbClr val="569CD6"/>
-                </a:solidFill>
-                <a:effectLst/>
-                <a:latin typeface="Consolas" panose="020B0609020204030204" pitchFamily="49" charset="0"/>
-              </a:rPr>
-              <a:t>image</a:t>
-            </a:r>
-            <a:r>
-              <a:rPr lang="en-ID" sz="1000" b="0" dirty="0">
-                <a:solidFill>
-                  <a:srgbClr val="CCCCCC"/>
-                </a:solidFill>
-                <a:effectLst/>
-                <a:latin typeface="Consolas" panose="020B0609020204030204" pitchFamily="49" charset="0"/>
-              </a:rPr>
-              <a:t>: </a:t>
-            </a:r>
-            <a:r>
-              <a:rPr lang="en-ID" sz="1000" b="0" dirty="0" err="1">
-                <a:solidFill>
-                  <a:srgbClr val="CE9178"/>
-                </a:solidFill>
-                <a:effectLst/>
-                <a:latin typeface="Consolas" panose="020B0609020204030204" pitchFamily="49" charset="0"/>
-              </a:rPr>
-              <a:t>osixia</a:t>
-            </a:r>
-            <a:r>
-              <a:rPr lang="en-ID" sz="1000" b="0" dirty="0">
-                <a:solidFill>
-                  <a:srgbClr val="CE9178"/>
-                </a:solidFill>
-                <a:effectLst/>
-                <a:latin typeface="Consolas" panose="020B0609020204030204" pitchFamily="49" charset="0"/>
-              </a:rPr>
-              <a:t>/</a:t>
-            </a:r>
-            <a:r>
-              <a:rPr lang="en-ID" sz="1000" b="0" dirty="0" err="1">
-                <a:solidFill>
-                  <a:srgbClr val="CE9178"/>
-                </a:solidFill>
-                <a:effectLst/>
-                <a:latin typeface="Consolas" panose="020B0609020204030204" pitchFamily="49" charset="0"/>
-              </a:rPr>
-              <a:t>phpldapadmin:latest</a:t>
-            </a:r>
-            <a:endParaRPr lang="en-ID" sz="1000" b="0" dirty="0">
-              <a:solidFill>
-                <a:srgbClr val="CCCCCC"/>
-              </a:solidFill>
-              <a:effectLst/>
-              <a:latin typeface="Consolas" panose="020B0609020204030204" pitchFamily="49" charset="0"/>
-            </a:endParaRPr>
-          </a:p>
-          <a:p>
-            <a:pPr>
-              <a:lnSpc>
-                <a:spcPts val="1425"/>
-              </a:lnSpc>
-            </a:pPr>
-            <a:r>
-              <a:rPr lang="en-ID" sz="1000" b="0" dirty="0">
-                <a:solidFill>
-                  <a:srgbClr val="CCCCCC"/>
-                </a:solidFill>
-                <a:effectLst/>
-                <a:latin typeface="Consolas" panose="020B0609020204030204" pitchFamily="49" charset="0"/>
-              </a:rPr>
-              <a:t>    </a:t>
-            </a:r>
-            <a:r>
-              <a:rPr lang="en-ID" sz="1000" b="0" dirty="0" err="1">
-                <a:solidFill>
-                  <a:srgbClr val="569CD6"/>
-                </a:solidFill>
-                <a:effectLst/>
-                <a:latin typeface="Consolas" panose="020B0609020204030204" pitchFamily="49" charset="0"/>
-              </a:rPr>
-              <a:t>container_name</a:t>
-            </a:r>
-            <a:r>
-              <a:rPr lang="en-ID" sz="1000" b="0" dirty="0">
-                <a:solidFill>
-                  <a:srgbClr val="CCCCCC"/>
-                </a:solidFill>
-                <a:effectLst/>
-                <a:latin typeface="Consolas" panose="020B0609020204030204" pitchFamily="49" charset="0"/>
-              </a:rPr>
-              <a:t>: </a:t>
-            </a:r>
-            <a:r>
-              <a:rPr lang="en-ID" sz="1000" b="0" dirty="0" err="1">
-                <a:solidFill>
-                  <a:srgbClr val="CE9178"/>
-                </a:solidFill>
-                <a:effectLst/>
-                <a:latin typeface="Consolas" panose="020B0609020204030204" pitchFamily="49" charset="0"/>
-              </a:rPr>
-              <a:t>phpldapadmin</a:t>
-            </a:r>
-            <a:endParaRPr lang="en-ID" sz="1000" b="0" dirty="0">
-              <a:solidFill>
-                <a:srgbClr val="CCCCCC"/>
-              </a:solidFill>
-              <a:effectLst/>
-              <a:latin typeface="Consolas" panose="020B0609020204030204" pitchFamily="49" charset="0"/>
-            </a:endParaRPr>
-          </a:p>
-          <a:p>
-            <a:pPr>
-              <a:lnSpc>
-                <a:spcPts val="1425"/>
-              </a:lnSpc>
-            </a:pPr>
-            <a:r>
-              <a:rPr lang="en-ID" sz="1000" b="0" dirty="0">
-                <a:solidFill>
-                  <a:srgbClr val="CCCCCC"/>
-                </a:solidFill>
-                <a:effectLst/>
-                <a:latin typeface="Consolas" panose="020B0609020204030204" pitchFamily="49" charset="0"/>
-              </a:rPr>
-              <a:t>    </a:t>
-            </a:r>
-            <a:r>
-              <a:rPr lang="en-ID" sz="1000" b="0" dirty="0">
-                <a:solidFill>
-                  <a:srgbClr val="569CD6"/>
-                </a:solidFill>
-                <a:effectLst/>
-                <a:latin typeface="Consolas" panose="020B0609020204030204" pitchFamily="49" charset="0"/>
-              </a:rPr>
-              <a:t>environment</a:t>
-            </a:r>
-            <a:r>
-              <a:rPr lang="en-ID" sz="1000" b="0" dirty="0">
-                <a:solidFill>
-                  <a:srgbClr val="CCCCCC"/>
-                </a:solidFill>
-                <a:effectLst/>
-                <a:latin typeface="Consolas" panose="020B0609020204030204" pitchFamily="49" charset="0"/>
-              </a:rPr>
-              <a:t>:</a:t>
-            </a:r>
-          </a:p>
-          <a:p>
-            <a:pPr>
-              <a:lnSpc>
-                <a:spcPts val="1425"/>
-              </a:lnSpc>
-            </a:pPr>
-            <a:r>
-              <a:rPr lang="en-ID" sz="1000" b="0" dirty="0">
-                <a:solidFill>
-                  <a:srgbClr val="CCCCCC"/>
-                </a:solidFill>
-                <a:effectLst/>
-                <a:latin typeface="Consolas" panose="020B0609020204030204" pitchFamily="49" charset="0"/>
-              </a:rPr>
-              <a:t>      </a:t>
-            </a:r>
-            <a:r>
-              <a:rPr lang="en-ID" sz="1000" b="0" dirty="0">
-                <a:solidFill>
-                  <a:srgbClr val="569CD6"/>
-                </a:solidFill>
-                <a:effectLst/>
-                <a:latin typeface="Consolas" panose="020B0609020204030204" pitchFamily="49" charset="0"/>
-              </a:rPr>
-              <a:t>PHPLDAPADMIN_LDAP_HOSTS</a:t>
-            </a:r>
-            <a:r>
-              <a:rPr lang="en-ID" sz="1000" b="0" dirty="0">
-                <a:solidFill>
-                  <a:srgbClr val="CCCCCC"/>
-                </a:solidFill>
-                <a:effectLst/>
-                <a:latin typeface="Consolas" panose="020B0609020204030204" pitchFamily="49" charset="0"/>
-              </a:rPr>
-              <a:t>: </a:t>
-            </a:r>
-            <a:r>
-              <a:rPr lang="en-ID" sz="1000" b="0" dirty="0" err="1">
-                <a:solidFill>
-                  <a:srgbClr val="CE9178"/>
-                </a:solidFill>
-                <a:effectLst/>
-                <a:latin typeface="Consolas" panose="020B0609020204030204" pitchFamily="49" charset="0"/>
-              </a:rPr>
-              <a:t>host.docker.internal</a:t>
-            </a:r>
-            <a:endParaRPr lang="en-ID" sz="1000" b="0" dirty="0">
-              <a:solidFill>
-                <a:srgbClr val="CCCCCC"/>
-              </a:solidFill>
-              <a:effectLst/>
-              <a:latin typeface="Consolas" panose="020B0609020204030204" pitchFamily="49" charset="0"/>
-            </a:endParaRPr>
-          </a:p>
-          <a:p>
-            <a:pPr>
-              <a:lnSpc>
-                <a:spcPts val="1425"/>
-              </a:lnSpc>
-            </a:pPr>
-            <a:r>
-              <a:rPr lang="en-ID" sz="1000" b="0" dirty="0">
-                <a:solidFill>
-                  <a:srgbClr val="CCCCCC"/>
-                </a:solidFill>
-                <a:effectLst/>
-                <a:latin typeface="Consolas" panose="020B0609020204030204" pitchFamily="49" charset="0"/>
-              </a:rPr>
-              <a:t>      </a:t>
-            </a:r>
-            <a:r>
-              <a:rPr lang="en-ID" sz="1000" b="0" dirty="0">
-                <a:solidFill>
-                  <a:srgbClr val="569CD6"/>
-                </a:solidFill>
-                <a:effectLst/>
-                <a:latin typeface="Consolas" panose="020B0609020204030204" pitchFamily="49" charset="0"/>
-              </a:rPr>
-              <a:t>PHPLDAPADMIN_HTTPS</a:t>
-            </a:r>
-            <a:r>
-              <a:rPr lang="en-ID" sz="1000" b="0" dirty="0">
-                <a:solidFill>
-                  <a:srgbClr val="CCCCCC"/>
-                </a:solidFill>
-                <a:effectLst/>
-                <a:latin typeface="Consolas" panose="020B0609020204030204" pitchFamily="49" charset="0"/>
-              </a:rPr>
-              <a:t>: </a:t>
-            </a:r>
-            <a:r>
-              <a:rPr lang="en-ID" sz="1000" b="0" dirty="0">
-                <a:solidFill>
-                  <a:srgbClr val="CE9178"/>
-                </a:solidFill>
-                <a:effectLst/>
-                <a:latin typeface="Consolas" panose="020B0609020204030204" pitchFamily="49" charset="0"/>
-              </a:rPr>
-              <a:t>"false"</a:t>
-            </a:r>
-            <a:r>
-              <a:rPr lang="en-ID" sz="1000" b="0" dirty="0">
-                <a:solidFill>
-                  <a:srgbClr val="CCCCCC"/>
-                </a:solidFill>
-                <a:effectLst/>
-                <a:latin typeface="Consolas" panose="020B0609020204030204" pitchFamily="49" charset="0"/>
-              </a:rPr>
-              <a:t>  </a:t>
-            </a:r>
-            <a:r>
-              <a:rPr lang="en-ID" sz="1000" b="0" dirty="0">
-                <a:solidFill>
-                  <a:srgbClr val="6A9955"/>
-                </a:solidFill>
-                <a:effectLst/>
-                <a:latin typeface="Consolas" panose="020B0609020204030204" pitchFamily="49" charset="0"/>
-              </a:rPr>
-              <a:t># Non-SSL mode</a:t>
-            </a:r>
-            <a:endParaRPr lang="en-ID" sz="1000" b="0" dirty="0">
-              <a:solidFill>
-                <a:srgbClr val="CCCCCC"/>
-              </a:solidFill>
-              <a:effectLst/>
-              <a:latin typeface="Consolas" panose="020B0609020204030204" pitchFamily="49" charset="0"/>
-            </a:endParaRPr>
-          </a:p>
-          <a:p>
-            <a:pPr>
-              <a:lnSpc>
-                <a:spcPts val="1425"/>
-              </a:lnSpc>
-            </a:pPr>
-            <a:r>
-              <a:rPr lang="en-ID" sz="1000" b="0" dirty="0">
-                <a:solidFill>
-                  <a:srgbClr val="CCCCCC"/>
-                </a:solidFill>
-                <a:effectLst/>
-                <a:latin typeface="Consolas" panose="020B0609020204030204" pitchFamily="49" charset="0"/>
-              </a:rPr>
-              <a:t>    </a:t>
-            </a:r>
-            <a:r>
-              <a:rPr lang="en-ID" sz="1000" b="0" dirty="0">
-                <a:solidFill>
-                  <a:srgbClr val="569CD6"/>
-                </a:solidFill>
-                <a:effectLst/>
-                <a:latin typeface="Consolas" panose="020B0609020204030204" pitchFamily="49" charset="0"/>
-              </a:rPr>
-              <a:t>ports</a:t>
-            </a:r>
-            <a:r>
-              <a:rPr lang="en-ID" sz="1000" b="0" dirty="0">
-                <a:solidFill>
-                  <a:srgbClr val="CCCCCC"/>
-                </a:solidFill>
-                <a:effectLst/>
-                <a:latin typeface="Consolas" panose="020B0609020204030204" pitchFamily="49" charset="0"/>
-              </a:rPr>
-              <a:t>:</a:t>
-            </a:r>
-          </a:p>
-          <a:p>
-            <a:pPr>
-              <a:lnSpc>
-                <a:spcPts val="1425"/>
-              </a:lnSpc>
-            </a:pPr>
-            <a:r>
-              <a:rPr lang="en-ID" sz="1000" b="0" dirty="0">
-                <a:solidFill>
-                  <a:srgbClr val="CCCCCC"/>
-                </a:solidFill>
-                <a:effectLst/>
-                <a:latin typeface="Consolas" panose="020B0609020204030204" pitchFamily="49" charset="0"/>
-              </a:rPr>
-              <a:t>      - </a:t>
-            </a:r>
-            <a:r>
-              <a:rPr lang="en-ID" sz="1000" b="0" dirty="0">
-                <a:solidFill>
-                  <a:srgbClr val="CE9178"/>
-                </a:solidFill>
-                <a:effectLst/>
-                <a:latin typeface="Consolas" panose="020B0609020204030204" pitchFamily="49" charset="0"/>
-              </a:rPr>
-              <a:t>"8081:80"</a:t>
-            </a:r>
-            <a:endParaRPr lang="en-ID" sz="1000" b="0" dirty="0">
-              <a:solidFill>
-                <a:srgbClr val="CCCCCC"/>
-              </a:solidFill>
-              <a:effectLst/>
-              <a:latin typeface="Consolas" panose="020B0609020204030204" pitchFamily="49" charset="0"/>
-            </a:endParaRPr>
-          </a:p>
-          <a:p>
-            <a:pPr>
-              <a:lnSpc>
-                <a:spcPts val="1425"/>
-              </a:lnSpc>
-            </a:pPr>
-            <a:r>
-              <a:rPr lang="en-ID" sz="1000" b="0" dirty="0">
-                <a:solidFill>
-                  <a:srgbClr val="CCCCCC"/>
-                </a:solidFill>
-                <a:effectLst/>
-                <a:latin typeface="Consolas" panose="020B0609020204030204" pitchFamily="49" charset="0"/>
-              </a:rPr>
-              <a:t>    </a:t>
-            </a:r>
-            <a:r>
-              <a:rPr lang="en-ID" sz="1000" b="0" dirty="0">
-                <a:solidFill>
-                  <a:srgbClr val="569CD6"/>
-                </a:solidFill>
-                <a:effectLst/>
-                <a:latin typeface="Consolas" panose="020B0609020204030204" pitchFamily="49" charset="0"/>
-              </a:rPr>
-              <a:t>restart</a:t>
-            </a:r>
-            <a:r>
-              <a:rPr lang="en-ID" sz="1000" b="0" dirty="0">
-                <a:solidFill>
-                  <a:srgbClr val="CCCCCC"/>
-                </a:solidFill>
-                <a:effectLst/>
-                <a:latin typeface="Consolas" panose="020B0609020204030204" pitchFamily="49" charset="0"/>
-              </a:rPr>
-              <a:t>: </a:t>
-            </a:r>
-            <a:r>
-              <a:rPr lang="en-ID" sz="1000" b="0" dirty="0">
-                <a:solidFill>
-                  <a:srgbClr val="CE9178"/>
-                </a:solidFill>
-                <a:effectLst/>
-                <a:latin typeface="Consolas" panose="020B0609020204030204" pitchFamily="49" charset="0"/>
-              </a:rPr>
-              <a:t>always</a:t>
-            </a:r>
-            <a:endParaRPr lang="en-ID" sz="1000" b="0" dirty="0">
-              <a:solidFill>
-                <a:srgbClr val="CCCCCC"/>
-              </a:solidFill>
-              <a:effectLst/>
-              <a:latin typeface="Consolas" panose="020B0609020204030204" pitchFamily="49" charset="0"/>
-            </a:endParaRPr>
-          </a:p>
-        </p:txBody>
-      </p:sp>
-    </p:spTree>
-    <p:extLst>
-      <p:ext uri="{BB962C8B-B14F-4D97-AF65-F5344CB8AC3E}">
-        <p14:creationId xmlns:p14="http://schemas.microsoft.com/office/powerpoint/2010/main" val="3764285083"/>
-      </p:ext>
-    </p:extLst>
-  </p:cSld>
-  <p:clrMapOvr>
-    <a:masterClrMapping/>
-  </p:clrMapOvr>
-</p:sld>
-</file>
-
-<file path=ppt/slides/slide28.xml><?xml version="1.0" encoding="utf-8"?>
-<p:sld xmlns:a="http://schemas.openxmlformats.org/drawingml/2006/main" xmlns:r="http://schemas.openxmlformats.org/officeDocument/2006/relationships" xmlns:p="http://schemas.openxmlformats.org/presentationml/2006/main">
-  <p:cSld>
-    <p:spTree>
-      <p:nvGrpSpPr>
-        <p:cNvPr id="1" name=""/>
-        <p:cNvGrpSpPr/>
-        <p:nvPr/>
-      </p:nvGrpSpPr>
-      <p:grpSpPr>
-        <a:xfrm>
-          <a:off x="0" y="0"/>
-          <a:ext cx="0" cy="0"/>
-          <a:chOff x="0" y="0"/>
-          <a:chExt cx="0" cy="0"/>
-        </a:xfrm>
-      </p:grpSpPr>
-      <p:sp>
-        <p:nvSpPr>
-          <p:cNvPr id="2" name="Title 1">
-            <a:extLst>
-              <a:ext uri="{FF2B5EF4-FFF2-40B4-BE49-F238E27FC236}">
                 <a16:creationId xmlns:a16="http://schemas.microsoft.com/office/drawing/2014/main" id="{F842F2A7-4FF7-6F7A-AA9A-5904AF0A5012}"/>
               </a:ext>
             </a:extLst>
@@ -24277,7 +23067,7 @@
 </p:sld>
 </file>
 
-<file path=ppt/slides/slide29.xml><?xml version="1.0" encoding="utf-8"?>
+<file path=ppt/slides/slide28.xml><?xml version="1.0" encoding="utf-8"?>
 <p:sld xmlns:a="http://schemas.openxmlformats.org/drawingml/2006/main" xmlns:r="http://schemas.openxmlformats.org/officeDocument/2006/relationships" xmlns:p="http://schemas.openxmlformats.org/presentationml/2006/main">
   <p:cSld>
     <p:spTree>
@@ -25366,6 +24156,461 @@
     <p:extLst>
       <p:ext uri="{BB962C8B-B14F-4D97-AF65-F5344CB8AC3E}">
         <p14:creationId xmlns:p14="http://schemas.microsoft.com/office/powerpoint/2010/main" val="1088543410"/>
+      </p:ext>
+    </p:extLst>
+  </p:cSld>
+  <p:clrMapOvr>
+    <a:masterClrMapping/>
+  </p:clrMapOvr>
+</p:sld>
+</file>
+
+<file path=ppt/slides/slide29.xml><?xml version="1.0" encoding="utf-8"?>
+<p:sld xmlns:a="http://schemas.openxmlformats.org/drawingml/2006/main" xmlns:r="http://schemas.openxmlformats.org/officeDocument/2006/relationships" xmlns:p="http://schemas.openxmlformats.org/presentationml/2006/main">
+  <p:cSld>
+    <p:spTree>
+      <p:nvGrpSpPr>
+        <p:cNvPr id="1" name="">
+          <a:extLst>
+            <a:ext uri="{FF2B5EF4-FFF2-40B4-BE49-F238E27FC236}">
+              <a16:creationId xmlns:a16="http://schemas.microsoft.com/office/drawing/2014/main" id="{74A89764-8D3A-045F-3B8F-296A93D525D4}"/>
+            </a:ext>
+          </a:extLst>
+        </p:cNvPr>
+        <p:cNvGrpSpPr/>
+        <p:nvPr/>
+      </p:nvGrpSpPr>
+      <p:grpSpPr>
+        <a:xfrm>
+          <a:off x="0" y="0"/>
+          <a:ext cx="0" cy="0"/>
+          <a:chOff x="0" y="0"/>
+          <a:chExt cx="0" cy="0"/>
+        </a:xfrm>
+      </p:grpSpPr>
+      <p:sp>
+        <p:nvSpPr>
+          <p:cNvPr id="2" name="Title 1">
+            <a:extLst>
+              <a:ext uri="{FF2B5EF4-FFF2-40B4-BE49-F238E27FC236}">
+                <a16:creationId xmlns:a16="http://schemas.microsoft.com/office/drawing/2014/main" id="{C19ED79A-9162-6EB9-17A9-78888735BB32}"/>
+              </a:ext>
+            </a:extLst>
+          </p:cNvPr>
+          <p:cNvSpPr>
+            <a:spLocks noGrp="1"/>
+          </p:cNvSpPr>
+          <p:nvPr>
+            <p:ph type="title"/>
+          </p:nvPr>
+        </p:nvSpPr>
+        <p:spPr/>
+        <p:txBody>
+          <a:bodyPr/>
+          <a:lstStyle/>
+          <a:p>
+            <a:r>
+              <a:rPr lang="en-US" dirty="0" err="1"/>
+              <a:t>Dockerfile</a:t>
+            </a:r>
+            <a:r>
+              <a:rPr lang="en-US" dirty="0"/>
+              <a:t> service </a:t>
+            </a:r>
+            <a:r>
+              <a:rPr lang="en-US" dirty="0" err="1"/>
+              <a:t>keycloak</a:t>
+            </a:r>
+            <a:endParaRPr lang="en-ID" dirty="0"/>
+          </a:p>
+        </p:txBody>
+      </p:sp>
+      <p:sp>
+        <p:nvSpPr>
+          <p:cNvPr id="7" name="TextBox 6">
+            <a:extLst>
+              <a:ext uri="{FF2B5EF4-FFF2-40B4-BE49-F238E27FC236}">
+                <a16:creationId xmlns:a16="http://schemas.microsoft.com/office/drawing/2014/main" id="{8A2CB96E-9BD5-3AAE-B8A1-CC6B676CA76D}"/>
+              </a:ext>
+            </a:extLst>
+          </p:cNvPr>
+          <p:cNvSpPr txBox="1"/>
+          <p:nvPr/>
+        </p:nvSpPr>
+        <p:spPr>
+          <a:xfrm>
+            <a:off x="1080655" y="2013743"/>
+            <a:ext cx="8081818" cy="2234843"/>
+          </a:xfrm>
+          <a:prstGeom prst="rect">
+            <a:avLst/>
+          </a:prstGeom>
+          <a:noFill/>
+        </p:spPr>
+        <p:txBody>
+          <a:bodyPr wrap="square">
+            <a:spAutoFit/>
+          </a:bodyPr>
+          <a:lstStyle/>
+          <a:p>
+            <a:pPr>
+              <a:lnSpc>
+                <a:spcPts val="1425"/>
+              </a:lnSpc>
+            </a:pPr>
+            <a:r>
+              <a:rPr lang="en-ID" sz="1000" b="0" dirty="0">
+                <a:solidFill>
+                  <a:srgbClr val="569CD6"/>
+                </a:solidFill>
+                <a:effectLst/>
+                <a:latin typeface="Consolas" panose="020B0609020204030204" pitchFamily="49" charset="0"/>
+              </a:rPr>
+              <a:t>FROM</a:t>
+            </a:r>
+            <a:r>
+              <a:rPr lang="en-ID" sz="1000" b="0" dirty="0">
+                <a:solidFill>
+                  <a:srgbClr val="CCCCCC"/>
+                </a:solidFill>
+                <a:effectLst/>
+                <a:latin typeface="Consolas" panose="020B0609020204030204" pitchFamily="49" charset="0"/>
+              </a:rPr>
+              <a:t> quay.io/</a:t>
+            </a:r>
+            <a:r>
+              <a:rPr lang="en-ID" sz="1000" b="0" dirty="0" err="1">
+                <a:solidFill>
+                  <a:srgbClr val="CCCCCC"/>
+                </a:solidFill>
+                <a:effectLst/>
+                <a:latin typeface="Consolas" panose="020B0609020204030204" pitchFamily="49" charset="0"/>
+              </a:rPr>
+              <a:t>keycloak</a:t>
+            </a:r>
+            <a:r>
+              <a:rPr lang="en-ID" sz="1000" b="0" dirty="0">
+                <a:solidFill>
+                  <a:srgbClr val="CCCCCC"/>
+                </a:solidFill>
+                <a:effectLst/>
+                <a:latin typeface="Consolas" panose="020B0609020204030204" pitchFamily="49" charset="0"/>
+              </a:rPr>
+              <a:t>/keycloak:23.0.5 </a:t>
+            </a:r>
+            <a:r>
+              <a:rPr lang="en-ID" sz="1000" b="0" dirty="0">
+                <a:solidFill>
+                  <a:srgbClr val="569CD6"/>
+                </a:solidFill>
+                <a:effectLst/>
+                <a:latin typeface="Consolas" panose="020B0609020204030204" pitchFamily="49" charset="0"/>
+              </a:rPr>
+              <a:t>AS</a:t>
+            </a:r>
+            <a:r>
+              <a:rPr lang="en-ID" sz="1000" b="0" dirty="0">
+                <a:solidFill>
+                  <a:srgbClr val="CCCCCC"/>
+                </a:solidFill>
+                <a:effectLst/>
+                <a:latin typeface="Consolas" panose="020B0609020204030204" pitchFamily="49" charset="0"/>
+              </a:rPr>
+              <a:t> builder</a:t>
+            </a:r>
+          </a:p>
+          <a:p>
+            <a:pPr>
+              <a:lnSpc>
+                <a:spcPts val="1425"/>
+              </a:lnSpc>
+            </a:pPr>
+            <a:br>
+              <a:rPr lang="en-ID" sz="1000" b="0" dirty="0">
+                <a:solidFill>
+                  <a:srgbClr val="CCCCCC"/>
+                </a:solidFill>
+                <a:effectLst/>
+                <a:latin typeface="Consolas" panose="020B0609020204030204" pitchFamily="49" charset="0"/>
+              </a:rPr>
+            </a:br>
+            <a:r>
+              <a:rPr lang="en-ID" sz="1000" b="0" dirty="0">
+                <a:solidFill>
+                  <a:srgbClr val="6A9955"/>
+                </a:solidFill>
+                <a:effectLst/>
+                <a:latin typeface="Consolas" panose="020B0609020204030204" pitchFamily="49" charset="0"/>
+              </a:rPr>
+              <a:t># Enable health and metrics support</a:t>
+            </a:r>
+            <a:endParaRPr lang="en-ID" sz="1000" b="0" dirty="0">
+              <a:solidFill>
+                <a:srgbClr val="CCCCCC"/>
+              </a:solidFill>
+              <a:effectLst/>
+              <a:latin typeface="Consolas" panose="020B0609020204030204" pitchFamily="49" charset="0"/>
+            </a:endParaRPr>
+          </a:p>
+          <a:p>
+            <a:pPr>
+              <a:lnSpc>
+                <a:spcPts val="1425"/>
+              </a:lnSpc>
+            </a:pPr>
+            <a:r>
+              <a:rPr lang="en-ID" sz="1000" b="0" dirty="0">
+                <a:solidFill>
+                  <a:srgbClr val="569CD6"/>
+                </a:solidFill>
+                <a:effectLst/>
+                <a:latin typeface="Consolas" panose="020B0609020204030204" pitchFamily="49" charset="0"/>
+              </a:rPr>
+              <a:t>ENV</a:t>
+            </a:r>
+            <a:r>
+              <a:rPr lang="en-ID" sz="1000" b="0" dirty="0">
+                <a:solidFill>
+                  <a:srgbClr val="CCCCCC"/>
+                </a:solidFill>
+                <a:effectLst/>
+                <a:latin typeface="Consolas" panose="020B0609020204030204" pitchFamily="49" charset="0"/>
+              </a:rPr>
+              <a:t> KC_HEALTH_ENABLED=true</a:t>
+            </a:r>
+          </a:p>
+          <a:p>
+            <a:pPr>
+              <a:lnSpc>
+                <a:spcPts val="1425"/>
+              </a:lnSpc>
+            </a:pPr>
+            <a:r>
+              <a:rPr lang="en-ID" sz="1000" b="0" dirty="0">
+                <a:solidFill>
+                  <a:srgbClr val="569CD6"/>
+                </a:solidFill>
+                <a:effectLst/>
+                <a:latin typeface="Consolas" panose="020B0609020204030204" pitchFamily="49" charset="0"/>
+              </a:rPr>
+              <a:t>ENV</a:t>
+            </a:r>
+            <a:r>
+              <a:rPr lang="en-ID" sz="1000" b="0" dirty="0">
+                <a:solidFill>
+                  <a:srgbClr val="CCCCCC"/>
+                </a:solidFill>
+                <a:effectLst/>
+                <a:latin typeface="Consolas" panose="020B0609020204030204" pitchFamily="49" charset="0"/>
+              </a:rPr>
+              <a:t> KC_METRICS_ENABLED=true</a:t>
+            </a:r>
+          </a:p>
+          <a:p>
+            <a:pPr>
+              <a:lnSpc>
+                <a:spcPts val="1425"/>
+              </a:lnSpc>
+            </a:pPr>
+            <a:br>
+              <a:rPr lang="en-ID" sz="1000" b="0" dirty="0">
+                <a:solidFill>
+                  <a:srgbClr val="CCCCCC"/>
+                </a:solidFill>
+                <a:effectLst/>
+                <a:latin typeface="Consolas" panose="020B0609020204030204" pitchFamily="49" charset="0"/>
+              </a:rPr>
+            </a:br>
+            <a:r>
+              <a:rPr lang="en-ID" sz="1000" b="0" dirty="0">
+                <a:solidFill>
+                  <a:srgbClr val="569CD6"/>
+                </a:solidFill>
+                <a:effectLst/>
+                <a:latin typeface="Consolas" panose="020B0609020204030204" pitchFamily="49" charset="0"/>
+              </a:rPr>
+              <a:t>WORKDIR</a:t>
+            </a:r>
+            <a:r>
+              <a:rPr lang="en-ID" sz="1000" b="0" dirty="0">
+                <a:solidFill>
+                  <a:srgbClr val="CCCCCC"/>
+                </a:solidFill>
+                <a:effectLst/>
+                <a:latin typeface="Consolas" panose="020B0609020204030204" pitchFamily="49" charset="0"/>
+              </a:rPr>
+              <a:t> /opt/</a:t>
+            </a:r>
+            <a:r>
+              <a:rPr lang="en-ID" sz="1000" b="0" dirty="0" err="1">
+                <a:solidFill>
+                  <a:srgbClr val="CCCCCC"/>
+                </a:solidFill>
+                <a:effectLst/>
+                <a:latin typeface="Consolas" panose="020B0609020204030204" pitchFamily="49" charset="0"/>
+              </a:rPr>
+              <a:t>keycloak</a:t>
+            </a:r>
+            <a:endParaRPr lang="en-ID" sz="1000" b="0" dirty="0">
+              <a:solidFill>
+                <a:srgbClr val="CCCCCC"/>
+              </a:solidFill>
+              <a:effectLst/>
+              <a:latin typeface="Consolas" panose="020B0609020204030204" pitchFamily="49" charset="0"/>
+            </a:endParaRPr>
+          </a:p>
+          <a:p>
+            <a:pPr>
+              <a:lnSpc>
+                <a:spcPts val="1425"/>
+              </a:lnSpc>
+            </a:pPr>
+            <a:br>
+              <a:rPr lang="en-ID" sz="1000" b="0" dirty="0">
+                <a:solidFill>
+                  <a:srgbClr val="CCCCCC"/>
+                </a:solidFill>
+                <a:effectLst/>
+                <a:latin typeface="Consolas" panose="020B0609020204030204" pitchFamily="49" charset="0"/>
+              </a:rPr>
+            </a:br>
+            <a:r>
+              <a:rPr lang="en-ID" sz="1000" b="0" dirty="0">
+                <a:solidFill>
+                  <a:srgbClr val="569CD6"/>
+                </a:solidFill>
+                <a:effectLst/>
+                <a:latin typeface="Consolas" panose="020B0609020204030204" pitchFamily="49" charset="0"/>
+              </a:rPr>
+              <a:t>FROM</a:t>
+            </a:r>
+            <a:r>
+              <a:rPr lang="en-ID" sz="1000" b="0" dirty="0">
+                <a:solidFill>
+                  <a:srgbClr val="CCCCCC"/>
+                </a:solidFill>
+                <a:effectLst/>
+                <a:latin typeface="Consolas" panose="020B0609020204030204" pitchFamily="49" charset="0"/>
+              </a:rPr>
+              <a:t> quay.io/</a:t>
+            </a:r>
+            <a:r>
+              <a:rPr lang="en-ID" sz="1000" b="0" dirty="0" err="1">
+                <a:solidFill>
+                  <a:srgbClr val="CCCCCC"/>
+                </a:solidFill>
+                <a:effectLst/>
+                <a:latin typeface="Consolas" panose="020B0609020204030204" pitchFamily="49" charset="0"/>
+              </a:rPr>
+              <a:t>keycloak</a:t>
+            </a:r>
+            <a:r>
+              <a:rPr lang="en-ID" sz="1000" b="0" dirty="0">
+                <a:solidFill>
+                  <a:srgbClr val="CCCCCC"/>
+                </a:solidFill>
+                <a:effectLst/>
+                <a:latin typeface="Consolas" panose="020B0609020204030204" pitchFamily="49" charset="0"/>
+              </a:rPr>
+              <a:t>/keycloak:23.0.5</a:t>
+            </a:r>
+          </a:p>
+          <a:p>
+            <a:pPr>
+              <a:lnSpc>
+                <a:spcPts val="1425"/>
+              </a:lnSpc>
+            </a:pPr>
+            <a:r>
+              <a:rPr lang="en-ID" sz="1000" b="0" dirty="0">
+                <a:solidFill>
+                  <a:srgbClr val="569CD6"/>
+                </a:solidFill>
+                <a:effectLst/>
+                <a:latin typeface="Consolas" panose="020B0609020204030204" pitchFamily="49" charset="0"/>
+              </a:rPr>
+              <a:t>COPY</a:t>
+            </a:r>
+            <a:r>
+              <a:rPr lang="en-ID" sz="1000" b="0" dirty="0">
+                <a:solidFill>
+                  <a:srgbClr val="CCCCCC"/>
+                </a:solidFill>
+                <a:effectLst/>
+                <a:latin typeface="Consolas" panose="020B0609020204030204" pitchFamily="49" charset="0"/>
+              </a:rPr>
+              <a:t> --from=builder /opt/</a:t>
+            </a:r>
+            <a:r>
+              <a:rPr lang="en-ID" sz="1000" b="0" dirty="0" err="1">
+                <a:solidFill>
+                  <a:srgbClr val="CCCCCC"/>
+                </a:solidFill>
+                <a:effectLst/>
+                <a:latin typeface="Consolas" panose="020B0609020204030204" pitchFamily="49" charset="0"/>
+              </a:rPr>
+              <a:t>keycloak</a:t>
+            </a:r>
+            <a:r>
+              <a:rPr lang="en-ID" sz="1000" b="0" dirty="0">
+                <a:solidFill>
+                  <a:srgbClr val="CCCCCC"/>
+                </a:solidFill>
+                <a:effectLst/>
+                <a:latin typeface="Consolas" panose="020B0609020204030204" pitchFamily="49" charset="0"/>
+              </a:rPr>
+              <a:t>/ /opt/</a:t>
+            </a:r>
+            <a:r>
+              <a:rPr lang="en-ID" sz="1000" b="0" dirty="0" err="1">
+                <a:solidFill>
+                  <a:srgbClr val="CCCCCC"/>
+                </a:solidFill>
+                <a:effectLst/>
+                <a:latin typeface="Consolas" panose="020B0609020204030204" pitchFamily="49" charset="0"/>
+              </a:rPr>
+              <a:t>keycloak</a:t>
+            </a:r>
+            <a:r>
+              <a:rPr lang="en-ID" sz="1000" b="0" dirty="0">
+                <a:solidFill>
+                  <a:srgbClr val="CCCCCC"/>
+                </a:solidFill>
+                <a:effectLst/>
+                <a:latin typeface="Consolas" panose="020B0609020204030204" pitchFamily="49" charset="0"/>
+              </a:rPr>
+              <a:t>/</a:t>
+            </a:r>
+          </a:p>
+          <a:p>
+            <a:pPr>
+              <a:lnSpc>
+                <a:spcPts val="1425"/>
+              </a:lnSpc>
+            </a:pPr>
+            <a:br>
+              <a:rPr lang="en-ID" sz="1000" b="0" dirty="0">
+                <a:solidFill>
+                  <a:srgbClr val="CCCCCC"/>
+                </a:solidFill>
+                <a:effectLst/>
+                <a:latin typeface="Consolas" panose="020B0609020204030204" pitchFamily="49" charset="0"/>
+              </a:rPr>
+            </a:br>
+            <a:endParaRPr lang="en-ID" sz="1000" b="0" dirty="0">
+              <a:solidFill>
+                <a:srgbClr val="CCCCCC"/>
+              </a:solidFill>
+              <a:effectLst/>
+              <a:latin typeface="Consolas" panose="020B0609020204030204" pitchFamily="49" charset="0"/>
+            </a:endParaRPr>
+          </a:p>
+        </p:txBody>
+      </p:sp>
+    </p:spTree>
+    <p:extLst>
+      <p:ext uri="{BB962C8B-B14F-4D97-AF65-F5344CB8AC3E}">
+        <p14:creationId xmlns:p14="http://schemas.microsoft.com/office/powerpoint/2010/main" val="1934581073"/>
       </p:ext>
     </p:extLst>
   </p:cSld>
@@ -25675,461 +24920,6 @@
         <p:cNvPr id="1" name="">
           <a:extLst>
             <a:ext uri="{FF2B5EF4-FFF2-40B4-BE49-F238E27FC236}">
-              <a16:creationId xmlns:a16="http://schemas.microsoft.com/office/drawing/2014/main" id="{74A89764-8D3A-045F-3B8F-296A93D525D4}"/>
-            </a:ext>
-          </a:extLst>
-        </p:cNvPr>
-        <p:cNvGrpSpPr/>
-        <p:nvPr/>
-      </p:nvGrpSpPr>
-      <p:grpSpPr>
-        <a:xfrm>
-          <a:off x="0" y="0"/>
-          <a:ext cx="0" cy="0"/>
-          <a:chOff x="0" y="0"/>
-          <a:chExt cx="0" cy="0"/>
-        </a:xfrm>
-      </p:grpSpPr>
-      <p:sp>
-        <p:nvSpPr>
-          <p:cNvPr id="2" name="Title 1">
-            <a:extLst>
-              <a:ext uri="{FF2B5EF4-FFF2-40B4-BE49-F238E27FC236}">
-                <a16:creationId xmlns:a16="http://schemas.microsoft.com/office/drawing/2014/main" id="{C19ED79A-9162-6EB9-17A9-78888735BB32}"/>
-              </a:ext>
-            </a:extLst>
-          </p:cNvPr>
-          <p:cNvSpPr>
-            <a:spLocks noGrp="1"/>
-          </p:cNvSpPr>
-          <p:nvPr>
-            <p:ph type="title"/>
-          </p:nvPr>
-        </p:nvSpPr>
-        <p:spPr/>
-        <p:txBody>
-          <a:bodyPr/>
-          <a:lstStyle/>
-          <a:p>
-            <a:r>
-              <a:rPr lang="en-US" dirty="0" err="1"/>
-              <a:t>Dockerfile</a:t>
-            </a:r>
-            <a:r>
-              <a:rPr lang="en-US" dirty="0"/>
-              <a:t> service </a:t>
-            </a:r>
-            <a:r>
-              <a:rPr lang="en-US" dirty="0" err="1"/>
-              <a:t>keycloak</a:t>
-            </a:r>
-            <a:endParaRPr lang="en-ID" dirty="0"/>
-          </a:p>
-        </p:txBody>
-      </p:sp>
-      <p:sp>
-        <p:nvSpPr>
-          <p:cNvPr id="7" name="TextBox 6">
-            <a:extLst>
-              <a:ext uri="{FF2B5EF4-FFF2-40B4-BE49-F238E27FC236}">
-                <a16:creationId xmlns:a16="http://schemas.microsoft.com/office/drawing/2014/main" id="{8A2CB96E-9BD5-3AAE-B8A1-CC6B676CA76D}"/>
-              </a:ext>
-            </a:extLst>
-          </p:cNvPr>
-          <p:cNvSpPr txBox="1"/>
-          <p:nvPr/>
-        </p:nvSpPr>
-        <p:spPr>
-          <a:xfrm>
-            <a:off x="1080655" y="2013743"/>
-            <a:ext cx="8081818" cy="2234843"/>
-          </a:xfrm>
-          <a:prstGeom prst="rect">
-            <a:avLst/>
-          </a:prstGeom>
-          <a:noFill/>
-        </p:spPr>
-        <p:txBody>
-          <a:bodyPr wrap="square">
-            <a:spAutoFit/>
-          </a:bodyPr>
-          <a:lstStyle/>
-          <a:p>
-            <a:pPr>
-              <a:lnSpc>
-                <a:spcPts val="1425"/>
-              </a:lnSpc>
-            </a:pPr>
-            <a:r>
-              <a:rPr lang="en-ID" sz="1000" b="0" dirty="0">
-                <a:solidFill>
-                  <a:srgbClr val="569CD6"/>
-                </a:solidFill>
-                <a:effectLst/>
-                <a:latin typeface="Consolas" panose="020B0609020204030204" pitchFamily="49" charset="0"/>
-              </a:rPr>
-              <a:t>FROM</a:t>
-            </a:r>
-            <a:r>
-              <a:rPr lang="en-ID" sz="1000" b="0" dirty="0">
-                <a:solidFill>
-                  <a:srgbClr val="CCCCCC"/>
-                </a:solidFill>
-                <a:effectLst/>
-                <a:latin typeface="Consolas" panose="020B0609020204030204" pitchFamily="49" charset="0"/>
-              </a:rPr>
-              <a:t> quay.io/</a:t>
-            </a:r>
-            <a:r>
-              <a:rPr lang="en-ID" sz="1000" b="0" dirty="0" err="1">
-                <a:solidFill>
-                  <a:srgbClr val="CCCCCC"/>
-                </a:solidFill>
-                <a:effectLst/>
-                <a:latin typeface="Consolas" panose="020B0609020204030204" pitchFamily="49" charset="0"/>
-              </a:rPr>
-              <a:t>keycloak</a:t>
-            </a:r>
-            <a:r>
-              <a:rPr lang="en-ID" sz="1000" b="0" dirty="0">
-                <a:solidFill>
-                  <a:srgbClr val="CCCCCC"/>
-                </a:solidFill>
-                <a:effectLst/>
-                <a:latin typeface="Consolas" panose="020B0609020204030204" pitchFamily="49" charset="0"/>
-              </a:rPr>
-              <a:t>/keycloak:23.0.5 </a:t>
-            </a:r>
-            <a:r>
-              <a:rPr lang="en-ID" sz="1000" b="0" dirty="0">
-                <a:solidFill>
-                  <a:srgbClr val="569CD6"/>
-                </a:solidFill>
-                <a:effectLst/>
-                <a:latin typeface="Consolas" panose="020B0609020204030204" pitchFamily="49" charset="0"/>
-              </a:rPr>
-              <a:t>AS</a:t>
-            </a:r>
-            <a:r>
-              <a:rPr lang="en-ID" sz="1000" b="0" dirty="0">
-                <a:solidFill>
-                  <a:srgbClr val="CCCCCC"/>
-                </a:solidFill>
-                <a:effectLst/>
-                <a:latin typeface="Consolas" panose="020B0609020204030204" pitchFamily="49" charset="0"/>
-              </a:rPr>
-              <a:t> builder</a:t>
-            </a:r>
-          </a:p>
-          <a:p>
-            <a:pPr>
-              <a:lnSpc>
-                <a:spcPts val="1425"/>
-              </a:lnSpc>
-            </a:pPr>
-            <a:br>
-              <a:rPr lang="en-ID" sz="1000" b="0" dirty="0">
-                <a:solidFill>
-                  <a:srgbClr val="CCCCCC"/>
-                </a:solidFill>
-                <a:effectLst/>
-                <a:latin typeface="Consolas" panose="020B0609020204030204" pitchFamily="49" charset="0"/>
-              </a:rPr>
-            </a:br>
-            <a:r>
-              <a:rPr lang="en-ID" sz="1000" b="0" dirty="0">
-                <a:solidFill>
-                  <a:srgbClr val="6A9955"/>
-                </a:solidFill>
-                <a:effectLst/>
-                <a:latin typeface="Consolas" panose="020B0609020204030204" pitchFamily="49" charset="0"/>
-              </a:rPr>
-              <a:t># Enable health and metrics support</a:t>
-            </a:r>
-            <a:endParaRPr lang="en-ID" sz="1000" b="0" dirty="0">
-              <a:solidFill>
-                <a:srgbClr val="CCCCCC"/>
-              </a:solidFill>
-              <a:effectLst/>
-              <a:latin typeface="Consolas" panose="020B0609020204030204" pitchFamily="49" charset="0"/>
-            </a:endParaRPr>
-          </a:p>
-          <a:p>
-            <a:pPr>
-              <a:lnSpc>
-                <a:spcPts val="1425"/>
-              </a:lnSpc>
-            </a:pPr>
-            <a:r>
-              <a:rPr lang="en-ID" sz="1000" b="0" dirty="0">
-                <a:solidFill>
-                  <a:srgbClr val="569CD6"/>
-                </a:solidFill>
-                <a:effectLst/>
-                <a:latin typeface="Consolas" panose="020B0609020204030204" pitchFamily="49" charset="0"/>
-              </a:rPr>
-              <a:t>ENV</a:t>
-            </a:r>
-            <a:r>
-              <a:rPr lang="en-ID" sz="1000" b="0" dirty="0">
-                <a:solidFill>
-                  <a:srgbClr val="CCCCCC"/>
-                </a:solidFill>
-                <a:effectLst/>
-                <a:latin typeface="Consolas" panose="020B0609020204030204" pitchFamily="49" charset="0"/>
-              </a:rPr>
-              <a:t> KC_HEALTH_ENABLED=true</a:t>
-            </a:r>
-          </a:p>
-          <a:p>
-            <a:pPr>
-              <a:lnSpc>
-                <a:spcPts val="1425"/>
-              </a:lnSpc>
-            </a:pPr>
-            <a:r>
-              <a:rPr lang="en-ID" sz="1000" b="0" dirty="0">
-                <a:solidFill>
-                  <a:srgbClr val="569CD6"/>
-                </a:solidFill>
-                <a:effectLst/>
-                <a:latin typeface="Consolas" panose="020B0609020204030204" pitchFamily="49" charset="0"/>
-              </a:rPr>
-              <a:t>ENV</a:t>
-            </a:r>
-            <a:r>
-              <a:rPr lang="en-ID" sz="1000" b="0" dirty="0">
-                <a:solidFill>
-                  <a:srgbClr val="CCCCCC"/>
-                </a:solidFill>
-                <a:effectLst/>
-                <a:latin typeface="Consolas" panose="020B0609020204030204" pitchFamily="49" charset="0"/>
-              </a:rPr>
-              <a:t> KC_METRICS_ENABLED=true</a:t>
-            </a:r>
-          </a:p>
-          <a:p>
-            <a:pPr>
-              <a:lnSpc>
-                <a:spcPts val="1425"/>
-              </a:lnSpc>
-            </a:pPr>
-            <a:br>
-              <a:rPr lang="en-ID" sz="1000" b="0" dirty="0">
-                <a:solidFill>
-                  <a:srgbClr val="CCCCCC"/>
-                </a:solidFill>
-                <a:effectLst/>
-                <a:latin typeface="Consolas" panose="020B0609020204030204" pitchFamily="49" charset="0"/>
-              </a:rPr>
-            </a:br>
-            <a:r>
-              <a:rPr lang="en-ID" sz="1000" b="0" dirty="0">
-                <a:solidFill>
-                  <a:srgbClr val="569CD6"/>
-                </a:solidFill>
-                <a:effectLst/>
-                <a:latin typeface="Consolas" panose="020B0609020204030204" pitchFamily="49" charset="0"/>
-              </a:rPr>
-              <a:t>WORKDIR</a:t>
-            </a:r>
-            <a:r>
-              <a:rPr lang="en-ID" sz="1000" b="0" dirty="0">
-                <a:solidFill>
-                  <a:srgbClr val="CCCCCC"/>
-                </a:solidFill>
-                <a:effectLst/>
-                <a:latin typeface="Consolas" panose="020B0609020204030204" pitchFamily="49" charset="0"/>
-              </a:rPr>
-              <a:t> /opt/</a:t>
-            </a:r>
-            <a:r>
-              <a:rPr lang="en-ID" sz="1000" b="0" dirty="0" err="1">
-                <a:solidFill>
-                  <a:srgbClr val="CCCCCC"/>
-                </a:solidFill>
-                <a:effectLst/>
-                <a:latin typeface="Consolas" panose="020B0609020204030204" pitchFamily="49" charset="0"/>
-              </a:rPr>
-              <a:t>keycloak</a:t>
-            </a:r>
-            <a:endParaRPr lang="en-ID" sz="1000" b="0" dirty="0">
-              <a:solidFill>
-                <a:srgbClr val="CCCCCC"/>
-              </a:solidFill>
-              <a:effectLst/>
-              <a:latin typeface="Consolas" panose="020B0609020204030204" pitchFamily="49" charset="0"/>
-            </a:endParaRPr>
-          </a:p>
-          <a:p>
-            <a:pPr>
-              <a:lnSpc>
-                <a:spcPts val="1425"/>
-              </a:lnSpc>
-            </a:pPr>
-            <a:br>
-              <a:rPr lang="en-ID" sz="1000" b="0" dirty="0">
-                <a:solidFill>
-                  <a:srgbClr val="CCCCCC"/>
-                </a:solidFill>
-                <a:effectLst/>
-                <a:latin typeface="Consolas" panose="020B0609020204030204" pitchFamily="49" charset="0"/>
-              </a:rPr>
-            </a:br>
-            <a:r>
-              <a:rPr lang="en-ID" sz="1000" b="0" dirty="0">
-                <a:solidFill>
-                  <a:srgbClr val="569CD6"/>
-                </a:solidFill>
-                <a:effectLst/>
-                <a:latin typeface="Consolas" panose="020B0609020204030204" pitchFamily="49" charset="0"/>
-              </a:rPr>
-              <a:t>FROM</a:t>
-            </a:r>
-            <a:r>
-              <a:rPr lang="en-ID" sz="1000" b="0" dirty="0">
-                <a:solidFill>
-                  <a:srgbClr val="CCCCCC"/>
-                </a:solidFill>
-                <a:effectLst/>
-                <a:latin typeface="Consolas" panose="020B0609020204030204" pitchFamily="49" charset="0"/>
-              </a:rPr>
-              <a:t> quay.io/</a:t>
-            </a:r>
-            <a:r>
-              <a:rPr lang="en-ID" sz="1000" b="0" dirty="0" err="1">
-                <a:solidFill>
-                  <a:srgbClr val="CCCCCC"/>
-                </a:solidFill>
-                <a:effectLst/>
-                <a:latin typeface="Consolas" panose="020B0609020204030204" pitchFamily="49" charset="0"/>
-              </a:rPr>
-              <a:t>keycloak</a:t>
-            </a:r>
-            <a:r>
-              <a:rPr lang="en-ID" sz="1000" b="0" dirty="0">
-                <a:solidFill>
-                  <a:srgbClr val="CCCCCC"/>
-                </a:solidFill>
-                <a:effectLst/>
-                <a:latin typeface="Consolas" panose="020B0609020204030204" pitchFamily="49" charset="0"/>
-              </a:rPr>
-              <a:t>/keycloak:23.0.5</a:t>
-            </a:r>
-          </a:p>
-          <a:p>
-            <a:pPr>
-              <a:lnSpc>
-                <a:spcPts val="1425"/>
-              </a:lnSpc>
-            </a:pPr>
-            <a:r>
-              <a:rPr lang="en-ID" sz="1000" b="0" dirty="0">
-                <a:solidFill>
-                  <a:srgbClr val="569CD6"/>
-                </a:solidFill>
-                <a:effectLst/>
-                <a:latin typeface="Consolas" panose="020B0609020204030204" pitchFamily="49" charset="0"/>
-              </a:rPr>
-              <a:t>COPY</a:t>
-            </a:r>
-            <a:r>
-              <a:rPr lang="en-ID" sz="1000" b="0" dirty="0">
-                <a:solidFill>
-                  <a:srgbClr val="CCCCCC"/>
-                </a:solidFill>
-                <a:effectLst/>
-                <a:latin typeface="Consolas" panose="020B0609020204030204" pitchFamily="49" charset="0"/>
-              </a:rPr>
-              <a:t> --from=builder /opt/</a:t>
-            </a:r>
-            <a:r>
-              <a:rPr lang="en-ID" sz="1000" b="0" dirty="0" err="1">
-                <a:solidFill>
-                  <a:srgbClr val="CCCCCC"/>
-                </a:solidFill>
-                <a:effectLst/>
-                <a:latin typeface="Consolas" panose="020B0609020204030204" pitchFamily="49" charset="0"/>
-              </a:rPr>
-              <a:t>keycloak</a:t>
-            </a:r>
-            <a:r>
-              <a:rPr lang="en-ID" sz="1000" b="0" dirty="0">
-                <a:solidFill>
-                  <a:srgbClr val="CCCCCC"/>
-                </a:solidFill>
-                <a:effectLst/>
-                <a:latin typeface="Consolas" panose="020B0609020204030204" pitchFamily="49" charset="0"/>
-              </a:rPr>
-              <a:t>/ /opt/</a:t>
-            </a:r>
-            <a:r>
-              <a:rPr lang="en-ID" sz="1000" b="0" dirty="0" err="1">
-                <a:solidFill>
-                  <a:srgbClr val="CCCCCC"/>
-                </a:solidFill>
-                <a:effectLst/>
-                <a:latin typeface="Consolas" panose="020B0609020204030204" pitchFamily="49" charset="0"/>
-              </a:rPr>
-              <a:t>keycloak</a:t>
-            </a:r>
-            <a:r>
-              <a:rPr lang="en-ID" sz="1000" b="0" dirty="0">
-                <a:solidFill>
-                  <a:srgbClr val="CCCCCC"/>
-                </a:solidFill>
-                <a:effectLst/>
-                <a:latin typeface="Consolas" panose="020B0609020204030204" pitchFamily="49" charset="0"/>
-              </a:rPr>
-              <a:t>/</a:t>
-            </a:r>
-          </a:p>
-          <a:p>
-            <a:pPr>
-              <a:lnSpc>
-                <a:spcPts val="1425"/>
-              </a:lnSpc>
-            </a:pPr>
-            <a:br>
-              <a:rPr lang="en-ID" sz="1000" b="0" dirty="0">
-                <a:solidFill>
-                  <a:srgbClr val="CCCCCC"/>
-                </a:solidFill>
-                <a:effectLst/>
-                <a:latin typeface="Consolas" panose="020B0609020204030204" pitchFamily="49" charset="0"/>
-              </a:rPr>
-            </a:br>
-            <a:endParaRPr lang="en-ID" sz="1000" b="0" dirty="0">
-              <a:solidFill>
-                <a:srgbClr val="CCCCCC"/>
-              </a:solidFill>
-              <a:effectLst/>
-              <a:latin typeface="Consolas" panose="020B0609020204030204" pitchFamily="49" charset="0"/>
-            </a:endParaRPr>
-          </a:p>
-        </p:txBody>
-      </p:sp>
-    </p:spTree>
-    <p:extLst>
-      <p:ext uri="{BB962C8B-B14F-4D97-AF65-F5344CB8AC3E}">
-        <p14:creationId xmlns:p14="http://schemas.microsoft.com/office/powerpoint/2010/main" val="1934581073"/>
-      </p:ext>
-    </p:extLst>
-  </p:cSld>
-  <p:clrMapOvr>
-    <a:masterClrMapping/>
-  </p:clrMapOvr>
-</p:sld>
-</file>
-
-<file path=ppt/slides/slide31.xml><?xml version="1.0" encoding="utf-8"?>
-<p:sld xmlns:a="http://schemas.openxmlformats.org/drawingml/2006/main" xmlns:r="http://schemas.openxmlformats.org/officeDocument/2006/relationships" xmlns:p="http://schemas.openxmlformats.org/presentationml/2006/main">
-  <p:cSld>
-    <p:spTree>
-      <p:nvGrpSpPr>
-        <p:cNvPr id="1" name="">
-          <a:extLst>
-            <a:ext uri="{FF2B5EF4-FFF2-40B4-BE49-F238E27FC236}">
               <a16:creationId xmlns:a16="http://schemas.microsoft.com/office/drawing/2014/main" id="{043FB324-4C76-6B86-CD7A-6E36CDC549DA}"/>
             </a:ext>
           </a:extLst>
@@ -26217,7 +25007,7 @@
 </p:sld>
 </file>
 
-<file path=ppt/slides/slide32.xml><?xml version="1.0" encoding="utf-8"?>
+<file path=ppt/slides/slide31.xml><?xml version="1.0" encoding="utf-8"?>
 <p:sld xmlns:a="http://schemas.openxmlformats.org/drawingml/2006/main" xmlns:r="http://schemas.openxmlformats.org/officeDocument/2006/relationships" xmlns:p="http://schemas.openxmlformats.org/presentationml/2006/main">
   <p:cSld>
     <p:spTree>
@@ -26444,7 +25234,7 @@
 </p:sld>
 </file>
 
-<file path=ppt/slides/slide33.xml><?xml version="1.0" encoding="utf-8"?>
+<file path=ppt/slides/slide32.xml><?xml version="1.0" encoding="utf-8"?>
 <p:sld xmlns:a="http://schemas.openxmlformats.org/drawingml/2006/main" xmlns:r="http://schemas.openxmlformats.org/officeDocument/2006/relationships" xmlns:p="http://schemas.openxmlformats.org/presentationml/2006/main">
   <p:cSld>
     <p:spTree>
@@ -26768,7 +25558,7 @@
 </p:sld>
 </file>
 
-<file path=ppt/slides/slide34.xml><?xml version="1.0" encoding="utf-8"?>
+<file path=ppt/slides/slide33.xml><?xml version="1.0" encoding="utf-8"?>
 <p:sld xmlns:a="http://schemas.openxmlformats.org/drawingml/2006/main" xmlns:r="http://schemas.openxmlformats.org/officeDocument/2006/relationships" xmlns:p="http://schemas.openxmlformats.org/presentationml/2006/main">
   <p:cSld>
     <p:spTree>
@@ -27175,7 +25965,7 @@
 </p:sld>
 </file>
 
-<file path=ppt/slides/slide35.xml><?xml version="1.0" encoding="utf-8"?>
+<file path=ppt/slides/slide34.xml><?xml version="1.0" encoding="utf-8"?>
 <p:sld xmlns:a="http://schemas.openxmlformats.org/drawingml/2006/main" xmlns:r="http://schemas.openxmlformats.org/officeDocument/2006/relationships" xmlns:p="http://schemas.openxmlformats.org/presentationml/2006/main">
   <p:cSld>
     <p:spTree>
@@ -27728,7 +26518,7 @@
 </p:sld>
 </file>
 
-<file path=ppt/slides/slide36.xml><?xml version="1.0" encoding="utf-8"?>
+<file path=ppt/slides/slide35.xml><?xml version="1.0" encoding="utf-8"?>
 <p:sld xmlns:a="http://schemas.openxmlformats.org/drawingml/2006/main" xmlns:r="http://schemas.openxmlformats.org/officeDocument/2006/relationships" xmlns:p="http://schemas.openxmlformats.org/presentationml/2006/main">
   <p:cSld>
     <p:spTree>
@@ -28223,7 +27013,7 @@
 </p:sld>
 </file>
 
-<file path=ppt/slides/slide37.xml><?xml version="1.0" encoding="utf-8"?>
+<file path=ppt/slides/slide36.xml><?xml version="1.0" encoding="utf-8"?>
 <p:sld xmlns:a="http://schemas.openxmlformats.org/drawingml/2006/main" xmlns:r="http://schemas.openxmlformats.org/officeDocument/2006/relationships" xmlns:p="http://schemas.openxmlformats.org/presentationml/2006/main">
   <p:cSld>
     <p:spTree>
@@ -28387,7 +27177,7 @@
 </p:sld>
 </file>
 
-<file path=ppt/slides/slide38.xml><?xml version="1.0" encoding="utf-8"?>
+<file path=ppt/slides/slide37.xml><?xml version="1.0" encoding="utf-8"?>
 <p:sld xmlns:a="http://schemas.openxmlformats.org/drawingml/2006/main" xmlns:r="http://schemas.openxmlformats.org/officeDocument/2006/relationships" xmlns:p="http://schemas.openxmlformats.org/presentationml/2006/main">
   <p:cSld>
     <p:spTree>
@@ -28536,7 +27326,7 @@
 </p:sld>
 </file>
 
-<file path=ppt/slides/slide39.xml><?xml version="1.0" encoding="utf-8"?>
+<file path=ppt/slides/slide38.xml><?xml version="1.0" encoding="utf-8"?>
 <p:sld xmlns:a="http://schemas.openxmlformats.org/drawingml/2006/main" xmlns:r="http://schemas.openxmlformats.org/officeDocument/2006/relationships" xmlns:p="http://schemas.openxmlformats.org/presentationml/2006/main">
   <p:cSld>
     <p:spTree>
@@ -29071,99 +27861,7 @@
 </p:sld>
 </file>
 
-<file path=ppt/slides/slide4.xml><?xml version="1.0" encoding="utf-8"?>
-<p:sld xmlns:a="http://schemas.openxmlformats.org/drawingml/2006/main" xmlns:r="http://schemas.openxmlformats.org/officeDocument/2006/relationships" xmlns:p="http://schemas.openxmlformats.org/presentationml/2006/main">
-  <p:cSld>
-    <p:spTree>
-      <p:nvGrpSpPr>
-        <p:cNvPr id="1" name=""/>
-        <p:cNvGrpSpPr/>
-        <p:nvPr/>
-      </p:nvGrpSpPr>
-      <p:grpSpPr>
-        <a:xfrm>
-          <a:off x="0" y="0"/>
-          <a:ext cx="0" cy="0"/>
-          <a:chOff x="0" y="0"/>
-          <a:chExt cx="0" cy="0"/>
-        </a:xfrm>
-      </p:grpSpPr>
-      <p:sp>
-        <p:nvSpPr>
-          <p:cNvPr id="2" name="Title 1">
-            <a:extLst>
-              <a:ext uri="{FF2B5EF4-FFF2-40B4-BE49-F238E27FC236}">
-                <a16:creationId xmlns:a16="http://schemas.microsoft.com/office/drawing/2014/main" id="{93E53198-78B7-FD5F-70D5-756B4AB0CD77}"/>
-              </a:ext>
-            </a:extLst>
-          </p:cNvPr>
-          <p:cNvSpPr>
-            <a:spLocks noGrp="1"/>
-          </p:cNvSpPr>
-          <p:nvPr>
-            <p:ph type="title"/>
-          </p:nvPr>
-        </p:nvSpPr>
-        <p:spPr/>
-        <p:txBody>
-          <a:bodyPr/>
-          <a:lstStyle/>
-          <a:p>
-            <a:r>
-              <a:rPr lang="en-US" dirty="0" err="1"/>
-              <a:t>Keycloak</a:t>
-            </a:r>
-            <a:r>
-              <a:rPr lang="en-US" dirty="0"/>
-              <a:t> </a:t>
-            </a:r>
-            <a:r>
-              <a:rPr lang="en-US" dirty="0" err="1"/>
-              <a:t>Arsitektur</a:t>
-            </a:r>
-            <a:endParaRPr lang="en-ID" dirty="0"/>
-          </a:p>
-        </p:txBody>
-      </p:sp>
-      <p:sp>
-        <p:nvSpPr>
-          <p:cNvPr id="3" name="Content Placeholder 2">
-            <a:extLst>
-              <a:ext uri="{FF2B5EF4-FFF2-40B4-BE49-F238E27FC236}">
-                <a16:creationId xmlns:a16="http://schemas.microsoft.com/office/drawing/2014/main" id="{6DF7CDB5-31BD-141F-2974-0A618BB8F620}"/>
-              </a:ext>
-            </a:extLst>
-          </p:cNvPr>
-          <p:cNvSpPr>
-            <a:spLocks noGrp="1"/>
-          </p:cNvSpPr>
-          <p:nvPr>
-            <p:ph idx="1"/>
-          </p:nvPr>
-        </p:nvSpPr>
-        <p:spPr/>
-        <p:txBody>
-          <a:bodyPr/>
-          <a:lstStyle/>
-          <a:p>
-            <a:endParaRPr lang="en-ID" dirty="0"/>
-          </a:p>
-        </p:txBody>
-      </p:sp>
-    </p:spTree>
-    <p:extLst>
-      <p:ext uri="{BB962C8B-B14F-4D97-AF65-F5344CB8AC3E}">
-        <p14:creationId xmlns:p14="http://schemas.microsoft.com/office/powerpoint/2010/main" val="3208798117"/>
-      </p:ext>
-    </p:extLst>
-  </p:cSld>
-  <p:clrMapOvr>
-    <a:masterClrMapping/>
-  </p:clrMapOvr>
-</p:sld>
-</file>
-
-<file path=ppt/slides/slide40.xml><?xml version="1.0" encoding="utf-8"?>
+<file path=ppt/slides/slide39.xml><?xml version="1.0" encoding="utf-8"?>
 <p:sld xmlns:a="http://schemas.openxmlformats.org/drawingml/2006/main" xmlns:r="http://schemas.openxmlformats.org/officeDocument/2006/relationships" xmlns:p="http://schemas.openxmlformats.org/presentationml/2006/main">
   <p:cSld>
     <p:spTree>
@@ -29424,7 +28122,99 @@
 </p:sld>
 </file>
 
-<file path=ppt/slides/slide41.xml><?xml version="1.0" encoding="utf-8"?>
+<file path=ppt/slides/slide4.xml><?xml version="1.0" encoding="utf-8"?>
+<p:sld xmlns:a="http://schemas.openxmlformats.org/drawingml/2006/main" xmlns:r="http://schemas.openxmlformats.org/officeDocument/2006/relationships" xmlns:p="http://schemas.openxmlformats.org/presentationml/2006/main">
+  <p:cSld>
+    <p:spTree>
+      <p:nvGrpSpPr>
+        <p:cNvPr id="1" name=""/>
+        <p:cNvGrpSpPr/>
+        <p:nvPr/>
+      </p:nvGrpSpPr>
+      <p:grpSpPr>
+        <a:xfrm>
+          <a:off x="0" y="0"/>
+          <a:ext cx="0" cy="0"/>
+          <a:chOff x="0" y="0"/>
+          <a:chExt cx="0" cy="0"/>
+        </a:xfrm>
+      </p:grpSpPr>
+      <p:sp>
+        <p:nvSpPr>
+          <p:cNvPr id="2" name="Title 1">
+            <a:extLst>
+              <a:ext uri="{FF2B5EF4-FFF2-40B4-BE49-F238E27FC236}">
+                <a16:creationId xmlns:a16="http://schemas.microsoft.com/office/drawing/2014/main" id="{93E53198-78B7-FD5F-70D5-756B4AB0CD77}"/>
+              </a:ext>
+            </a:extLst>
+          </p:cNvPr>
+          <p:cNvSpPr>
+            <a:spLocks noGrp="1"/>
+          </p:cNvSpPr>
+          <p:nvPr>
+            <p:ph type="title"/>
+          </p:nvPr>
+        </p:nvSpPr>
+        <p:spPr/>
+        <p:txBody>
+          <a:bodyPr/>
+          <a:lstStyle/>
+          <a:p>
+            <a:r>
+              <a:rPr lang="en-US" dirty="0" err="1"/>
+              <a:t>Keycloak</a:t>
+            </a:r>
+            <a:r>
+              <a:rPr lang="en-US" dirty="0"/>
+              <a:t> </a:t>
+            </a:r>
+            <a:r>
+              <a:rPr lang="en-US" dirty="0" err="1"/>
+              <a:t>Arsitektur</a:t>
+            </a:r>
+            <a:endParaRPr lang="en-ID" dirty="0"/>
+          </a:p>
+        </p:txBody>
+      </p:sp>
+      <p:sp>
+        <p:nvSpPr>
+          <p:cNvPr id="3" name="Content Placeholder 2">
+            <a:extLst>
+              <a:ext uri="{FF2B5EF4-FFF2-40B4-BE49-F238E27FC236}">
+                <a16:creationId xmlns:a16="http://schemas.microsoft.com/office/drawing/2014/main" id="{6DF7CDB5-31BD-141F-2974-0A618BB8F620}"/>
+              </a:ext>
+            </a:extLst>
+          </p:cNvPr>
+          <p:cNvSpPr>
+            <a:spLocks noGrp="1"/>
+          </p:cNvSpPr>
+          <p:nvPr>
+            <p:ph idx="1"/>
+          </p:nvPr>
+        </p:nvSpPr>
+        <p:spPr/>
+        <p:txBody>
+          <a:bodyPr/>
+          <a:lstStyle/>
+          <a:p>
+            <a:endParaRPr lang="en-ID" dirty="0"/>
+          </a:p>
+        </p:txBody>
+      </p:sp>
+    </p:spTree>
+    <p:extLst>
+      <p:ext uri="{BB962C8B-B14F-4D97-AF65-F5344CB8AC3E}">
+        <p14:creationId xmlns:p14="http://schemas.microsoft.com/office/powerpoint/2010/main" val="3208798117"/>
+      </p:ext>
+    </p:extLst>
+  </p:cSld>
+  <p:clrMapOvr>
+    <a:masterClrMapping/>
+  </p:clrMapOvr>
+</p:sld>
+</file>
+
+<file path=ppt/slides/slide40.xml><?xml version="1.0" encoding="utf-8"?>
 <p:sld xmlns:a="http://schemas.openxmlformats.org/drawingml/2006/main" xmlns:r="http://schemas.openxmlformats.org/officeDocument/2006/relationships" xmlns:p="http://schemas.openxmlformats.org/presentationml/2006/main">
   <p:cSld>
     <p:spTree>
@@ -29592,7 +28382,7 @@
 </p:sld>
 </file>
 
-<file path=ppt/slides/slide42.xml><?xml version="1.0" encoding="utf-8"?>
+<file path=ppt/slides/slide41.xml><?xml version="1.0" encoding="utf-8"?>
 <p:sld xmlns:a="http://schemas.openxmlformats.org/drawingml/2006/main" xmlns:r="http://schemas.openxmlformats.org/officeDocument/2006/relationships" xmlns:p="http://schemas.openxmlformats.org/presentationml/2006/main">
   <p:cSld>
     <p:spTree>
@@ -29766,7 +28556,7 @@
 </p:sld>
 </file>
 
-<file path=ppt/slides/slide43.xml><?xml version="1.0" encoding="utf-8"?>
+<file path=ppt/slides/slide42.xml><?xml version="1.0" encoding="utf-8"?>
 <p:sld xmlns:a="http://schemas.openxmlformats.org/drawingml/2006/main" xmlns:r="http://schemas.openxmlformats.org/officeDocument/2006/relationships" xmlns:p="http://schemas.openxmlformats.org/presentationml/2006/main">
   <p:cSld>
     <p:spTree>
@@ -29880,7 +28670,7 @@
 </p:sld>
 </file>
 
-<file path=ppt/slides/slide44.xml><?xml version="1.0" encoding="utf-8"?>
+<file path=ppt/slides/slide43.xml><?xml version="1.0" encoding="utf-8"?>
 <p:sld xmlns:a="http://schemas.openxmlformats.org/drawingml/2006/main" xmlns:r="http://schemas.openxmlformats.org/officeDocument/2006/relationships" xmlns:p="http://schemas.openxmlformats.org/presentationml/2006/main">
   <p:cSld>
     <p:spTree>
@@ -30007,7 +28797,7 @@
 </p:sld>
 </file>
 
-<file path=ppt/slides/slide45.xml><?xml version="1.0" encoding="utf-8"?>
+<file path=ppt/slides/slide44.xml><?xml version="1.0" encoding="utf-8"?>
 <p:sld xmlns:a="http://schemas.openxmlformats.org/drawingml/2006/main" xmlns:r="http://schemas.openxmlformats.org/officeDocument/2006/relationships" xmlns:p="http://schemas.openxmlformats.org/presentationml/2006/main">
   <p:cSld>
     <p:spTree>
@@ -30096,7 +28886,7 @@
 </p:sld>
 </file>
 
-<file path=ppt/slides/slide46.xml><?xml version="1.0" encoding="utf-8"?>
+<file path=ppt/slides/slide45.xml><?xml version="1.0" encoding="utf-8"?>
 <p:sld xmlns:a="http://schemas.openxmlformats.org/drawingml/2006/main" xmlns:r="http://schemas.openxmlformats.org/officeDocument/2006/relationships" xmlns:p="http://schemas.openxmlformats.org/presentationml/2006/main">
   <p:cSld>
     <p:spTree>
@@ -30198,7 +28988,7 @@
 </p:sld>
 </file>
 
-<file path=ppt/slides/slide47.xml><?xml version="1.0" encoding="utf-8"?>
+<file path=ppt/slides/slide46.xml><?xml version="1.0" encoding="utf-8"?>
 <p:sld xmlns:a="http://schemas.openxmlformats.org/drawingml/2006/main" xmlns:r="http://schemas.openxmlformats.org/officeDocument/2006/relationships" xmlns:p="http://schemas.openxmlformats.org/presentationml/2006/main">
   <p:cSld>
     <p:spTree>
@@ -31947,6 +30737,128 @@
     <p:extLst>
       <p:ext uri="{BB962C8B-B14F-4D97-AF65-F5344CB8AC3E}">
         <p14:creationId xmlns:p14="http://schemas.microsoft.com/office/powerpoint/2010/main" val="2543688651"/>
+      </p:ext>
+    </p:extLst>
+  </p:cSld>
+  <p:clrMapOvr>
+    <a:masterClrMapping/>
+  </p:clrMapOvr>
+</p:sld>
+</file>
+
+<file path=ppt/slides/slide47.xml><?xml version="1.0" encoding="utf-8"?>
+<p:sld xmlns:a="http://schemas.openxmlformats.org/drawingml/2006/main" xmlns:r="http://schemas.openxmlformats.org/officeDocument/2006/relationships" xmlns:p="http://schemas.openxmlformats.org/presentationml/2006/main">
+  <p:cSld>
+    <p:spTree>
+      <p:nvGrpSpPr>
+        <p:cNvPr id="1" name=""/>
+        <p:cNvGrpSpPr/>
+        <p:nvPr/>
+      </p:nvGrpSpPr>
+      <p:grpSpPr>
+        <a:xfrm>
+          <a:off x="0" y="0"/>
+          <a:ext cx="0" cy="0"/>
+          <a:chOff x="0" y="0"/>
+          <a:chExt cx="0" cy="0"/>
+        </a:xfrm>
+      </p:grpSpPr>
+      <p:sp>
+        <p:nvSpPr>
+          <p:cNvPr id="2" name="Title 1">
+            <a:extLst>
+              <a:ext uri="{FF2B5EF4-FFF2-40B4-BE49-F238E27FC236}">
+                <a16:creationId xmlns:a16="http://schemas.microsoft.com/office/drawing/2014/main" id="{48200078-F2A4-E9A4-FC89-47FA66008A71}"/>
+              </a:ext>
+            </a:extLst>
+          </p:cNvPr>
+          <p:cNvSpPr>
+            <a:spLocks noGrp="1"/>
+          </p:cNvSpPr>
+          <p:nvPr>
+            <p:ph type="title"/>
+          </p:nvPr>
+        </p:nvSpPr>
+        <p:spPr/>
+        <p:txBody>
+          <a:bodyPr/>
+          <a:lstStyle/>
+          <a:p>
+            <a:r>
+              <a:rPr lang="en-US" dirty="0"/>
+              <a:t>How do we </a:t>
+            </a:r>
+            <a:r>
+              <a:rPr lang="en-US" b="1" dirty="0">
+                <a:highlight>
+                  <a:srgbClr val="FFFF00"/>
+                </a:highlight>
+              </a:rPr>
+              <a:t>integrate</a:t>
+            </a:r>
+            <a:r>
+              <a:rPr lang="en-US" dirty="0"/>
+              <a:t> </a:t>
+            </a:r>
+            <a:r>
+              <a:rPr lang="en-US" dirty="0" err="1"/>
+              <a:t>kong</a:t>
+            </a:r>
+            <a:r>
+              <a:rPr lang="en-US" dirty="0"/>
+              <a:t> with </a:t>
+            </a:r>
+            <a:r>
+              <a:rPr lang="en-US" dirty="0" err="1"/>
+              <a:t>keycloak</a:t>
+            </a:r>
+            <a:r>
+              <a:rPr lang="en-US" dirty="0"/>
+              <a:t>?</a:t>
+            </a:r>
+            <a:endParaRPr lang="en-ID" dirty="0"/>
+          </a:p>
+        </p:txBody>
+      </p:sp>
+      <p:sp>
+        <p:nvSpPr>
+          <p:cNvPr id="5" name="TextBox 4">
+            <a:extLst>
+              <a:ext uri="{FF2B5EF4-FFF2-40B4-BE49-F238E27FC236}">
+                <a16:creationId xmlns:a16="http://schemas.microsoft.com/office/drawing/2014/main" id="{839DC22D-9C87-ED9E-319E-EFF509C8F41A}"/>
+              </a:ext>
+            </a:extLst>
+          </p:cNvPr>
+          <p:cNvSpPr txBox="1"/>
+          <p:nvPr/>
+        </p:nvSpPr>
+        <p:spPr>
+          <a:xfrm>
+            <a:off x="6792686" y="6308209"/>
+            <a:ext cx="6096000" cy="369332"/>
+          </a:xfrm>
+          <a:prstGeom prst="rect">
+            <a:avLst/>
+          </a:prstGeom>
+          <a:noFill/>
+        </p:spPr>
+        <p:txBody>
+          <a:bodyPr wrap="square">
+            <a:spAutoFit/>
+          </a:bodyPr>
+          <a:lstStyle/>
+          <a:p>
+            <a:r>
+              <a:rPr lang="en-ID" dirty="0"/>
+              <a:t>https://www.jerney.io/secure-apis-kong-keycloak-1/</a:t>
+            </a:r>
+          </a:p>
+        </p:txBody>
+      </p:sp>
+    </p:spTree>
+    <p:extLst>
+      <p:ext uri="{BB962C8B-B14F-4D97-AF65-F5344CB8AC3E}">
+        <p14:creationId xmlns:p14="http://schemas.microsoft.com/office/powerpoint/2010/main" val="1176903893"/>
       </p:ext>
     </p:extLst>
   </p:cSld>
